--- a/投影片/2.asp.net webform 框架.pptx
+++ b/投影片/2.asp.net webform 框架.pptx
@@ -7,6 +7,32 @@
   <p:sldIdLst>
     <p:sldId id="256" r:id="rId2"/>
     <p:sldId id="257" r:id="rId3"/>
+    <p:sldId id="258" r:id="rId4"/>
+    <p:sldId id="259" r:id="rId5"/>
+    <p:sldId id="260" r:id="rId6"/>
+    <p:sldId id="261" r:id="rId7"/>
+    <p:sldId id="262" r:id="rId8"/>
+    <p:sldId id="263" r:id="rId9"/>
+    <p:sldId id="264" r:id="rId10"/>
+    <p:sldId id="268" r:id="rId11"/>
+    <p:sldId id="269" r:id="rId12"/>
+    <p:sldId id="270" r:id="rId13"/>
+    <p:sldId id="271" r:id="rId14"/>
+    <p:sldId id="265" r:id="rId15"/>
+    <p:sldId id="266" r:id="rId16"/>
+    <p:sldId id="267" r:id="rId17"/>
+    <p:sldId id="272" r:id="rId18"/>
+    <p:sldId id="273" r:id="rId19"/>
+    <p:sldId id="274" r:id="rId20"/>
+    <p:sldId id="275" r:id="rId21"/>
+    <p:sldId id="276" r:id="rId22"/>
+    <p:sldId id="277" r:id="rId23"/>
+    <p:sldId id="278" r:id="rId24"/>
+    <p:sldId id="279" r:id="rId25"/>
+    <p:sldId id="280" r:id="rId26"/>
+    <p:sldId id="281" r:id="rId27"/>
+    <p:sldId id="282" r:id="rId28"/>
+    <p:sldId id="283" r:id="rId29"/>
   </p:sldIdLst>
   <p:sldSz cx="12192000" cy="6858000"/>
   <p:notesSz cx="6858000" cy="9144000"/>
@@ -105,6 +131,11 @@
       </a:defRPr>
     </a:lvl9pPr>
   </p:defaultTextStyle>
+  <p:extLst>
+    <p:ext uri="{EFAFB233-063F-42B5-8137-9DF3F51BA10A}">
+      <p15:sldGuideLst xmlns:p15="http://schemas.microsoft.com/office/powerpoint/2012/main"/>
+    </p:ext>
+  </p:extLst>
 </p:presentation>
 </file>
 
@@ -239,7 +270,7 @@
           <a:p>
             <a:fld id="{FD0A4632-C5D3-4651-8940-53FD5C35DEAA}" type="datetimeFigureOut">
               <a:rPr lang="zh-TW" altLang="en-US" smtClean="0"/>
-              <a:t>2022/1/26</a:t>
+              <a:t>2022/1/31</a:t>
             </a:fld>
             <a:endParaRPr lang="zh-TW" altLang="en-US"/>
           </a:p>
@@ -409,7 +440,7 @@
           <a:p>
             <a:fld id="{FD0A4632-C5D3-4651-8940-53FD5C35DEAA}" type="datetimeFigureOut">
               <a:rPr lang="zh-TW" altLang="en-US" smtClean="0"/>
-              <a:t>2022/1/26</a:t>
+              <a:t>2022/1/31</a:t>
             </a:fld>
             <a:endParaRPr lang="zh-TW" altLang="en-US"/>
           </a:p>
@@ -589,7 +620,7 @@
           <a:p>
             <a:fld id="{FD0A4632-C5D3-4651-8940-53FD5C35DEAA}" type="datetimeFigureOut">
               <a:rPr lang="zh-TW" altLang="en-US" smtClean="0"/>
-              <a:t>2022/1/26</a:t>
+              <a:t>2022/1/31</a:t>
             </a:fld>
             <a:endParaRPr lang="zh-TW" altLang="en-US"/>
           </a:p>
@@ -759,7 +790,7 @@
           <a:p>
             <a:fld id="{FD0A4632-C5D3-4651-8940-53FD5C35DEAA}" type="datetimeFigureOut">
               <a:rPr lang="zh-TW" altLang="en-US" smtClean="0"/>
-              <a:t>2022/1/26</a:t>
+              <a:t>2022/1/31</a:t>
             </a:fld>
             <a:endParaRPr lang="zh-TW" altLang="en-US"/>
           </a:p>
@@ -1005,7 +1036,7 @@
           <a:p>
             <a:fld id="{FD0A4632-C5D3-4651-8940-53FD5C35DEAA}" type="datetimeFigureOut">
               <a:rPr lang="zh-TW" altLang="en-US" smtClean="0"/>
-              <a:t>2022/1/26</a:t>
+              <a:t>2022/1/31</a:t>
             </a:fld>
             <a:endParaRPr lang="zh-TW" altLang="en-US"/>
           </a:p>
@@ -1237,7 +1268,7 @@
           <a:p>
             <a:fld id="{FD0A4632-C5D3-4651-8940-53FD5C35DEAA}" type="datetimeFigureOut">
               <a:rPr lang="zh-TW" altLang="en-US" smtClean="0"/>
-              <a:t>2022/1/26</a:t>
+              <a:t>2022/1/31</a:t>
             </a:fld>
             <a:endParaRPr lang="zh-TW" altLang="en-US"/>
           </a:p>
@@ -1604,7 +1635,7 @@
           <a:p>
             <a:fld id="{FD0A4632-C5D3-4651-8940-53FD5C35DEAA}" type="datetimeFigureOut">
               <a:rPr lang="zh-TW" altLang="en-US" smtClean="0"/>
-              <a:t>2022/1/26</a:t>
+              <a:t>2022/1/31</a:t>
             </a:fld>
             <a:endParaRPr lang="zh-TW" altLang="en-US"/>
           </a:p>
@@ -1722,7 +1753,7 @@
           <a:p>
             <a:fld id="{FD0A4632-C5D3-4651-8940-53FD5C35DEAA}" type="datetimeFigureOut">
               <a:rPr lang="zh-TW" altLang="en-US" smtClean="0"/>
-              <a:t>2022/1/26</a:t>
+              <a:t>2022/1/31</a:t>
             </a:fld>
             <a:endParaRPr lang="zh-TW" altLang="en-US"/>
           </a:p>
@@ -1817,7 +1848,7 @@
           <a:p>
             <a:fld id="{FD0A4632-C5D3-4651-8940-53FD5C35DEAA}" type="datetimeFigureOut">
               <a:rPr lang="zh-TW" altLang="en-US" smtClean="0"/>
-              <a:t>2022/1/26</a:t>
+              <a:t>2022/1/31</a:t>
             </a:fld>
             <a:endParaRPr lang="zh-TW" altLang="en-US"/>
           </a:p>
@@ -2094,7 +2125,7 @@
           <a:p>
             <a:fld id="{FD0A4632-C5D3-4651-8940-53FD5C35DEAA}" type="datetimeFigureOut">
               <a:rPr lang="zh-TW" altLang="en-US" smtClean="0"/>
-              <a:t>2022/1/26</a:t>
+              <a:t>2022/1/31</a:t>
             </a:fld>
             <a:endParaRPr lang="zh-TW" altLang="en-US"/>
           </a:p>
@@ -2347,7 +2378,7 @@
           <a:p>
             <a:fld id="{FD0A4632-C5D3-4651-8940-53FD5C35DEAA}" type="datetimeFigureOut">
               <a:rPr lang="zh-TW" altLang="en-US" smtClean="0"/>
-              <a:t>2022/1/26</a:t>
+              <a:t>2022/1/31</a:t>
             </a:fld>
             <a:endParaRPr lang="zh-TW" altLang="en-US"/>
           </a:p>
@@ -2560,7 +2591,7 @@
           <a:p>
             <a:fld id="{FD0A4632-C5D3-4651-8940-53FD5C35DEAA}" type="datetimeFigureOut">
               <a:rPr lang="zh-TW" altLang="en-US" smtClean="0"/>
-              <a:t>2022/1/26</a:t>
+              <a:t>2022/1/31</a:t>
             </a:fld>
             <a:endParaRPr lang="zh-TW" altLang="en-US"/>
           </a:p>
@@ -3016,6 +3047,798 @@
 </p:sld>
 </file>
 
+<file path=ppt/slides/slide10.xml><?xml version="1.0" encoding="utf-8"?>
+<p:sld xmlns:a="http://schemas.openxmlformats.org/drawingml/2006/main" xmlns:r="http://schemas.openxmlformats.org/officeDocument/2006/relationships" xmlns:p="http://schemas.openxmlformats.org/presentationml/2006/main">
+  <p:cSld>
+    <p:spTree>
+      <p:nvGrpSpPr>
+        <p:cNvPr id="1" name=""/>
+        <p:cNvGrpSpPr/>
+        <p:nvPr/>
+      </p:nvGrpSpPr>
+      <p:grpSpPr>
+        <a:xfrm>
+          <a:off x="0" y="0"/>
+          <a:ext cx="0" cy="0"/>
+          <a:chOff x="0" y="0"/>
+          <a:chExt cx="0" cy="0"/>
+        </a:xfrm>
+      </p:grpSpPr>
+      <p:sp>
+        <p:nvSpPr>
+          <p:cNvPr id="2" name="標題 1"/>
+          <p:cNvSpPr>
+            <a:spLocks noGrp="1"/>
+          </p:cNvSpPr>
+          <p:nvPr>
+            <p:ph type="title"/>
+          </p:nvPr>
+        </p:nvSpPr>
+        <p:spPr/>
+        <p:txBody>
+          <a:bodyPr/>
+          <a:lstStyle/>
+          <a:p>
+            <a:r>
+              <a:rPr lang="en-US" altLang="zh-TW" dirty="0"/>
+              <a:t>Web Form </a:t>
+            </a:r>
+            <a:r>
+              <a:rPr lang="zh-TW" altLang="en-US" dirty="0"/>
+              <a:t>常用</a:t>
+            </a:r>
+            <a:r>
+              <a:rPr lang="zh-TW" altLang="en-US" dirty="0" smtClean="0"/>
+              <a:t>控制項與</a:t>
+            </a:r>
+            <a:r>
+              <a:rPr lang="en-US" altLang="zh-TW" dirty="0" smtClean="0"/>
+              <a:t>HTML Tag</a:t>
+            </a:r>
+            <a:endParaRPr lang="zh-TW" altLang="en-US" dirty="0"/>
+          </a:p>
+        </p:txBody>
+      </p:sp>
+      <p:sp>
+        <p:nvSpPr>
+          <p:cNvPr id="3" name="內容版面配置區 2"/>
+          <p:cNvSpPr>
+            <a:spLocks noGrp="1"/>
+          </p:cNvSpPr>
+          <p:nvPr>
+            <p:ph idx="1"/>
+          </p:nvPr>
+        </p:nvSpPr>
+        <p:spPr/>
+        <p:txBody>
+          <a:bodyPr/>
+          <a:lstStyle/>
+          <a:p>
+            <a:endParaRPr lang="zh-TW" altLang="en-US"/>
+          </a:p>
+        </p:txBody>
+      </p:sp>
+    </p:spTree>
+    <p:extLst>
+      <p:ext uri="{BB962C8B-B14F-4D97-AF65-F5344CB8AC3E}">
+        <p14:creationId xmlns:p14="http://schemas.microsoft.com/office/powerpoint/2010/main" val="963463153"/>
+      </p:ext>
+    </p:extLst>
+  </p:cSld>
+  <p:clrMapOvr>
+    <a:masterClrMapping/>
+  </p:clrMapOvr>
+</p:sld>
+</file>
+
+<file path=ppt/slides/slide11.xml><?xml version="1.0" encoding="utf-8"?>
+<p:sld xmlns:a="http://schemas.openxmlformats.org/drawingml/2006/main" xmlns:r="http://schemas.openxmlformats.org/officeDocument/2006/relationships" xmlns:p="http://schemas.openxmlformats.org/presentationml/2006/main">
+  <p:cSld>
+    <p:spTree>
+      <p:nvGrpSpPr>
+        <p:cNvPr id="1" name=""/>
+        <p:cNvGrpSpPr/>
+        <p:nvPr/>
+      </p:nvGrpSpPr>
+      <p:grpSpPr>
+        <a:xfrm>
+          <a:off x="0" y="0"/>
+          <a:ext cx="0" cy="0"/>
+          <a:chOff x="0" y="0"/>
+          <a:chExt cx="0" cy="0"/>
+        </a:xfrm>
+      </p:grpSpPr>
+      <p:sp>
+        <p:nvSpPr>
+          <p:cNvPr id="2" name="標題 1"/>
+          <p:cNvSpPr>
+            <a:spLocks noGrp="1"/>
+          </p:cNvSpPr>
+          <p:nvPr>
+            <p:ph type="title"/>
+          </p:nvPr>
+        </p:nvSpPr>
+        <p:spPr/>
+        <p:txBody>
+          <a:bodyPr/>
+          <a:lstStyle/>
+          <a:p>
+            <a:r>
+              <a:rPr lang="en-US" altLang="zh-TW" dirty="0"/>
+              <a:t>Web Form </a:t>
+            </a:r>
+            <a:r>
+              <a:rPr lang="zh-TW" altLang="en-US" dirty="0"/>
+              <a:t>常用</a:t>
+            </a:r>
+            <a:r>
+              <a:rPr lang="zh-TW" altLang="en-US" dirty="0" smtClean="0"/>
+              <a:t>控制項與</a:t>
+            </a:r>
+            <a:r>
+              <a:rPr lang="en-US" altLang="zh-TW" dirty="0" smtClean="0"/>
+              <a:t>HTML Tag</a:t>
+            </a:r>
+            <a:endParaRPr lang="zh-TW" altLang="en-US" dirty="0"/>
+          </a:p>
+        </p:txBody>
+      </p:sp>
+      <p:sp>
+        <p:nvSpPr>
+          <p:cNvPr id="3" name="內容版面配置區 2"/>
+          <p:cNvSpPr>
+            <a:spLocks noGrp="1"/>
+          </p:cNvSpPr>
+          <p:nvPr>
+            <p:ph idx="1"/>
+          </p:nvPr>
+        </p:nvSpPr>
+        <p:spPr/>
+        <p:txBody>
+          <a:bodyPr/>
+          <a:lstStyle/>
+          <a:p>
+            <a:endParaRPr lang="zh-TW" altLang="en-US"/>
+          </a:p>
+        </p:txBody>
+      </p:sp>
+    </p:spTree>
+    <p:extLst>
+      <p:ext uri="{BB962C8B-B14F-4D97-AF65-F5344CB8AC3E}">
+        <p14:creationId xmlns:p14="http://schemas.microsoft.com/office/powerpoint/2010/main" val="1233253182"/>
+      </p:ext>
+    </p:extLst>
+  </p:cSld>
+  <p:clrMapOvr>
+    <a:masterClrMapping/>
+  </p:clrMapOvr>
+</p:sld>
+</file>
+
+<file path=ppt/slides/slide12.xml><?xml version="1.0" encoding="utf-8"?>
+<p:sld xmlns:a="http://schemas.openxmlformats.org/drawingml/2006/main" xmlns:r="http://schemas.openxmlformats.org/officeDocument/2006/relationships" xmlns:p="http://schemas.openxmlformats.org/presentationml/2006/main">
+  <p:cSld>
+    <p:spTree>
+      <p:nvGrpSpPr>
+        <p:cNvPr id="1" name=""/>
+        <p:cNvGrpSpPr/>
+        <p:nvPr/>
+      </p:nvGrpSpPr>
+      <p:grpSpPr>
+        <a:xfrm>
+          <a:off x="0" y="0"/>
+          <a:ext cx="0" cy="0"/>
+          <a:chOff x="0" y="0"/>
+          <a:chExt cx="0" cy="0"/>
+        </a:xfrm>
+      </p:grpSpPr>
+      <p:sp>
+        <p:nvSpPr>
+          <p:cNvPr id="2" name="標題 1"/>
+          <p:cNvSpPr>
+            <a:spLocks noGrp="1"/>
+          </p:cNvSpPr>
+          <p:nvPr>
+            <p:ph type="title"/>
+          </p:nvPr>
+        </p:nvSpPr>
+        <p:spPr/>
+        <p:txBody>
+          <a:bodyPr/>
+          <a:lstStyle/>
+          <a:p>
+            <a:r>
+              <a:rPr lang="en-US" altLang="zh-TW" dirty="0"/>
+              <a:t>Web Form </a:t>
+            </a:r>
+            <a:r>
+              <a:rPr lang="zh-TW" altLang="en-US" dirty="0"/>
+              <a:t>常用</a:t>
+            </a:r>
+            <a:r>
+              <a:rPr lang="zh-TW" altLang="en-US" dirty="0" smtClean="0"/>
+              <a:t>控制項與</a:t>
+            </a:r>
+            <a:r>
+              <a:rPr lang="en-US" altLang="zh-TW" dirty="0" smtClean="0"/>
+              <a:t>HTML Tag</a:t>
+            </a:r>
+            <a:endParaRPr lang="zh-TW" altLang="en-US" dirty="0"/>
+          </a:p>
+        </p:txBody>
+      </p:sp>
+      <p:sp>
+        <p:nvSpPr>
+          <p:cNvPr id="3" name="內容版面配置區 2"/>
+          <p:cNvSpPr>
+            <a:spLocks noGrp="1"/>
+          </p:cNvSpPr>
+          <p:nvPr>
+            <p:ph idx="1"/>
+          </p:nvPr>
+        </p:nvSpPr>
+        <p:spPr/>
+        <p:txBody>
+          <a:bodyPr/>
+          <a:lstStyle/>
+          <a:p>
+            <a:endParaRPr lang="zh-TW" altLang="en-US"/>
+          </a:p>
+        </p:txBody>
+      </p:sp>
+    </p:spTree>
+    <p:extLst>
+      <p:ext uri="{BB962C8B-B14F-4D97-AF65-F5344CB8AC3E}">
+        <p14:creationId xmlns:p14="http://schemas.microsoft.com/office/powerpoint/2010/main" val="483294041"/>
+      </p:ext>
+    </p:extLst>
+  </p:cSld>
+  <p:clrMapOvr>
+    <a:masterClrMapping/>
+  </p:clrMapOvr>
+</p:sld>
+</file>
+
+<file path=ppt/slides/slide13.xml><?xml version="1.0" encoding="utf-8"?>
+<p:sld xmlns:a="http://schemas.openxmlformats.org/drawingml/2006/main" xmlns:r="http://schemas.openxmlformats.org/officeDocument/2006/relationships" xmlns:p="http://schemas.openxmlformats.org/presentationml/2006/main">
+  <p:cSld>
+    <p:spTree>
+      <p:nvGrpSpPr>
+        <p:cNvPr id="1" name=""/>
+        <p:cNvGrpSpPr/>
+        <p:nvPr/>
+      </p:nvGrpSpPr>
+      <p:grpSpPr>
+        <a:xfrm>
+          <a:off x="0" y="0"/>
+          <a:ext cx="0" cy="0"/>
+          <a:chOff x="0" y="0"/>
+          <a:chExt cx="0" cy="0"/>
+        </a:xfrm>
+      </p:grpSpPr>
+      <p:sp>
+        <p:nvSpPr>
+          <p:cNvPr id="2" name="標題 1"/>
+          <p:cNvSpPr>
+            <a:spLocks noGrp="1"/>
+          </p:cNvSpPr>
+          <p:nvPr>
+            <p:ph type="title"/>
+          </p:nvPr>
+        </p:nvSpPr>
+        <p:spPr/>
+        <p:txBody>
+          <a:bodyPr/>
+          <a:lstStyle/>
+          <a:p>
+            <a:r>
+              <a:rPr lang="en-US" altLang="zh-TW" dirty="0"/>
+              <a:t>Web Form </a:t>
+            </a:r>
+            <a:r>
+              <a:rPr lang="zh-TW" altLang="en-US" dirty="0"/>
+              <a:t>常用</a:t>
+            </a:r>
+            <a:r>
+              <a:rPr lang="zh-TW" altLang="en-US" dirty="0" smtClean="0"/>
+              <a:t>控制項與</a:t>
+            </a:r>
+            <a:r>
+              <a:rPr lang="en-US" altLang="zh-TW" dirty="0" smtClean="0"/>
+              <a:t>HTML Tag</a:t>
+            </a:r>
+            <a:endParaRPr lang="zh-TW" altLang="en-US" dirty="0"/>
+          </a:p>
+        </p:txBody>
+      </p:sp>
+      <p:sp>
+        <p:nvSpPr>
+          <p:cNvPr id="3" name="內容版面配置區 2"/>
+          <p:cNvSpPr>
+            <a:spLocks noGrp="1"/>
+          </p:cNvSpPr>
+          <p:nvPr>
+            <p:ph idx="1"/>
+          </p:nvPr>
+        </p:nvSpPr>
+        <p:spPr/>
+        <p:txBody>
+          <a:bodyPr/>
+          <a:lstStyle/>
+          <a:p>
+            <a:endParaRPr lang="zh-TW" altLang="en-US"/>
+          </a:p>
+        </p:txBody>
+      </p:sp>
+    </p:spTree>
+    <p:extLst>
+      <p:ext uri="{BB962C8B-B14F-4D97-AF65-F5344CB8AC3E}">
+        <p14:creationId xmlns:p14="http://schemas.microsoft.com/office/powerpoint/2010/main" val="2089721797"/>
+      </p:ext>
+    </p:extLst>
+  </p:cSld>
+  <p:clrMapOvr>
+    <a:masterClrMapping/>
+  </p:clrMapOvr>
+</p:sld>
+</file>
+
+<file path=ppt/slides/slide14.xml><?xml version="1.0" encoding="utf-8"?>
+<p:sld xmlns:a="http://schemas.openxmlformats.org/drawingml/2006/main" xmlns:r="http://schemas.openxmlformats.org/officeDocument/2006/relationships" xmlns:p="http://schemas.openxmlformats.org/presentationml/2006/main">
+  <p:cSld>
+    <p:spTree>
+      <p:nvGrpSpPr>
+        <p:cNvPr id="1" name=""/>
+        <p:cNvGrpSpPr/>
+        <p:nvPr/>
+      </p:nvGrpSpPr>
+      <p:grpSpPr>
+        <a:xfrm>
+          <a:off x="0" y="0"/>
+          <a:ext cx="0" cy="0"/>
+          <a:chOff x="0" y="0"/>
+          <a:chExt cx="0" cy="0"/>
+        </a:xfrm>
+      </p:grpSpPr>
+      <p:sp>
+        <p:nvSpPr>
+          <p:cNvPr id="2" name="標題 1"/>
+          <p:cNvSpPr>
+            <a:spLocks noGrp="1"/>
+          </p:cNvSpPr>
+          <p:nvPr>
+            <p:ph type="title"/>
+          </p:nvPr>
+        </p:nvSpPr>
+        <p:spPr/>
+        <p:txBody>
+          <a:bodyPr/>
+          <a:lstStyle/>
+          <a:p>
+            <a:r>
+              <a:rPr lang="en-US" altLang="zh-TW" dirty="0"/>
+              <a:t>Web Form </a:t>
+            </a:r>
+            <a:r>
+              <a:rPr lang="zh-TW" altLang="en-US" dirty="0" smtClean="0"/>
+              <a:t>控制項事件處理</a:t>
+            </a:r>
+            <a:endParaRPr lang="zh-TW" altLang="en-US" dirty="0"/>
+          </a:p>
+        </p:txBody>
+      </p:sp>
+      <p:sp>
+        <p:nvSpPr>
+          <p:cNvPr id="3" name="內容版面配置區 2"/>
+          <p:cNvSpPr>
+            <a:spLocks noGrp="1"/>
+          </p:cNvSpPr>
+          <p:nvPr>
+            <p:ph idx="1"/>
+          </p:nvPr>
+        </p:nvSpPr>
+        <p:spPr/>
+        <p:txBody>
+          <a:bodyPr/>
+          <a:lstStyle/>
+          <a:p>
+            <a:endParaRPr lang="zh-TW" altLang="en-US"/>
+          </a:p>
+        </p:txBody>
+      </p:sp>
+    </p:spTree>
+    <p:extLst>
+      <p:ext uri="{BB962C8B-B14F-4D97-AF65-F5344CB8AC3E}">
+        <p14:creationId xmlns:p14="http://schemas.microsoft.com/office/powerpoint/2010/main" val="4153813203"/>
+      </p:ext>
+    </p:extLst>
+  </p:cSld>
+  <p:clrMapOvr>
+    <a:masterClrMapping/>
+  </p:clrMapOvr>
+</p:sld>
+</file>
+
+<file path=ppt/slides/slide15.xml><?xml version="1.0" encoding="utf-8"?>
+<p:sld xmlns:a="http://schemas.openxmlformats.org/drawingml/2006/main" xmlns:r="http://schemas.openxmlformats.org/officeDocument/2006/relationships" xmlns:p="http://schemas.openxmlformats.org/presentationml/2006/main">
+  <p:cSld>
+    <p:spTree>
+      <p:nvGrpSpPr>
+        <p:cNvPr id="1" name=""/>
+        <p:cNvGrpSpPr/>
+        <p:nvPr/>
+      </p:nvGrpSpPr>
+      <p:grpSpPr>
+        <a:xfrm>
+          <a:off x="0" y="0"/>
+          <a:ext cx="0" cy="0"/>
+          <a:chOff x="0" y="0"/>
+          <a:chExt cx="0" cy="0"/>
+        </a:xfrm>
+      </p:grpSpPr>
+      <p:sp>
+        <p:nvSpPr>
+          <p:cNvPr id="2" name="標題 1"/>
+          <p:cNvSpPr>
+            <a:spLocks noGrp="1"/>
+          </p:cNvSpPr>
+          <p:nvPr>
+            <p:ph type="title"/>
+          </p:nvPr>
+        </p:nvSpPr>
+        <p:spPr/>
+        <p:txBody>
+          <a:bodyPr/>
+          <a:lstStyle/>
+          <a:p>
+            <a:r>
+              <a:rPr lang="en-US" altLang="zh-TW" dirty="0"/>
+              <a:t>Web Form </a:t>
+            </a:r>
+            <a:r>
+              <a:rPr lang="zh-TW" altLang="en-US" dirty="0" smtClean="0"/>
+              <a:t>控制項事件處理</a:t>
+            </a:r>
+            <a:endParaRPr lang="zh-TW" altLang="en-US" dirty="0"/>
+          </a:p>
+        </p:txBody>
+      </p:sp>
+      <p:sp>
+        <p:nvSpPr>
+          <p:cNvPr id="3" name="內容版面配置區 2"/>
+          <p:cNvSpPr>
+            <a:spLocks noGrp="1"/>
+          </p:cNvSpPr>
+          <p:nvPr>
+            <p:ph idx="1"/>
+          </p:nvPr>
+        </p:nvSpPr>
+        <p:spPr/>
+        <p:txBody>
+          <a:bodyPr/>
+          <a:lstStyle/>
+          <a:p>
+            <a:endParaRPr lang="zh-TW" altLang="en-US"/>
+          </a:p>
+        </p:txBody>
+      </p:sp>
+    </p:spTree>
+    <p:extLst>
+      <p:ext uri="{BB962C8B-B14F-4D97-AF65-F5344CB8AC3E}">
+        <p14:creationId xmlns:p14="http://schemas.microsoft.com/office/powerpoint/2010/main" val="2939044812"/>
+      </p:ext>
+    </p:extLst>
+  </p:cSld>
+  <p:clrMapOvr>
+    <a:masterClrMapping/>
+  </p:clrMapOvr>
+</p:sld>
+</file>
+
+<file path=ppt/slides/slide16.xml><?xml version="1.0" encoding="utf-8"?>
+<p:sld xmlns:a="http://schemas.openxmlformats.org/drawingml/2006/main" xmlns:r="http://schemas.openxmlformats.org/officeDocument/2006/relationships" xmlns:p="http://schemas.openxmlformats.org/presentationml/2006/main">
+  <p:cSld>
+    <p:spTree>
+      <p:nvGrpSpPr>
+        <p:cNvPr id="1" name=""/>
+        <p:cNvGrpSpPr/>
+        <p:nvPr/>
+      </p:nvGrpSpPr>
+      <p:grpSpPr>
+        <a:xfrm>
+          <a:off x="0" y="0"/>
+          <a:ext cx="0" cy="0"/>
+          <a:chOff x="0" y="0"/>
+          <a:chExt cx="0" cy="0"/>
+        </a:xfrm>
+      </p:grpSpPr>
+      <p:sp>
+        <p:nvSpPr>
+          <p:cNvPr id="2" name="標題 1"/>
+          <p:cNvSpPr>
+            <a:spLocks noGrp="1"/>
+          </p:cNvSpPr>
+          <p:nvPr>
+            <p:ph type="title"/>
+          </p:nvPr>
+        </p:nvSpPr>
+        <p:spPr/>
+        <p:txBody>
+          <a:bodyPr/>
+          <a:lstStyle/>
+          <a:p>
+            <a:r>
+              <a:rPr lang="en-US" altLang="zh-TW" dirty="0"/>
+              <a:t>Web Form </a:t>
+            </a:r>
+            <a:r>
+              <a:rPr lang="zh-TW" altLang="en-US" dirty="0" smtClean="0"/>
+              <a:t>控制項事件處理</a:t>
+            </a:r>
+            <a:endParaRPr lang="zh-TW" altLang="en-US" dirty="0"/>
+          </a:p>
+        </p:txBody>
+      </p:sp>
+      <p:sp>
+        <p:nvSpPr>
+          <p:cNvPr id="3" name="內容版面配置區 2"/>
+          <p:cNvSpPr>
+            <a:spLocks noGrp="1"/>
+          </p:cNvSpPr>
+          <p:nvPr>
+            <p:ph idx="1"/>
+          </p:nvPr>
+        </p:nvSpPr>
+        <p:spPr/>
+        <p:txBody>
+          <a:bodyPr/>
+          <a:lstStyle/>
+          <a:p>
+            <a:endParaRPr lang="zh-TW" altLang="en-US"/>
+          </a:p>
+        </p:txBody>
+      </p:sp>
+    </p:spTree>
+    <p:extLst>
+      <p:ext uri="{BB962C8B-B14F-4D97-AF65-F5344CB8AC3E}">
+        <p14:creationId xmlns:p14="http://schemas.microsoft.com/office/powerpoint/2010/main" val="3137644886"/>
+      </p:ext>
+    </p:extLst>
+  </p:cSld>
+  <p:clrMapOvr>
+    <a:masterClrMapping/>
+  </p:clrMapOvr>
+</p:sld>
+</file>
+
+<file path=ppt/slides/slide17.xml><?xml version="1.0" encoding="utf-8"?>
+<p:sld xmlns:a="http://schemas.openxmlformats.org/drawingml/2006/main" xmlns:r="http://schemas.openxmlformats.org/officeDocument/2006/relationships" xmlns:p="http://schemas.openxmlformats.org/presentationml/2006/main">
+  <p:cSld>
+    <p:spTree>
+      <p:nvGrpSpPr>
+        <p:cNvPr id="1" name=""/>
+        <p:cNvGrpSpPr/>
+        <p:nvPr/>
+      </p:nvGrpSpPr>
+      <p:grpSpPr>
+        <a:xfrm>
+          <a:off x="0" y="0"/>
+          <a:ext cx="0" cy="0"/>
+          <a:chOff x="0" y="0"/>
+          <a:chExt cx="0" cy="0"/>
+        </a:xfrm>
+      </p:grpSpPr>
+      <p:sp>
+        <p:nvSpPr>
+          <p:cNvPr id="2" name="標題 1"/>
+          <p:cNvSpPr>
+            <a:spLocks noGrp="1"/>
+          </p:cNvSpPr>
+          <p:nvPr>
+            <p:ph type="title"/>
+          </p:nvPr>
+        </p:nvSpPr>
+        <p:spPr/>
+        <p:txBody>
+          <a:bodyPr/>
+          <a:lstStyle/>
+          <a:p>
+            <a:r>
+              <a:rPr lang="en-US" altLang="zh-TW" dirty="0"/>
+              <a:t>life </a:t>
+            </a:r>
+            <a:r>
+              <a:rPr lang="en-US" altLang="zh-TW" dirty="0" smtClean="0"/>
+              <a:t>cycle</a:t>
+            </a:r>
+            <a:endParaRPr lang="zh-TW" altLang="en-US" dirty="0"/>
+          </a:p>
+        </p:txBody>
+      </p:sp>
+      <p:sp>
+        <p:nvSpPr>
+          <p:cNvPr id="3" name="內容版面配置區 2"/>
+          <p:cNvSpPr>
+            <a:spLocks noGrp="1"/>
+          </p:cNvSpPr>
+          <p:nvPr>
+            <p:ph idx="1"/>
+          </p:nvPr>
+        </p:nvSpPr>
+        <p:spPr/>
+        <p:txBody>
+          <a:bodyPr/>
+          <a:lstStyle/>
+          <a:p>
+            <a:endParaRPr lang="zh-TW" altLang="en-US"/>
+          </a:p>
+        </p:txBody>
+      </p:sp>
+    </p:spTree>
+    <p:extLst>
+      <p:ext uri="{BB962C8B-B14F-4D97-AF65-F5344CB8AC3E}">
+        <p14:creationId xmlns:p14="http://schemas.microsoft.com/office/powerpoint/2010/main" val="492276014"/>
+      </p:ext>
+    </p:extLst>
+  </p:cSld>
+  <p:clrMapOvr>
+    <a:masterClrMapping/>
+  </p:clrMapOvr>
+</p:sld>
+</file>
+
+<file path=ppt/slides/slide18.xml><?xml version="1.0" encoding="utf-8"?>
+<p:sld xmlns:a="http://schemas.openxmlformats.org/drawingml/2006/main" xmlns:r="http://schemas.openxmlformats.org/officeDocument/2006/relationships" xmlns:p="http://schemas.openxmlformats.org/presentationml/2006/main">
+  <p:cSld>
+    <p:spTree>
+      <p:nvGrpSpPr>
+        <p:cNvPr id="1" name=""/>
+        <p:cNvGrpSpPr/>
+        <p:nvPr/>
+      </p:nvGrpSpPr>
+      <p:grpSpPr>
+        <a:xfrm>
+          <a:off x="0" y="0"/>
+          <a:ext cx="0" cy="0"/>
+          <a:chOff x="0" y="0"/>
+          <a:chExt cx="0" cy="0"/>
+        </a:xfrm>
+      </p:grpSpPr>
+      <p:sp>
+        <p:nvSpPr>
+          <p:cNvPr id="2" name="標題 1"/>
+          <p:cNvSpPr>
+            <a:spLocks noGrp="1"/>
+          </p:cNvSpPr>
+          <p:nvPr>
+            <p:ph type="title"/>
+          </p:nvPr>
+        </p:nvSpPr>
+        <p:spPr/>
+        <p:txBody>
+          <a:bodyPr/>
+          <a:lstStyle/>
+          <a:p>
+            <a:r>
+              <a:rPr lang="en-US" altLang="zh-TW" dirty="0"/>
+              <a:t>life </a:t>
+            </a:r>
+            <a:r>
+              <a:rPr lang="en-US" altLang="zh-TW" dirty="0" smtClean="0"/>
+              <a:t>cycle</a:t>
+            </a:r>
+            <a:endParaRPr lang="zh-TW" altLang="en-US" dirty="0"/>
+          </a:p>
+        </p:txBody>
+      </p:sp>
+      <p:sp>
+        <p:nvSpPr>
+          <p:cNvPr id="3" name="內容版面配置區 2"/>
+          <p:cNvSpPr>
+            <a:spLocks noGrp="1"/>
+          </p:cNvSpPr>
+          <p:nvPr>
+            <p:ph idx="1"/>
+          </p:nvPr>
+        </p:nvSpPr>
+        <p:spPr/>
+        <p:txBody>
+          <a:bodyPr/>
+          <a:lstStyle/>
+          <a:p>
+            <a:endParaRPr lang="zh-TW" altLang="en-US"/>
+          </a:p>
+        </p:txBody>
+      </p:sp>
+    </p:spTree>
+    <p:extLst>
+      <p:ext uri="{BB962C8B-B14F-4D97-AF65-F5344CB8AC3E}">
+        <p14:creationId xmlns:p14="http://schemas.microsoft.com/office/powerpoint/2010/main" val="1408105211"/>
+      </p:ext>
+    </p:extLst>
+  </p:cSld>
+  <p:clrMapOvr>
+    <a:masterClrMapping/>
+  </p:clrMapOvr>
+</p:sld>
+</file>
+
+<file path=ppt/slides/slide19.xml><?xml version="1.0" encoding="utf-8"?>
+<p:sld xmlns:a="http://schemas.openxmlformats.org/drawingml/2006/main" xmlns:r="http://schemas.openxmlformats.org/officeDocument/2006/relationships" xmlns:p="http://schemas.openxmlformats.org/presentationml/2006/main">
+  <p:cSld>
+    <p:spTree>
+      <p:nvGrpSpPr>
+        <p:cNvPr id="1" name=""/>
+        <p:cNvGrpSpPr/>
+        <p:nvPr/>
+      </p:nvGrpSpPr>
+      <p:grpSpPr>
+        <a:xfrm>
+          <a:off x="0" y="0"/>
+          <a:ext cx="0" cy="0"/>
+          <a:chOff x="0" y="0"/>
+          <a:chExt cx="0" cy="0"/>
+        </a:xfrm>
+      </p:grpSpPr>
+      <p:sp>
+        <p:nvSpPr>
+          <p:cNvPr id="2" name="標題 1"/>
+          <p:cNvSpPr>
+            <a:spLocks noGrp="1"/>
+          </p:cNvSpPr>
+          <p:nvPr>
+            <p:ph type="title"/>
+          </p:nvPr>
+        </p:nvSpPr>
+        <p:spPr/>
+        <p:txBody>
+          <a:bodyPr/>
+          <a:lstStyle/>
+          <a:p>
+            <a:r>
+              <a:rPr lang="en-US" altLang="zh-TW" dirty="0"/>
+              <a:t>life </a:t>
+            </a:r>
+            <a:r>
+              <a:rPr lang="en-US" altLang="zh-TW" dirty="0" smtClean="0"/>
+              <a:t>cycle</a:t>
+            </a:r>
+            <a:endParaRPr lang="zh-TW" altLang="en-US" dirty="0"/>
+          </a:p>
+        </p:txBody>
+      </p:sp>
+      <p:sp>
+        <p:nvSpPr>
+          <p:cNvPr id="3" name="內容版面配置區 2"/>
+          <p:cNvSpPr>
+            <a:spLocks noGrp="1"/>
+          </p:cNvSpPr>
+          <p:nvPr>
+            <p:ph idx="1"/>
+          </p:nvPr>
+        </p:nvSpPr>
+        <p:spPr/>
+        <p:txBody>
+          <a:bodyPr/>
+          <a:lstStyle/>
+          <a:p>
+            <a:endParaRPr lang="zh-TW" altLang="en-US"/>
+          </a:p>
+        </p:txBody>
+      </p:sp>
+    </p:spTree>
+    <p:extLst>
+      <p:ext uri="{BB962C8B-B14F-4D97-AF65-F5344CB8AC3E}">
+        <p14:creationId xmlns:p14="http://schemas.microsoft.com/office/powerpoint/2010/main" val="464474402"/>
+      </p:ext>
+    </p:extLst>
+  </p:cSld>
+  <p:clrMapOvr>
+    <a:masterClrMapping/>
+  </p:clrMapOvr>
+</p:sld>
+</file>
+
 <file path=ppt/slides/slide2.xml><?xml version="1.0" encoding="utf-8"?>
 <p:sld xmlns:a="http://schemas.openxmlformats.org/drawingml/2006/main" xmlns:r="http://schemas.openxmlformats.org/officeDocument/2006/relationships" xmlns:p="http://schemas.openxmlformats.org/presentationml/2006/main">
   <p:cSld>
@@ -3063,7 +3886,7 @@
             <a:spLocks noGrp="1"/>
           </p:cNvSpPr>
           <p:nvPr>
-            <p:ph idx="1"/>
+            <p:ph sz="half" idx="1"/>
           </p:nvPr>
         </p:nvSpPr>
         <p:spPr/>
@@ -3074,79 +3897,241 @@
           <a:lstStyle/>
           <a:p>
             <a:r>
-              <a:rPr lang="en-US" altLang="zh-TW" dirty="0" smtClean="0"/>
-              <a:t>C#</a:t>
+              <a:rPr lang="en-US" altLang="zh-TW" dirty="0" err="1" smtClean="0"/>
+              <a:t>Webform</a:t>
+            </a:r>
+            <a:r>
+              <a:rPr lang="zh-TW" altLang="en-US" dirty="0"/>
+              <a:t>基本</a:t>
+            </a:r>
+            <a:r>
+              <a:rPr lang="en-US" altLang="zh-TW" dirty="0"/>
+              <a:t>tag</a:t>
             </a:r>
           </a:p>
           <a:p>
             <a:pPr lvl="1"/>
             <a:r>
-              <a:rPr lang="zh-TW" altLang="en-US" dirty="0" smtClean="0"/>
-              <a:t>變數、方法、事件、物件</a:t>
+              <a:rPr lang="en-US" altLang="zh-TW" dirty="0"/>
+              <a:t>button</a:t>
+            </a:r>
+            <a:r>
+              <a:rPr lang="zh-TW" altLang="en-US" dirty="0"/>
+              <a:t>、</a:t>
+            </a:r>
+            <a:r>
+              <a:rPr lang="en-US" altLang="zh-TW" dirty="0"/>
+              <a:t>textbox</a:t>
+            </a:r>
+            <a:r>
+              <a:rPr lang="zh-TW" altLang="en-US" dirty="0"/>
+              <a:t>、</a:t>
+            </a:r>
+            <a:r>
+              <a:rPr lang="en-US" altLang="zh-TW" dirty="0" err="1"/>
+              <a:t>img</a:t>
+            </a:r>
+            <a:r>
+              <a:rPr lang="zh-TW" altLang="en-US" dirty="0"/>
+              <a:t>、</a:t>
+            </a:r>
+            <a:r>
+              <a:rPr lang="en-US" altLang="zh-TW" dirty="0"/>
+              <a:t>label</a:t>
+            </a:r>
+            <a:r>
+              <a:rPr lang="zh-TW" altLang="en-US" dirty="0"/>
+              <a:t>、</a:t>
+            </a:r>
+            <a:r>
+              <a:rPr lang="en-US" altLang="zh-TW" dirty="0"/>
+              <a:t>table</a:t>
+            </a:r>
+            <a:r>
+              <a:rPr lang="zh-TW" altLang="en-US" dirty="0"/>
+              <a:t>、</a:t>
+            </a:r>
+            <a:r>
+              <a:rPr lang="en-US" altLang="zh-TW" dirty="0"/>
+              <a:t>checkbox</a:t>
+            </a:r>
+            <a:r>
+              <a:rPr lang="zh-TW" altLang="en-US" dirty="0"/>
+              <a:t>、</a:t>
+            </a:r>
+            <a:r>
+              <a:rPr lang="en-US" altLang="zh-TW" dirty="0" err="1"/>
+              <a:t>radiobutton</a:t>
+            </a:r>
+            <a:r>
+              <a:rPr lang="zh-TW" altLang="en-US" dirty="0"/>
+              <a:t>、</a:t>
+            </a:r>
+            <a:r>
+              <a:rPr lang="en-US" altLang="zh-TW" dirty="0" err="1" smtClean="0"/>
+              <a:t>dropdownlist</a:t>
             </a:r>
             <a:endParaRPr lang="en-US" altLang="zh-TW" dirty="0" smtClean="0"/>
           </a:p>
           <a:p>
             <a:r>
-              <a:rPr lang="en-US" altLang="zh-TW" dirty="0" err="1" smtClean="0"/>
+              <a:rPr lang="en-US" altLang="zh-TW" dirty="0" err="1"/>
               <a:t>Postback</a:t>
             </a:r>
-            <a:endParaRPr lang="en-US" altLang="zh-TW" dirty="0" smtClean="0"/>
-          </a:p>
-          <a:p>
+            <a:endParaRPr lang="en-US" altLang="zh-TW" dirty="0"/>
+          </a:p>
+          <a:p>
+            <a:pPr lvl="1"/>
+            <a:r>
+              <a:rPr lang="en-US" altLang="zh-TW" dirty="0" err="1"/>
+              <a:t>bottonEvent</a:t>
+            </a:r>
+            <a:endParaRPr lang="en-US" altLang="zh-TW" dirty="0"/>
+          </a:p>
+          <a:p>
+            <a:pPr lvl="1"/>
             <a:r>
               <a:rPr lang="en-US" altLang="zh-TW" dirty="0" err="1" smtClean="0"/>
               <a:t>Ispostback</a:t>
             </a:r>
+            <a:endParaRPr lang="en-US" altLang="zh-TW" dirty="0" smtClean="0"/>
+          </a:p>
+          <a:p>
+            <a:r>
+              <a:rPr lang="en-US" altLang="zh-TW" dirty="0" smtClean="0"/>
+              <a:t>HTML</a:t>
+            </a:r>
+            <a:r>
+              <a:rPr lang="zh-TW" altLang="en-US" dirty="0" smtClean="0"/>
+              <a:t>基本</a:t>
+            </a:r>
+            <a:r>
+              <a:rPr lang="en-US" altLang="zh-TW" dirty="0" smtClean="0"/>
+              <a:t>tag</a:t>
+            </a:r>
+          </a:p>
+          <a:p>
+            <a:pPr lvl="1"/>
+            <a:r>
+              <a:rPr lang="en-US" altLang="zh-TW" dirty="0" smtClean="0"/>
+              <a:t>+</a:t>
+            </a:r>
+            <a:r>
+              <a:rPr lang="en-US" altLang="zh-TW" dirty="0" err="1" smtClean="0"/>
+              <a:t>runat</a:t>
+            </a:r>
+            <a:r>
+              <a:rPr lang="en-US" altLang="zh-TW" dirty="0" smtClean="0"/>
+              <a:t>=“server”</a:t>
+            </a:r>
             <a:endParaRPr lang="en-US" altLang="zh-TW" dirty="0"/>
           </a:p>
+        </p:txBody>
+      </p:sp>
+      <p:sp>
+        <p:nvSpPr>
+          <p:cNvPr id="4" name="內容版面配置區 3"/>
+          <p:cNvSpPr>
+            <a:spLocks noGrp="1"/>
+          </p:cNvSpPr>
+          <p:nvPr>
+            <p:ph sz="half" idx="2"/>
+          </p:nvPr>
+        </p:nvSpPr>
+        <p:spPr/>
+        <p:txBody>
+          <a:bodyPr>
+            <a:normAutofit/>
+          </a:bodyPr>
+          <a:lstStyle/>
           <a:p>
             <a:r>
               <a:rPr lang="en-US" altLang="zh-TW" dirty="0" smtClean="0"/>
-              <a:t>life cycle</a:t>
-            </a:r>
+              <a:t>life </a:t>
+            </a:r>
+            <a:r>
+              <a:rPr lang="en-US" altLang="zh-TW" dirty="0"/>
+              <a:t>cycle</a:t>
+            </a:r>
+          </a:p>
+          <a:p>
+            <a:pPr lvl="1"/>
+            <a:r>
+              <a:rPr lang="en-US" altLang="zh-TW" dirty="0" err="1" smtClean="0"/>
+              <a:t>Response.write</a:t>
+            </a:r>
+            <a:endParaRPr lang="en-US" altLang="zh-TW" dirty="0" smtClean="0"/>
           </a:p>
           <a:p>
             <a:r>
               <a:rPr lang="en-US" altLang="zh-TW" dirty="0" smtClean="0"/>
-              <a:t>session</a:t>
-            </a:r>
+              <a:t>Master page</a:t>
+            </a:r>
+          </a:p>
+          <a:p>
             <a:r>
               <a:rPr lang="zh-TW" altLang="en-US" dirty="0" smtClean="0"/>
-              <a:t>物件</a:t>
+              <a:t>狀態管理</a:t>
             </a:r>
             <a:endParaRPr lang="en-US" altLang="zh-TW" dirty="0" smtClean="0"/>
           </a:p>
           <a:p>
             <a:pPr lvl="1"/>
             <a:r>
-              <a:rPr lang="zh-TW" altLang="en-US" dirty="0" smtClean="0"/>
+              <a:rPr lang="zh-TW" altLang="en-US" dirty="0"/>
               <a:t>無狀態</a:t>
+            </a:r>
+            <a:endParaRPr lang="en-US" altLang="zh-TW" dirty="0"/>
+          </a:p>
+          <a:p>
+            <a:pPr lvl="1"/>
+            <a:r>
+              <a:rPr lang="en-US" altLang="zh-TW" dirty="0" err="1"/>
+              <a:t>ap</a:t>
             </a:r>
             <a:r>
               <a:rPr lang="zh-TW" altLang="en-US" dirty="0"/>
               <a:t>、</a:t>
             </a:r>
             <a:r>
-              <a:rPr lang="en-US" altLang="zh-TW" dirty="0" smtClean="0"/>
+              <a:rPr lang="en-US" altLang="zh-TW" dirty="0"/>
+              <a:t>Session</a:t>
+            </a:r>
+            <a:r>
+              <a:rPr lang="zh-TW" altLang="en-US" dirty="0"/>
+              <a:t>、</a:t>
+            </a:r>
+            <a:r>
+              <a:rPr lang="en-US" altLang="zh-TW" dirty="0"/>
               <a:t>cookie</a:t>
             </a:r>
-          </a:p>
-          <a:p>
-            <a:r>
-              <a:rPr lang="zh-TW" altLang="en-US" dirty="0" smtClean="0"/>
-              <a:t>基本</a:t>
-            </a:r>
-            <a:r>
-              <a:rPr lang="en-US" altLang="zh-TW" dirty="0" smtClean="0"/>
-              <a:t>tag</a:t>
-            </a:r>
-          </a:p>
-          <a:p>
-            <a:r>
-              <a:rPr lang="zh-TW" altLang="en-US" dirty="0" smtClean="0"/>
-              <a:t>表格渲染</a:t>
-            </a:r>
+            <a:r>
+              <a:rPr lang="zh-TW" altLang="en-US" dirty="0"/>
+              <a:t>、</a:t>
+            </a:r>
+            <a:r>
+              <a:rPr lang="en-US" altLang="zh-TW" dirty="0" err="1"/>
+              <a:t>viewstate</a:t>
+            </a:r>
+            <a:endParaRPr lang="en-US" altLang="zh-TW" dirty="0"/>
+          </a:p>
+          <a:p>
+            <a:pPr lvl="1"/>
+            <a:r>
+              <a:rPr lang="zh-TW" altLang="en-US" dirty="0"/>
+              <a:t>資料</a:t>
+            </a:r>
+            <a:r>
+              <a:rPr lang="en-US" altLang="zh-TW" dirty="0"/>
+              <a:t>:</a:t>
+            </a:r>
+            <a:r>
+              <a:rPr lang="zh-TW" altLang="en-US" dirty="0"/>
+              <a:t>畫面、資料庫、記憶體</a:t>
+            </a:r>
+            <a:endParaRPr lang="en-US" altLang="zh-TW" dirty="0"/>
+          </a:p>
+          <a:p>
             <a:endParaRPr lang="zh-TW" altLang="en-US" dirty="0"/>
           </a:p>
         </p:txBody>
@@ -3155,6 +4140,1659 @@
     <p:extLst>
       <p:ext uri="{BB962C8B-B14F-4D97-AF65-F5344CB8AC3E}">
         <p14:creationId xmlns:p14="http://schemas.microsoft.com/office/powerpoint/2010/main" val="3543429819"/>
+      </p:ext>
+    </p:extLst>
+  </p:cSld>
+  <p:clrMapOvr>
+    <a:masterClrMapping/>
+  </p:clrMapOvr>
+</p:sld>
+</file>
+
+<file path=ppt/slides/slide20.xml><?xml version="1.0" encoding="utf-8"?>
+<p:sld xmlns:a="http://schemas.openxmlformats.org/drawingml/2006/main" xmlns:r="http://schemas.openxmlformats.org/officeDocument/2006/relationships" xmlns:p="http://schemas.openxmlformats.org/presentationml/2006/main">
+  <p:cSld>
+    <p:spTree>
+      <p:nvGrpSpPr>
+        <p:cNvPr id="1" name=""/>
+        <p:cNvGrpSpPr/>
+        <p:nvPr/>
+      </p:nvGrpSpPr>
+      <p:grpSpPr>
+        <a:xfrm>
+          <a:off x="0" y="0"/>
+          <a:ext cx="0" cy="0"/>
+          <a:chOff x="0" y="0"/>
+          <a:chExt cx="0" cy="0"/>
+        </a:xfrm>
+      </p:grpSpPr>
+      <p:sp>
+        <p:nvSpPr>
+          <p:cNvPr id="2" name="標題 1"/>
+          <p:cNvSpPr>
+            <a:spLocks noGrp="1"/>
+          </p:cNvSpPr>
+          <p:nvPr>
+            <p:ph type="title"/>
+          </p:nvPr>
+        </p:nvSpPr>
+        <p:spPr/>
+        <p:txBody>
+          <a:bodyPr/>
+          <a:lstStyle/>
+          <a:p>
+            <a:r>
+              <a:rPr lang="en-US" altLang="zh-TW" dirty="0" err="1" smtClean="0"/>
+              <a:t>Ispostback</a:t>
+            </a:r>
+            <a:endParaRPr lang="zh-TW" altLang="en-US" dirty="0"/>
+          </a:p>
+        </p:txBody>
+      </p:sp>
+      <p:sp>
+        <p:nvSpPr>
+          <p:cNvPr id="3" name="內容版面配置區 2"/>
+          <p:cNvSpPr>
+            <a:spLocks noGrp="1"/>
+          </p:cNvSpPr>
+          <p:nvPr>
+            <p:ph idx="1"/>
+          </p:nvPr>
+        </p:nvSpPr>
+        <p:spPr/>
+        <p:txBody>
+          <a:bodyPr/>
+          <a:lstStyle/>
+          <a:p>
+            <a:endParaRPr lang="zh-TW" altLang="en-US"/>
+          </a:p>
+        </p:txBody>
+      </p:sp>
+    </p:spTree>
+    <p:extLst>
+      <p:ext uri="{BB962C8B-B14F-4D97-AF65-F5344CB8AC3E}">
+        <p14:creationId xmlns:p14="http://schemas.microsoft.com/office/powerpoint/2010/main" val="2857542050"/>
+      </p:ext>
+    </p:extLst>
+  </p:cSld>
+  <p:clrMapOvr>
+    <a:masterClrMapping/>
+  </p:clrMapOvr>
+</p:sld>
+</file>
+
+<file path=ppt/slides/slide21.xml><?xml version="1.0" encoding="utf-8"?>
+<p:sld xmlns:a="http://schemas.openxmlformats.org/drawingml/2006/main" xmlns:r="http://schemas.openxmlformats.org/officeDocument/2006/relationships" xmlns:p="http://schemas.openxmlformats.org/presentationml/2006/main">
+  <p:cSld>
+    <p:spTree>
+      <p:nvGrpSpPr>
+        <p:cNvPr id="1" name=""/>
+        <p:cNvGrpSpPr/>
+        <p:nvPr/>
+      </p:nvGrpSpPr>
+      <p:grpSpPr>
+        <a:xfrm>
+          <a:off x="0" y="0"/>
+          <a:ext cx="0" cy="0"/>
+          <a:chOff x="0" y="0"/>
+          <a:chExt cx="0" cy="0"/>
+        </a:xfrm>
+      </p:grpSpPr>
+      <p:sp>
+        <p:nvSpPr>
+          <p:cNvPr id="2" name="標題 1"/>
+          <p:cNvSpPr>
+            <a:spLocks noGrp="1"/>
+          </p:cNvSpPr>
+          <p:nvPr>
+            <p:ph type="title"/>
+          </p:nvPr>
+        </p:nvSpPr>
+        <p:spPr/>
+        <p:txBody>
+          <a:bodyPr/>
+          <a:lstStyle/>
+          <a:p>
+            <a:r>
+              <a:rPr lang="zh-TW" altLang="en-US" dirty="0" smtClean="0"/>
+              <a:t>伺服器取得</a:t>
+            </a:r>
+            <a:r>
+              <a:rPr lang="en-US" altLang="zh-TW" dirty="0" smtClean="0"/>
+              <a:t>HTML Tag</a:t>
+            </a:r>
+            <a:r>
+              <a:rPr lang="zh-TW" altLang="en-US" dirty="0" smtClean="0"/>
+              <a:t> 資料</a:t>
+            </a:r>
+            <a:endParaRPr lang="zh-TW" altLang="en-US" dirty="0"/>
+          </a:p>
+        </p:txBody>
+      </p:sp>
+      <p:sp>
+        <p:nvSpPr>
+          <p:cNvPr id="3" name="內容版面配置區 2"/>
+          <p:cNvSpPr>
+            <a:spLocks noGrp="1"/>
+          </p:cNvSpPr>
+          <p:nvPr>
+            <p:ph idx="1"/>
+          </p:nvPr>
+        </p:nvSpPr>
+        <p:spPr/>
+        <p:txBody>
+          <a:bodyPr/>
+          <a:lstStyle/>
+          <a:p>
+            <a:endParaRPr lang="zh-TW" altLang="en-US"/>
+          </a:p>
+        </p:txBody>
+      </p:sp>
+    </p:spTree>
+    <p:extLst>
+      <p:ext uri="{BB962C8B-B14F-4D97-AF65-F5344CB8AC3E}">
+        <p14:creationId xmlns:p14="http://schemas.microsoft.com/office/powerpoint/2010/main" val="4142463211"/>
+      </p:ext>
+    </p:extLst>
+  </p:cSld>
+  <p:clrMapOvr>
+    <a:masterClrMapping/>
+  </p:clrMapOvr>
+</p:sld>
+</file>
+
+<file path=ppt/slides/slide22.xml><?xml version="1.0" encoding="utf-8"?>
+<p:sld xmlns:a="http://schemas.openxmlformats.org/drawingml/2006/main" xmlns:r="http://schemas.openxmlformats.org/officeDocument/2006/relationships" xmlns:p="http://schemas.openxmlformats.org/presentationml/2006/main">
+  <p:cSld>
+    <p:spTree>
+      <p:nvGrpSpPr>
+        <p:cNvPr id="1" name=""/>
+        <p:cNvGrpSpPr/>
+        <p:nvPr/>
+      </p:nvGrpSpPr>
+      <p:grpSpPr>
+        <a:xfrm>
+          <a:off x="0" y="0"/>
+          <a:ext cx="0" cy="0"/>
+          <a:chOff x="0" y="0"/>
+          <a:chExt cx="0" cy="0"/>
+        </a:xfrm>
+      </p:grpSpPr>
+      <p:sp>
+        <p:nvSpPr>
+          <p:cNvPr id="2" name="標題 1"/>
+          <p:cNvSpPr>
+            <a:spLocks noGrp="1"/>
+          </p:cNvSpPr>
+          <p:nvPr>
+            <p:ph type="title"/>
+          </p:nvPr>
+        </p:nvSpPr>
+        <p:spPr/>
+        <p:txBody>
+          <a:bodyPr/>
+          <a:lstStyle/>
+          <a:p>
+            <a:r>
+              <a:rPr lang="en-US" altLang="zh-TW" dirty="0"/>
+              <a:t>Master </a:t>
+            </a:r>
+            <a:r>
+              <a:rPr lang="en-US" altLang="zh-TW" dirty="0" smtClean="0"/>
+              <a:t>Page</a:t>
+            </a:r>
+            <a:endParaRPr lang="zh-TW" altLang="en-US" dirty="0"/>
+          </a:p>
+        </p:txBody>
+      </p:sp>
+      <p:sp>
+        <p:nvSpPr>
+          <p:cNvPr id="3" name="內容版面配置區 2"/>
+          <p:cNvSpPr>
+            <a:spLocks noGrp="1"/>
+          </p:cNvSpPr>
+          <p:nvPr>
+            <p:ph idx="1"/>
+          </p:nvPr>
+        </p:nvSpPr>
+        <p:spPr/>
+        <p:txBody>
+          <a:bodyPr/>
+          <a:lstStyle/>
+          <a:p>
+            <a:endParaRPr lang="zh-TW" altLang="en-US"/>
+          </a:p>
+        </p:txBody>
+      </p:sp>
+    </p:spTree>
+    <p:extLst>
+      <p:ext uri="{BB962C8B-B14F-4D97-AF65-F5344CB8AC3E}">
+        <p14:creationId xmlns:p14="http://schemas.microsoft.com/office/powerpoint/2010/main" val="3624266801"/>
+      </p:ext>
+    </p:extLst>
+  </p:cSld>
+  <p:clrMapOvr>
+    <a:masterClrMapping/>
+  </p:clrMapOvr>
+</p:sld>
+</file>
+
+<file path=ppt/slides/slide23.xml><?xml version="1.0" encoding="utf-8"?>
+<p:sld xmlns:a="http://schemas.openxmlformats.org/drawingml/2006/main" xmlns:r="http://schemas.openxmlformats.org/officeDocument/2006/relationships" xmlns:p="http://schemas.openxmlformats.org/presentationml/2006/main">
+  <p:cSld>
+    <p:spTree>
+      <p:nvGrpSpPr>
+        <p:cNvPr id="1" name=""/>
+        <p:cNvGrpSpPr/>
+        <p:nvPr/>
+      </p:nvGrpSpPr>
+      <p:grpSpPr>
+        <a:xfrm>
+          <a:off x="0" y="0"/>
+          <a:ext cx="0" cy="0"/>
+          <a:chOff x="0" y="0"/>
+          <a:chExt cx="0" cy="0"/>
+        </a:xfrm>
+      </p:grpSpPr>
+      <p:sp>
+        <p:nvSpPr>
+          <p:cNvPr id="2" name="標題 1"/>
+          <p:cNvSpPr>
+            <a:spLocks noGrp="1"/>
+          </p:cNvSpPr>
+          <p:nvPr>
+            <p:ph type="title"/>
+          </p:nvPr>
+        </p:nvSpPr>
+        <p:spPr/>
+        <p:txBody>
+          <a:bodyPr/>
+          <a:lstStyle/>
+          <a:p>
+            <a:r>
+              <a:rPr lang="en-US" altLang="zh-TW" dirty="0"/>
+              <a:t>Master </a:t>
+            </a:r>
+            <a:r>
+              <a:rPr lang="en-US" altLang="zh-TW" dirty="0" smtClean="0"/>
+              <a:t>Page </a:t>
+            </a:r>
+            <a:r>
+              <a:rPr lang="en-US" altLang="zh-TW" dirty="0"/>
+              <a:t>life cycle</a:t>
+            </a:r>
+            <a:endParaRPr lang="zh-TW" altLang="en-US" dirty="0"/>
+          </a:p>
+        </p:txBody>
+      </p:sp>
+      <p:sp>
+        <p:nvSpPr>
+          <p:cNvPr id="3" name="內容版面配置區 2"/>
+          <p:cNvSpPr>
+            <a:spLocks noGrp="1"/>
+          </p:cNvSpPr>
+          <p:nvPr>
+            <p:ph idx="1"/>
+          </p:nvPr>
+        </p:nvSpPr>
+        <p:spPr/>
+        <p:txBody>
+          <a:bodyPr/>
+          <a:lstStyle/>
+          <a:p>
+            <a:endParaRPr lang="zh-TW" altLang="en-US"/>
+          </a:p>
+        </p:txBody>
+      </p:sp>
+    </p:spTree>
+    <p:extLst>
+      <p:ext uri="{BB962C8B-B14F-4D97-AF65-F5344CB8AC3E}">
+        <p14:creationId xmlns:p14="http://schemas.microsoft.com/office/powerpoint/2010/main" val="643724115"/>
+      </p:ext>
+    </p:extLst>
+  </p:cSld>
+  <p:clrMapOvr>
+    <a:masterClrMapping/>
+  </p:clrMapOvr>
+</p:sld>
+</file>
+
+<file path=ppt/slides/slide24.xml><?xml version="1.0" encoding="utf-8"?>
+<p:sld xmlns:a="http://schemas.openxmlformats.org/drawingml/2006/main" xmlns:r="http://schemas.openxmlformats.org/officeDocument/2006/relationships" xmlns:p="http://schemas.openxmlformats.org/presentationml/2006/main">
+  <p:cSld>
+    <p:spTree>
+      <p:nvGrpSpPr>
+        <p:cNvPr id="1" name=""/>
+        <p:cNvGrpSpPr/>
+        <p:nvPr/>
+      </p:nvGrpSpPr>
+      <p:grpSpPr>
+        <a:xfrm>
+          <a:off x="0" y="0"/>
+          <a:ext cx="0" cy="0"/>
+          <a:chOff x="0" y="0"/>
+          <a:chExt cx="0" cy="0"/>
+        </a:xfrm>
+      </p:grpSpPr>
+      <p:sp>
+        <p:nvSpPr>
+          <p:cNvPr id="2" name="標題 1"/>
+          <p:cNvSpPr>
+            <a:spLocks noGrp="1"/>
+          </p:cNvSpPr>
+          <p:nvPr>
+            <p:ph type="title"/>
+          </p:nvPr>
+        </p:nvSpPr>
+        <p:spPr/>
+        <p:txBody>
+          <a:bodyPr/>
+          <a:lstStyle/>
+          <a:p>
+            <a:r>
+              <a:rPr lang="zh-TW" altLang="en-US" dirty="0"/>
+              <a:t>狀態管理</a:t>
+            </a:r>
+          </a:p>
+        </p:txBody>
+      </p:sp>
+      <p:sp>
+        <p:nvSpPr>
+          <p:cNvPr id="3" name="內容版面配置區 2"/>
+          <p:cNvSpPr>
+            <a:spLocks noGrp="1"/>
+          </p:cNvSpPr>
+          <p:nvPr>
+            <p:ph idx="1"/>
+          </p:nvPr>
+        </p:nvSpPr>
+        <p:spPr/>
+        <p:txBody>
+          <a:bodyPr/>
+          <a:lstStyle/>
+          <a:p>
+            <a:r>
+              <a:rPr lang="zh-TW" altLang="en-US" dirty="0"/>
+              <a:t>無狀態</a:t>
+            </a:r>
+          </a:p>
+        </p:txBody>
+      </p:sp>
+    </p:spTree>
+    <p:extLst>
+      <p:ext uri="{BB962C8B-B14F-4D97-AF65-F5344CB8AC3E}">
+        <p14:creationId xmlns:p14="http://schemas.microsoft.com/office/powerpoint/2010/main" val="1218832052"/>
+      </p:ext>
+    </p:extLst>
+  </p:cSld>
+  <p:clrMapOvr>
+    <a:masterClrMapping/>
+  </p:clrMapOvr>
+</p:sld>
+</file>
+
+<file path=ppt/slides/slide25.xml><?xml version="1.0" encoding="utf-8"?>
+<p:sld xmlns:a="http://schemas.openxmlformats.org/drawingml/2006/main" xmlns:r="http://schemas.openxmlformats.org/officeDocument/2006/relationships" xmlns:p="http://schemas.openxmlformats.org/presentationml/2006/main">
+  <p:cSld>
+    <p:spTree>
+      <p:nvGrpSpPr>
+        <p:cNvPr id="1" name=""/>
+        <p:cNvGrpSpPr/>
+        <p:nvPr/>
+      </p:nvGrpSpPr>
+      <p:grpSpPr>
+        <a:xfrm>
+          <a:off x="0" y="0"/>
+          <a:ext cx="0" cy="0"/>
+          <a:chOff x="0" y="0"/>
+          <a:chExt cx="0" cy="0"/>
+        </a:xfrm>
+      </p:grpSpPr>
+      <p:sp>
+        <p:nvSpPr>
+          <p:cNvPr id="2" name="標題 1"/>
+          <p:cNvSpPr>
+            <a:spLocks noGrp="1"/>
+          </p:cNvSpPr>
+          <p:nvPr>
+            <p:ph type="title"/>
+          </p:nvPr>
+        </p:nvSpPr>
+        <p:spPr/>
+        <p:txBody>
+          <a:bodyPr/>
+          <a:lstStyle/>
+          <a:p>
+            <a:r>
+              <a:rPr lang="zh-TW" altLang="en-US" dirty="0"/>
+              <a:t>狀態管理</a:t>
+            </a:r>
+          </a:p>
+        </p:txBody>
+      </p:sp>
+      <p:sp>
+        <p:nvSpPr>
+          <p:cNvPr id="3" name="內容版面配置區 2"/>
+          <p:cNvSpPr>
+            <a:spLocks noGrp="1"/>
+          </p:cNvSpPr>
+          <p:nvPr>
+            <p:ph idx="1"/>
+          </p:nvPr>
+        </p:nvSpPr>
+        <p:spPr/>
+        <p:txBody>
+          <a:bodyPr/>
+          <a:lstStyle/>
+          <a:p>
+            <a:pPr marL="228600" lvl="1">
+              <a:spcBef>
+                <a:spcPts val="1000"/>
+              </a:spcBef>
+            </a:pPr>
+            <a:r>
+              <a:rPr lang="en-US" altLang="zh-TW" dirty="0" err="1"/>
+              <a:t>ap</a:t>
+            </a:r>
+            <a:r>
+              <a:rPr lang="zh-TW" altLang="en-US" dirty="0"/>
+              <a:t>、</a:t>
+            </a:r>
+            <a:r>
+              <a:rPr lang="en-US" altLang="zh-TW" dirty="0"/>
+              <a:t>Session</a:t>
+            </a:r>
+            <a:r>
+              <a:rPr lang="zh-TW" altLang="en-US" dirty="0"/>
+              <a:t>、</a:t>
+            </a:r>
+            <a:r>
+              <a:rPr lang="en-US" altLang="zh-TW" dirty="0"/>
+              <a:t>cookie</a:t>
+            </a:r>
+            <a:r>
+              <a:rPr lang="zh-TW" altLang="en-US" dirty="0"/>
+              <a:t>、</a:t>
+            </a:r>
+            <a:r>
+              <a:rPr lang="en-US" altLang="zh-TW" dirty="0" err="1"/>
+              <a:t>viewstate</a:t>
+            </a:r>
+            <a:endParaRPr lang="en-US" altLang="zh-TW" dirty="0"/>
+          </a:p>
+          <a:p>
+            <a:endParaRPr lang="zh-TW" altLang="en-US" dirty="0"/>
+          </a:p>
+        </p:txBody>
+      </p:sp>
+    </p:spTree>
+    <p:extLst>
+      <p:ext uri="{BB962C8B-B14F-4D97-AF65-F5344CB8AC3E}">
+        <p14:creationId xmlns:p14="http://schemas.microsoft.com/office/powerpoint/2010/main" val="3704993232"/>
+      </p:ext>
+    </p:extLst>
+  </p:cSld>
+  <p:clrMapOvr>
+    <a:masterClrMapping/>
+  </p:clrMapOvr>
+</p:sld>
+</file>
+
+<file path=ppt/slides/slide26.xml><?xml version="1.0" encoding="utf-8"?>
+<p:sld xmlns:a="http://schemas.openxmlformats.org/drawingml/2006/main" xmlns:r="http://schemas.openxmlformats.org/officeDocument/2006/relationships" xmlns:p="http://schemas.openxmlformats.org/presentationml/2006/main">
+  <p:cSld>
+    <p:spTree>
+      <p:nvGrpSpPr>
+        <p:cNvPr id="1" name=""/>
+        <p:cNvGrpSpPr/>
+        <p:nvPr/>
+      </p:nvGrpSpPr>
+      <p:grpSpPr>
+        <a:xfrm>
+          <a:off x="0" y="0"/>
+          <a:ext cx="0" cy="0"/>
+          <a:chOff x="0" y="0"/>
+          <a:chExt cx="0" cy="0"/>
+        </a:xfrm>
+      </p:grpSpPr>
+      <p:sp>
+        <p:nvSpPr>
+          <p:cNvPr id="2" name="標題 1"/>
+          <p:cNvSpPr>
+            <a:spLocks noGrp="1"/>
+          </p:cNvSpPr>
+          <p:nvPr>
+            <p:ph type="title"/>
+          </p:nvPr>
+        </p:nvSpPr>
+        <p:spPr/>
+        <p:txBody>
+          <a:bodyPr/>
+          <a:lstStyle/>
+          <a:p>
+            <a:r>
+              <a:rPr lang="zh-TW" altLang="en-US" dirty="0"/>
+              <a:t>狀態管理</a:t>
+            </a:r>
+          </a:p>
+        </p:txBody>
+      </p:sp>
+      <p:sp>
+        <p:nvSpPr>
+          <p:cNvPr id="3" name="內容版面配置區 2"/>
+          <p:cNvSpPr>
+            <a:spLocks noGrp="1"/>
+          </p:cNvSpPr>
+          <p:nvPr>
+            <p:ph idx="1"/>
+          </p:nvPr>
+        </p:nvSpPr>
+        <p:spPr/>
+        <p:txBody>
+          <a:bodyPr/>
+          <a:lstStyle/>
+          <a:p>
+            <a:pPr marL="228600" lvl="1">
+              <a:spcBef>
+                <a:spcPts val="1000"/>
+              </a:spcBef>
+            </a:pPr>
+            <a:r>
+              <a:rPr lang="en-US" altLang="zh-TW" dirty="0" err="1"/>
+              <a:t>ap</a:t>
+            </a:r>
+            <a:r>
+              <a:rPr lang="zh-TW" altLang="en-US" dirty="0"/>
+              <a:t>、</a:t>
+            </a:r>
+            <a:r>
+              <a:rPr lang="en-US" altLang="zh-TW" dirty="0"/>
+              <a:t>Session</a:t>
+            </a:r>
+            <a:r>
+              <a:rPr lang="zh-TW" altLang="en-US" dirty="0"/>
+              <a:t>、</a:t>
+            </a:r>
+            <a:r>
+              <a:rPr lang="en-US" altLang="zh-TW" dirty="0"/>
+              <a:t>cookie</a:t>
+            </a:r>
+            <a:r>
+              <a:rPr lang="zh-TW" altLang="en-US" dirty="0"/>
+              <a:t>、</a:t>
+            </a:r>
+            <a:r>
+              <a:rPr lang="en-US" altLang="zh-TW" dirty="0" err="1"/>
+              <a:t>viewstate</a:t>
+            </a:r>
+            <a:endParaRPr lang="en-US" altLang="zh-TW" dirty="0"/>
+          </a:p>
+          <a:p>
+            <a:endParaRPr lang="zh-TW" altLang="en-US" dirty="0"/>
+          </a:p>
+        </p:txBody>
+      </p:sp>
+    </p:spTree>
+    <p:extLst>
+      <p:ext uri="{BB962C8B-B14F-4D97-AF65-F5344CB8AC3E}">
+        <p14:creationId xmlns:p14="http://schemas.microsoft.com/office/powerpoint/2010/main" val="3865879684"/>
+      </p:ext>
+    </p:extLst>
+  </p:cSld>
+  <p:clrMapOvr>
+    <a:masterClrMapping/>
+  </p:clrMapOvr>
+</p:sld>
+</file>
+
+<file path=ppt/slides/slide27.xml><?xml version="1.0" encoding="utf-8"?>
+<p:sld xmlns:a="http://schemas.openxmlformats.org/drawingml/2006/main" xmlns:r="http://schemas.openxmlformats.org/officeDocument/2006/relationships" xmlns:p="http://schemas.openxmlformats.org/presentationml/2006/main">
+  <p:cSld>
+    <p:spTree>
+      <p:nvGrpSpPr>
+        <p:cNvPr id="1" name=""/>
+        <p:cNvGrpSpPr/>
+        <p:nvPr/>
+      </p:nvGrpSpPr>
+      <p:grpSpPr>
+        <a:xfrm>
+          <a:off x="0" y="0"/>
+          <a:ext cx="0" cy="0"/>
+          <a:chOff x="0" y="0"/>
+          <a:chExt cx="0" cy="0"/>
+        </a:xfrm>
+      </p:grpSpPr>
+      <p:sp>
+        <p:nvSpPr>
+          <p:cNvPr id="2" name="標題 1"/>
+          <p:cNvSpPr>
+            <a:spLocks noGrp="1"/>
+          </p:cNvSpPr>
+          <p:nvPr>
+            <p:ph type="title"/>
+          </p:nvPr>
+        </p:nvSpPr>
+        <p:spPr/>
+        <p:txBody>
+          <a:bodyPr/>
+          <a:lstStyle/>
+          <a:p>
+            <a:r>
+              <a:rPr lang="zh-TW" altLang="en-US" dirty="0"/>
+              <a:t>狀態管理</a:t>
+            </a:r>
+          </a:p>
+        </p:txBody>
+      </p:sp>
+      <p:sp>
+        <p:nvSpPr>
+          <p:cNvPr id="3" name="內容版面配置區 2"/>
+          <p:cNvSpPr>
+            <a:spLocks noGrp="1"/>
+          </p:cNvSpPr>
+          <p:nvPr>
+            <p:ph idx="1"/>
+          </p:nvPr>
+        </p:nvSpPr>
+        <p:spPr/>
+        <p:txBody>
+          <a:bodyPr/>
+          <a:lstStyle/>
+          <a:p>
+            <a:pPr marL="228600" lvl="1">
+              <a:spcBef>
+                <a:spcPts val="1000"/>
+              </a:spcBef>
+            </a:pPr>
+            <a:r>
+              <a:rPr lang="en-US" altLang="zh-TW" dirty="0" err="1"/>
+              <a:t>ap</a:t>
+            </a:r>
+            <a:r>
+              <a:rPr lang="zh-TW" altLang="en-US" dirty="0"/>
+              <a:t>、</a:t>
+            </a:r>
+            <a:r>
+              <a:rPr lang="en-US" altLang="zh-TW" dirty="0"/>
+              <a:t>Session</a:t>
+            </a:r>
+            <a:r>
+              <a:rPr lang="zh-TW" altLang="en-US" dirty="0"/>
+              <a:t>、</a:t>
+            </a:r>
+            <a:r>
+              <a:rPr lang="en-US" altLang="zh-TW" dirty="0"/>
+              <a:t>cookie</a:t>
+            </a:r>
+            <a:r>
+              <a:rPr lang="zh-TW" altLang="en-US" dirty="0"/>
+              <a:t>、</a:t>
+            </a:r>
+            <a:r>
+              <a:rPr lang="en-US" altLang="zh-TW" dirty="0" err="1"/>
+              <a:t>viewstate</a:t>
+            </a:r>
+            <a:endParaRPr lang="en-US" altLang="zh-TW" dirty="0"/>
+          </a:p>
+          <a:p>
+            <a:endParaRPr lang="zh-TW" altLang="en-US" dirty="0"/>
+          </a:p>
+        </p:txBody>
+      </p:sp>
+    </p:spTree>
+    <p:extLst>
+      <p:ext uri="{BB962C8B-B14F-4D97-AF65-F5344CB8AC3E}">
+        <p14:creationId xmlns:p14="http://schemas.microsoft.com/office/powerpoint/2010/main" val="1036784092"/>
+      </p:ext>
+    </p:extLst>
+  </p:cSld>
+  <p:clrMapOvr>
+    <a:masterClrMapping/>
+  </p:clrMapOvr>
+</p:sld>
+</file>
+
+<file path=ppt/slides/slide28.xml><?xml version="1.0" encoding="utf-8"?>
+<p:sld xmlns:a="http://schemas.openxmlformats.org/drawingml/2006/main" xmlns:r="http://schemas.openxmlformats.org/officeDocument/2006/relationships" xmlns:p="http://schemas.openxmlformats.org/presentationml/2006/main">
+  <p:cSld>
+    <p:spTree>
+      <p:nvGrpSpPr>
+        <p:cNvPr id="1" name=""/>
+        <p:cNvGrpSpPr/>
+        <p:nvPr/>
+      </p:nvGrpSpPr>
+      <p:grpSpPr>
+        <a:xfrm>
+          <a:off x="0" y="0"/>
+          <a:ext cx="0" cy="0"/>
+          <a:chOff x="0" y="0"/>
+          <a:chExt cx="0" cy="0"/>
+        </a:xfrm>
+      </p:grpSpPr>
+      <p:sp>
+        <p:nvSpPr>
+          <p:cNvPr id="2" name="標題 1"/>
+          <p:cNvSpPr>
+            <a:spLocks noGrp="1"/>
+          </p:cNvSpPr>
+          <p:nvPr>
+            <p:ph type="title"/>
+          </p:nvPr>
+        </p:nvSpPr>
+        <p:spPr/>
+        <p:txBody>
+          <a:bodyPr/>
+          <a:lstStyle/>
+          <a:p>
+            <a:r>
+              <a:rPr lang="zh-TW" altLang="en-US" dirty="0"/>
+              <a:t>狀態管理</a:t>
+            </a:r>
+          </a:p>
+        </p:txBody>
+      </p:sp>
+      <p:sp>
+        <p:nvSpPr>
+          <p:cNvPr id="3" name="內容版面配置區 2"/>
+          <p:cNvSpPr>
+            <a:spLocks noGrp="1"/>
+          </p:cNvSpPr>
+          <p:nvPr>
+            <p:ph idx="1"/>
+          </p:nvPr>
+        </p:nvSpPr>
+        <p:spPr/>
+        <p:txBody>
+          <a:bodyPr/>
+          <a:lstStyle/>
+          <a:p>
+            <a:pPr marL="228600" lvl="1">
+              <a:spcBef>
+                <a:spcPts val="1000"/>
+              </a:spcBef>
+            </a:pPr>
+            <a:r>
+              <a:rPr lang="en-US" altLang="zh-TW" dirty="0" err="1"/>
+              <a:t>ap</a:t>
+            </a:r>
+            <a:r>
+              <a:rPr lang="zh-TW" altLang="en-US" dirty="0"/>
+              <a:t>、</a:t>
+            </a:r>
+            <a:r>
+              <a:rPr lang="en-US" altLang="zh-TW" dirty="0"/>
+              <a:t>Session</a:t>
+            </a:r>
+            <a:r>
+              <a:rPr lang="zh-TW" altLang="en-US" dirty="0"/>
+              <a:t>、</a:t>
+            </a:r>
+            <a:r>
+              <a:rPr lang="en-US" altLang="zh-TW" dirty="0"/>
+              <a:t>cookie</a:t>
+            </a:r>
+            <a:r>
+              <a:rPr lang="zh-TW" altLang="en-US" dirty="0"/>
+              <a:t>、</a:t>
+            </a:r>
+            <a:r>
+              <a:rPr lang="en-US" altLang="zh-TW" dirty="0" err="1"/>
+              <a:t>viewstate</a:t>
+            </a:r>
+            <a:endParaRPr lang="en-US" altLang="zh-TW" dirty="0"/>
+          </a:p>
+          <a:p>
+            <a:endParaRPr lang="zh-TW" altLang="en-US" dirty="0"/>
+          </a:p>
+        </p:txBody>
+      </p:sp>
+    </p:spTree>
+    <p:extLst>
+      <p:ext uri="{BB962C8B-B14F-4D97-AF65-F5344CB8AC3E}">
+        <p14:creationId xmlns:p14="http://schemas.microsoft.com/office/powerpoint/2010/main" val="3303378425"/>
+      </p:ext>
+    </p:extLst>
+  </p:cSld>
+  <p:clrMapOvr>
+    <a:masterClrMapping/>
+  </p:clrMapOvr>
+</p:sld>
+</file>
+
+<file path=ppt/slides/slide3.xml><?xml version="1.0" encoding="utf-8"?>
+<p:sld xmlns:a="http://schemas.openxmlformats.org/drawingml/2006/main" xmlns:r="http://schemas.openxmlformats.org/officeDocument/2006/relationships" xmlns:p="http://schemas.openxmlformats.org/presentationml/2006/main">
+  <p:cSld>
+    <p:spTree>
+      <p:nvGrpSpPr>
+        <p:cNvPr id="1" name=""/>
+        <p:cNvGrpSpPr/>
+        <p:nvPr/>
+      </p:nvGrpSpPr>
+      <p:grpSpPr>
+        <a:xfrm>
+          <a:off x="0" y="0"/>
+          <a:ext cx="0" cy="0"/>
+          <a:chOff x="0" y="0"/>
+          <a:chExt cx="0" cy="0"/>
+        </a:xfrm>
+      </p:grpSpPr>
+      <p:sp>
+        <p:nvSpPr>
+          <p:cNvPr id="5" name="標題 4"/>
+          <p:cNvSpPr>
+            <a:spLocks noGrp="1"/>
+          </p:cNvSpPr>
+          <p:nvPr>
+            <p:ph type="title"/>
+          </p:nvPr>
+        </p:nvSpPr>
+        <p:spPr/>
+        <p:txBody>
+          <a:bodyPr/>
+          <a:lstStyle/>
+          <a:p>
+            <a:r>
+              <a:rPr lang="zh-TW" altLang="en-US" dirty="0"/>
+              <a:t>什麼</a:t>
+            </a:r>
+            <a:r>
+              <a:rPr lang="zh-TW" altLang="en-US" dirty="0" smtClean="0"/>
+              <a:t>是</a:t>
+            </a:r>
+            <a:r>
+              <a:rPr lang="en-US" altLang="zh-TW" dirty="0" smtClean="0"/>
+              <a:t>Web</a:t>
+            </a:r>
+            <a:r>
+              <a:rPr lang="zh-TW" altLang="en-US" dirty="0" smtClean="0"/>
+              <a:t> </a:t>
+            </a:r>
+            <a:r>
+              <a:rPr lang="en-US" altLang="zh-TW" dirty="0"/>
+              <a:t>F</a:t>
+            </a:r>
+            <a:r>
+              <a:rPr lang="en-US" altLang="zh-TW" dirty="0" smtClean="0"/>
+              <a:t>orm</a:t>
+            </a:r>
+            <a:endParaRPr lang="zh-TW" altLang="en-US" dirty="0"/>
+          </a:p>
+        </p:txBody>
+      </p:sp>
+      <p:sp>
+        <p:nvSpPr>
+          <p:cNvPr id="6" name="內容版面配置區 5"/>
+          <p:cNvSpPr>
+            <a:spLocks noGrp="1"/>
+          </p:cNvSpPr>
+          <p:nvPr>
+            <p:ph idx="1"/>
+          </p:nvPr>
+        </p:nvSpPr>
+        <p:spPr/>
+        <p:txBody>
+          <a:bodyPr>
+            <a:normAutofit/>
+          </a:bodyPr>
+          <a:lstStyle/>
+          <a:p>
+            <a:r>
+              <a:rPr lang="en-US" altLang="zh-TW" dirty="0"/>
+              <a:t>ASP.NET Web form </a:t>
+            </a:r>
+            <a:r>
+              <a:rPr lang="zh-TW" altLang="en-US" dirty="0"/>
+              <a:t>是 </a:t>
+            </a:r>
+            <a:r>
+              <a:rPr lang="en-US" altLang="zh-TW" dirty="0"/>
+              <a:t>ASP.NET web </a:t>
+            </a:r>
+            <a:r>
+              <a:rPr lang="zh-TW" altLang="en-US" dirty="0"/>
+              <a:t>應用程式架構的</a:t>
+            </a:r>
+            <a:r>
+              <a:rPr lang="zh-TW" altLang="en-US" dirty="0" smtClean="0"/>
+              <a:t>一部分</a:t>
+            </a:r>
+            <a:endParaRPr lang="en-US" altLang="zh-TW" dirty="0" smtClean="0"/>
+          </a:p>
+          <a:p>
+            <a:r>
+              <a:rPr lang="en-US" altLang="zh-TW" dirty="0" smtClean="0"/>
+              <a:t>ASP.NET web </a:t>
+            </a:r>
+            <a:r>
+              <a:rPr lang="zh-TW" altLang="en-US" dirty="0" smtClean="0"/>
+              <a:t>應用程式</a:t>
+            </a:r>
+            <a:r>
+              <a:rPr lang="zh-TW" altLang="en-US" dirty="0"/>
+              <a:t>的四種程式設計模型之</a:t>
+            </a:r>
+            <a:r>
+              <a:rPr lang="zh-TW" altLang="en-US" dirty="0" smtClean="0"/>
+              <a:t>一</a:t>
+            </a:r>
+            <a:endParaRPr lang="en-US" altLang="zh-TW" dirty="0" smtClean="0"/>
+          </a:p>
+          <a:p>
+            <a:pPr lvl="1"/>
+            <a:r>
+              <a:rPr lang="en-US" altLang="zh-TW" dirty="0"/>
+              <a:t>ASP.NET </a:t>
+            </a:r>
+            <a:r>
+              <a:rPr lang="en-US" altLang="zh-TW" dirty="0" smtClean="0"/>
+              <a:t>Web </a:t>
+            </a:r>
+            <a:r>
+              <a:rPr lang="en-US" altLang="zh-TW" dirty="0"/>
+              <a:t>form</a:t>
+            </a:r>
+            <a:endParaRPr lang="en-US" altLang="zh-TW" dirty="0" smtClean="0"/>
+          </a:p>
+          <a:p>
+            <a:pPr lvl="1"/>
+            <a:r>
+              <a:rPr lang="en-US" altLang="zh-TW" dirty="0" smtClean="0"/>
+              <a:t>ASP.NET MVC</a:t>
+            </a:r>
+            <a:endParaRPr lang="en-US" altLang="zh-TW" dirty="0"/>
+          </a:p>
+          <a:p>
+            <a:pPr lvl="1"/>
+            <a:r>
+              <a:rPr lang="en-US" altLang="zh-TW" dirty="0" smtClean="0"/>
+              <a:t>ASP.NET </a:t>
+            </a:r>
+            <a:r>
+              <a:rPr lang="en-US" altLang="zh-TW" dirty="0"/>
+              <a:t>Web Pages </a:t>
+            </a:r>
+            <a:endParaRPr lang="en-US" altLang="zh-TW" dirty="0" smtClean="0"/>
+          </a:p>
+          <a:p>
+            <a:pPr lvl="1"/>
+            <a:r>
+              <a:rPr lang="en-US" altLang="zh-TW" dirty="0" smtClean="0"/>
+              <a:t>ASP.NE</a:t>
+            </a:r>
+            <a:r>
+              <a:rPr lang="zh-TW" altLang="en-US" dirty="0" smtClean="0"/>
+              <a:t> </a:t>
+            </a:r>
+            <a:r>
+              <a:rPr lang="en-US" altLang="zh-TW" dirty="0" smtClean="0"/>
+              <a:t>SPA</a:t>
+            </a:r>
+          </a:p>
+        </p:txBody>
+      </p:sp>
+    </p:spTree>
+    <p:extLst>
+      <p:ext uri="{BB962C8B-B14F-4D97-AF65-F5344CB8AC3E}">
+        <p14:creationId xmlns:p14="http://schemas.microsoft.com/office/powerpoint/2010/main" val="3028218293"/>
+      </p:ext>
+    </p:extLst>
+  </p:cSld>
+  <p:clrMapOvr>
+    <a:masterClrMapping/>
+  </p:clrMapOvr>
+</p:sld>
+</file>
+
+<file path=ppt/slides/slide4.xml><?xml version="1.0" encoding="utf-8"?>
+<p:sld xmlns:a="http://schemas.openxmlformats.org/drawingml/2006/main" xmlns:r="http://schemas.openxmlformats.org/officeDocument/2006/relationships" xmlns:p="http://schemas.openxmlformats.org/presentationml/2006/main">
+  <p:cSld>
+    <p:spTree>
+      <p:nvGrpSpPr>
+        <p:cNvPr id="1" name=""/>
+        <p:cNvGrpSpPr/>
+        <p:nvPr/>
+      </p:nvGrpSpPr>
+      <p:grpSpPr>
+        <a:xfrm>
+          <a:off x="0" y="0"/>
+          <a:ext cx="0" cy="0"/>
+          <a:chOff x="0" y="0"/>
+          <a:chExt cx="0" cy="0"/>
+        </a:xfrm>
+      </p:grpSpPr>
+      <p:sp>
+        <p:nvSpPr>
+          <p:cNvPr id="2" name="標題 1"/>
+          <p:cNvSpPr>
+            <a:spLocks noGrp="1"/>
+          </p:cNvSpPr>
+          <p:nvPr>
+            <p:ph type="title"/>
+          </p:nvPr>
+        </p:nvSpPr>
+        <p:spPr/>
+        <p:txBody>
+          <a:bodyPr/>
+          <a:lstStyle/>
+          <a:p>
+            <a:r>
+              <a:rPr lang="zh-TW" altLang="en-US" dirty="0"/>
+              <a:t>什麼是</a:t>
+            </a:r>
+            <a:r>
+              <a:rPr lang="en-US" altLang="zh-TW" dirty="0"/>
+              <a:t>Web</a:t>
+            </a:r>
+            <a:r>
+              <a:rPr lang="zh-TW" altLang="en-US" dirty="0"/>
+              <a:t> </a:t>
+            </a:r>
+            <a:r>
+              <a:rPr lang="en-US" altLang="zh-TW" dirty="0"/>
+              <a:t>Form</a:t>
+            </a:r>
+            <a:endParaRPr lang="zh-TW" altLang="en-US" dirty="0"/>
+          </a:p>
+        </p:txBody>
+      </p:sp>
+      <p:sp>
+        <p:nvSpPr>
+          <p:cNvPr id="3" name="內容版面配置區 2"/>
+          <p:cNvSpPr>
+            <a:spLocks noGrp="1"/>
+          </p:cNvSpPr>
+          <p:nvPr>
+            <p:ph idx="1"/>
+          </p:nvPr>
+        </p:nvSpPr>
+        <p:spPr/>
+        <p:txBody>
+          <a:bodyPr/>
+          <a:lstStyle/>
+          <a:p>
+            <a:r>
+              <a:rPr lang="en-US" altLang="zh-TW" dirty="0"/>
+              <a:t>Web form </a:t>
+            </a:r>
+            <a:r>
+              <a:rPr lang="zh-TW" altLang="en-US" dirty="0"/>
+              <a:t>是您的使用者使用其瀏覽器要求的頁面</a:t>
+            </a:r>
+            <a:r>
+              <a:rPr lang="zh-TW" altLang="en-US" dirty="0" smtClean="0"/>
+              <a:t>。這些</a:t>
+            </a:r>
+            <a:r>
+              <a:rPr lang="zh-TW" altLang="en-US" dirty="0"/>
+              <a:t>頁面可以使用 </a:t>
+            </a:r>
+            <a:r>
+              <a:rPr lang="en-US" altLang="zh-TW" dirty="0">
+                <a:solidFill>
+                  <a:srgbClr val="FF0000"/>
+                </a:solidFill>
+              </a:rPr>
+              <a:t>HTML</a:t>
+            </a:r>
+            <a:r>
+              <a:rPr lang="zh-TW" altLang="en-US" dirty="0"/>
+              <a:t>、</a:t>
+            </a:r>
+            <a:r>
+              <a:rPr lang="zh-TW" altLang="en-US" dirty="0">
+                <a:solidFill>
+                  <a:srgbClr val="FF0000"/>
+                </a:solidFill>
+              </a:rPr>
+              <a:t>用戶端腳本</a:t>
+            </a:r>
+            <a:r>
+              <a:rPr lang="zh-TW" altLang="en-US" dirty="0"/>
+              <a:t>、</a:t>
+            </a:r>
+            <a:r>
+              <a:rPr lang="zh-TW" altLang="en-US" dirty="0">
+                <a:solidFill>
+                  <a:srgbClr val="FF0000"/>
+                </a:solidFill>
+              </a:rPr>
+              <a:t>伺服器控制項</a:t>
+            </a:r>
+            <a:r>
+              <a:rPr lang="zh-TW" altLang="en-US" dirty="0"/>
+              <a:t>和</a:t>
+            </a:r>
+            <a:r>
+              <a:rPr lang="zh-TW" altLang="en-US" dirty="0">
+                <a:solidFill>
+                  <a:srgbClr val="FF0000"/>
+                </a:solidFill>
+              </a:rPr>
+              <a:t>伺服器程式碼</a:t>
+            </a:r>
+            <a:r>
+              <a:rPr lang="zh-TW" altLang="en-US" dirty="0"/>
+              <a:t>的組合來撰寫。 </a:t>
+            </a:r>
+            <a:endParaRPr lang="en-US" altLang="zh-TW" dirty="0" smtClean="0"/>
+          </a:p>
+          <a:p>
+            <a:endParaRPr lang="en-US" altLang="zh-TW" dirty="0" smtClean="0"/>
+          </a:p>
+          <a:p>
+            <a:r>
+              <a:rPr lang="zh-TW" altLang="en-US" dirty="0" smtClean="0"/>
+              <a:t>當</a:t>
+            </a:r>
+            <a:r>
+              <a:rPr lang="zh-TW" altLang="en-US" dirty="0"/>
+              <a:t>使用者要求頁面時，架構會在</a:t>
+            </a:r>
+            <a:r>
+              <a:rPr lang="zh-TW" altLang="en-US" dirty="0">
+                <a:solidFill>
+                  <a:srgbClr val="FF0000"/>
+                </a:solidFill>
+              </a:rPr>
+              <a:t>伺服器上進行編譯和執行</a:t>
+            </a:r>
+            <a:r>
+              <a:rPr lang="zh-TW" altLang="en-US" dirty="0"/>
+              <a:t>，然後架構會</a:t>
+            </a:r>
+            <a:r>
+              <a:rPr lang="zh-TW" altLang="en-US" dirty="0">
+                <a:solidFill>
+                  <a:srgbClr val="FF0000"/>
+                </a:solidFill>
+              </a:rPr>
+              <a:t>產生瀏覽器可以呈現的 </a:t>
+            </a:r>
+            <a:r>
+              <a:rPr lang="en-US" altLang="zh-TW" dirty="0">
+                <a:solidFill>
+                  <a:srgbClr val="FF0000"/>
+                </a:solidFill>
+              </a:rPr>
+              <a:t>HTML </a:t>
+            </a:r>
+            <a:r>
+              <a:rPr lang="zh-TW" altLang="en-US" dirty="0">
+                <a:solidFill>
+                  <a:srgbClr val="FF0000"/>
+                </a:solidFill>
+              </a:rPr>
+              <a:t>標籤</a:t>
+            </a:r>
+            <a:r>
+              <a:rPr lang="zh-TW" altLang="en-US" dirty="0"/>
+              <a:t>。 </a:t>
+            </a:r>
+            <a:endParaRPr lang="en-US" altLang="zh-TW" dirty="0" smtClean="0"/>
+          </a:p>
+          <a:p>
+            <a:endParaRPr lang="zh-TW" altLang="en-US" dirty="0"/>
+          </a:p>
+        </p:txBody>
+      </p:sp>
+    </p:spTree>
+    <p:extLst>
+      <p:ext uri="{BB962C8B-B14F-4D97-AF65-F5344CB8AC3E}">
+        <p14:creationId xmlns:p14="http://schemas.microsoft.com/office/powerpoint/2010/main" val="3692505404"/>
+      </p:ext>
+    </p:extLst>
+  </p:cSld>
+  <p:clrMapOvr>
+    <a:masterClrMapping/>
+  </p:clrMapOvr>
+</p:sld>
+</file>
+
+<file path=ppt/slides/slide5.xml><?xml version="1.0" encoding="utf-8"?>
+<p:sld xmlns:a="http://schemas.openxmlformats.org/drawingml/2006/main" xmlns:r="http://schemas.openxmlformats.org/officeDocument/2006/relationships" xmlns:p="http://schemas.openxmlformats.org/presentationml/2006/main">
+  <p:cSld>
+    <p:spTree>
+      <p:nvGrpSpPr>
+        <p:cNvPr id="1" name=""/>
+        <p:cNvGrpSpPr/>
+        <p:nvPr/>
+      </p:nvGrpSpPr>
+      <p:grpSpPr>
+        <a:xfrm>
+          <a:off x="0" y="0"/>
+          <a:ext cx="0" cy="0"/>
+          <a:chOff x="0" y="0"/>
+          <a:chExt cx="0" cy="0"/>
+        </a:xfrm>
+      </p:grpSpPr>
+      <p:sp>
+        <p:nvSpPr>
+          <p:cNvPr id="2" name="標題 1"/>
+          <p:cNvSpPr>
+            <a:spLocks noGrp="1"/>
+          </p:cNvSpPr>
+          <p:nvPr>
+            <p:ph type="title"/>
+          </p:nvPr>
+        </p:nvSpPr>
+        <p:spPr/>
+        <p:txBody>
+          <a:bodyPr/>
+          <a:lstStyle/>
+          <a:p>
+            <a:r>
+              <a:rPr lang="en-US" altLang="zh-TW" dirty="0"/>
+              <a:t>Web Form Web </a:t>
+            </a:r>
+            <a:r>
+              <a:rPr lang="zh-TW" altLang="en-US" dirty="0"/>
+              <a:t>應用程式的</a:t>
+            </a:r>
+            <a:r>
+              <a:rPr lang="zh-TW" altLang="en-US" dirty="0" smtClean="0"/>
+              <a:t>優點</a:t>
+            </a:r>
+            <a:endParaRPr lang="zh-TW" altLang="en-US" dirty="0"/>
+          </a:p>
+        </p:txBody>
+      </p:sp>
+      <p:sp>
+        <p:nvSpPr>
+          <p:cNvPr id="3" name="內容版面配置區 2"/>
+          <p:cNvSpPr>
+            <a:spLocks noGrp="1"/>
+          </p:cNvSpPr>
+          <p:nvPr>
+            <p:ph idx="1"/>
+          </p:nvPr>
+        </p:nvSpPr>
+        <p:spPr/>
+        <p:txBody>
+          <a:bodyPr>
+            <a:normAutofit/>
+          </a:bodyPr>
+          <a:lstStyle/>
+          <a:p>
+            <a:r>
+              <a:rPr lang="en-US" altLang="zh-TW" dirty="0" smtClean="0"/>
+              <a:t>Web </a:t>
+            </a:r>
+            <a:r>
+              <a:rPr lang="en-US" altLang="zh-TW" dirty="0"/>
+              <a:t>Form </a:t>
+            </a:r>
+            <a:r>
+              <a:rPr lang="zh-TW" altLang="en-US" dirty="0"/>
+              <a:t>應用程式提供數百種伺服器控制項中支援的許多種事件。</a:t>
+            </a:r>
+          </a:p>
+          <a:p>
+            <a:r>
+              <a:rPr lang="zh-TW" altLang="en-US" dirty="0" smtClean="0"/>
+              <a:t>它</a:t>
+            </a:r>
+            <a:r>
+              <a:rPr lang="zh-TW" altLang="en-US" dirty="0"/>
+              <a:t>會使用 </a:t>
+            </a:r>
+            <a:r>
+              <a:rPr lang="en-US" altLang="zh-TW" dirty="0"/>
+              <a:t>view </a:t>
+            </a:r>
+            <a:r>
+              <a:rPr lang="zh-TW" altLang="en-US" dirty="0"/>
+              <a:t>狀態或伺服器形式的表單，讓您更輕鬆地管理狀態資訊。</a:t>
+            </a:r>
+          </a:p>
+          <a:p>
+            <a:r>
+              <a:rPr lang="zh-TW" altLang="en-US" dirty="0"/>
+              <a:t>適用於希望利用提供的大量元件快速開發應用程式的小型 </a:t>
+            </a:r>
+            <a:r>
+              <a:rPr lang="en-US" altLang="zh-TW" dirty="0"/>
+              <a:t>Web </a:t>
+            </a:r>
+            <a:r>
+              <a:rPr lang="zh-TW" altLang="en-US" dirty="0"/>
+              <a:t>開發人員和設計人員團隊。</a:t>
+            </a:r>
+          </a:p>
+          <a:p>
+            <a:r>
+              <a:rPr lang="zh-TW" altLang="en-US" dirty="0"/>
+              <a:t>一般來說，應用程式開發較不復雜，因為元件（</a:t>
+            </a:r>
+            <a:r>
+              <a:rPr lang="zh-TW" altLang="en-US" b="1" dirty="0"/>
+              <a:t>頁面</a:t>
+            </a:r>
+            <a:r>
+              <a:rPr lang="zh-TW" altLang="en-US" dirty="0"/>
+              <a:t>類別、控制項等等）已緊密整合，而且通常需要比 </a:t>
+            </a:r>
+            <a:r>
+              <a:rPr lang="en-US" altLang="zh-TW" dirty="0"/>
+              <a:t>MVC </a:t>
+            </a:r>
+            <a:r>
+              <a:rPr lang="zh-TW" altLang="en-US" dirty="0"/>
+              <a:t>模型少的程式碼。</a:t>
+            </a:r>
+          </a:p>
+          <a:p>
+            <a:endParaRPr lang="zh-TW" altLang="en-US" dirty="0"/>
+          </a:p>
+        </p:txBody>
+      </p:sp>
+    </p:spTree>
+    <p:extLst>
+      <p:ext uri="{BB962C8B-B14F-4D97-AF65-F5344CB8AC3E}">
+        <p14:creationId xmlns:p14="http://schemas.microsoft.com/office/powerpoint/2010/main" val="366874990"/>
+      </p:ext>
+    </p:extLst>
+  </p:cSld>
+  <p:clrMapOvr>
+    <a:masterClrMapping/>
+  </p:clrMapOvr>
+</p:sld>
+</file>
+
+<file path=ppt/slides/slide6.xml><?xml version="1.0" encoding="utf-8"?>
+<p:sld xmlns:a="http://schemas.openxmlformats.org/drawingml/2006/main" xmlns:r="http://schemas.openxmlformats.org/officeDocument/2006/relationships" xmlns:p="http://schemas.openxmlformats.org/presentationml/2006/main">
+  <p:cSld>
+    <p:spTree>
+      <p:nvGrpSpPr>
+        <p:cNvPr id="1" name=""/>
+        <p:cNvGrpSpPr/>
+        <p:nvPr/>
+      </p:nvGrpSpPr>
+      <p:grpSpPr>
+        <a:xfrm>
+          <a:off x="0" y="0"/>
+          <a:ext cx="0" cy="0"/>
+          <a:chOff x="0" y="0"/>
+          <a:chExt cx="0" cy="0"/>
+        </a:xfrm>
+      </p:grpSpPr>
+      <p:sp>
+        <p:nvSpPr>
+          <p:cNvPr id="2" name="標題 1"/>
+          <p:cNvSpPr>
+            <a:spLocks noGrp="1"/>
+          </p:cNvSpPr>
+          <p:nvPr>
+            <p:ph type="title"/>
+          </p:nvPr>
+        </p:nvSpPr>
+        <p:spPr/>
+        <p:txBody>
+          <a:bodyPr/>
+          <a:lstStyle/>
+          <a:p>
+            <a:r>
+              <a:rPr lang="en-US" altLang="zh-TW" dirty="0"/>
+              <a:t>Web Form </a:t>
+            </a:r>
+            <a:r>
+              <a:rPr lang="zh-TW" altLang="en-US" dirty="0" smtClean="0"/>
+              <a:t>常用控制項</a:t>
+            </a:r>
+            <a:endParaRPr lang="zh-TW" altLang="en-US" dirty="0"/>
+          </a:p>
+        </p:txBody>
+      </p:sp>
+      <p:sp>
+        <p:nvSpPr>
+          <p:cNvPr id="3" name="內容版面配置區 2"/>
+          <p:cNvSpPr>
+            <a:spLocks noGrp="1"/>
+          </p:cNvSpPr>
+          <p:nvPr>
+            <p:ph idx="1"/>
+          </p:nvPr>
+        </p:nvSpPr>
+        <p:spPr/>
+        <p:txBody>
+          <a:bodyPr/>
+          <a:lstStyle/>
+          <a:p>
+            <a:endParaRPr lang="zh-TW" altLang="en-US"/>
+          </a:p>
+        </p:txBody>
+      </p:sp>
+    </p:spTree>
+    <p:extLst>
+      <p:ext uri="{BB962C8B-B14F-4D97-AF65-F5344CB8AC3E}">
+        <p14:creationId xmlns:p14="http://schemas.microsoft.com/office/powerpoint/2010/main" val="1948103640"/>
+      </p:ext>
+    </p:extLst>
+  </p:cSld>
+  <p:clrMapOvr>
+    <a:masterClrMapping/>
+  </p:clrMapOvr>
+</p:sld>
+</file>
+
+<file path=ppt/slides/slide7.xml><?xml version="1.0" encoding="utf-8"?>
+<p:sld xmlns:a="http://schemas.openxmlformats.org/drawingml/2006/main" xmlns:r="http://schemas.openxmlformats.org/officeDocument/2006/relationships" xmlns:p="http://schemas.openxmlformats.org/presentationml/2006/main">
+  <p:cSld>
+    <p:spTree>
+      <p:nvGrpSpPr>
+        <p:cNvPr id="1" name=""/>
+        <p:cNvGrpSpPr/>
+        <p:nvPr/>
+      </p:nvGrpSpPr>
+      <p:grpSpPr>
+        <a:xfrm>
+          <a:off x="0" y="0"/>
+          <a:ext cx="0" cy="0"/>
+          <a:chOff x="0" y="0"/>
+          <a:chExt cx="0" cy="0"/>
+        </a:xfrm>
+      </p:grpSpPr>
+      <p:sp>
+        <p:nvSpPr>
+          <p:cNvPr id="2" name="標題 1"/>
+          <p:cNvSpPr>
+            <a:spLocks noGrp="1"/>
+          </p:cNvSpPr>
+          <p:nvPr>
+            <p:ph type="title"/>
+          </p:nvPr>
+        </p:nvSpPr>
+        <p:spPr/>
+        <p:txBody>
+          <a:bodyPr/>
+          <a:lstStyle/>
+          <a:p>
+            <a:r>
+              <a:rPr lang="en-US" altLang="zh-TW" dirty="0"/>
+              <a:t>Web Form </a:t>
+            </a:r>
+            <a:r>
+              <a:rPr lang="zh-TW" altLang="en-US" dirty="0" smtClean="0"/>
+              <a:t>常用控制項</a:t>
+            </a:r>
+            <a:endParaRPr lang="zh-TW" altLang="en-US" dirty="0"/>
+          </a:p>
+        </p:txBody>
+      </p:sp>
+      <p:sp>
+        <p:nvSpPr>
+          <p:cNvPr id="3" name="內容版面配置區 2"/>
+          <p:cNvSpPr>
+            <a:spLocks noGrp="1"/>
+          </p:cNvSpPr>
+          <p:nvPr>
+            <p:ph idx="1"/>
+          </p:nvPr>
+        </p:nvSpPr>
+        <p:spPr/>
+        <p:txBody>
+          <a:bodyPr/>
+          <a:lstStyle/>
+          <a:p>
+            <a:endParaRPr lang="zh-TW" altLang="en-US"/>
+          </a:p>
+        </p:txBody>
+      </p:sp>
+    </p:spTree>
+    <p:extLst>
+      <p:ext uri="{BB962C8B-B14F-4D97-AF65-F5344CB8AC3E}">
+        <p14:creationId xmlns:p14="http://schemas.microsoft.com/office/powerpoint/2010/main" val="3890896010"/>
+      </p:ext>
+    </p:extLst>
+  </p:cSld>
+  <p:clrMapOvr>
+    <a:masterClrMapping/>
+  </p:clrMapOvr>
+</p:sld>
+</file>
+
+<file path=ppt/slides/slide8.xml><?xml version="1.0" encoding="utf-8"?>
+<p:sld xmlns:a="http://schemas.openxmlformats.org/drawingml/2006/main" xmlns:r="http://schemas.openxmlformats.org/officeDocument/2006/relationships" xmlns:p="http://schemas.openxmlformats.org/presentationml/2006/main">
+  <p:cSld>
+    <p:spTree>
+      <p:nvGrpSpPr>
+        <p:cNvPr id="1" name=""/>
+        <p:cNvGrpSpPr/>
+        <p:nvPr/>
+      </p:nvGrpSpPr>
+      <p:grpSpPr>
+        <a:xfrm>
+          <a:off x="0" y="0"/>
+          <a:ext cx="0" cy="0"/>
+          <a:chOff x="0" y="0"/>
+          <a:chExt cx="0" cy="0"/>
+        </a:xfrm>
+      </p:grpSpPr>
+      <p:sp>
+        <p:nvSpPr>
+          <p:cNvPr id="2" name="標題 1"/>
+          <p:cNvSpPr>
+            <a:spLocks noGrp="1"/>
+          </p:cNvSpPr>
+          <p:nvPr>
+            <p:ph type="title"/>
+          </p:nvPr>
+        </p:nvSpPr>
+        <p:spPr/>
+        <p:txBody>
+          <a:bodyPr/>
+          <a:lstStyle/>
+          <a:p>
+            <a:r>
+              <a:rPr lang="en-US" altLang="zh-TW" dirty="0"/>
+              <a:t>Web Form </a:t>
+            </a:r>
+            <a:r>
+              <a:rPr lang="zh-TW" altLang="en-US" dirty="0" smtClean="0"/>
+              <a:t>常用控制項</a:t>
+            </a:r>
+            <a:endParaRPr lang="zh-TW" altLang="en-US" dirty="0"/>
+          </a:p>
+        </p:txBody>
+      </p:sp>
+      <p:sp>
+        <p:nvSpPr>
+          <p:cNvPr id="3" name="內容版面配置區 2"/>
+          <p:cNvSpPr>
+            <a:spLocks noGrp="1"/>
+          </p:cNvSpPr>
+          <p:nvPr>
+            <p:ph idx="1"/>
+          </p:nvPr>
+        </p:nvSpPr>
+        <p:spPr/>
+        <p:txBody>
+          <a:bodyPr/>
+          <a:lstStyle/>
+          <a:p>
+            <a:endParaRPr lang="zh-TW" altLang="en-US"/>
+          </a:p>
+        </p:txBody>
+      </p:sp>
+    </p:spTree>
+    <p:extLst>
+      <p:ext uri="{BB962C8B-B14F-4D97-AF65-F5344CB8AC3E}">
+        <p14:creationId xmlns:p14="http://schemas.microsoft.com/office/powerpoint/2010/main" val="3656069118"/>
+      </p:ext>
+    </p:extLst>
+  </p:cSld>
+  <p:clrMapOvr>
+    <a:masterClrMapping/>
+  </p:clrMapOvr>
+</p:sld>
+</file>
+
+<file path=ppt/slides/slide9.xml><?xml version="1.0" encoding="utf-8"?>
+<p:sld xmlns:a="http://schemas.openxmlformats.org/drawingml/2006/main" xmlns:r="http://schemas.openxmlformats.org/officeDocument/2006/relationships" xmlns:p="http://schemas.openxmlformats.org/presentationml/2006/main">
+  <p:cSld>
+    <p:spTree>
+      <p:nvGrpSpPr>
+        <p:cNvPr id="1" name=""/>
+        <p:cNvGrpSpPr/>
+        <p:nvPr/>
+      </p:nvGrpSpPr>
+      <p:grpSpPr>
+        <a:xfrm>
+          <a:off x="0" y="0"/>
+          <a:ext cx="0" cy="0"/>
+          <a:chOff x="0" y="0"/>
+          <a:chExt cx="0" cy="0"/>
+        </a:xfrm>
+      </p:grpSpPr>
+      <p:sp>
+        <p:nvSpPr>
+          <p:cNvPr id="2" name="標題 1"/>
+          <p:cNvSpPr>
+            <a:spLocks noGrp="1"/>
+          </p:cNvSpPr>
+          <p:nvPr>
+            <p:ph type="title"/>
+          </p:nvPr>
+        </p:nvSpPr>
+        <p:spPr/>
+        <p:txBody>
+          <a:bodyPr/>
+          <a:lstStyle/>
+          <a:p>
+            <a:r>
+              <a:rPr lang="en-US" altLang="zh-TW" dirty="0"/>
+              <a:t>Web Form </a:t>
+            </a:r>
+            <a:r>
+              <a:rPr lang="zh-TW" altLang="en-US" dirty="0" smtClean="0"/>
+              <a:t>常用控制項</a:t>
+            </a:r>
+            <a:endParaRPr lang="zh-TW" altLang="en-US" dirty="0"/>
+          </a:p>
+        </p:txBody>
+      </p:sp>
+      <p:sp>
+        <p:nvSpPr>
+          <p:cNvPr id="3" name="內容版面配置區 2"/>
+          <p:cNvSpPr>
+            <a:spLocks noGrp="1"/>
+          </p:cNvSpPr>
+          <p:nvPr>
+            <p:ph idx="1"/>
+          </p:nvPr>
+        </p:nvSpPr>
+        <p:spPr/>
+        <p:txBody>
+          <a:bodyPr/>
+          <a:lstStyle/>
+          <a:p>
+            <a:endParaRPr lang="zh-TW" altLang="en-US"/>
+          </a:p>
+        </p:txBody>
+      </p:sp>
+    </p:spTree>
+    <p:extLst>
+      <p:ext uri="{BB962C8B-B14F-4D97-AF65-F5344CB8AC3E}">
+        <p14:creationId xmlns:p14="http://schemas.microsoft.com/office/powerpoint/2010/main" val="4270202545"/>
       </p:ext>
     </p:extLst>
   </p:cSld>

--- a/投影片/2.asp.net webform 框架.pptx
+++ b/投影片/2.asp.net webform 框架.pptx
@@ -270,7 +270,7 @@
           <a:p>
             <a:fld id="{FD0A4632-C5D3-4651-8940-53FD5C35DEAA}" type="datetimeFigureOut">
               <a:rPr lang="zh-TW" altLang="en-US" smtClean="0"/>
-              <a:t>2022/1/31</a:t>
+              <a:t>2022/2/12</a:t>
             </a:fld>
             <a:endParaRPr lang="zh-TW" altLang="en-US"/>
           </a:p>
@@ -440,7 +440,7 @@
           <a:p>
             <a:fld id="{FD0A4632-C5D3-4651-8940-53FD5C35DEAA}" type="datetimeFigureOut">
               <a:rPr lang="zh-TW" altLang="en-US" smtClean="0"/>
-              <a:t>2022/1/31</a:t>
+              <a:t>2022/2/12</a:t>
             </a:fld>
             <a:endParaRPr lang="zh-TW" altLang="en-US"/>
           </a:p>
@@ -620,7 +620,7 @@
           <a:p>
             <a:fld id="{FD0A4632-C5D3-4651-8940-53FD5C35DEAA}" type="datetimeFigureOut">
               <a:rPr lang="zh-TW" altLang="en-US" smtClean="0"/>
-              <a:t>2022/1/31</a:t>
+              <a:t>2022/2/12</a:t>
             </a:fld>
             <a:endParaRPr lang="zh-TW" altLang="en-US"/>
           </a:p>
@@ -790,7 +790,7 @@
           <a:p>
             <a:fld id="{FD0A4632-C5D3-4651-8940-53FD5C35DEAA}" type="datetimeFigureOut">
               <a:rPr lang="zh-TW" altLang="en-US" smtClean="0"/>
-              <a:t>2022/1/31</a:t>
+              <a:t>2022/2/12</a:t>
             </a:fld>
             <a:endParaRPr lang="zh-TW" altLang="en-US"/>
           </a:p>
@@ -1036,7 +1036,7 @@
           <a:p>
             <a:fld id="{FD0A4632-C5D3-4651-8940-53FD5C35DEAA}" type="datetimeFigureOut">
               <a:rPr lang="zh-TW" altLang="en-US" smtClean="0"/>
-              <a:t>2022/1/31</a:t>
+              <a:t>2022/2/12</a:t>
             </a:fld>
             <a:endParaRPr lang="zh-TW" altLang="en-US"/>
           </a:p>
@@ -1268,7 +1268,7 @@
           <a:p>
             <a:fld id="{FD0A4632-C5D3-4651-8940-53FD5C35DEAA}" type="datetimeFigureOut">
               <a:rPr lang="zh-TW" altLang="en-US" smtClean="0"/>
-              <a:t>2022/1/31</a:t>
+              <a:t>2022/2/12</a:t>
             </a:fld>
             <a:endParaRPr lang="zh-TW" altLang="en-US"/>
           </a:p>
@@ -1635,7 +1635,7 @@
           <a:p>
             <a:fld id="{FD0A4632-C5D3-4651-8940-53FD5C35DEAA}" type="datetimeFigureOut">
               <a:rPr lang="zh-TW" altLang="en-US" smtClean="0"/>
-              <a:t>2022/1/31</a:t>
+              <a:t>2022/2/12</a:t>
             </a:fld>
             <a:endParaRPr lang="zh-TW" altLang="en-US"/>
           </a:p>
@@ -1753,7 +1753,7 @@
           <a:p>
             <a:fld id="{FD0A4632-C5D3-4651-8940-53FD5C35DEAA}" type="datetimeFigureOut">
               <a:rPr lang="zh-TW" altLang="en-US" smtClean="0"/>
-              <a:t>2022/1/31</a:t>
+              <a:t>2022/2/12</a:t>
             </a:fld>
             <a:endParaRPr lang="zh-TW" altLang="en-US"/>
           </a:p>
@@ -1848,7 +1848,7 @@
           <a:p>
             <a:fld id="{FD0A4632-C5D3-4651-8940-53FD5C35DEAA}" type="datetimeFigureOut">
               <a:rPr lang="zh-TW" altLang="en-US" smtClean="0"/>
-              <a:t>2022/1/31</a:t>
+              <a:t>2022/2/12</a:t>
             </a:fld>
             <a:endParaRPr lang="zh-TW" altLang="en-US"/>
           </a:p>
@@ -2125,7 +2125,7 @@
           <a:p>
             <a:fld id="{FD0A4632-C5D3-4651-8940-53FD5C35DEAA}" type="datetimeFigureOut">
               <a:rPr lang="zh-TW" altLang="en-US" smtClean="0"/>
-              <a:t>2022/1/31</a:t>
+              <a:t>2022/2/12</a:t>
             </a:fld>
             <a:endParaRPr lang="zh-TW" altLang="en-US"/>
           </a:p>
@@ -2378,7 +2378,7 @@
           <a:p>
             <a:fld id="{FD0A4632-C5D3-4651-8940-53FD5C35DEAA}" type="datetimeFigureOut">
               <a:rPr lang="zh-TW" altLang="en-US" smtClean="0"/>
-              <a:t>2022/1/31</a:t>
+              <a:t>2022/2/12</a:t>
             </a:fld>
             <a:endParaRPr lang="zh-TW" altLang="en-US"/>
           </a:p>
@@ -2591,7 +2591,7 @@
           <a:p>
             <a:fld id="{FD0A4632-C5D3-4651-8940-53FD5C35DEAA}" type="datetimeFigureOut">
               <a:rPr lang="zh-TW" altLang="en-US" smtClean="0"/>
-              <a:t>2022/1/31</a:t>
+              <a:t>2022/2/12</a:t>
             </a:fld>
             <a:endParaRPr lang="zh-TW" altLang="en-US"/>
           </a:p>
@@ -5536,7 +5536,19 @@
             </a:r>
             <a:r>
               <a:rPr lang="zh-TW" altLang="en-US" dirty="0" smtClean="0"/>
-              <a:t>常用控制項</a:t>
+              <a:t>常用</a:t>
+            </a:r>
+            <a:r>
+              <a:rPr lang="zh-TW" altLang="en-US" dirty="0" smtClean="0"/>
+              <a:t>的 </a:t>
+            </a:r>
+            <a:r>
+              <a:rPr lang="en-US" altLang="zh-TW" dirty="0" smtClean="0"/>
+              <a:t>Web</a:t>
+            </a:r>
+            <a:r>
+              <a:rPr lang="zh-TW" altLang="en-US" dirty="0" smtClean="0"/>
+              <a:t> 控制項</a:t>
             </a:r>
             <a:endParaRPr lang="zh-TW" altLang="en-US" dirty="0"/>
           </a:p>

--- a/投影片/2.asp.net webform 框架.pptx
+++ b/投影片/2.asp.net webform 框架.pptx
@@ -40,12 +40,16 @@
     <p:sldId id="276" r:id="rId34"/>
     <p:sldId id="275" r:id="rId35"/>
     <p:sldId id="294" r:id="rId36"/>
-    <p:sldId id="295" r:id="rId37"/>
-    <p:sldId id="298" r:id="rId38"/>
-    <p:sldId id="296" r:id="rId39"/>
-    <p:sldId id="300" r:id="rId40"/>
-    <p:sldId id="297" r:id="rId41"/>
-    <p:sldId id="299" r:id="rId42"/>
+    <p:sldId id="301" r:id="rId37"/>
+    <p:sldId id="303" r:id="rId38"/>
+    <p:sldId id="295" r:id="rId39"/>
+    <p:sldId id="302" r:id="rId40"/>
+    <p:sldId id="304" r:id="rId41"/>
+    <p:sldId id="298" r:id="rId42"/>
+    <p:sldId id="296" r:id="rId43"/>
+    <p:sldId id="300" r:id="rId44"/>
+    <p:sldId id="297" r:id="rId45"/>
+    <p:sldId id="299" r:id="rId46"/>
   </p:sldIdLst>
   <p:sldSz cx="12192000" cy="6858000"/>
   <p:notesSz cx="6858000" cy="9144000"/>
@@ -186,7 +190,7 @@
           <a:p>
             <a:fld id="{31CDE89B-FBD9-4E23-BEEB-B0C8819124B3}" type="datetimeFigureOut">
               <a:rPr lang="zh-TW" altLang="en-US" smtClean="0"/>
-              <a:t>2022/2/17</a:t>
+              <a:t>2022/2/23</a:t>
             </a:fld>
             <a:endParaRPr lang="zh-TW" altLang="en-US"/>
           </a:p>
@@ -3057,7 +3061,7 @@
           <a:p>
             <a:fld id="{31CDE89B-FBD9-4E23-BEEB-B0C8819124B3}" type="datetimeFigureOut">
               <a:rPr lang="zh-TW" altLang="en-US" smtClean="0"/>
-              <a:t>2022/2/17</a:t>
+              <a:t>2022/2/23</a:t>
             </a:fld>
             <a:endParaRPr lang="zh-TW" altLang="en-US"/>
           </a:p>
@@ -3249,7 +3253,7 @@
           <a:p>
             <a:fld id="{31CDE89B-FBD9-4E23-BEEB-B0C8819124B3}" type="datetimeFigureOut">
               <a:rPr lang="zh-TW" altLang="en-US" smtClean="0"/>
-              <a:t>2022/2/17</a:t>
+              <a:t>2022/2/23</a:t>
             </a:fld>
             <a:endParaRPr lang="zh-TW" altLang="en-US"/>
           </a:p>
@@ -3445,7 +3449,7 @@
           <a:p>
             <a:fld id="{31CDE89B-FBD9-4E23-BEEB-B0C8819124B3}" type="datetimeFigureOut">
               <a:rPr lang="zh-TW" altLang="en-US" smtClean="0"/>
-              <a:t>2022/2/17</a:t>
+              <a:t>2022/2/23</a:t>
             </a:fld>
             <a:endParaRPr lang="zh-TW" altLang="en-US"/>
           </a:p>
@@ -4541,7 +4545,7 @@
           <a:p>
             <a:fld id="{31CDE89B-FBD9-4E23-BEEB-B0C8819124B3}" type="datetimeFigureOut">
               <a:rPr lang="zh-TW" altLang="en-US" smtClean="0"/>
-              <a:t>2022/2/17</a:t>
+              <a:t>2022/2/23</a:t>
             </a:fld>
             <a:endParaRPr lang="zh-TW" altLang="en-US"/>
           </a:p>
@@ -4790,7 +4794,7 @@
           <a:p>
             <a:fld id="{31CDE89B-FBD9-4E23-BEEB-B0C8819124B3}" type="datetimeFigureOut">
               <a:rPr lang="zh-TW" altLang="en-US" smtClean="0"/>
-              <a:t>2022/2/17</a:t>
+              <a:t>2022/2/23</a:t>
             </a:fld>
             <a:endParaRPr lang="zh-TW" altLang="en-US"/>
           </a:p>
@@ -5169,7 +5173,7 @@
           <a:p>
             <a:fld id="{31CDE89B-FBD9-4E23-BEEB-B0C8819124B3}" type="datetimeFigureOut">
               <a:rPr lang="zh-TW" altLang="en-US" smtClean="0"/>
-              <a:t>2022/2/17</a:t>
+              <a:t>2022/2/23</a:t>
             </a:fld>
             <a:endParaRPr lang="zh-TW" altLang="en-US"/>
           </a:p>
@@ -5299,7 +5303,7 @@
           <a:p>
             <a:fld id="{31CDE89B-FBD9-4E23-BEEB-B0C8819124B3}" type="datetimeFigureOut">
               <a:rPr lang="zh-TW" altLang="en-US" smtClean="0"/>
-              <a:t>2022/2/17</a:t>
+              <a:t>2022/2/23</a:t>
             </a:fld>
             <a:endParaRPr lang="zh-TW" altLang="en-US"/>
           </a:p>
@@ -5406,7 +5410,7 @@
           <a:p>
             <a:fld id="{31CDE89B-FBD9-4E23-BEEB-B0C8819124B3}" type="datetimeFigureOut">
               <a:rPr lang="zh-TW" altLang="en-US" smtClean="0"/>
-              <a:t>2022/2/17</a:t>
+              <a:t>2022/2/23</a:t>
             </a:fld>
             <a:endParaRPr lang="zh-TW" altLang="en-US"/>
           </a:p>
@@ -5695,7 +5699,7 @@
           <a:p>
             <a:fld id="{31CDE89B-FBD9-4E23-BEEB-B0C8819124B3}" type="datetimeFigureOut">
               <a:rPr lang="zh-TW" altLang="en-US" smtClean="0"/>
-              <a:t>2022/2/17</a:t>
+              <a:t>2022/2/23</a:t>
             </a:fld>
             <a:endParaRPr lang="zh-TW" altLang="en-US"/>
           </a:p>
@@ -5960,7 +5964,7 @@
           <a:p>
             <a:fld id="{31CDE89B-FBD9-4E23-BEEB-B0C8819124B3}" type="datetimeFigureOut">
               <a:rPr lang="zh-TW" altLang="en-US" smtClean="0"/>
-              <a:t>2022/2/17</a:t>
+              <a:t>2022/2/23</a:t>
             </a:fld>
             <a:endParaRPr lang="zh-TW" altLang="en-US"/>
           </a:p>
@@ -6185,7 +6189,7 @@
           <a:p>
             <a:fld id="{31CDE89B-FBD9-4E23-BEEB-B0C8819124B3}" type="datetimeFigureOut">
               <a:rPr lang="zh-TW" altLang="en-US" smtClean="0"/>
-              <a:t>2022/2/17</a:t>
+              <a:t>2022/2/23</a:t>
             </a:fld>
             <a:endParaRPr lang="zh-TW" altLang="en-US"/>
           </a:p>
@@ -12019,7 +12023,6 @@
               <a:rPr lang="en-US" altLang="zh-TW" dirty="0" smtClean="0"/>
               <a:t>Cookie</a:t>
             </a:r>
-            <a:endParaRPr lang="en-US" altLang="zh-TW" dirty="0" smtClean="0"/>
           </a:p>
           <a:p>
             <a:pPr marL="228600" lvl="1">
@@ -12972,8 +12975,8 @@
           <a:lstStyle/>
           <a:p>
             <a:r>
-              <a:rPr lang="en-US" altLang="zh-TW" dirty="0" err="1" smtClean="0"/>
-              <a:t>Appliccation</a:t>
+              <a:rPr lang="en-US" altLang="zh-TW" dirty="0" smtClean="0"/>
+              <a:t>Application</a:t>
             </a:r>
             <a:endParaRPr lang="zh-TW" altLang="en-US" dirty="0"/>
           </a:p>
@@ -12996,551 +12999,85 @@
           <a:p>
             <a:r>
               <a:rPr lang="zh-TW" altLang="en-US" dirty="0" smtClean="0"/>
-              <a:t>單一份，資料是共用的</a:t>
-            </a:r>
+              <a:t>特性</a:t>
+            </a:r>
+            <a:endParaRPr lang="en-US" altLang="zh-TW" dirty="0" smtClean="0"/>
+          </a:p>
+          <a:p>
+            <a:pPr lvl="1"/>
+            <a:r>
+              <a:rPr lang="zh-TW" altLang="en-US" dirty="0" smtClean="0"/>
+              <a:t>資料存在</a:t>
+            </a:r>
+            <a:r>
+              <a:rPr lang="en-US" altLang="zh-TW" dirty="0" smtClean="0"/>
+              <a:t>Server</a:t>
+            </a:r>
+          </a:p>
+          <a:p>
+            <a:pPr lvl="1"/>
+            <a:r>
+              <a:rPr lang="zh-TW" altLang="en-US" dirty="0" smtClean="0"/>
+              <a:t>資料</a:t>
+            </a:r>
+            <a:r>
+              <a:rPr lang="zh-TW" altLang="en-US" dirty="0" smtClean="0"/>
+              <a:t>是共用</a:t>
+            </a:r>
+            <a:r>
+              <a:rPr lang="zh-TW" altLang="en-US" dirty="0" smtClean="0"/>
+              <a:t>的</a:t>
+            </a:r>
+            <a:endParaRPr lang="en-US" altLang="zh-TW" dirty="0" smtClean="0"/>
+          </a:p>
+          <a:p>
+            <a:endParaRPr lang="en-US" altLang="zh-TW" dirty="0"/>
+          </a:p>
+          <a:p>
+            <a:r>
+              <a:rPr lang="zh-TW" altLang="en-US" dirty="0" smtClean="0"/>
+              <a:t>用法</a:t>
+            </a:r>
+            <a:endParaRPr lang="en-US" altLang="zh-TW" dirty="0" smtClean="0"/>
+          </a:p>
+          <a:p>
+            <a:pPr lvl="1"/>
+            <a:r>
+              <a:rPr lang="zh-TW" altLang="en-US" dirty="0" smtClean="0"/>
+              <a:t>存</a:t>
+            </a:r>
+            <a:r>
+              <a:rPr lang="zh-TW" altLang="en-US" dirty="0"/>
+              <a:t>：</a:t>
+            </a:r>
+            <a:r>
+              <a:rPr lang="en-US" altLang="zh-TW" dirty="0" smtClean="0"/>
+              <a:t>Application[“key”] = </a:t>
+            </a:r>
+            <a:r>
+              <a:rPr lang="zh-TW" altLang="en-US" dirty="0" smtClean="0"/>
+              <a:t>資料</a:t>
+            </a:r>
+            <a:endParaRPr lang="en-US" altLang="zh-TW" dirty="0" smtClean="0"/>
+          </a:p>
+          <a:p>
+            <a:pPr lvl="1"/>
+            <a:r>
+              <a:rPr lang="zh-TW" altLang="en-US" dirty="0" smtClean="0"/>
+              <a:t>取：</a:t>
+            </a:r>
+            <a:r>
+              <a:rPr lang="en-US" altLang="zh-TW" dirty="0"/>
+              <a:t>Application[“key”] = </a:t>
+            </a:r>
+            <a:r>
+              <a:rPr lang="zh-TW" altLang="en-US" dirty="0"/>
+              <a:t>資料</a:t>
+            </a:r>
+          </a:p>
+          <a:p>
+            <a:pPr lvl="1"/>
             <a:endParaRPr lang="zh-TW" altLang="en-US" dirty="0"/>
-          </a:p>
-        </p:txBody>
-      </p:sp>
-      <p:sp>
-        <p:nvSpPr>
-          <p:cNvPr id="4" name="矩形 3"/>
-          <p:cNvSpPr/>
-          <p:nvPr/>
-        </p:nvSpPr>
-        <p:spPr>
-          <a:xfrm>
-            <a:off x="3683517" y="4879731"/>
-            <a:ext cx="1406770" cy="264482"/>
-          </a:xfrm>
-          <a:prstGeom prst="rect">
-            <a:avLst/>
-          </a:prstGeom>
-        </p:spPr>
-        <p:style>
-          <a:lnRef idx="2">
-            <a:schemeClr val="dk1"/>
-          </a:lnRef>
-          <a:fillRef idx="1">
-            <a:schemeClr val="lt1"/>
-          </a:fillRef>
-          <a:effectRef idx="0">
-            <a:schemeClr val="dk1"/>
-          </a:effectRef>
-          <a:fontRef idx="minor">
-            <a:schemeClr val="dk1"/>
-          </a:fontRef>
-        </p:style>
-        <p:txBody>
-          <a:bodyPr rtlCol="0" anchor="ctr"/>
-          <a:lstStyle/>
-          <a:p>
-            <a:pPr algn="ctr"/>
-            <a:endParaRPr lang="zh-TW" altLang="en-US">
-              <a:solidFill>
-                <a:schemeClr val="dk1"/>
-              </a:solidFill>
-            </a:endParaRPr>
-          </a:p>
-        </p:txBody>
-      </p:sp>
-      <p:grpSp>
-        <p:nvGrpSpPr>
-          <p:cNvPr id="5" name="群組 4"/>
-          <p:cNvGrpSpPr/>
-          <p:nvPr/>
-        </p:nvGrpSpPr>
-        <p:grpSpPr>
-          <a:xfrm>
-            <a:off x="4168873" y="5425477"/>
-            <a:ext cx="436059" cy="714799"/>
-            <a:chOff x="5175470" y="6037448"/>
-            <a:chExt cx="436059" cy="714799"/>
-          </a:xfrm>
-        </p:grpSpPr>
-        <p:sp>
-          <p:nvSpPr>
-            <p:cNvPr id="6" name="橢圓 5"/>
-            <p:cNvSpPr/>
-            <p:nvPr/>
-          </p:nvSpPr>
-          <p:spPr>
-            <a:xfrm>
-              <a:off x="5253312" y="6037448"/>
-              <a:ext cx="280374" cy="238672"/>
-            </a:xfrm>
-            <a:prstGeom prst="ellipse">
-              <a:avLst/>
-            </a:prstGeom>
-          </p:spPr>
-          <p:style>
-            <a:lnRef idx="2">
-              <a:schemeClr val="dk1"/>
-            </a:lnRef>
-            <a:fillRef idx="1">
-              <a:schemeClr val="lt1"/>
-            </a:fillRef>
-            <a:effectRef idx="0">
-              <a:schemeClr val="dk1"/>
-            </a:effectRef>
-            <a:fontRef idx="minor">
-              <a:schemeClr val="dk1"/>
-            </a:fontRef>
-          </p:style>
-          <p:txBody>
-            <a:bodyPr rtlCol="0" anchor="ctr"/>
-            <a:lstStyle/>
-            <a:p>
-              <a:pPr algn="ctr"/>
-              <a:endParaRPr lang="zh-TW" altLang="en-US"/>
-            </a:p>
-          </p:txBody>
-        </p:sp>
-        <p:sp>
-          <p:nvSpPr>
-            <p:cNvPr id="7" name="圓角矩形 6"/>
-            <p:cNvSpPr/>
-            <p:nvPr/>
-          </p:nvSpPr>
-          <p:spPr>
-            <a:xfrm>
-              <a:off x="5175470" y="6291721"/>
-              <a:ext cx="436059" cy="460526"/>
-            </a:xfrm>
-            <a:prstGeom prst="roundRect">
-              <a:avLst/>
-            </a:prstGeom>
-          </p:spPr>
-          <p:style>
-            <a:lnRef idx="2">
-              <a:schemeClr val="dk1"/>
-            </a:lnRef>
-            <a:fillRef idx="1">
-              <a:schemeClr val="lt1"/>
-            </a:fillRef>
-            <a:effectRef idx="0">
-              <a:schemeClr val="dk1"/>
-            </a:effectRef>
-            <a:fontRef idx="minor">
-              <a:schemeClr val="dk1"/>
-            </a:fontRef>
-          </p:style>
-          <p:txBody>
-            <a:bodyPr rtlCol="0" anchor="ctr"/>
-            <a:lstStyle/>
-            <a:p>
-              <a:pPr algn="ctr"/>
-              <a:r>
-                <a:rPr lang="en-US" altLang="zh-TW" dirty="0" smtClean="0"/>
-                <a:t>A</a:t>
-              </a:r>
-              <a:endParaRPr lang="zh-TW" altLang="en-US" dirty="0"/>
-            </a:p>
-          </p:txBody>
-        </p:sp>
-      </p:grpSp>
-      <p:grpSp>
-        <p:nvGrpSpPr>
-          <p:cNvPr id="8" name="群組 7"/>
-          <p:cNvGrpSpPr/>
-          <p:nvPr/>
-        </p:nvGrpSpPr>
-        <p:grpSpPr>
-          <a:xfrm>
-            <a:off x="7627717" y="5462165"/>
-            <a:ext cx="436059" cy="714799"/>
-            <a:chOff x="5175470" y="6037448"/>
-            <a:chExt cx="436059" cy="714799"/>
-          </a:xfrm>
-        </p:grpSpPr>
-        <p:sp>
-          <p:nvSpPr>
-            <p:cNvPr id="9" name="橢圓 8"/>
-            <p:cNvSpPr/>
-            <p:nvPr/>
-          </p:nvSpPr>
-          <p:spPr>
-            <a:xfrm>
-              <a:off x="5253312" y="6037448"/>
-              <a:ext cx="280374" cy="238672"/>
-            </a:xfrm>
-            <a:prstGeom prst="ellipse">
-              <a:avLst/>
-            </a:prstGeom>
-          </p:spPr>
-          <p:style>
-            <a:lnRef idx="2">
-              <a:schemeClr val="dk1"/>
-            </a:lnRef>
-            <a:fillRef idx="1">
-              <a:schemeClr val="lt1"/>
-            </a:fillRef>
-            <a:effectRef idx="0">
-              <a:schemeClr val="dk1"/>
-            </a:effectRef>
-            <a:fontRef idx="minor">
-              <a:schemeClr val="dk1"/>
-            </a:fontRef>
-          </p:style>
-          <p:txBody>
-            <a:bodyPr rtlCol="0" anchor="ctr"/>
-            <a:lstStyle/>
-            <a:p>
-              <a:pPr algn="ctr"/>
-              <a:endParaRPr lang="zh-TW" altLang="en-US"/>
-            </a:p>
-          </p:txBody>
-        </p:sp>
-        <p:sp>
-          <p:nvSpPr>
-            <p:cNvPr id="10" name="圓角矩形 9"/>
-            <p:cNvSpPr/>
-            <p:nvPr/>
-          </p:nvSpPr>
-          <p:spPr>
-            <a:xfrm>
-              <a:off x="5175470" y="6291721"/>
-              <a:ext cx="436059" cy="460526"/>
-            </a:xfrm>
-            <a:prstGeom prst="roundRect">
-              <a:avLst/>
-            </a:prstGeom>
-          </p:spPr>
-          <p:style>
-            <a:lnRef idx="2">
-              <a:schemeClr val="dk1"/>
-            </a:lnRef>
-            <a:fillRef idx="1">
-              <a:schemeClr val="lt1"/>
-            </a:fillRef>
-            <a:effectRef idx="0">
-              <a:schemeClr val="dk1"/>
-            </a:effectRef>
-            <a:fontRef idx="minor">
-              <a:schemeClr val="dk1"/>
-            </a:fontRef>
-          </p:style>
-          <p:txBody>
-            <a:bodyPr rtlCol="0" anchor="ctr"/>
-            <a:lstStyle/>
-            <a:p>
-              <a:pPr algn="ctr"/>
-              <a:r>
-                <a:rPr lang="en-US" altLang="zh-TW" dirty="0" smtClean="0"/>
-                <a:t>B</a:t>
-              </a:r>
-              <a:endParaRPr lang="zh-TW" altLang="en-US" dirty="0"/>
-            </a:p>
-          </p:txBody>
-        </p:sp>
-      </p:grpSp>
-      <p:sp>
-        <p:nvSpPr>
-          <p:cNvPr id="11" name="矩形 10"/>
-          <p:cNvSpPr/>
-          <p:nvPr/>
-        </p:nvSpPr>
-        <p:spPr>
-          <a:xfrm>
-            <a:off x="7142361" y="4880444"/>
-            <a:ext cx="1406770" cy="264482"/>
-          </a:xfrm>
-          <a:prstGeom prst="rect">
-            <a:avLst/>
-          </a:prstGeom>
-        </p:spPr>
-        <p:style>
-          <a:lnRef idx="2">
-            <a:schemeClr val="dk1"/>
-          </a:lnRef>
-          <a:fillRef idx="1">
-            <a:schemeClr val="lt1"/>
-          </a:fillRef>
-          <a:effectRef idx="0">
-            <a:schemeClr val="dk1"/>
-          </a:effectRef>
-          <a:fontRef idx="minor">
-            <a:schemeClr val="dk1"/>
-          </a:fontRef>
-        </p:style>
-        <p:txBody>
-          <a:bodyPr rtlCol="0" anchor="ctr"/>
-          <a:lstStyle/>
-          <a:p>
-            <a:pPr algn="ctr"/>
-            <a:endParaRPr lang="zh-TW" altLang="en-US">
-              <a:solidFill>
-                <a:schemeClr val="dk1"/>
-              </a:solidFill>
-            </a:endParaRPr>
-          </a:p>
-        </p:txBody>
-      </p:sp>
-      <p:grpSp>
-        <p:nvGrpSpPr>
-          <p:cNvPr id="12" name="群組 11"/>
-          <p:cNvGrpSpPr/>
-          <p:nvPr/>
-        </p:nvGrpSpPr>
-        <p:grpSpPr>
-          <a:xfrm>
-            <a:off x="5313636" y="2840454"/>
-            <a:ext cx="732341" cy="1121634"/>
-            <a:chOff x="8876577" y="5069322"/>
-            <a:chExt cx="732341" cy="1121634"/>
-          </a:xfrm>
-        </p:grpSpPr>
-        <p:sp>
-          <p:nvSpPr>
-            <p:cNvPr id="13" name="立方體 12"/>
-            <p:cNvSpPr/>
-            <p:nvPr/>
-          </p:nvSpPr>
-          <p:spPr>
-            <a:xfrm>
-              <a:off x="8876577" y="5069322"/>
-              <a:ext cx="732341" cy="1121634"/>
-            </a:xfrm>
-            <a:prstGeom prst="cube">
-              <a:avLst/>
-            </a:prstGeom>
-          </p:spPr>
-          <p:style>
-            <a:lnRef idx="2">
-              <a:schemeClr val="dk1"/>
-            </a:lnRef>
-            <a:fillRef idx="1">
-              <a:schemeClr val="lt1"/>
-            </a:fillRef>
-            <a:effectRef idx="0">
-              <a:schemeClr val="dk1"/>
-            </a:effectRef>
-            <a:fontRef idx="minor">
-              <a:schemeClr val="dk1"/>
-            </a:fontRef>
-          </p:style>
-          <p:txBody>
-            <a:bodyPr rtlCol="0" anchor="ctr"/>
-            <a:lstStyle/>
-            <a:p>
-              <a:pPr algn="ctr"/>
-              <a:endParaRPr lang="zh-TW" altLang="en-US"/>
-            </a:p>
-          </p:txBody>
-        </p:sp>
-        <p:sp>
-          <p:nvSpPr>
-            <p:cNvPr id="14" name="橢圓 13"/>
-            <p:cNvSpPr/>
-            <p:nvPr/>
-          </p:nvSpPr>
-          <p:spPr>
-            <a:xfrm>
-              <a:off x="9089050" y="5951914"/>
-              <a:ext cx="108012" cy="81664"/>
-            </a:xfrm>
-            <a:prstGeom prst="ellipse">
-              <a:avLst/>
-            </a:prstGeom>
-          </p:spPr>
-          <p:style>
-            <a:lnRef idx="2">
-              <a:schemeClr val="dk1"/>
-            </a:lnRef>
-            <a:fillRef idx="1">
-              <a:schemeClr val="lt1"/>
-            </a:fillRef>
-            <a:effectRef idx="0">
-              <a:schemeClr val="dk1"/>
-            </a:effectRef>
-            <a:fontRef idx="minor">
-              <a:schemeClr val="dk1"/>
-            </a:fontRef>
-          </p:style>
-          <p:txBody>
-            <a:bodyPr rtlCol="0" anchor="ctr"/>
-            <a:lstStyle/>
-            <a:p>
-              <a:pPr algn="ctr"/>
-              <a:endParaRPr lang="zh-TW" altLang="en-US"/>
-            </a:p>
-          </p:txBody>
-        </p:sp>
-        <p:sp>
-          <p:nvSpPr>
-            <p:cNvPr id="15" name="矩形 14"/>
-            <p:cNvSpPr/>
-            <p:nvPr/>
-          </p:nvSpPr>
-          <p:spPr>
-            <a:xfrm>
-              <a:off x="8967788" y="5399876"/>
-              <a:ext cx="347662" cy="49339"/>
-            </a:xfrm>
-            <a:prstGeom prst="rect">
-              <a:avLst/>
-            </a:prstGeom>
-          </p:spPr>
-          <p:style>
-            <a:lnRef idx="2">
-              <a:schemeClr val="dk1"/>
-            </a:lnRef>
-            <a:fillRef idx="1">
-              <a:schemeClr val="lt1"/>
-            </a:fillRef>
-            <a:effectRef idx="0">
-              <a:schemeClr val="dk1"/>
-            </a:effectRef>
-            <a:fontRef idx="minor">
-              <a:schemeClr val="dk1"/>
-            </a:fontRef>
-          </p:style>
-          <p:txBody>
-            <a:bodyPr rtlCol="0" anchor="ctr"/>
-            <a:lstStyle/>
-            <a:p>
-              <a:pPr algn="ctr"/>
-              <a:endParaRPr lang="zh-TW" altLang="en-US"/>
-            </a:p>
-          </p:txBody>
-        </p:sp>
-      </p:grpSp>
-      <p:sp>
-        <p:nvSpPr>
-          <p:cNvPr id="16" name="流程圖: 文件 15"/>
-          <p:cNvSpPr/>
-          <p:nvPr/>
-        </p:nvSpPr>
-        <p:spPr>
-          <a:xfrm>
-            <a:off x="7437028" y="2207350"/>
-            <a:ext cx="2469409" cy="1441458"/>
-          </a:xfrm>
-          <a:prstGeom prst="flowChartDocument">
-            <a:avLst/>
-          </a:prstGeom>
-        </p:spPr>
-        <p:style>
-          <a:lnRef idx="2">
-            <a:schemeClr val="dk1"/>
-          </a:lnRef>
-          <a:fillRef idx="1">
-            <a:schemeClr val="lt1"/>
-          </a:fillRef>
-          <a:effectRef idx="0">
-            <a:schemeClr val="dk1"/>
-          </a:effectRef>
-          <a:fontRef idx="minor">
-            <a:schemeClr val="dk1"/>
-          </a:fontRef>
-        </p:style>
-        <p:txBody>
-          <a:bodyPr rtlCol="0" anchor="t"/>
-          <a:lstStyle/>
-          <a:p>
-            <a:pPr algn="ctr"/>
-            <a:r>
-              <a:rPr lang="en-US" altLang="zh-TW" dirty="0" smtClean="0"/>
-              <a:t>AP1</a:t>
-            </a:r>
-            <a:br>
-              <a:rPr lang="en-US" altLang="zh-TW" dirty="0" smtClean="0"/>
-            </a:br>
-            <a:r>
-              <a:rPr lang="en-US" altLang="zh-TW" dirty="0" smtClean="0"/>
-              <a:t>1.A</a:t>
-            </a:r>
-            <a:r>
-              <a:rPr lang="zh-TW" altLang="en-US" dirty="0"/>
-              <a:t>寫入</a:t>
-            </a:r>
-            <a:r>
-              <a:rPr lang="en-US" altLang="zh-TW" dirty="0" smtClean="0"/>
-              <a:t>:</a:t>
-            </a:r>
-            <a:r>
-              <a:rPr lang="zh-TW" altLang="en-US" dirty="0" smtClean="0"/>
-              <a:t>我是</a:t>
-            </a:r>
-            <a:r>
-              <a:rPr lang="en-US" altLang="zh-TW" dirty="0" smtClean="0"/>
-              <a:t>A</a:t>
-            </a:r>
-          </a:p>
-          <a:p>
-            <a:pPr algn="ctr"/>
-            <a:r>
-              <a:rPr lang="en-US" altLang="zh-TW" dirty="0" smtClean="0"/>
-              <a:t>2.B:</a:t>
-            </a:r>
-            <a:r>
-              <a:rPr lang="zh-TW" altLang="en-US" dirty="0"/>
-              <a:t>寫入</a:t>
-            </a:r>
-            <a:r>
-              <a:rPr lang="en-US" altLang="zh-TW" dirty="0"/>
-              <a:t>:</a:t>
-            </a:r>
-            <a:r>
-              <a:rPr lang="zh-TW" altLang="en-US" dirty="0"/>
-              <a:t>我</a:t>
-            </a:r>
-            <a:r>
-              <a:rPr lang="zh-TW" altLang="en-US" dirty="0" smtClean="0"/>
-              <a:t>是</a:t>
-            </a:r>
-            <a:r>
-              <a:rPr lang="en-US" altLang="zh-TW" dirty="0" smtClean="0"/>
-              <a:t>B</a:t>
-            </a:r>
-          </a:p>
-          <a:p>
-            <a:pPr algn="ctr"/>
-            <a:r>
-              <a:rPr lang="en-US" altLang="zh-TW" dirty="0" smtClean="0">
-                <a:solidFill>
-                  <a:schemeClr val="dk1"/>
-                </a:solidFill>
-              </a:rPr>
-              <a:t>3.</a:t>
-            </a:r>
-            <a:r>
-              <a:rPr lang="en-US" altLang="zh-TW" dirty="0"/>
-              <a:t> </a:t>
-            </a:r>
-            <a:r>
-              <a:rPr lang="en-US" altLang="zh-TW" dirty="0" smtClean="0"/>
-              <a:t>A</a:t>
-            </a:r>
-            <a:r>
-              <a:rPr lang="zh-TW" altLang="en-US" dirty="0"/>
-              <a:t>讀取</a:t>
-            </a:r>
-            <a:r>
-              <a:rPr lang="en-US" altLang="zh-TW" dirty="0" smtClean="0"/>
-              <a:t>:</a:t>
-            </a:r>
-            <a:r>
-              <a:rPr lang="zh-TW" altLang="en-US" dirty="0"/>
-              <a:t>我</a:t>
-            </a:r>
-            <a:r>
-              <a:rPr lang="zh-TW" altLang="en-US" dirty="0" smtClean="0"/>
-              <a:t>是</a:t>
-            </a:r>
-            <a:r>
-              <a:rPr lang="en-US" altLang="zh-TW" dirty="0" smtClean="0"/>
-              <a:t>B</a:t>
-            </a:r>
-            <a:endParaRPr lang="en-US" altLang="zh-TW" dirty="0"/>
-          </a:p>
-          <a:p>
-            <a:pPr algn="ctr"/>
-            <a:endParaRPr lang="zh-TW" altLang="en-US" dirty="0">
-              <a:solidFill>
-                <a:schemeClr val="dk1"/>
-              </a:solidFill>
-            </a:endParaRPr>
           </a:p>
         </p:txBody>
       </p:sp>
@@ -13602,695 +13139,51 @@
           <a:lstStyle/>
           <a:p>
             <a:r>
+              <a:rPr lang="zh-TW" altLang="en-US" dirty="0" smtClean="0"/>
+              <a:t>測試</a:t>
+            </a:r>
+            <a:r>
               <a:rPr lang="en-US" altLang="zh-TW" dirty="0" smtClean="0"/>
-              <a:t>Session</a:t>
+              <a:t>Application</a:t>
             </a:r>
             <a:endParaRPr lang="zh-TW" altLang="en-US" dirty="0"/>
           </a:p>
         </p:txBody>
       </p:sp>
-      <p:sp>
-        <p:nvSpPr>
-          <p:cNvPr id="3" name="內容版面配置區 2"/>
-          <p:cNvSpPr>
-            <a:spLocks noGrp="1"/>
-          </p:cNvSpPr>
-          <p:nvPr>
-            <p:ph idx="1"/>
-          </p:nvPr>
-        </p:nvSpPr>
-        <p:spPr/>
-        <p:txBody>
-          <a:bodyPr/>
-          <a:lstStyle/>
-          <a:p>
-            <a:endParaRPr lang="zh-TW" altLang="en-US" dirty="0"/>
-          </a:p>
-        </p:txBody>
-      </p:sp>
-      <p:sp>
-        <p:nvSpPr>
-          <p:cNvPr id="4" name="矩形 3"/>
-          <p:cNvSpPr/>
+      <p:pic>
+        <p:nvPicPr>
+          <p:cNvPr id="4" name="圖片 3" descr="畫面剪輯"/>
+          <p:cNvPicPr>
+            <a:picLocks noChangeAspect="1"/>
+          </p:cNvPicPr>
           <p:nvPr/>
-        </p:nvSpPr>
+        </p:nvPicPr>
+        <p:blipFill>
+          <a:blip r:embed="rId2">
+            <a:extLst>
+              <a:ext uri="{28A0092B-C50C-407E-A947-70E740481C1C}">
+                <a14:useLocalDpi xmlns:a14="http://schemas.microsoft.com/office/drawing/2010/main" val="0"/>
+              </a:ext>
+            </a:extLst>
+          </a:blip>
+          <a:stretch>
+            <a:fillRect/>
+          </a:stretch>
+        </p:blipFill>
         <p:spPr>
           <a:xfrm>
-            <a:off x="3718686" y="4992445"/>
-            <a:ext cx="1406770" cy="264482"/>
+            <a:off x="1293652" y="1554162"/>
+            <a:ext cx="9288171" cy="4448796"/>
           </a:xfrm>
           <a:prstGeom prst="rect">
             <a:avLst/>
           </a:prstGeom>
         </p:spPr>
-        <p:style>
-          <a:lnRef idx="2">
-            <a:schemeClr val="dk1"/>
-          </a:lnRef>
-          <a:fillRef idx="1">
-            <a:schemeClr val="lt1"/>
-          </a:fillRef>
-          <a:effectRef idx="0">
-            <a:schemeClr val="dk1"/>
-          </a:effectRef>
-          <a:fontRef idx="minor">
-            <a:schemeClr val="dk1"/>
-          </a:fontRef>
-        </p:style>
-        <p:txBody>
-          <a:bodyPr rtlCol="0" anchor="ctr"/>
-          <a:lstStyle/>
-          <a:p>
-            <a:pPr algn="ctr"/>
-            <a:endParaRPr lang="zh-TW" altLang="en-US">
-              <a:solidFill>
-                <a:schemeClr val="dk1"/>
-              </a:solidFill>
-            </a:endParaRPr>
-          </a:p>
-        </p:txBody>
-      </p:sp>
-      <p:grpSp>
-        <p:nvGrpSpPr>
-          <p:cNvPr id="5" name="群組 4"/>
-          <p:cNvGrpSpPr/>
-          <p:nvPr/>
-        </p:nvGrpSpPr>
-        <p:grpSpPr>
-          <a:xfrm>
-            <a:off x="4204042" y="5538191"/>
-            <a:ext cx="436059" cy="714799"/>
-            <a:chOff x="5175470" y="6037448"/>
-            <a:chExt cx="436059" cy="714799"/>
-          </a:xfrm>
-        </p:grpSpPr>
-        <p:sp>
-          <p:nvSpPr>
-            <p:cNvPr id="6" name="橢圓 5"/>
-            <p:cNvSpPr/>
-            <p:nvPr/>
-          </p:nvSpPr>
-          <p:spPr>
-            <a:xfrm>
-              <a:off x="5253312" y="6037448"/>
-              <a:ext cx="280374" cy="238672"/>
-            </a:xfrm>
-            <a:prstGeom prst="ellipse">
-              <a:avLst/>
-            </a:prstGeom>
-          </p:spPr>
-          <p:style>
-            <a:lnRef idx="2">
-              <a:schemeClr val="dk1"/>
-            </a:lnRef>
-            <a:fillRef idx="1">
-              <a:schemeClr val="lt1"/>
-            </a:fillRef>
-            <a:effectRef idx="0">
-              <a:schemeClr val="dk1"/>
-            </a:effectRef>
-            <a:fontRef idx="minor">
-              <a:schemeClr val="dk1"/>
-            </a:fontRef>
-          </p:style>
-          <p:txBody>
-            <a:bodyPr rtlCol="0" anchor="ctr"/>
-            <a:lstStyle/>
-            <a:p>
-              <a:pPr algn="ctr"/>
-              <a:endParaRPr lang="zh-TW" altLang="en-US"/>
-            </a:p>
-          </p:txBody>
-        </p:sp>
-        <p:sp>
-          <p:nvSpPr>
-            <p:cNvPr id="7" name="圓角矩形 6"/>
-            <p:cNvSpPr/>
-            <p:nvPr/>
-          </p:nvSpPr>
-          <p:spPr>
-            <a:xfrm>
-              <a:off x="5175470" y="6291721"/>
-              <a:ext cx="436059" cy="460526"/>
-            </a:xfrm>
-            <a:prstGeom prst="roundRect">
-              <a:avLst/>
-            </a:prstGeom>
-          </p:spPr>
-          <p:style>
-            <a:lnRef idx="2">
-              <a:schemeClr val="dk1"/>
-            </a:lnRef>
-            <a:fillRef idx="1">
-              <a:schemeClr val="lt1"/>
-            </a:fillRef>
-            <a:effectRef idx="0">
-              <a:schemeClr val="dk1"/>
-            </a:effectRef>
-            <a:fontRef idx="minor">
-              <a:schemeClr val="dk1"/>
-            </a:fontRef>
-          </p:style>
-          <p:txBody>
-            <a:bodyPr rtlCol="0" anchor="ctr"/>
-            <a:lstStyle/>
-            <a:p>
-              <a:pPr algn="ctr"/>
-              <a:r>
-                <a:rPr lang="en-US" altLang="zh-TW" dirty="0" smtClean="0"/>
-                <a:t>A</a:t>
-              </a:r>
-              <a:endParaRPr lang="zh-TW" altLang="en-US" dirty="0"/>
-            </a:p>
-          </p:txBody>
-        </p:sp>
-      </p:grpSp>
-      <p:grpSp>
-        <p:nvGrpSpPr>
-          <p:cNvPr id="8" name="群組 7"/>
-          <p:cNvGrpSpPr/>
-          <p:nvPr/>
-        </p:nvGrpSpPr>
-        <p:grpSpPr>
-          <a:xfrm>
-            <a:off x="7662886" y="5574879"/>
-            <a:ext cx="436059" cy="714799"/>
-            <a:chOff x="5175470" y="6037448"/>
-            <a:chExt cx="436059" cy="714799"/>
-          </a:xfrm>
-        </p:grpSpPr>
-        <p:sp>
-          <p:nvSpPr>
-            <p:cNvPr id="9" name="橢圓 8"/>
-            <p:cNvSpPr/>
-            <p:nvPr/>
-          </p:nvSpPr>
-          <p:spPr>
-            <a:xfrm>
-              <a:off x="5253312" y="6037448"/>
-              <a:ext cx="280374" cy="238672"/>
-            </a:xfrm>
-            <a:prstGeom prst="ellipse">
-              <a:avLst/>
-            </a:prstGeom>
-          </p:spPr>
-          <p:style>
-            <a:lnRef idx="2">
-              <a:schemeClr val="dk1"/>
-            </a:lnRef>
-            <a:fillRef idx="1">
-              <a:schemeClr val="lt1"/>
-            </a:fillRef>
-            <a:effectRef idx="0">
-              <a:schemeClr val="dk1"/>
-            </a:effectRef>
-            <a:fontRef idx="minor">
-              <a:schemeClr val="dk1"/>
-            </a:fontRef>
-          </p:style>
-          <p:txBody>
-            <a:bodyPr rtlCol="0" anchor="ctr"/>
-            <a:lstStyle/>
-            <a:p>
-              <a:pPr algn="ctr"/>
-              <a:endParaRPr lang="zh-TW" altLang="en-US"/>
-            </a:p>
-          </p:txBody>
-        </p:sp>
-        <p:sp>
-          <p:nvSpPr>
-            <p:cNvPr id="10" name="圓角矩形 9"/>
-            <p:cNvSpPr/>
-            <p:nvPr/>
-          </p:nvSpPr>
-          <p:spPr>
-            <a:xfrm>
-              <a:off x="5175470" y="6291721"/>
-              <a:ext cx="436059" cy="460526"/>
-            </a:xfrm>
-            <a:prstGeom prst="roundRect">
-              <a:avLst/>
-            </a:prstGeom>
-          </p:spPr>
-          <p:style>
-            <a:lnRef idx="2">
-              <a:schemeClr val="dk1"/>
-            </a:lnRef>
-            <a:fillRef idx="1">
-              <a:schemeClr val="lt1"/>
-            </a:fillRef>
-            <a:effectRef idx="0">
-              <a:schemeClr val="dk1"/>
-            </a:effectRef>
-            <a:fontRef idx="minor">
-              <a:schemeClr val="dk1"/>
-            </a:fontRef>
-          </p:style>
-          <p:txBody>
-            <a:bodyPr rtlCol="0" anchor="ctr"/>
-            <a:lstStyle/>
-            <a:p>
-              <a:pPr algn="ctr"/>
-              <a:r>
-                <a:rPr lang="en-US" altLang="zh-TW" dirty="0" smtClean="0"/>
-                <a:t>B</a:t>
-              </a:r>
-              <a:endParaRPr lang="zh-TW" altLang="en-US" dirty="0"/>
-            </a:p>
-          </p:txBody>
-        </p:sp>
-      </p:grpSp>
-      <p:sp>
-        <p:nvSpPr>
-          <p:cNvPr id="11" name="矩形 10"/>
-          <p:cNvSpPr/>
-          <p:nvPr/>
-        </p:nvSpPr>
-        <p:spPr>
-          <a:xfrm>
-            <a:off x="7177530" y="4993158"/>
-            <a:ext cx="1406770" cy="264482"/>
-          </a:xfrm>
-          <a:prstGeom prst="rect">
-            <a:avLst/>
-          </a:prstGeom>
-        </p:spPr>
-        <p:style>
-          <a:lnRef idx="2">
-            <a:schemeClr val="dk1"/>
-          </a:lnRef>
-          <a:fillRef idx="1">
-            <a:schemeClr val="lt1"/>
-          </a:fillRef>
-          <a:effectRef idx="0">
-            <a:schemeClr val="dk1"/>
-          </a:effectRef>
-          <a:fontRef idx="minor">
-            <a:schemeClr val="dk1"/>
-          </a:fontRef>
-        </p:style>
-        <p:txBody>
-          <a:bodyPr rtlCol="0" anchor="ctr"/>
-          <a:lstStyle/>
-          <a:p>
-            <a:pPr algn="ctr"/>
-            <a:endParaRPr lang="zh-TW" altLang="en-US">
-              <a:solidFill>
-                <a:schemeClr val="dk1"/>
-              </a:solidFill>
-            </a:endParaRPr>
-          </a:p>
-        </p:txBody>
-      </p:sp>
-      <p:grpSp>
-        <p:nvGrpSpPr>
-          <p:cNvPr id="12" name="群組 11"/>
-          <p:cNvGrpSpPr/>
-          <p:nvPr/>
-        </p:nvGrpSpPr>
-        <p:grpSpPr>
-          <a:xfrm>
-            <a:off x="5785322" y="3560960"/>
-            <a:ext cx="732341" cy="1121634"/>
-            <a:chOff x="8876577" y="5069322"/>
-            <a:chExt cx="732341" cy="1121634"/>
-          </a:xfrm>
-        </p:grpSpPr>
-        <p:sp>
-          <p:nvSpPr>
-            <p:cNvPr id="13" name="立方體 12"/>
-            <p:cNvSpPr/>
-            <p:nvPr/>
-          </p:nvSpPr>
-          <p:spPr>
-            <a:xfrm>
-              <a:off x="8876577" y="5069322"/>
-              <a:ext cx="732341" cy="1121634"/>
-            </a:xfrm>
-            <a:prstGeom prst="cube">
-              <a:avLst/>
-            </a:prstGeom>
-          </p:spPr>
-          <p:style>
-            <a:lnRef idx="2">
-              <a:schemeClr val="dk1"/>
-            </a:lnRef>
-            <a:fillRef idx="1">
-              <a:schemeClr val="lt1"/>
-            </a:fillRef>
-            <a:effectRef idx="0">
-              <a:schemeClr val="dk1"/>
-            </a:effectRef>
-            <a:fontRef idx="minor">
-              <a:schemeClr val="dk1"/>
-            </a:fontRef>
-          </p:style>
-          <p:txBody>
-            <a:bodyPr rtlCol="0" anchor="ctr"/>
-            <a:lstStyle/>
-            <a:p>
-              <a:pPr algn="ctr"/>
-              <a:endParaRPr lang="zh-TW" altLang="en-US"/>
-            </a:p>
-          </p:txBody>
-        </p:sp>
-        <p:sp>
-          <p:nvSpPr>
-            <p:cNvPr id="14" name="橢圓 13"/>
-            <p:cNvSpPr/>
-            <p:nvPr/>
-          </p:nvSpPr>
-          <p:spPr>
-            <a:xfrm>
-              <a:off x="9089050" y="5951914"/>
-              <a:ext cx="108012" cy="81664"/>
-            </a:xfrm>
-            <a:prstGeom prst="ellipse">
-              <a:avLst/>
-            </a:prstGeom>
-          </p:spPr>
-          <p:style>
-            <a:lnRef idx="2">
-              <a:schemeClr val="dk1"/>
-            </a:lnRef>
-            <a:fillRef idx="1">
-              <a:schemeClr val="lt1"/>
-            </a:fillRef>
-            <a:effectRef idx="0">
-              <a:schemeClr val="dk1"/>
-            </a:effectRef>
-            <a:fontRef idx="minor">
-              <a:schemeClr val="dk1"/>
-            </a:fontRef>
-          </p:style>
-          <p:txBody>
-            <a:bodyPr rtlCol="0" anchor="ctr"/>
-            <a:lstStyle/>
-            <a:p>
-              <a:pPr algn="ctr"/>
-              <a:endParaRPr lang="zh-TW" altLang="en-US"/>
-            </a:p>
-          </p:txBody>
-        </p:sp>
-        <p:sp>
-          <p:nvSpPr>
-            <p:cNvPr id="15" name="矩形 14"/>
-            <p:cNvSpPr/>
-            <p:nvPr/>
-          </p:nvSpPr>
-          <p:spPr>
-            <a:xfrm>
-              <a:off x="8967788" y="5399876"/>
-              <a:ext cx="347662" cy="49339"/>
-            </a:xfrm>
-            <a:prstGeom prst="rect">
-              <a:avLst/>
-            </a:prstGeom>
-          </p:spPr>
-          <p:style>
-            <a:lnRef idx="2">
-              <a:schemeClr val="dk1"/>
-            </a:lnRef>
-            <a:fillRef idx="1">
-              <a:schemeClr val="lt1"/>
-            </a:fillRef>
-            <a:effectRef idx="0">
-              <a:schemeClr val="dk1"/>
-            </a:effectRef>
-            <a:fontRef idx="minor">
-              <a:schemeClr val="dk1"/>
-            </a:fontRef>
-          </p:style>
-          <p:txBody>
-            <a:bodyPr rtlCol="0" anchor="ctr"/>
-            <a:lstStyle/>
-            <a:p>
-              <a:pPr algn="ctr"/>
-              <a:endParaRPr lang="zh-TW" altLang="en-US"/>
-            </a:p>
-          </p:txBody>
-        </p:sp>
-      </p:grpSp>
-      <p:sp>
-        <p:nvSpPr>
-          <p:cNvPr id="16" name="流程圖: 文件 15"/>
-          <p:cNvSpPr/>
-          <p:nvPr/>
-        </p:nvSpPr>
-        <p:spPr>
-          <a:xfrm>
-            <a:off x="3875684" y="1759247"/>
-            <a:ext cx="1249772" cy="704490"/>
-          </a:xfrm>
-          <a:prstGeom prst="flowChartDocument">
-            <a:avLst/>
-          </a:prstGeom>
-        </p:spPr>
-        <p:style>
-          <a:lnRef idx="2">
-            <a:schemeClr val="dk1"/>
-          </a:lnRef>
-          <a:fillRef idx="1">
-            <a:schemeClr val="lt1"/>
-          </a:fillRef>
-          <a:effectRef idx="0">
-            <a:schemeClr val="dk1"/>
-          </a:effectRef>
-          <a:fontRef idx="minor">
-            <a:schemeClr val="dk1"/>
-          </a:fontRef>
-        </p:style>
-        <p:txBody>
-          <a:bodyPr rtlCol="0" anchor="t"/>
-          <a:lstStyle/>
-          <a:p>
-            <a:pPr algn="ctr"/>
-            <a:r>
-              <a:rPr lang="en-US" altLang="zh-TW" dirty="0" smtClean="0"/>
-              <a:t>AS</a:t>
-            </a:r>
-            <a:br>
-              <a:rPr lang="en-US" altLang="zh-TW" dirty="0" smtClean="0"/>
-            </a:br>
-            <a:endParaRPr lang="zh-TW" altLang="en-US" dirty="0">
-              <a:solidFill>
-                <a:schemeClr val="dk1"/>
-              </a:solidFill>
-            </a:endParaRPr>
-          </a:p>
-        </p:txBody>
-      </p:sp>
-      <p:sp>
-        <p:nvSpPr>
-          <p:cNvPr id="17" name="流程圖: 文件 16"/>
-          <p:cNvSpPr/>
-          <p:nvPr/>
-        </p:nvSpPr>
-        <p:spPr>
-          <a:xfrm>
-            <a:off x="7662886" y="1773429"/>
-            <a:ext cx="1249772" cy="704490"/>
-          </a:xfrm>
-          <a:prstGeom prst="flowChartDocument">
-            <a:avLst/>
-          </a:prstGeom>
-        </p:spPr>
-        <p:style>
-          <a:lnRef idx="2">
-            <a:schemeClr val="dk1"/>
-          </a:lnRef>
-          <a:fillRef idx="1">
-            <a:schemeClr val="lt1"/>
-          </a:fillRef>
-          <a:effectRef idx="0">
-            <a:schemeClr val="dk1"/>
-          </a:effectRef>
-          <a:fontRef idx="minor">
-            <a:schemeClr val="dk1"/>
-          </a:fontRef>
-        </p:style>
-        <p:txBody>
-          <a:bodyPr rtlCol="0" anchor="t"/>
-          <a:lstStyle/>
-          <a:p>
-            <a:pPr algn="ctr"/>
-            <a:r>
-              <a:rPr lang="en-US" altLang="zh-TW" dirty="0" smtClean="0"/>
-              <a:t>BS</a:t>
-            </a:r>
-            <a:br>
-              <a:rPr lang="en-US" altLang="zh-TW" dirty="0" smtClean="0"/>
-            </a:br>
-            <a:endParaRPr lang="zh-TW" altLang="en-US" dirty="0">
-              <a:solidFill>
-                <a:schemeClr val="dk1"/>
-              </a:solidFill>
-            </a:endParaRPr>
-          </a:p>
-        </p:txBody>
-      </p:sp>
-      <p:sp>
-        <p:nvSpPr>
-          <p:cNvPr id="19" name="矩形 18"/>
-          <p:cNvSpPr/>
-          <p:nvPr/>
-        </p:nvSpPr>
-        <p:spPr>
-          <a:xfrm>
-            <a:off x="3718686" y="4245416"/>
-            <a:ext cx="1406770" cy="558431"/>
-          </a:xfrm>
-          <a:prstGeom prst="rect">
-            <a:avLst/>
-          </a:prstGeom>
-        </p:spPr>
-        <p:style>
-          <a:lnRef idx="2">
-            <a:schemeClr val="dk1"/>
-          </a:lnRef>
-          <a:fillRef idx="1">
-            <a:schemeClr val="lt1"/>
-          </a:fillRef>
-          <a:effectRef idx="0">
-            <a:schemeClr val="dk1"/>
-          </a:effectRef>
-          <a:fontRef idx="minor">
-            <a:schemeClr val="dk1"/>
-          </a:fontRef>
-        </p:style>
-        <p:txBody>
-          <a:bodyPr rtlCol="0" anchor="ctr"/>
-          <a:lstStyle/>
-          <a:p>
-            <a:pPr algn="ctr"/>
-            <a:r>
-              <a:rPr lang="en-US" altLang="zh-TW" dirty="0" smtClean="0">
-                <a:solidFill>
-                  <a:schemeClr val="dk1"/>
-                </a:solidFill>
-              </a:rPr>
-              <a:t>A </a:t>
-            </a:r>
-            <a:r>
-              <a:rPr lang="en-US" altLang="zh-TW" dirty="0" err="1" smtClean="0">
-                <a:solidFill>
-                  <a:schemeClr val="dk1"/>
-                </a:solidFill>
-              </a:rPr>
-              <a:t>SessionKey</a:t>
-            </a:r>
-            <a:endParaRPr lang="zh-TW" altLang="en-US" dirty="0">
-              <a:solidFill>
-                <a:schemeClr val="dk1"/>
-              </a:solidFill>
-            </a:endParaRPr>
-          </a:p>
-        </p:txBody>
-      </p:sp>
-      <p:sp>
-        <p:nvSpPr>
-          <p:cNvPr id="20" name="矩形 19"/>
-          <p:cNvSpPr/>
-          <p:nvPr/>
-        </p:nvSpPr>
-        <p:spPr>
-          <a:xfrm>
-            <a:off x="7177530" y="4276107"/>
-            <a:ext cx="1406770" cy="558431"/>
-          </a:xfrm>
-          <a:prstGeom prst="rect">
-            <a:avLst/>
-          </a:prstGeom>
-        </p:spPr>
-        <p:style>
-          <a:lnRef idx="2">
-            <a:schemeClr val="dk1"/>
-          </a:lnRef>
-          <a:fillRef idx="1">
-            <a:schemeClr val="lt1"/>
-          </a:fillRef>
-          <a:effectRef idx="0">
-            <a:schemeClr val="dk1"/>
-          </a:effectRef>
-          <a:fontRef idx="minor">
-            <a:schemeClr val="dk1"/>
-          </a:fontRef>
-        </p:style>
-        <p:txBody>
-          <a:bodyPr rtlCol="0" anchor="ctr"/>
-          <a:lstStyle/>
-          <a:p>
-            <a:pPr algn="ctr"/>
-            <a:r>
-              <a:rPr lang="en-US" altLang="zh-TW" dirty="0" smtClean="0">
-                <a:solidFill>
-                  <a:schemeClr val="dk1"/>
-                </a:solidFill>
-              </a:rPr>
-              <a:t>B </a:t>
-            </a:r>
-            <a:r>
-              <a:rPr lang="en-US" altLang="zh-TW" dirty="0" err="1" smtClean="0">
-                <a:solidFill>
-                  <a:schemeClr val="dk1"/>
-                </a:solidFill>
-              </a:rPr>
-              <a:t>SessionKey</a:t>
-            </a:r>
-            <a:endParaRPr lang="zh-TW" altLang="en-US" dirty="0">
-              <a:solidFill>
-                <a:schemeClr val="dk1"/>
-              </a:solidFill>
-            </a:endParaRPr>
-          </a:p>
-        </p:txBody>
-      </p:sp>
-      <p:sp>
-        <p:nvSpPr>
-          <p:cNvPr id="21" name="流程圖: 決策 20"/>
-          <p:cNvSpPr/>
-          <p:nvPr/>
-        </p:nvSpPr>
-        <p:spPr>
-          <a:xfrm>
-            <a:off x="5636138" y="2688440"/>
-            <a:ext cx="1031831" cy="499784"/>
-          </a:xfrm>
-          <a:prstGeom prst="flowChartDecision">
-            <a:avLst/>
-          </a:prstGeom>
-        </p:spPr>
-        <p:style>
-          <a:lnRef idx="2">
-            <a:schemeClr val="dk1"/>
-          </a:lnRef>
-          <a:fillRef idx="1">
-            <a:schemeClr val="lt1"/>
-          </a:fillRef>
-          <a:effectRef idx="0">
-            <a:schemeClr val="dk1"/>
-          </a:effectRef>
-          <a:fontRef idx="minor">
-            <a:schemeClr val="dk1"/>
-          </a:fontRef>
-        </p:style>
-        <p:txBody>
-          <a:bodyPr rtlCol="0" anchor="t"/>
-          <a:lstStyle/>
-          <a:p>
-            <a:pPr algn="ctr"/>
-            <a:endParaRPr lang="zh-TW" altLang="en-US" dirty="0">
-              <a:solidFill>
-                <a:schemeClr val="dk1"/>
-              </a:solidFill>
-            </a:endParaRPr>
-          </a:p>
-        </p:txBody>
-      </p:sp>
+      </p:pic>
     </p:spTree>
     <p:extLst>
       <p:ext uri="{BB962C8B-B14F-4D97-AF65-F5344CB8AC3E}">
-        <p14:creationId xmlns:p14="http://schemas.microsoft.com/office/powerpoint/2010/main" val="2865379744"/>
+        <p14:creationId xmlns:p14="http://schemas.microsoft.com/office/powerpoint/2010/main" val="3260644386"/>
       </p:ext>
     </p:extLst>
   </p:cSld>
@@ -14345,36 +13238,51 @@
           <a:lstStyle/>
           <a:p>
             <a:r>
-              <a:rPr lang="zh-TW" altLang="en-US" dirty="0" smtClean="0"/>
-              <a:t>數字累加</a:t>
+              <a:rPr lang="zh-TW" altLang="en-US" dirty="0"/>
+              <a:t>測試</a:t>
+            </a:r>
+            <a:r>
+              <a:rPr lang="en-US" altLang="zh-TW" dirty="0"/>
+              <a:t>Application</a:t>
             </a:r>
             <a:endParaRPr lang="zh-TW" altLang="en-US" dirty="0"/>
           </a:p>
         </p:txBody>
       </p:sp>
-      <p:sp>
-        <p:nvSpPr>
-          <p:cNvPr id="3" name="內容版面配置區 2"/>
-          <p:cNvSpPr>
-            <a:spLocks noGrp="1"/>
-          </p:cNvSpPr>
-          <p:nvPr>
-            <p:ph idx="1"/>
-          </p:nvPr>
-        </p:nvSpPr>
-        <p:spPr/>
-        <p:txBody>
-          <a:bodyPr/>
-          <a:lstStyle/>
-          <a:p>
-            <a:endParaRPr lang="zh-TW" altLang="en-US"/>
-          </a:p>
-        </p:txBody>
-      </p:sp>
+      <p:pic>
+        <p:nvPicPr>
+          <p:cNvPr id="5" name="圖片 4" descr="畫面剪輯"/>
+          <p:cNvPicPr>
+            <a:picLocks noChangeAspect="1"/>
+          </p:cNvPicPr>
+          <p:nvPr/>
+        </p:nvPicPr>
+        <p:blipFill>
+          <a:blip r:embed="rId2">
+            <a:extLst>
+              <a:ext uri="{28A0092B-C50C-407E-A947-70E740481C1C}">
+                <a14:useLocalDpi xmlns:a14="http://schemas.microsoft.com/office/drawing/2010/main" val="0"/>
+              </a:ext>
+            </a:extLst>
+          </a:blip>
+          <a:stretch>
+            <a:fillRect/>
+          </a:stretch>
+        </p:blipFill>
+        <p:spPr>
+          <a:xfrm>
+            <a:off x="3258327" y="1554162"/>
+            <a:ext cx="5393304" cy="4614889"/>
+          </a:xfrm>
+          <a:prstGeom prst="rect">
+            <a:avLst/>
+          </a:prstGeom>
+        </p:spPr>
+      </p:pic>
     </p:spTree>
     <p:extLst>
       <p:ext uri="{BB962C8B-B14F-4D97-AF65-F5344CB8AC3E}">
-        <p14:creationId xmlns:p14="http://schemas.microsoft.com/office/powerpoint/2010/main" val="336750149"/>
+        <p14:creationId xmlns:p14="http://schemas.microsoft.com/office/powerpoint/2010/main" val="1307158863"/>
       </p:ext>
     </p:extLst>
   </p:cSld>
@@ -14430,7 +13338,7 @@
           <a:p>
             <a:r>
               <a:rPr lang="en-US" altLang="zh-TW" dirty="0" smtClean="0"/>
-              <a:t>Cookie</a:t>
+              <a:t>Session</a:t>
             </a:r>
             <a:endParaRPr lang="zh-TW" altLang="en-US" dirty="0"/>
           </a:p>
@@ -14451,14 +13359,113 @@
           <a:bodyPr/>
           <a:lstStyle/>
           <a:p>
-            <a:endParaRPr lang="zh-TW" altLang="en-US"/>
+            <a:r>
+              <a:rPr lang="zh-TW" altLang="en-US" dirty="0"/>
+              <a:t>特性</a:t>
+            </a:r>
+            <a:endParaRPr lang="en-US" altLang="zh-TW" dirty="0"/>
+          </a:p>
+          <a:p>
+            <a:pPr lvl="1"/>
+            <a:r>
+              <a:rPr lang="zh-TW" altLang="en-US" dirty="0"/>
+              <a:t>資料存在</a:t>
+            </a:r>
+            <a:r>
+              <a:rPr lang="en-US" altLang="zh-TW" dirty="0"/>
+              <a:t>Server</a:t>
+            </a:r>
+          </a:p>
+          <a:p>
+            <a:pPr lvl="1"/>
+            <a:r>
+              <a:rPr lang="zh-TW" altLang="en-US" dirty="0" smtClean="0"/>
+              <a:t>資料依據</a:t>
+            </a:r>
+            <a:r>
+              <a:rPr lang="en-US" altLang="zh-TW" dirty="0" smtClean="0"/>
+              <a:t>Session</a:t>
+            </a:r>
+            <a:r>
+              <a:rPr lang="zh-TW" altLang="en-US" dirty="0" smtClean="0"/>
+              <a:t> </a:t>
+            </a:r>
+            <a:r>
+              <a:rPr lang="en-US" altLang="zh-TW" dirty="0" smtClean="0"/>
+              <a:t>id </a:t>
+            </a:r>
+            <a:r>
+              <a:rPr lang="zh-TW" altLang="en-US" dirty="0" smtClean="0"/>
+              <a:t>區分可使用的對象</a:t>
+            </a:r>
+            <a:endParaRPr lang="en-US" altLang="zh-TW" dirty="0"/>
+          </a:p>
+          <a:p>
+            <a:endParaRPr lang="en-US" altLang="zh-TW" dirty="0"/>
+          </a:p>
+          <a:p>
+            <a:r>
+              <a:rPr lang="zh-TW" altLang="en-US" dirty="0"/>
+              <a:t>用法</a:t>
+            </a:r>
+            <a:endParaRPr lang="en-US" altLang="zh-TW" dirty="0"/>
+          </a:p>
+          <a:p>
+            <a:pPr lvl="1"/>
+            <a:r>
+              <a:rPr lang="zh-TW" altLang="en-US" dirty="0"/>
+              <a:t>存</a:t>
+            </a:r>
+            <a:r>
+              <a:rPr lang="zh-TW" altLang="en-US" dirty="0" smtClean="0"/>
+              <a:t>：</a:t>
+            </a:r>
+            <a:r>
+              <a:rPr lang="en-US" altLang="zh-TW" dirty="0" smtClean="0"/>
+              <a:t>Session[“</a:t>
+            </a:r>
+            <a:r>
+              <a:rPr lang="en-US" altLang="zh-TW" dirty="0"/>
+              <a:t>key”] = </a:t>
+            </a:r>
+            <a:r>
+              <a:rPr lang="zh-TW" altLang="en-US" dirty="0"/>
+              <a:t>資料</a:t>
+            </a:r>
+            <a:endParaRPr lang="en-US" altLang="zh-TW" dirty="0"/>
+          </a:p>
+          <a:p>
+            <a:pPr lvl="1"/>
+            <a:r>
+              <a:rPr lang="zh-TW" altLang="en-US" dirty="0"/>
+              <a:t>取</a:t>
+            </a:r>
+            <a:r>
+              <a:rPr lang="zh-TW" altLang="en-US" dirty="0" smtClean="0"/>
+              <a:t>：</a:t>
+            </a:r>
+            <a:r>
+              <a:rPr lang="en-US" altLang="zh-TW" dirty="0" smtClean="0"/>
+              <a:t>Session[“</a:t>
+            </a:r>
+            <a:r>
+              <a:rPr lang="en-US" altLang="zh-TW" dirty="0"/>
+              <a:t>key”] = </a:t>
+            </a:r>
+            <a:r>
+              <a:rPr lang="zh-TW" altLang="en-US" dirty="0"/>
+              <a:t>資料</a:t>
+            </a:r>
+          </a:p>
+          <a:p>
+            <a:endParaRPr lang="zh-TW" altLang="en-US" dirty="0"/>
           </a:p>
         </p:txBody>
       </p:sp>
     </p:spTree>
     <p:extLst>
       <p:ext uri="{BB962C8B-B14F-4D97-AF65-F5344CB8AC3E}">
-        <p14:creationId xmlns:p14="http://schemas.microsoft.com/office/powerpoint/2010/main" val="1630876037"/>
+        <p14:creationId xmlns:p14="http://schemas.microsoft.com/office/powerpoint/2010/main" val="2865379744"/>
       </p:ext>
     </p:extLst>
   </p:cSld>
@@ -14513,40 +13520,51 @@
           <a:lstStyle/>
           <a:p>
             <a:r>
-              <a:rPr lang="zh-TW" altLang="en-US" dirty="0" smtClean="0"/>
-              <a:t>看</a:t>
+              <a:rPr lang="zh-TW" altLang="en-US" dirty="0"/>
+              <a:t>測試</a:t>
             </a:r>
             <a:r>
               <a:rPr lang="en-US" altLang="zh-TW" dirty="0" smtClean="0"/>
-              <a:t>F12</a:t>
+              <a:t>Session</a:t>
             </a:r>
             <a:endParaRPr lang="zh-TW" altLang="en-US" dirty="0"/>
           </a:p>
         </p:txBody>
       </p:sp>
-      <p:sp>
-        <p:nvSpPr>
-          <p:cNvPr id="3" name="內容版面配置區 2"/>
-          <p:cNvSpPr>
-            <a:spLocks noGrp="1"/>
-          </p:cNvSpPr>
-          <p:nvPr>
-            <p:ph idx="1"/>
-          </p:nvPr>
-        </p:nvSpPr>
-        <p:spPr/>
-        <p:txBody>
-          <a:bodyPr/>
-          <a:lstStyle/>
-          <a:p>
-            <a:endParaRPr lang="zh-TW" altLang="en-US"/>
-          </a:p>
-        </p:txBody>
-      </p:sp>
+      <p:pic>
+        <p:nvPicPr>
+          <p:cNvPr id="4" name="圖片 3" descr="畫面剪輯"/>
+          <p:cNvPicPr>
+            <a:picLocks noChangeAspect="1"/>
+          </p:cNvPicPr>
+          <p:nvPr/>
+        </p:nvPicPr>
+        <p:blipFill>
+          <a:blip r:embed="rId2">
+            <a:extLst>
+              <a:ext uri="{28A0092B-C50C-407E-A947-70E740481C1C}">
+                <a14:useLocalDpi xmlns:a14="http://schemas.microsoft.com/office/drawing/2010/main" val="0"/>
+              </a:ext>
+            </a:extLst>
+          </a:blip>
+          <a:stretch>
+            <a:fillRect/>
+          </a:stretch>
+        </p:blipFill>
+        <p:spPr>
+          <a:xfrm>
+            <a:off x="1668628" y="1554162"/>
+            <a:ext cx="8754697" cy="4391638"/>
+          </a:xfrm>
+          <a:prstGeom prst="rect">
+            <a:avLst/>
+          </a:prstGeom>
+        </p:spPr>
+      </p:pic>
     </p:spTree>
     <p:extLst>
       <p:ext uri="{BB962C8B-B14F-4D97-AF65-F5344CB8AC3E}">
-        <p14:creationId xmlns:p14="http://schemas.microsoft.com/office/powerpoint/2010/main" val="670170823"/>
+        <p14:creationId xmlns:p14="http://schemas.microsoft.com/office/powerpoint/2010/main" val="3339857955"/>
       </p:ext>
     </p:extLst>
   </p:cSld>
@@ -14810,8 +13828,111 @@
           <a:lstStyle/>
           <a:p>
             <a:r>
-              <a:rPr lang="en-US" altLang="zh-TW" dirty="0" err="1" smtClean="0"/>
-              <a:t>ViewState</a:t>
+              <a:rPr lang="zh-TW" altLang="en-US" dirty="0"/>
+              <a:t>測試</a:t>
+            </a:r>
+            <a:r>
+              <a:rPr lang="en-US" altLang="zh-TW" dirty="0" smtClean="0"/>
+              <a:t>Session</a:t>
+            </a:r>
+            <a:endParaRPr lang="zh-TW" altLang="en-US" dirty="0"/>
+          </a:p>
+        </p:txBody>
+      </p:sp>
+      <p:pic>
+        <p:nvPicPr>
+          <p:cNvPr id="4" name="圖片 3" descr="畫面剪輯"/>
+          <p:cNvPicPr>
+            <a:picLocks noChangeAspect="1"/>
+          </p:cNvPicPr>
+          <p:nvPr/>
+        </p:nvPicPr>
+        <p:blipFill>
+          <a:blip r:embed="rId2">
+            <a:extLst>
+              <a:ext uri="{28A0092B-C50C-407E-A947-70E740481C1C}">
+                <a14:useLocalDpi xmlns:a14="http://schemas.microsoft.com/office/drawing/2010/main" val="0"/>
+              </a:ext>
+            </a:extLst>
+          </a:blip>
+          <a:stretch>
+            <a:fillRect/>
+          </a:stretch>
+        </p:blipFill>
+        <p:spPr>
+          <a:xfrm>
+            <a:off x="3252981" y="1554161"/>
+            <a:ext cx="5924246" cy="4415815"/>
+          </a:xfrm>
+          <a:prstGeom prst="rect">
+            <a:avLst/>
+          </a:prstGeom>
+        </p:spPr>
+      </p:pic>
+    </p:spTree>
+    <p:extLst>
+      <p:ext uri="{BB962C8B-B14F-4D97-AF65-F5344CB8AC3E}">
+        <p14:creationId xmlns:p14="http://schemas.microsoft.com/office/powerpoint/2010/main" val="1716739369"/>
+      </p:ext>
+    </p:extLst>
+  </p:cSld>
+  <p:clrMapOvr>
+    <a:masterClrMapping/>
+  </p:clrMapOvr>
+  <mc:AlternateContent xmlns:mc="http://schemas.openxmlformats.org/markup-compatibility/2006" xmlns:p14="http://schemas.microsoft.com/office/powerpoint/2010/main">
+    <mc:Choice Requires="p14">
+      <p:transition spd="slow" p14:dur="1500">
+        <p:random/>
+      </p:transition>
+    </mc:Choice>
+    <mc:Fallback xmlns="">
+      <p:transition spd="slow">
+        <p:random/>
+      </p:transition>
+    </mc:Fallback>
+  </mc:AlternateContent>
+</p:sld>
+</file>
+
+<file path=ppt/slides/slide41.xml><?xml version="1.0" encoding="utf-8"?>
+<p:sld xmlns:a="http://schemas.openxmlformats.org/drawingml/2006/main" xmlns:r="http://schemas.openxmlformats.org/officeDocument/2006/relationships" xmlns:p="http://schemas.openxmlformats.org/presentationml/2006/main">
+  <p:cSld>
+    <p:spTree>
+      <p:nvGrpSpPr>
+        <p:cNvPr id="1" name=""/>
+        <p:cNvGrpSpPr/>
+        <p:nvPr/>
+      </p:nvGrpSpPr>
+      <p:grpSpPr>
+        <a:xfrm>
+          <a:off x="0" y="0"/>
+          <a:ext cx="0" cy="0"/>
+          <a:chOff x="0" y="0"/>
+          <a:chExt cx="0" cy="0"/>
+        </a:xfrm>
+      </p:grpSpPr>
+      <p:sp>
+        <p:nvSpPr>
+          <p:cNvPr id="2" name="標題 1"/>
+          <p:cNvSpPr>
+            <a:spLocks noGrp="1"/>
+          </p:cNvSpPr>
+          <p:nvPr>
+            <p:ph type="title"/>
+          </p:nvPr>
+        </p:nvSpPr>
+        <p:spPr/>
+        <p:txBody>
+          <a:bodyPr/>
+          <a:lstStyle/>
+          <a:p>
+            <a:r>
+              <a:rPr lang="zh-TW" altLang="en-US" dirty="0" smtClean="0"/>
+              <a:t>數字</a:t>
+            </a:r>
+            <a:r>
+              <a:rPr lang="zh-TW" altLang="en-US" dirty="0" smtClean="0"/>
+              <a:t>累加</a:t>
             </a:r>
             <a:endParaRPr lang="zh-TW" altLang="en-US" dirty="0"/>
           </a:p>
@@ -14833,6 +13954,358 @@
           <a:lstStyle/>
           <a:p>
             <a:endParaRPr lang="zh-TW" altLang="en-US"/>
+          </a:p>
+        </p:txBody>
+      </p:sp>
+    </p:spTree>
+    <p:extLst>
+      <p:ext uri="{BB962C8B-B14F-4D97-AF65-F5344CB8AC3E}">
+        <p14:creationId xmlns:p14="http://schemas.microsoft.com/office/powerpoint/2010/main" val="336750149"/>
+      </p:ext>
+    </p:extLst>
+  </p:cSld>
+  <p:clrMapOvr>
+    <a:masterClrMapping/>
+  </p:clrMapOvr>
+  <mc:AlternateContent xmlns:mc="http://schemas.openxmlformats.org/markup-compatibility/2006" xmlns:p14="http://schemas.microsoft.com/office/powerpoint/2010/main">
+    <mc:Choice Requires="p14">
+      <p:transition spd="slow" p14:dur="1500">
+        <p:random/>
+      </p:transition>
+    </mc:Choice>
+    <mc:Fallback xmlns="">
+      <p:transition spd="slow">
+        <p:random/>
+      </p:transition>
+    </mc:Fallback>
+  </mc:AlternateContent>
+</p:sld>
+</file>
+
+<file path=ppt/slides/slide42.xml><?xml version="1.0" encoding="utf-8"?>
+<p:sld xmlns:a="http://schemas.openxmlformats.org/drawingml/2006/main" xmlns:r="http://schemas.openxmlformats.org/officeDocument/2006/relationships" xmlns:p="http://schemas.openxmlformats.org/presentationml/2006/main">
+  <p:cSld>
+    <p:spTree>
+      <p:nvGrpSpPr>
+        <p:cNvPr id="1" name=""/>
+        <p:cNvGrpSpPr/>
+        <p:nvPr/>
+      </p:nvGrpSpPr>
+      <p:grpSpPr>
+        <a:xfrm>
+          <a:off x="0" y="0"/>
+          <a:ext cx="0" cy="0"/>
+          <a:chOff x="0" y="0"/>
+          <a:chExt cx="0" cy="0"/>
+        </a:xfrm>
+      </p:grpSpPr>
+      <p:sp>
+        <p:nvSpPr>
+          <p:cNvPr id="2" name="標題 1"/>
+          <p:cNvSpPr>
+            <a:spLocks noGrp="1"/>
+          </p:cNvSpPr>
+          <p:nvPr>
+            <p:ph type="title"/>
+          </p:nvPr>
+        </p:nvSpPr>
+        <p:spPr/>
+        <p:txBody>
+          <a:bodyPr/>
+          <a:lstStyle/>
+          <a:p>
+            <a:r>
+              <a:rPr lang="en-US" altLang="zh-TW" dirty="0" smtClean="0"/>
+              <a:t>Cookie</a:t>
+            </a:r>
+            <a:endParaRPr lang="zh-TW" altLang="en-US" dirty="0"/>
+          </a:p>
+        </p:txBody>
+      </p:sp>
+      <p:sp>
+        <p:nvSpPr>
+          <p:cNvPr id="3" name="內容版面配置區 2"/>
+          <p:cNvSpPr>
+            <a:spLocks noGrp="1"/>
+          </p:cNvSpPr>
+          <p:nvPr>
+            <p:ph idx="1"/>
+          </p:nvPr>
+        </p:nvSpPr>
+        <p:spPr/>
+        <p:txBody>
+          <a:bodyPr/>
+          <a:lstStyle/>
+          <a:p>
+            <a:r>
+              <a:rPr lang="zh-TW" altLang="en-US" dirty="0" smtClean="0"/>
+              <a:t>少量</a:t>
+            </a:r>
+            <a:endParaRPr lang="en-US" altLang="zh-TW" dirty="0" smtClean="0"/>
+          </a:p>
+          <a:p>
+            <a:r>
+              <a:rPr lang="zh-TW" altLang="en-US" dirty="0"/>
+              <a:t>安全性問題</a:t>
+            </a:r>
+          </a:p>
+        </p:txBody>
+      </p:sp>
+    </p:spTree>
+    <p:extLst>
+      <p:ext uri="{BB962C8B-B14F-4D97-AF65-F5344CB8AC3E}">
+        <p14:creationId xmlns:p14="http://schemas.microsoft.com/office/powerpoint/2010/main" val="1630876037"/>
+      </p:ext>
+    </p:extLst>
+  </p:cSld>
+  <p:clrMapOvr>
+    <a:masterClrMapping/>
+  </p:clrMapOvr>
+  <mc:AlternateContent xmlns:mc="http://schemas.openxmlformats.org/markup-compatibility/2006" xmlns:p14="http://schemas.microsoft.com/office/powerpoint/2010/main">
+    <mc:Choice Requires="p14">
+      <p:transition spd="slow" p14:dur="1500">
+        <p:random/>
+      </p:transition>
+    </mc:Choice>
+    <mc:Fallback xmlns="">
+      <p:transition spd="slow">
+        <p:random/>
+      </p:transition>
+    </mc:Fallback>
+  </mc:AlternateContent>
+</p:sld>
+</file>
+
+<file path=ppt/slides/slide43.xml><?xml version="1.0" encoding="utf-8"?>
+<p:sld xmlns:a="http://schemas.openxmlformats.org/drawingml/2006/main" xmlns:r="http://schemas.openxmlformats.org/officeDocument/2006/relationships" xmlns:p="http://schemas.openxmlformats.org/presentationml/2006/main">
+  <p:cSld>
+    <p:spTree>
+      <p:nvGrpSpPr>
+        <p:cNvPr id="1" name=""/>
+        <p:cNvGrpSpPr/>
+        <p:nvPr/>
+      </p:nvGrpSpPr>
+      <p:grpSpPr>
+        <a:xfrm>
+          <a:off x="0" y="0"/>
+          <a:ext cx="0" cy="0"/>
+          <a:chOff x="0" y="0"/>
+          <a:chExt cx="0" cy="0"/>
+        </a:xfrm>
+      </p:grpSpPr>
+      <p:sp>
+        <p:nvSpPr>
+          <p:cNvPr id="2" name="標題 1"/>
+          <p:cNvSpPr>
+            <a:spLocks noGrp="1"/>
+          </p:cNvSpPr>
+          <p:nvPr>
+            <p:ph type="title"/>
+          </p:nvPr>
+        </p:nvSpPr>
+        <p:spPr/>
+        <p:txBody>
+          <a:bodyPr/>
+          <a:lstStyle/>
+          <a:p>
+            <a:r>
+              <a:rPr lang="zh-TW" altLang="en-US" dirty="0" smtClean="0"/>
+              <a:t>看</a:t>
+            </a:r>
+            <a:r>
+              <a:rPr lang="en-US" altLang="zh-TW" dirty="0" smtClean="0"/>
+              <a:t>F12</a:t>
+            </a:r>
+            <a:endParaRPr lang="zh-TW" altLang="en-US" dirty="0"/>
+          </a:p>
+        </p:txBody>
+      </p:sp>
+      <p:sp>
+        <p:nvSpPr>
+          <p:cNvPr id="3" name="內容版面配置區 2"/>
+          <p:cNvSpPr>
+            <a:spLocks noGrp="1"/>
+          </p:cNvSpPr>
+          <p:nvPr>
+            <p:ph idx="1"/>
+          </p:nvPr>
+        </p:nvSpPr>
+        <p:spPr/>
+        <p:txBody>
+          <a:bodyPr/>
+          <a:lstStyle/>
+          <a:p>
+            <a:endParaRPr lang="zh-TW" altLang="en-US"/>
+          </a:p>
+        </p:txBody>
+      </p:sp>
+    </p:spTree>
+    <p:extLst>
+      <p:ext uri="{BB962C8B-B14F-4D97-AF65-F5344CB8AC3E}">
+        <p14:creationId xmlns:p14="http://schemas.microsoft.com/office/powerpoint/2010/main" val="670170823"/>
+      </p:ext>
+    </p:extLst>
+  </p:cSld>
+  <p:clrMapOvr>
+    <a:masterClrMapping/>
+  </p:clrMapOvr>
+  <mc:AlternateContent xmlns:mc="http://schemas.openxmlformats.org/markup-compatibility/2006" xmlns:p14="http://schemas.microsoft.com/office/powerpoint/2010/main">
+    <mc:Choice Requires="p14">
+      <p:transition spd="slow" p14:dur="1500">
+        <p:random/>
+      </p:transition>
+    </mc:Choice>
+    <mc:Fallback xmlns="">
+      <p:transition spd="slow">
+        <p:random/>
+      </p:transition>
+    </mc:Fallback>
+  </mc:AlternateContent>
+</p:sld>
+</file>
+
+<file path=ppt/slides/slide44.xml><?xml version="1.0" encoding="utf-8"?>
+<p:sld xmlns:a="http://schemas.openxmlformats.org/drawingml/2006/main" xmlns:r="http://schemas.openxmlformats.org/officeDocument/2006/relationships" xmlns:p="http://schemas.openxmlformats.org/presentationml/2006/main">
+  <p:cSld>
+    <p:spTree>
+      <p:nvGrpSpPr>
+        <p:cNvPr id="1" name=""/>
+        <p:cNvGrpSpPr/>
+        <p:nvPr/>
+      </p:nvGrpSpPr>
+      <p:grpSpPr>
+        <a:xfrm>
+          <a:off x="0" y="0"/>
+          <a:ext cx="0" cy="0"/>
+          <a:chOff x="0" y="0"/>
+          <a:chExt cx="0" cy="0"/>
+        </a:xfrm>
+      </p:grpSpPr>
+      <p:sp>
+        <p:nvSpPr>
+          <p:cNvPr id="2" name="標題 1"/>
+          <p:cNvSpPr>
+            <a:spLocks noGrp="1"/>
+          </p:cNvSpPr>
+          <p:nvPr>
+            <p:ph type="title"/>
+          </p:nvPr>
+        </p:nvSpPr>
+        <p:spPr/>
+        <p:txBody>
+          <a:bodyPr/>
+          <a:lstStyle/>
+          <a:p>
+            <a:r>
+              <a:rPr lang="en-US" altLang="zh-TW" dirty="0" err="1" smtClean="0"/>
+              <a:t>ViewState</a:t>
+            </a:r>
+            <a:endParaRPr lang="zh-TW" altLang="en-US" dirty="0"/>
+          </a:p>
+        </p:txBody>
+      </p:sp>
+      <p:sp>
+        <p:nvSpPr>
+          <p:cNvPr id="3" name="內容版面配置區 2"/>
+          <p:cNvSpPr>
+            <a:spLocks noGrp="1"/>
+          </p:cNvSpPr>
+          <p:nvPr>
+            <p:ph idx="1"/>
+          </p:nvPr>
+        </p:nvSpPr>
+        <p:spPr/>
+        <p:txBody>
+          <a:bodyPr/>
+          <a:lstStyle/>
+          <a:p>
+            <a:r>
+              <a:rPr lang="zh-TW" altLang="en-US" dirty="0"/>
+              <a:t>特性</a:t>
+            </a:r>
+            <a:endParaRPr lang="en-US" altLang="zh-TW" dirty="0"/>
+          </a:p>
+          <a:p>
+            <a:pPr lvl="1"/>
+            <a:r>
+              <a:rPr lang="zh-TW" altLang="en-US" dirty="0"/>
+              <a:t>資料</a:t>
+            </a:r>
+            <a:r>
+              <a:rPr lang="zh-TW" altLang="en-US" dirty="0" smtClean="0"/>
+              <a:t>存在網頁上</a:t>
+            </a:r>
+            <a:endParaRPr lang="en-US" altLang="zh-TW" dirty="0" smtClean="0"/>
+          </a:p>
+          <a:p>
+            <a:pPr lvl="1"/>
+            <a:r>
+              <a:rPr lang="zh-TW" altLang="en-US" dirty="0" smtClean="0"/>
+              <a:t>資料</a:t>
+            </a:r>
+            <a:r>
+              <a:rPr lang="zh-TW" altLang="en-US" dirty="0"/>
+              <a:t>依據</a:t>
+            </a:r>
+            <a:r>
+              <a:rPr lang="en-US" altLang="zh-TW" dirty="0"/>
+              <a:t>Session</a:t>
+            </a:r>
+            <a:r>
+              <a:rPr lang="zh-TW" altLang="en-US" dirty="0"/>
+              <a:t> </a:t>
+            </a:r>
+            <a:r>
+              <a:rPr lang="en-US" altLang="zh-TW" dirty="0"/>
+              <a:t>id </a:t>
+            </a:r>
+            <a:r>
+              <a:rPr lang="zh-TW" altLang="en-US" dirty="0"/>
+              <a:t>區分可使用的對象</a:t>
+            </a:r>
+            <a:endParaRPr lang="en-US" altLang="zh-TW" dirty="0"/>
+          </a:p>
+          <a:p>
+            <a:endParaRPr lang="en-US" altLang="zh-TW" dirty="0"/>
+          </a:p>
+          <a:p>
+            <a:r>
+              <a:rPr lang="zh-TW" altLang="en-US" dirty="0"/>
+              <a:t>用法</a:t>
+            </a:r>
+            <a:endParaRPr lang="en-US" altLang="zh-TW" dirty="0"/>
+          </a:p>
+          <a:p>
+            <a:pPr lvl="1"/>
+            <a:r>
+              <a:rPr lang="zh-TW" altLang="en-US" dirty="0"/>
+              <a:t>存：</a:t>
+            </a:r>
+            <a:r>
+              <a:rPr lang="en-US" altLang="zh-TW" dirty="0"/>
+              <a:t>Session[“key”] = </a:t>
+            </a:r>
+            <a:r>
+              <a:rPr lang="zh-TW" altLang="en-US" dirty="0"/>
+              <a:t>資料</a:t>
+            </a:r>
+            <a:endParaRPr lang="en-US" altLang="zh-TW" dirty="0"/>
+          </a:p>
+          <a:p>
+            <a:pPr lvl="1"/>
+            <a:r>
+              <a:rPr lang="zh-TW" altLang="en-US" dirty="0"/>
+              <a:t>取：</a:t>
+            </a:r>
+            <a:r>
+              <a:rPr lang="en-US" altLang="zh-TW" dirty="0"/>
+              <a:t>Session[“key”] = </a:t>
+            </a:r>
+            <a:r>
+              <a:rPr lang="zh-TW" altLang="en-US" dirty="0"/>
+              <a:t>資料</a:t>
+            </a:r>
+            <a:endParaRPr lang="zh-TW" altLang="en-US" dirty="0"/>
           </a:p>
         </p:txBody>
       </p:sp>
@@ -14861,7 +14334,7 @@
 </p:sld>
 </file>
 
-<file path=ppt/slides/slide41.xml><?xml version="1.0" encoding="utf-8"?>
+<file path=ppt/slides/slide45.xml><?xml version="1.0" encoding="utf-8"?>
 <p:sld xmlns:a="http://schemas.openxmlformats.org/drawingml/2006/main" xmlns:r="http://schemas.openxmlformats.org/officeDocument/2006/relationships" xmlns:p="http://schemas.openxmlformats.org/presentationml/2006/main">
   <p:cSld>
     <p:spTree>

--- a/投影片/2.asp.net webform 框架.pptx
+++ b/投影片/2.asp.net webform 框架.pptx
@@ -18,38 +18,45 @@
     <p:sldId id="284" r:id="rId12"/>
     <p:sldId id="282" r:id="rId13"/>
     <p:sldId id="267" r:id="rId14"/>
-    <p:sldId id="265" r:id="rId15"/>
-    <p:sldId id="266" r:id="rId16"/>
-    <p:sldId id="272" r:id="rId17"/>
-    <p:sldId id="286" r:id="rId18"/>
-    <p:sldId id="268" r:id="rId19"/>
-    <p:sldId id="269" r:id="rId20"/>
-    <p:sldId id="270" r:id="rId21"/>
-    <p:sldId id="287" r:id="rId22"/>
-    <p:sldId id="288" r:id="rId23"/>
-    <p:sldId id="271" r:id="rId24"/>
-    <p:sldId id="277" r:id="rId25"/>
-    <p:sldId id="273" r:id="rId26"/>
-    <p:sldId id="289" r:id="rId27"/>
-    <p:sldId id="279" r:id="rId28"/>
-    <p:sldId id="290" r:id="rId29"/>
-    <p:sldId id="292" r:id="rId30"/>
-    <p:sldId id="293" r:id="rId31"/>
-    <p:sldId id="274" r:id="rId32"/>
-    <p:sldId id="278" r:id="rId33"/>
-    <p:sldId id="276" r:id="rId34"/>
-    <p:sldId id="275" r:id="rId35"/>
-    <p:sldId id="294" r:id="rId36"/>
-    <p:sldId id="301" r:id="rId37"/>
-    <p:sldId id="303" r:id="rId38"/>
-    <p:sldId id="295" r:id="rId39"/>
-    <p:sldId id="302" r:id="rId40"/>
-    <p:sldId id="304" r:id="rId41"/>
-    <p:sldId id="298" r:id="rId42"/>
-    <p:sldId id="296" r:id="rId43"/>
-    <p:sldId id="300" r:id="rId44"/>
-    <p:sldId id="297" r:id="rId45"/>
-    <p:sldId id="299" r:id="rId46"/>
+    <p:sldId id="305" r:id="rId15"/>
+    <p:sldId id="307" r:id="rId16"/>
+    <p:sldId id="308" r:id="rId17"/>
+    <p:sldId id="272" r:id="rId18"/>
+    <p:sldId id="286" r:id="rId19"/>
+    <p:sldId id="268" r:id="rId20"/>
+    <p:sldId id="269" r:id="rId21"/>
+    <p:sldId id="270" r:id="rId22"/>
+    <p:sldId id="287" r:id="rId23"/>
+    <p:sldId id="288" r:id="rId24"/>
+    <p:sldId id="271" r:id="rId25"/>
+    <p:sldId id="277" r:id="rId26"/>
+    <p:sldId id="273" r:id="rId27"/>
+    <p:sldId id="289" r:id="rId28"/>
+    <p:sldId id="279" r:id="rId29"/>
+    <p:sldId id="290" r:id="rId30"/>
+    <p:sldId id="292" r:id="rId31"/>
+    <p:sldId id="293" r:id="rId32"/>
+    <p:sldId id="274" r:id="rId33"/>
+    <p:sldId id="278" r:id="rId34"/>
+    <p:sldId id="276" r:id="rId35"/>
+    <p:sldId id="275" r:id="rId36"/>
+    <p:sldId id="294" r:id="rId37"/>
+    <p:sldId id="301" r:id="rId38"/>
+    <p:sldId id="303" r:id="rId39"/>
+    <p:sldId id="295" r:id="rId40"/>
+    <p:sldId id="302" r:id="rId41"/>
+    <p:sldId id="304" r:id="rId42"/>
+    <p:sldId id="298" r:id="rId43"/>
+    <p:sldId id="296" r:id="rId44"/>
+    <p:sldId id="309" r:id="rId45"/>
+    <p:sldId id="310" r:id="rId46"/>
+    <p:sldId id="311" r:id="rId47"/>
+    <p:sldId id="312" r:id="rId48"/>
+    <p:sldId id="313" r:id="rId49"/>
+    <p:sldId id="297" r:id="rId50"/>
+    <p:sldId id="314" r:id="rId51"/>
+    <p:sldId id="315" r:id="rId52"/>
+    <p:sldId id="265" r:id="rId53"/>
   </p:sldIdLst>
   <p:sldSz cx="12192000" cy="6858000"/>
   <p:notesSz cx="6858000" cy="9144000"/>
@@ -190,7 +197,7 @@
           <a:p>
             <a:fld id="{31CDE89B-FBD9-4E23-BEEB-B0C8819124B3}" type="datetimeFigureOut">
               <a:rPr lang="zh-TW" altLang="en-US" smtClean="0"/>
-              <a:t>2022/2/23</a:t>
+              <a:t>2022/2/26</a:t>
             </a:fld>
             <a:endParaRPr lang="zh-TW" altLang="en-US"/>
           </a:p>
@@ -3061,7 +3068,7 @@
           <a:p>
             <a:fld id="{31CDE89B-FBD9-4E23-BEEB-B0C8819124B3}" type="datetimeFigureOut">
               <a:rPr lang="zh-TW" altLang="en-US" smtClean="0"/>
-              <a:t>2022/2/23</a:t>
+              <a:t>2022/2/26</a:t>
             </a:fld>
             <a:endParaRPr lang="zh-TW" altLang="en-US"/>
           </a:p>
@@ -3253,7 +3260,7 @@
           <a:p>
             <a:fld id="{31CDE89B-FBD9-4E23-BEEB-B0C8819124B3}" type="datetimeFigureOut">
               <a:rPr lang="zh-TW" altLang="en-US" smtClean="0"/>
-              <a:t>2022/2/23</a:t>
+              <a:t>2022/2/26</a:t>
             </a:fld>
             <a:endParaRPr lang="zh-TW" altLang="en-US"/>
           </a:p>
@@ -3449,7 +3456,7 @@
           <a:p>
             <a:fld id="{31CDE89B-FBD9-4E23-BEEB-B0C8819124B3}" type="datetimeFigureOut">
               <a:rPr lang="zh-TW" altLang="en-US" smtClean="0"/>
-              <a:t>2022/2/23</a:t>
+              <a:t>2022/2/26</a:t>
             </a:fld>
             <a:endParaRPr lang="zh-TW" altLang="en-US"/>
           </a:p>
@@ -4545,7 +4552,7 @@
           <a:p>
             <a:fld id="{31CDE89B-FBD9-4E23-BEEB-B0C8819124B3}" type="datetimeFigureOut">
               <a:rPr lang="zh-TW" altLang="en-US" smtClean="0"/>
-              <a:t>2022/2/23</a:t>
+              <a:t>2022/2/26</a:t>
             </a:fld>
             <a:endParaRPr lang="zh-TW" altLang="en-US"/>
           </a:p>
@@ -4794,7 +4801,7 @@
           <a:p>
             <a:fld id="{31CDE89B-FBD9-4E23-BEEB-B0C8819124B3}" type="datetimeFigureOut">
               <a:rPr lang="zh-TW" altLang="en-US" smtClean="0"/>
-              <a:t>2022/2/23</a:t>
+              <a:t>2022/2/26</a:t>
             </a:fld>
             <a:endParaRPr lang="zh-TW" altLang="en-US"/>
           </a:p>
@@ -5173,7 +5180,7 @@
           <a:p>
             <a:fld id="{31CDE89B-FBD9-4E23-BEEB-B0C8819124B3}" type="datetimeFigureOut">
               <a:rPr lang="zh-TW" altLang="en-US" smtClean="0"/>
-              <a:t>2022/2/23</a:t>
+              <a:t>2022/2/26</a:t>
             </a:fld>
             <a:endParaRPr lang="zh-TW" altLang="en-US"/>
           </a:p>
@@ -5303,7 +5310,7 @@
           <a:p>
             <a:fld id="{31CDE89B-FBD9-4E23-BEEB-B0C8819124B3}" type="datetimeFigureOut">
               <a:rPr lang="zh-TW" altLang="en-US" smtClean="0"/>
-              <a:t>2022/2/23</a:t>
+              <a:t>2022/2/26</a:t>
             </a:fld>
             <a:endParaRPr lang="zh-TW" altLang="en-US"/>
           </a:p>
@@ -5410,7 +5417,7 @@
           <a:p>
             <a:fld id="{31CDE89B-FBD9-4E23-BEEB-B0C8819124B3}" type="datetimeFigureOut">
               <a:rPr lang="zh-TW" altLang="en-US" smtClean="0"/>
-              <a:t>2022/2/23</a:t>
+              <a:t>2022/2/26</a:t>
             </a:fld>
             <a:endParaRPr lang="zh-TW" altLang="en-US"/>
           </a:p>
@@ -5699,7 +5706,7 @@
           <a:p>
             <a:fld id="{31CDE89B-FBD9-4E23-BEEB-B0C8819124B3}" type="datetimeFigureOut">
               <a:rPr lang="zh-TW" altLang="en-US" smtClean="0"/>
-              <a:t>2022/2/23</a:t>
+              <a:t>2022/2/26</a:t>
             </a:fld>
             <a:endParaRPr lang="zh-TW" altLang="en-US"/>
           </a:p>
@@ -5964,7 +5971,7 @@
           <a:p>
             <a:fld id="{31CDE89B-FBD9-4E23-BEEB-B0C8819124B3}" type="datetimeFigureOut">
               <a:rPr lang="zh-TW" altLang="en-US" smtClean="0"/>
-              <a:t>2022/2/23</a:t>
+              <a:t>2022/2/26</a:t>
             </a:fld>
             <a:endParaRPr lang="zh-TW" altLang="en-US"/>
           </a:p>
@@ -6189,7 +6196,7 @@
           <a:p>
             <a:fld id="{31CDE89B-FBD9-4E23-BEEB-B0C8819124B3}" type="datetimeFigureOut">
               <a:rPr lang="zh-TW" altLang="en-US" smtClean="0"/>
-              <a:t>2022/2/23</a:t>
+              <a:t>2022/2/26</a:t>
             </a:fld>
             <a:endParaRPr lang="zh-TW" altLang="en-US"/>
           </a:p>
@@ -8052,13 +8059,16 @@
             </a:r>
             <a:r>
               <a:rPr lang="zh-TW" altLang="en-US" dirty="0"/>
-              <a:t> </a:t>
+              <a:t> 控制項與伺服器</a:t>
             </a:r>
             <a:r>
               <a:rPr lang="zh-TW" altLang="en-US" dirty="0" smtClean="0"/>
-              <a:t>控制項與伺服器端資料處理練習</a:t>
-            </a:r>
-            <a:endParaRPr lang="zh-TW" altLang="en-US" dirty="0"/>
+              <a:t>端畫面處理</a:t>
+            </a:r>
+            <a:r>
+              <a:rPr lang="zh-TW" altLang="en-US" dirty="0"/>
+              <a:t>練習</a:t>
+            </a:r>
           </a:p>
         </p:txBody>
       </p:sp>
@@ -8078,14 +8088,16 @@
           <a:lstStyle/>
           <a:p>
             <a:r>
-              <a:rPr lang="zh-TW" altLang="en-US" dirty="0" smtClean="0"/>
-              <a:t>兩數字計算</a:t>
-            </a:r>
-            <a:endParaRPr lang="en-US" altLang="zh-TW" dirty="0" smtClean="0"/>
-          </a:p>
-          <a:p>
-            <a:pPr lvl="1"/>
-            <a:endParaRPr lang="en-US" altLang="zh-TW" dirty="0" smtClean="0"/>
+              <a:rPr lang="zh-TW" altLang="en-US" dirty="0"/>
+              <a:t>按顏色交換按鈕，變換三個連結顏色</a:t>
+            </a:r>
+            <a:endParaRPr lang="en-US" altLang="zh-TW" dirty="0"/>
+          </a:p>
+          <a:p>
+            <a:pPr marL="0" indent="0">
+              <a:buNone/>
+            </a:pPr>
+            <a:endParaRPr lang="en-US" altLang="zh-TW" dirty="0"/>
           </a:p>
         </p:txBody>
       </p:sp>
@@ -8111,97 +8123,8 @@
         </p:blipFill>
         <p:spPr>
           <a:xfrm>
-            <a:off x="1409021" y="2576832"/>
-            <a:ext cx="5194002" cy="775224"/>
-          </a:xfrm>
-          <a:prstGeom prst="rect">
-            <a:avLst/>
-          </a:prstGeom>
-        </p:spPr>
-      </p:pic>
-      <p:pic>
-        <p:nvPicPr>
-          <p:cNvPr id="5" name="圖片 4" descr="畫面剪輯"/>
-          <p:cNvPicPr>
-            <a:picLocks noChangeAspect="1"/>
-          </p:cNvPicPr>
-          <p:nvPr/>
-        </p:nvPicPr>
-        <p:blipFill>
-          <a:blip r:embed="rId3">
-            <a:extLst>
-              <a:ext uri="{28A0092B-C50C-407E-A947-70E740481C1C}">
-                <a14:useLocalDpi xmlns:a14="http://schemas.microsoft.com/office/drawing/2010/main" val="0"/>
-              </a:ext>
-            </a:extLst>
-          </a:blip>
-          <a:stretch>
-            <a:fillRect/>
-          </a:stretch>
-        </p:blipFill>
-        <p:spPr>
-          <a:xfrm>
-            <a:off x="1409021" y="3352056"/>
-            <a:ext cx="5026948" cy="784424"/>
-          </a:xfrm>
-          <a:prstGeom prst="rect">
-            <a:avLst/>
-          </a:prstGeom>
-        </p:spPr>
-      </p:pic>
-      <p:pic>
-        <p:nvPicPr>
-          <p:cNvPr id="6" name="圖片 5" descr="畫面剪輯"/>
-          <p:cNvPicPr>
-            <a:picLocks noChangeAspect="1"/>
-          </p:cNvPicPr>
-          <p:nvPr/>
-        </p:nvPicPr>
-        <p:blipFill rotWithShape="1">
-          <a:blip r:embed="rId4">
-            <a:extLst>
-              <a:ext uri="{28A0092B-C50C-407E-A947-70E740481C1C}">
-                <a14:useLocalDpi xmlns:a14="http://schemas.microsoft.com/office/drawing/2010/main" val="0"/>
-              </a:ext>
-            </a:extLst>
-          </a:blip>
-          <a:srcRect t="2831"/>
-          <a:stretch/>
-        </p:blipFill>
-        <p:spPr>
-          <a:xfrm>
-            <a:off x="1409021" y="4158762"/>
-            <a:ext cx="5255548" cy="764941"/>
-          </a:xfrm>
-          <a:prstGeom prst="rect">
-            <a:avLst/>
-          </a:prstGeom>
-        </p:spPr>
-      </p:pic>
-      <p:pic>
-        <p:nvPicPr>
-          <p:cNvPr id="7" name="圖片 6" descr="畫面剪輯"/>
-          <p:cNvPicPr>
-            <a:picLocks noChangeAspect="1"/>
-          </p:cNvPicPr>
-          <p:nvPr/>
-        </p:nvPicPr>
-        <p:blipFill>
-          <a:blip r:embed="rId5">
-            <a:extLst>
-              <a:ext uri="{28A0092B-C50C-407E-A947-70E740481C1C}">
-                <a14:useLocalDpi xmlns:a14="http://schemas.microsoft.com/office/drawing/2010/main" val="0"/>
-              </a:ext>
-            </a:extLst>
-          </a:blip>
-          <a:stretch>
-            <a:fillRect/>
-          </a:stretch>
-        </p:blipFill>
-        <p:spPr>
-          <a:xfrm>
-            <a:off x="1409021" y="4943186"/>
-            <a:ext cx="5528110" cy="789729"/>
+            <a:off x="1320510" y="2414805"/>
+            <a:ext cx="3664729" cy="3219213"/>
           </a:xfrm>
           <a:prstGeom prst="rect">
             <a:avLst/>
@@ -8211,7 +8134,7 @@
     </p:spTree>
     <p:extLst>
       <p:ext uri="{BB962C8B-B14F-4D97-AF65-F5344CB8AC3E}">
-        <p14:creationId xmlns:p14="http://schemas.microsoft.com/office/powerpoint/2010/main" val="3955144411"/>
+        <p14:creationId xmlns:p14="http://schemas.microsoft.com/office/powerpoint/2010/main" val="4167585289"/>
       </p:ext>
     </p:extLst>
   </p:cSld>
@@ -8267,55 +8190,24 @@
           <a:p>
             <a:r>
               <a:rPr lang="en-US" altLang="zh-TW" dirty="0"/>
-              <a:t>Web Form </a:t>
+              <a:t>Web</a:t>
             </a:r>
             <a:r>
               <a:rPr lang="zh-TW" altLang="en-US" dirty="0"/>
-              <a:t>常用的 </a:t>
-            </a:r>
-            <a:r>
-              <a:rPr lang="en-US" altLang="zh-TW" dirty="0"/>
-              <a:t>Web</a:t>
-            </a:r>
-            <a:r>
-              <a:rPr lang="zh-TW" altLang="en-US" dirty="0"/>
-              <a:t> </a:t>
-            </a:r>
-            <a:r>
-              <a:rPr lang="zh-TW" altLang="en-US" dirty="0" smtClean="0"/>
-              <a:t>控制項</a:t>
-            </a:r>
-            <a:r>
-              <a:rPr lang="zh-TW" altLang="en-US" dirty="0"/>
-              <a:t>對照</a:t>
-            </a:r>
-            <a:r>
-              <a:rPr lang="en-US" altLang="zh-TW" dirty="0" smtClean="0"/>
-              <a:t>HTML</a:t>
-            </a:r>
-            <a:r>
-              <a:rPr lang="zh-TW" altLang="en-US" dirty="0" smtClean="0"/>
-              <a:t> </a:t>
-            </a:r>
-            <a:r>
-              <a:rPr lang="en-US" altLang="zh-TW" dirty="0"/>
-              <a:t>T</a:t>
-            </a:r>
-            <a:r>
-              <a:rPr lang="en-US" altLang="zh-TW" dirty="0" smtClean="0"/>
-              <a:t>ag</a:t>
-            </a:r>
-            <a:endParaRPr lang="zh-TW" altLang="en-US" dirty="0"/>
+              <a:t> 控制項與伺服器端畫面處理練習</a:t>
+            </a:r>
           </a:p>
         </p:txBody>
       </p:sp>
       <p:pic>
         <p:nvPicPr>
-          <p:cNvPr id="4" name="圖片 3" descr="畫面剪輯"/>
+          <p:cNvPr id="6" name="內容版面配置區 5" descr="畫面剪輯"/>
           <p:cNvPicPr>
-            <a:picLocks noChangeAspect="1"/>
+            <a:picLocks noGrp="1" noChangeAspect="1"/>
           </p:cNvPicPr>
-          <p:nvPr/>
+          <p:nvPr>
+            <p:ph idx="1"/>
+          </p:nvPr>
         </p:nvPicPr>
         <p:blipFill>
           <a:blip r:embed="rId2">
@@ -8331,110 +8223,15 @@
         </p:blipFill>
         <p:spPr>
           <a:xfrm>
-            <a:off x="711232" y="1757488"/>
-            <a:ext cx="10669489" cy="3448531"/>
+            <a:off x="729797" y="2365132"/>
+            <a:ext cx="10632360" cy="2784420"/>
           </a:xfrm>
-          <a:prstGeom prst="rect">
-            <a:avLst/>
-          </a:prstGeom>
         </p:spPr>
       </p:pic>
-      <p:sp>
-        <p:nvSpPr>
-          <p:cNvPr id="5" name="矩形 4"/>
-          <p:cNvSpPr/>
-          <p:nvPr/>
-        </p:nvSpPr>
-        <p:spPr>
-          <a:xfrm>
-            <a:off x="6796452" y="3341078"/>
-            <a:ext cx="4360985" cy="1178168"/>
-          </a:xfrm>
-          <a:prstGeom prst="rect">
-            <a:avLst/>
-          </a:prstGeom>
-          <a:noFill/>
-          <a:ln w="28575">
-            <a:solidFill>
-              <a:srgbClr val="FF0000"/>
-            </a:solidFill>
-          </a:ln>
-        </p:spPr>
-        <p:style>
-          <a:lnRef idx="2">
-            <a:schemeClr val="accent1">
-              <a:shade val="50000"/>
-            </a:schemeClr>
-          </a:lnRef>
-          <a:fillRef idx="1">
-            <a:schemeClr val="accent1"/>
-          </a:fillRef>
-          <a:effectRef idx="0">
-            <a:schemeClr val="accent1"/>
-          </a:effectRef>
-          <a:fontRef idx="minor">
-            <a:schemeClr val="lt1"/>
-          </a:fontRef>
-        </p:style>
-        <p:txBody>
-          <a:bodyPr rtlCol="0" anchor="ctr"/>
-          <a:lstStyle/>
-          <a:p>
-            <a:pPr algn="ctr"/>
-            <a:endParaRPr lang="zh-TW" altLang="en-US"/>
-          </a:p>
-        </p:txBody>
-      </p:sp>
-      <p:sp>
-        <p:nvSpPr>
-          <p:cNvPr id="6" name="矩形 5"/>
-          <p:cNvSpPr/>
-          <p:nvPr/>
-        </p:nvSpPr>
-        <p:spPr>
-          <a:xfrm>
-            <a:off x="711231" y="1757489"/>
-            <a:ext cx="4696037" cy="572474"/>
-          </a:xfrm>
-          <a:prstGeom prst="rect">
-            <a:avLst/>
-          </a:prstGeom>
-          <a:noFill/>
-          <a:ln w="28575">
-            <a:solidFill>
-              <a:srgbClr val="FF0000"/>
-            </a:solidFill>
-          </a:ln>
-        </p:spPr>
-        <p:style>
-          <a:lnRef idx="2">
-            <a:schemeClr val="accent1">
-              <a:shade val="50000"/>
-            </a:schemeClr>
-          </a:lnRef>
-          <a:fillRef idx="1">
-            <a:schemeClr val="accent1"/>
-          </a:fillRef>
-          <a:effectRef idx="0">
-            <a:schemeClr val="accent1"/>
-          </a:effectRef>
-          <a:fontRef idx="minor">
-            <a:schemeClr val="lt1"/>
-          </a:fontRef>
-        </p:style>
-        <p:txBody>
-          <a:bodyPr rtlCol="0" anchor="ctr"/>
-          <a:lstStyle/>
-          <a:p>
-            <a:pPr algn="ctr"/>
-            <a:endParaRPr lang="zh-TW" altLang="en-US"/>
-          </a:p>
-        </p:txBody>
-      </p:sp>
     </p:spTree>
     <p:extLst>
       <p:ext uri="{BB962C8B-B14F-4D97-AF65-F5344CB8AC3E}">
-        <p14:creationId xmlns:p14="http://schemas.microsoft.com/office/powerpoint/2010/main" val="2307253702"/>
+        <p14:creationId xmlns:p14="http://schemas.microsoft.com/office/powerpoint/2010/main" val="984346205"/>
       </p:ext>
     </p:extLst>
   </p:cSld>
@@ -8453,6 +8250,13 @@
       </p:transition>
     </mc:Fallback>
   </mc:AlternateContent>
+  <p:timing>
+    <p:tnLst>
+      <p:par>
+        <p:cTn id="1" dur="indefinite" restart="never" nodeType="tmRoot"/>
+      </p:par>
+    </p:tnLst>
+  </p:timing>
 </p:sld>
 </file>
 
@@ -8489,79 +8293,25 @@
           <a:lstStyle/>
           <a:p>
             <a:r>
+              <a:rPr lang="en-US" altLang="zh-TW" dirty="0"/>
+              <a:t>Web</a:t>
+            </a:r>
+            <a:r>
               <a:rPr lang="zh-TW" altLang="en-US" dirty="0"/>
-              <a:t>伺服器取得</a:t>
-            </a:r>
-            <a:r>
-              <a:rPr lang="en-US" altLang="zh-TW" dirty="0"/>
-              <a:t>HTML Tag </a:t>
-            </a:r>
-            <a:r>
-              <a:rPr lang="zh-TW" altLang="en-US" dirty="0"/>
-              <a:t>資料</a:t>
-            </a:r>
-          </a:p>
-        </p:txBody>
-      </p:sp>
-      <p:sp>
-        <p:nvSpPr>
-          <p:cNvPr id="3" name="內容版面配置區 2"/>
-          <p:cNvSpPr>
-            <a:spLocks noGrp="1"/>
-          </p:cNvSpPr>
+              <a:t> 控制項與伺服器端畫面處理練習</a:t>
+            </a:r>
+          </a:p>
+        </p:txBody>
+      </p:sp>
+      <p:pic>
+        <p:nvPicPr>
+          <p:cNvPr id="4" name="內容版面配置區 3" descr="畫面剪輯"/>
+          <p:cNvPicPr>
+            <a:picLocks noGrp="1" noChangeAspect="1"/>
+          </p:cNvPicPr>
           <p:nvPr>
             <p:ph idx="1"/>
           </p:nvPr>
-        </p:nvSpPr>
-        <p:spPr/>
-        <p:txBody>
-          <a:bodyPr/>
-          <a:lstStyle/>
-          <a:p>
-            <a:r>
-              <a:rPr lang="en-US" altLang="zh-TW" dirty="0" err="1"/>
-              <a:t>runat</a:t>
-            </a:r>
-            <a:r>
-              <a:rPr lang="en-US" altLang="zh-TW" dirty="0"/>
-              <a:t>="</a:t>
-            </a:r>
-            <a:r>
-              <a:rPr lang="en-US" altLang="zh-TW" dirty="0" smtClean="0"/>
-              <a:t>server“</a:t>
-            </a:r>
-          </a:p>
-          <a:p>
-            <a:endParaRPr lang="en-US" altLang="zh-TW" dirty="0"/>
-          </a:p>
-          <a:p>
-            <a:r>
-              <a:rPr lang="zh-TW" altLang="en-US" dirty="0" smtClean="0"/>
-              <a:t>練習</a:t>
-            </a:r>
-            <a:r>
-              <a:rPr lang="zh-TW" altLang="en-US" dirty="0"/>
-              <a:t>改變</a:t>
-            </a:r>
-            <a:r>
-              <a:rPr lang="en-US" altLang="zh-TW" dirty="0"/>
-              <a:t>P</a:t>
-            </a:r>
-            <a:r>
-              <a:rPr lang="zh-TW" altLang="en-US" dirty="0" smtClean="0"/>
-              <a:t>標籤的文字內容</a:t>
-            </a:r>
-            <a:endParaRPr lang="zh-TW" altLang="en-US" dirty="0"/>
-          </a:p>
-        </p:txBody>
-      </p:sp>
-      <p:pic>
-        <p:nvPicPr>
-          <p:cNvPr id="4" name="圖片 3" descr="畫面剪輯"/>
-          <p:cNvPicPr>
-            <a:picLocks noChangeAspect="1"/>
-          </p:cNvPicPr>
-          <p:nvPr/>
         </p:nvPicPr>
         <p:blipFill>
           <a:blip r:embed="rId2">
@@ -8577,64 +8327,15 @@
         </p:blipFill>
         <p:spPr>
           <a:xfrm>
-            <a:off x="1223930" y="3292504"/>
-            <a:ext cx="9402487" cy="3086531"/>
+            <a:off x="1902040" y="2107153"/>
+            <a:ext cx="8287907" cy="3629532"/>
           </a:xfrm>
-          <a:prstGeom prst="rect">
-            <a:avLst/>
-          </a:prstGeom>
         </p:spPr>
       </p:pic>
-      <p:sp>
-        <p:nvSpPr>
-          <p:cNvPr id="5" name="矩形 4"/>
-          <p:cNvSpPr/>
-          <p:nvPr/>
-        </p:nvSpPr>
-        <p:spPr>
-          <a:xfrm>
-            <a:off x="2268416" y="5380892"/>
-            <a:ext cx="2365131" cy="246185"/>
-          </a:xfrm>
-          <a:prstGeom prst="rect">
-            <a:avLst/>
-          </a:prstGeom>
-          <a:noFill/>
-          <a:ln w="28575">
-            <a:solidFill>
-              <a:srgbClr val="FF0000"/>
-            </a:solidFill>
-          </a:ln>
-        </p:spPr>
-        <p:style>
-          <a:lnRef idx="2">
-            <a:schemeClr val="accent1">
-              <a:shade val="50000"/>
-            </a:schemeClr>
-          </a:lnRef>
-          <a:fillRef idx="1">
-            <a:schemeClr val="accent1"/>
-          </a:fillRef>
-          <a:effectRef idx="0">
-            <a:schemeClr val="accent1"/>
-          </a:effectRef>
-          <a:fontRef idx="minor">
-            <a:schemeClr val="lt1"/>
-          </a:fontRef>
-        </p:style>
-        <p:txBody>
-          <a:bodyPr rtlCol="0" anchor="ctr"/>
-          <a:lstStyle/>
-          <a:p>
-            <a:pPr algn="ctr"/>
-            <a:endParaRPr lang="zh-TW" altLang="en-US"/>
-          </a:p>
-        </p:txBody>
-      </p:sp>
     </p:spTree>
     <p:extLst>
       <p:ext uri="{BB962C8B-B14F-4D97-AF65-F5344CB8AC3E}">
-        <p14:creationId xmlns:p14="http://schemas.microsoft.com/office/powerpoint/2010/main" val="3427915209"/>
+        <p14:creationId xmlns:p14="http://schemas.microsoft.com/office/powerpoint/2010/main" val="3387275474"/>
       </p:ext>
     </p:extLst>
   </p:cSld>
@@ -8703,15 +8404,65 @@
           </a:p>
         </p:txBody>
       </p:sp>
-      <p:pic>
-        <p:nvPicPr>
-          <p:cNvPr id="4" name="內容版面配置區 3" descr="畫面剪輯"/>
-          <p:cNvPicPr>
-            <a:picLocks noGrp="1" noChangeAspect="1"/>
-          </p:cNvPicPr>
+      <p:sp>
+        <p:nvSpPr>
+          <p:cNvPr id="3" name="內容版面配置區 2"/>
+          <p:cNvSpPr>
+            <a:spLocks noGrp="1"/>
+          </p:cNvSpPr>
           <p:nvPr>
             <p:ph idx="1"/>
           </p:nvPr>
+        </p:nvSpPr>
+        <p:spPr/>
+        <p:txBody>
+          <a:bodyPr/>
+          <a:lstStyle/>
+          <a:p>
+            <a:r>
+              <a:rPr lang="en-US" altLang="zh-TW" dirty="0" err="1"/>
+              <a:t>runat</a:t>
+            </a:r>
+            <a:r>
+              <a:rPr lang="en-US" altLang="zh-TW" dirty="0"/>
+              <a:t>="</a:t>
+            </a:r>
+            <a:r>
+              <a:rPr lang="en-US" altLang="zh-TW" dirty="0" smtClean="0"/>
+              <a:t>server“</a:t>
+            </a:r>
+          </a:p>
+          <a:p>
+            <a:endParaRPr lang="en-US" altLang="zh-TW" dirty="0"/>
+          </a:p>
+          <a:p>
+            <a:r>
+              <a:rPr lang="zh-TW" altLang="en-US" dirty="0" smtClean="0"/>
+              <a:t>練習</a:t>
+            </a:r>
+            <a:r>
+              <a:rPr lang="zh-TW" altLang="en-US" dirty="0"/>
+              <a:t>改變</a:t>
+            </a:r>
+            <a:r>
+              <a:rPr lang="en-US" altLang="zh-TW" dirty="0"/>
+              <a:t>P</a:t>
+            </a:r>
+            <a:r>
+              <a:rPr lang="zh-TW" altLang="en-US" dirty="0" smtClean="0"/>
+              <a:t>標籤的文字內容</a:t>
+            </a:r>
+            <a:endParaRPr lang="zh-TW" altLang="en-US" dirty="0"/>
+          </a:p>
+        </p:txBody>
+      </p:sp>
+      <p:pic>
+        <p:nvPicPr>
+          <p:cNvPr id="4" name="圖片 3" descr="畫面剪輯"/>
+          <p:cNvPicPr>
+            <a:picLocks noChangeAspect="1"/>
+          </p:cNvPicPr>
+          <p:nvPr/>
         </p:nvPicPr>
         <p:blipFill>
           <a:blip r:embed="rId2">
@@ -8727,9 +8478,12 @@
         </p:blipFill>
         <p:spPr>
           <a:xfrm>
-            <a:off x="1223930" y="2240881"/>
-            <a:ext cx="5363323" cy="3467584"/>
+            <a:off x="1223930" y="3292504"/>
+            <a:ext cx="9402487" cy="3086531"/>
           </a:xfrm>
+          <a:prstGeom prst="rect">
+            <a:avLst/>
+          </a:prstGeom>
         </p:spPr>
       </p:pic>
       <p:sp>
@@ -8740,8 +8494,8 @@
         </p:nvSpPr>
         <p:spPr>
           <a:xfrm>
-            <a:off x="2589861" y="4853354"/>
-            <a:ext cx="1943100" cy="246185"/>
+            <a:off x="2268416" y="5380892"/>
+            <a:ext cx="2365131" cy="246185"/>
           </a:xfrm>
           <a:prstGeom prst="rect">
             <a:avLst/>
@@ -8781,7 +8535,7 @@
     </p:spTree>
     <p:extLst>
       <p:ext uri="{BB962C8B-B14F-4D97-AF65-F5344CB8AC3E}">
-        <p14:creationId xmlns:p14="http://schemas.microsoft.com/office/powerpoint/2010/main" val="3662314412"/>
+        <p14:creationId xmlns:p14="http://schemas.microsoft.com/office/powerpoint/2010/main" val="3427915209"/>
       </p:ext>
     </p:extLst>
   </p:cSld>
@@ -8836,120 +8590,99 @@
           <a:lstStyle/>
           <a:p>
             <a:r>
+              <a:rPr lang="zh-TW" altLang="en-US" dirty="0"/>
+              <a:t>伺服器取得</a:t>
+            </a:r>
+            <a:r>
               <a:rPr lang="en-US" altLang="zh-TW" dirty="0"/>
-              <a:t>ASP.NET Page </a:t>
-            </a:r>
-            <a:r>
-              <a:rPr lang="en-US" altLang="zh-TW" dirty="0" smtClean="0"/>
-              <a:t>Life Cycle</a:t>
-            </a:r>
-            <a:endParaRPr lang="zh-TW" altLang="en-US" dirty="0"/>
-          </a:p>
-        </p:txBody>
-      </p:sp>
-      <p:sp>
-        <p:nvSpPr>
-          <p:cNvPr id="3" name="內容版面配置區 2"/>
-          <p:cNvSpPr>
-            <a:spLocks noGrp="1"/>
-          </p:cNvSpPr>
+              <a:t>HTML Tag </a:t>
+            </a:r>
+            <a:r>
+              <a:rPr lang="zh-TW" altLang="en-US" dirty="0"/>
+              <a:t>資料</a:t>
+            </a:r>
+          </a:p>
+        </p:txBody>
+      </p:sp>
+      <p:pic>
+        <p:nvPicPr>
+          <p:cNvPr id="4" name="內容版面配置區 3" descr="畫面剪輯"/>
+          <p:cNvPicPr>
+            <a:picLocks noGrp="1" noChangeAspect="1"/>
+          </p:cNvPicPr>
           <p:nvPr>
             <p:ph idx="1"/>
           </p:nvPr>
-        </p:nvSpPr>
-        <p:spPr/>
-        <p:txBody>
-          <a:bodyPr/>
-          <a:lstStyle/>
-          <a:p>
-            <a:pPr algn="just"/>
-            <a:r>
-              <a:rPr lang="zh-TW" altLang="en-US" dirty="0"/>
-              <a:t>當 </a:t>
-            </a:r>
-            <a:r>
-              <a:rPr lang="en-US" altLang="zh-TW" dirty="0"/>
-              <a:t>ASP.NET </a:t>
-            </a:r>
-            <a:r>
-              <a:rPr lang="zh-TW" altLang="en-US" dirty="0"/>
-              <a:t>頁面運行時，頁面會經歷一個生命週期，</a:t>
-            </a:r>
-            <a:r>
-              <a:rPr lang="zh-TW" altLang="en-US" dirty="0">
-                <a:solidFill>
-                  <a:srgbClr val="FF0000"/>
-                </a:solidFill>
-              </a:rPr>
-              <a:t>在該生命週期中它會執行一系列處理步驟</a:t>
-            </a:r>
-            <a:r>
-              <a:rPr lang="zh-TW" altLang="en-US" dirty="0" smtClean="0"/>
-              <a:t>。</a:t>
-            </a:r>
-            <a:endParaRPr lang="en-US" altLang="zh-TW" dirty="0" smtClean="0"/>
-          </a:p>
-          <a:p>
-            <a:pPr algn="just"/>
-            <a:endParaRPr lang="en-US" altLang="zh-TW" dirty="0" smtClean="0"/>
-          </a:p>
-          <a:p>
-            <a:pPr algn="just"/>
-            <a:r>
-              <a:rPr lang="zh-TW" altLang="en-US" dirty="0" smtClean="0"/>
-              <a:t>生命週期</a:t>
-            </a:r>
-            <a:r>
-              <a:rPr lang="zh-TW" altLang="en-US" dirty="0"/>
-              <a:t>處理步驟</a:t>
-            </a:r>
-            <a:r>
-              <a:rPr lang="zh-TW" altLang="en-US" dirty="0" smtClean="0"/>
-              <a:t>包括</a:t>
-            </a:r>
-            <a:r>
-              <a:rPr lang="zh-TW" altLang="en-US" dirty="0"/>
-              <a:t>初始化、實例化控件、恢復和維護狀態、運行事件處理程序代碼和呈現</a:t>
-            </a:r>
-            <a:r>
-              <a:rPr lang="zh-TW" altLang="en-US" dirty="0" smtClean="0"/>
-              <a:t>。</a:t>
-            </a:r>
-            <a:endParaRPr lang="en-US" altLang="zh-TW" dirty="0" smtClean="0"/>
-          </a:p>
-          <a:p>
-            <a:pPr algn="just"/>
-            <a:endParaRPr lang="en-US" altLang="zh-TW" dirty="0" smtClean="0"/>
-          </a:p>
-          <a:p>
-            <a:pPr algn="just"/>
-            <a:r>
-              <a:rPr lang="zh-TW" altLang="en-US" dirty="0" smtClean="0"/>
-              <a:t>了解</a:t>
-            </a:r>
-            <a:r>
-              <a:rPr lang="zh-TW" altLang="en-US" dirty="0"/>
-              <a:t>頁面生命週期對您來說很重要，這樣您就可以在</a:t>
-            </a:r>
-            <a:r>
-              <a:rPr lang="zh-TW" altLang="en-US" dirty="0">
-                <a:solidFill>
-                  <a:srgbClr val="FF0000"/>
-                </a:solidFill>
-              </a:rPr>
-              <a:t>適當的生命週期階段編寫代碼以獲得您想要的效果</a:t>
-            </a:r>
-            <a:r>
-              <a:rPr lang="zh-TW" altLang="en-US" dirty="0"/>
-              <a:t>。</a:t>
-            </a:r>
+        </p:nvPicPr>
+        <p:blipFill>
+          <a:blip r:embed="rId2">
+            <a:extLst>
+              <a:ext uri="{28A0092B-C50C-407E-A947-70E740481C1C}">
+                <a14:useLocalDpi xmlns:a14="http://schemas.microsoft.com/office/drawing/2010/main" val="0"/>
+              </a:ext>
+            </a:extLst>
+          </a:blip>
+          <a:stretch>
+            <a:fillRect/>
+          </a:stretch>
+        </p:blipFill>
+        <p:spPr>
+          <a:xfrm>
+            <a:off x="1223930" y="2240881"/>
+            <a:ext cx="5363323" cy="3467584"/>
+          </a:xfrm>
+        </p:spPr>
+      </p:pic>
+      <p:sp>
+        <p:nvSpPr>
+          <p:cNvPr id="5" name="矩形 4"/>
+          <p:cNvSpPr/>
+          <p:nvPr/>
+        </p:nvSpPr>
+        <p:spPr>
+          <a:xfrm>
+            <a:off x="2589861" y="4853354"/>
+            <a:ext cx="1943100" cy="246185"/>
+          </a:xfrm>
+          <a:prstGeom prst="rect">
+            <a:avLst/>
+          </a:prstGeom>
+          <a:noFill/>
+          <a:ln w="28575">
+            <a:solidFill>
+              <a:srgbClr val="FF0000"/>
+            </a:solidFill>
+          </a:ln>
+        </p:spPr>
+        <p:style>
+          <a:lnRef idx="2">
+            <a:schemeClr val="accent1">
+              <a:shade val="50000"/>
+            </a:schemeClr>
+          </a:lnRef>
+          <a:fillRef idx="1">
+            <a:schemeClr val="accent1"/>
+          </a:fillRef>
+          <a:effectRef idx="0">
+            <a:schemeClr val="accent1"/>
+          </a:effectRef>
+          <a:fontRef idx="minor">
+            <a:schemeClr val="lt1"/>
+          </a:fontRef>
+        </p:style>
+        <p:txBody>
+          <a:bodyPr rtlCol="0" anchor="ctr"/>
+          <a:lstStyle/>
+          <a:p>
+            <a:pPr algn="ctr"/>
+            <a:endParaRPr lang="zh-TW" altLang="en-US"/>
           </a:p>
         </p:txBody>
       </p:sp>
     </p:spTree>
     <p:extLst>
       <p:ext uri="{BB962C8B-B14F-4D97-AF65-F5344CB8AC3E}">
-        <p14:creationId xmlns:p14="http://schemas.microsoft.com/office/powerpoint/2010/main" val="2501683790"/>
+        <p14:creationId xmlns:p14="http://schemas.microsoft.com/office/powerpoint/2010/main" val="3662314412"/>
       </p:ext>
     </p:extLst>
   </p:cSld>
@@ -9004,20 +8737,12 @@
           <a:lstStyle/>
           <a:p>
             <a:r>
+              <a:rPr lang="en-US" altLang="zh-TW" dirty="0"/>
+              <a:t>ASP.NET Page </a:t>
+            </a:r>
+            <a:r>
               <a:rPr lang="en-US" altLang="zh-TW" dirty="0" smtClean="0"/>
-              <a:t>Life</a:t>
-            </a:r>
-            <a:r>
-              <a:rPr lang="zh-TW" altLang="en-US" dirty="0" smtClean="0"/>
-              <a:t> </a:t>
-            </a:r>
-            <a:r>
-              <a:rPr lang="en-US" altLang="zh-TW" dirty="0" smtClean="0"/>
-              <a:t>Cycle </a:t>
-            </a:r>
-            <a:r>
-              <a:rPr lang="en-US" altLang="zh-TW" dirty="0"/>
-              <a:t>Events</a:t>
+              <a:t>Life Cycle</a:t>
             </a:r>
             <a:endParaRPr lang="zh-TW" altLang="en-US" dirty="0"/>
           </a:p>
@@ -9035,99 +8760,97 @@
         </p:nvSpPr>
         <p:spPr/>
         <p:txBody>
-          <a:bodyPr>
-            <a:normAutofit fontScale="92500" lnSpcReduction="20000"/>
-          </a:bodyPr>
-          <a:lstStyle/>
-          <a:p>
-            <a:r>
-              <a:rPr lang="en-US" altLang="zh-TW" dirty="0" err="1" smtClean="0"/>
-              <a:t>PreInit</a:t>
+          <a:bodyPr/>
+          <a:lstStyle/>
+          <a:p>
+            <a:pPr algn="just"/>
+            <a:r>
+              <a:rPr lang="zh-TW" altLang="en-US" dirty="0"/>
+              <a:t>當 </a:t>
+            </a:r>
+            <a:r>
+              <a:rPr lang="en-US" altLang="zh-TW" dirty="0"/>
+              <a:t>ASP.NET </a:t>
+            </a:r>
+            <a:r>
+              <a:rPr lang="zh-TW" altLang="en-US" dirty="0"/>
+              <a:t>頁面運行時，頁面會經歷一個生命週期，</a:t>
+            </a:r>
+            <a:r>
+              <a:rPr lang="zh-TW" altLang="en-US" dirty="0">
+                <a:solidFill>
+                  <a:srgbClr val="FF0000"/>
+                </a:solidFill>
+              </a:rPr>
+              <a:t>在該生命週期中它會執行一系列處理步驟</a:t>
+            </a:r>
+            <a:r>
+              <a:rPr lang="zh-TW" altLang="en-US" dirty="0" smtClean="0"/>
+              <a:t>。</a:t>
             </a:r>
             <a:endParaRPr lang="en-US" altLang="zh-TW" dirty="0" smtClean="0"/>
           </a:p>
           <a:p>
-            <a:r>
-              <a:rPr lang="en-US" altLang="zh-TW" dirty="0" err="1" smtClean="0"/>
-              <a:t>Init</a:t>
-            </a:r>
+            <a:pPr algn="just"/>
             <a:endParaRPr lang="en-US" altLang="zh-TW" dirty="0" smtClean="0"/>
           </a:p>
           <a:p>
-            <a:r>
-              <a:rPr lang="en-US" altLang="zh-TW" dirty="0" err="1" smtClean="0"/>
-              <a:t>initComplete</a:t>
+            <a:pPr algn="just"/>
+            <a:r>
+              <a:rPr lang="zh-TW" altLang="en-US" dirty="0" smtClean="0"/>
+              <a:t>生命週期</a:t>
+            </a:r>
+            <a:r>
+              <a:rPr lang="zh-TW" altLang="en-US" dirty="0"/>
+              <a:t>處理步驟</a:t>
+            </a:r>
+            <a:r>
+              <a:rPr lang="zh-TW" altLang="en-US" dirty="0" smtClean="0"/>
+              <a:t>包括</a:t>
+            </a:r>
+            <a:r>
+              <a:rPr lang="zh-TW" altLang="en-US" dirty="0"/>
+              <a:t>初始化、實例化控件、恢復和維護狀態、運行事件處理程序代碼和呈現</a:t>
+            </a:r>
+            <a:r>
+              <a:rPr lang="zh-TW" altLang="en-US" dirty="0" smtClean="0"/>
+              <a:t>。</a:t>
             </a:r>
             <a:endParaRPr lang="en-US" altLang="zh-TW" dirty="0" smtClean="0"/>
           </a:p>
           <a:p>
-            <a:r>
-              <a:rPr lang="en-US" altLang="zh-TW" dirty="0" err="1" smtClean="0"/>
-              <a:t>PreLoad</a:t>
-            </a:r>
+            <a:pPr algn="just"/>
             <a:endParaRPr lang="en-US" altLang="zh-TW" dirty="0" smtClean="0"/>
           </a:p>
           <a:p>
-            <a:r>
-              <a:rPr lang="en-US" altLang="zh-TW" dirty="0" smtClean="0"/>
-              <a:t>Load</a:t>
-            </a:r>
-          </a:p>
-          <a:p>
-            <a:r>
-              <a:rPr lang="en-US" altLang="zh-TW" dirty="0" smtClean="0"/>
-              <a:t>Control events</a:t>
-            </a:r>
-          </a:p>
-          <a:p>
-            <a:r>
-              <a:rPr lang="en-US" altLang="zh-TW" dirty="0" err="1" smtClean="0"/>
-              <a:t>LoadComplete</a:t>
-            </a:r>
-            <a:endParaRPr lang="en-US" altLang="zh-TW" dirty="0" smtClean="0"/>
-          </a:p>
-          <a:p>
-            <a:r>
-              <a:rPr lang="en-US" altLang="zh-TW" dirty="0" err="1" smtClean="0"/>
-              <a:t>PreRender</a:t>
-            </a:r>
-            <a:endParaRPr lang="en-US" altLang="zh-TW" dirty="0" smtClean="0"/>
-          </a:p>
-          <a:p>
-            <a:r>
-              <a:rPr lang="en-US" altLang="zh-TW" dirty="0" err="1" smtClean="0"/>
-              <a:t>PreRenderComplete</a:t>
-            </a:r>
-            <a:endParaRPr lang="en-US" altLang="zh-TW" dirty="0" smtClean="0"/>
-          </a:p>
-          <a:p>
-            <a:r>
-              <a:rPr lang="en-US" altLang="zh-TW" dirty="0" err="1" smtClean="0"/>
-              <a:t>SaveStateComplete</a:t>
-            </a:r>
-            <a:endParaRPr lang="en-US" altLang="zh-TW" dirty="0"/>
-          </a:p>
-          <a:p>
-            <a:r>
-              <a:rPr lang="en-US" altLang="zh-TW" dirty="0" smtClean="0"/>
-              <a:t>Unload</a:t>
-            </a:r>
-          </a:p>
-          <a:p>
-            <a:endParaRPr lang="en-US" altLang="zh-TW" dirty="0" smtClean="0"/>
-          </a:p>
-          <a:p>
-            <a:endParaRPr lang="en-US" altLang="zh-TW" dirty="0" smtClean="0"/>
-          </a:p>
-          <a:p>
-            <a:endParaRPr lang="zh-TW" altLang="en-US" dirty="0"/>
+            <a:pPr algn="just"/>
+            <a:r>
+              <a:rPr lang="zh-TW" altLang="en-US" dirty="0" smtClean="0"/>
+              <a:t>了解</a:t>
+            </a:r>
+            <a:r>
+              <a:rPr lang="zh-TW" altLang="en-US" dirty="0"/>
+              <a:t>頁面生命週期對您來說很重要，這樣您就可以在</a:t>
+            </a:r>
+            <a:r>
+              <a:rPr lang="zh-TW" altLang="en-US" dirty="0">
+                <a:solidFill>
+                  <a:srgbClr val="FF0000"/>
+                </a:solidFill>
+              </a:rPr>
+              <a:t>適當的生命週期階段編寫代碼以獲得您想要的效果</a:t>
+            </a:r>
+            <a:r>
+              <a:rPr lang="zh-TW" altLang="en-US" dirty="0"/>
+              <a:t>。</a:t>
+            </a:r>
           </a:p>
         </p:txBody>
       </p:sp>
     </p:spTree>
     <p:extLst>
       <p:ext uri="{BB962C8B-B14F-4D97-AF65-F5344CB8AC3E}">
-        <p14:creationId xmlns:p14="http://schemas.microsoft.com/office/powerpoint/2010/main" val="2940974502"/>
+        <p14:creationId xmlns:p14="http://schemas.microsoft.com/office/powerpoint/2010/main" val="2501683790"/>
       </p:ext>
     </p:extLst>
   </p:cSld>
@@ -9146,6 +8869,13 @@
       </p:transition>
     </mc:Fallback>
   </mc:AlternateContent>
+  <p:timing>
+    <p:tnLst>
+      <p:par>
+        <p:cTn id="1" dur="indefinite" restart="never" nodeType="tmRoot"/>
+      </p:par>
+    </p:tnLst>
+  </p:timing>
 </p:sld>
 </file>
 
@@ -9321,6 +9051,184 @@
 </file>
 
 <file path=ppt/slides/slide20.xml><?xml version="1.0" encoding="utf-8"?>
+<p:sld xmlns:a="http://schemas.openxmlformats.org/drawingml/2006/main" xmlns:r="http://schemas.openxmlformats.org/officeDocument/2006/relationships" xmlns:p="http://schemas.openxmlformats.org/presentationml/2006/main">
+  <p:cSld>
+    <p:spTree>
+      <p:nvGrpSpPr>
+        <p:cNvPr id="1" name=""/>
+        <p:cNvGrpSpPr/>
+        <p:nvPr/>
+      </p:nvGrpSpPr>
+      <p:grpSpPr>
+        <a:xfrm>
+          <a:off x="0" y="0"/>
+          <a:ext cx="0" cy="0"/>
+          <a:chOff x="0" y="0"/>
+          <a:chExt cx="0" cy="0"/>
+        </a:xfrm>
+      </p:grpSpPr>
+      <p:sp>
+        <p:nvSpPr>
+          <p:cNvPr id="2" name="標題 1"/>
+          <p:cNvSpPr>
+            <a:spLocks noGrp="1"/>
+          </p:cNvSpPr>
+          <p:nvPr>
+            <p:ph type="title"/>
+          </p:nvPr>
+        </p:nvSpPr>
+        <p:spPr/>
+        <p:txBody>
+          <a:bodyPr/>
+          <a:lstStyle/>
+          <a:p>
+            <a:r>
+              <a:rPr lang="en-US" altLang="zh-TW" dirty="0" smtClean="0"/>
+              <a:t>Life</a:t>
+            </a:r>
+            <a:r>
+              <a:rPr lang="zh-TW" altLang="en-US" dirty="0" smtClean="0"/>
+              <a:t> </a:t>
+            </a:r>
+            <a:r>
+              <a:rPr lang="en-US" altLang="zh-TW" dirty="0" smtClean="0"/>
+              <a:t>Cycle </a:t>
+            </a:r>
+            <a:r>
+              <a:rPr lang="en-US" altLang="zh-TW" dirty="0"/>
+              <a:t>Events</a:t>
+            </a:r>
+            <a:endParaRPr lang="zh-TW" altLang="en-US" dirty="0"/>
+          </a:p>
+        </p:txBody>
+      </p:sp>
+      <p:sp>
+        <p:nvSpPr>
+          <p:cNvPr id="3" name="內容版面配置區 2"/>
+          <p:cNvSpPr>
+            <a:spLocks noGrp="1"/>
+          </p:cNvSpPr>
+          <p:nvPr>
+            <p:ph idx="1"/>
+          </p:nvPr>
+        </p:nvSpPr>
+        <p:spPr/>
+        <p:txBody>
+          <a:bodyPr>
+            <a:normAutofit fontScale="92500" lnSpcReduction="20000"/>
+          </a:bodyPr>
+          <a:lstStyle/>
+          <a:p>
+            <a:r>
+              <a:rPr lang="en-US" altLang="zh-TW" dirty="0" err="1" smtClean="0"/>
+              <a:t>PreInit</a:t>
+            </a:r>
+            <a:endParaRPr lang="en-US" altLang="zh-TW" dirty="0" smtClean="0"/>
+          </a:p>
+          <a:p>
+            <a:r>
+              <a:rPr lang="en-US" altLang="zh-TW" dirty="0" err="1" smtClean="0"/>
+              <a:t>Init</a:t>
+            </a:r>
+            <a:endParaRPr lang="en-US" altLang="zh-TW" dirty="0" smtClean="0"/>
+          </a:p>
+          <a:p>
+            <a:r>
+              <a:rPr lang="en-US" altLang="zh-TW" dirty="0" err="1" smtClean="0"/>
+              <a:t>initComplete</a:t>
+            </a:r>
+            <a:endParaRPr lang="en-US" altLang="zh-TW" dirty="0" smtClean="0"/>
+          </a:p>
+          <a:p>
+            <a:r>
+              <a:rPr lang="en-US" altLang="zh-TW" dirty="0" err="1" smtClean="0"/>
+              <a:t>PreLoad</a:t>
+            </a:r>
+            <a:endParaRPr lang="en-US" altLang="zh-TW" dirty="0" smtClean="0"/>
+          </a:p>
+          <a:p>
+            <a:r>
+              <a:rPr lang="en-US" altLang="zh-TW" dirty="0" smtClean="0"/>
+              <a:t>Load</a:t>
+            </a:r>
+          </a:p>
+          <a:p>
+            <a:r>
+              <a:rPr lang="en-US" altLang="zh-TW" dirty="0" smtClean="0"/>
+              <a:t>Control events</a:t>
+            </a:r>
+          </a:p>
+          <a:p>
+            <a:r>
+              <a:rPr lang="en-US" altLang="zh-TW" dirty="0" err="1" smtClean="0"/>
+              <a:t>LoadComplete</a:t>
+            </a:r>
+            <a:endParaRPr lang="en-US" altLang="zh-TW" dirty="0" smtClean="0"/>
+          </a:p>
+          <a:p>
+            <a:r>
+              <a:rPr lang="en-US" altLang="zh-TW" dirty="0" err="1" smtClean="0"/>
+              <a:t>PreRender</a:t>
+            </a:r>
+            <a:endParaRPr lang="en-US" altLang="zh-TW" dirty="0" smtClean="0"/>
+          </a:p>
+          <a:p>
+            <a:r>
+              <a:rPr lang="en-US" altLang="zh-TW" dirty="0" err="1" smtClean="0"/>
+              <a:t>PreRenderComplete</a:t>
+            </a:r>
+            <a:endParaRPr lang="en-US" altLang="zh-TW" dirty="0" smtClean="0"/>
+          </a:p>
+          <a:p>
+            <a:r>
+              <a:rPr lang="en-US" altLang="zh-TW" dirty="0" err="1" smtClean="0"/>
+              <a:t>SaveStateComplete</a:t>
+            </a:r>
+            <a:endParaRPr lang="en-US" altLang="zh-TW" dirty="0"/>
+          </a:p>
+          <a:p>
+            <a:r>
+              <a:rPr lang="en-US" altLang="zh-TW" dirty="0" smtClean="0"/>
+              <a:t>Unload</a:t>
+            </a:r>
+          </a:p>
+          <a:p>
+            <a:endParaRPr lang="en-US" altLang="zh-TW" dirty="0" smtClean="0"/>
+          </a:p>
+          <a:p>
+            <a:endParaRPr lang="en-US" altLang="zh-TW" dirty="0" smtClean="0"/>
+          </a:p>
+          <a:p>
+            <a:endParaRPr lang="zh-TW" altLang="en-US" dirty="0"/>
+          </a:p>
+        </p:txBody>
+      </p:sp>
+    </p:spTree>
+    <p:extLst>
+      <p:ext uri="{BB962C8B-B14F-4D97-AF65-F5344CB8AC3E}">
+        <p14:creationId xmlns:p14="http://schemas.microsoft.com/office/powerpoint/2010/main" val="2940974502"/>
+      </p:ext>
+    </p:extLst>
+  </p:cSld>
+  <p:clrMapOvr>
+    <a:masterClrMapping/>
+  </p:clrMapOvr>
+  <mc:AlternateContent xmlns:mc="http://schemas.openxmlformats.org/markup-compatibility/2006" xmlns:p14="http://schemas.microsoft.com/office/powerpoint/2010/main">
+    <mc:Choice Requires="p14">
+      <p:transition spd="slow" p14:dur="1500">
+        <p:random/>
+      </p:transition>
+    </mc:Choice>
+    <mc:Fallback xmlns="">
+      <p:transition spd="slow">
+        <p:random/>
+      </p:transition>
+    </mc:Fallback>
+  </mc:AlternateContent>
+</p:sld>
+</file>
+
+<file path=ppt/slides/slide21.xml><?xml version="1.0" encoding="utf-8"?>
 <p:sld xmlns:a="http://schemas.openxmlformats.org/drawingml/2006/main" xmlns:r="http://schemas.openxmlformats.org/officeDocument/2006/relationships" xmlns:p="http://schemas.openxmlformats.org/presentationml/2006/main">
   <p:cSld>
     <p:spTree>
@@ -9415,7 +9323,7 @@
 </p:sld>
 </file>
 
-<file path=ppt/slides/slide21.xml><?xml version="1.0" encoding="utf-8"?>
+<file path=ppt/slides/slide22.xml><?xml version="1.0" encoding="utf-8"?>
 <p:sld xmlns:a="http://schemas.openxmlformats.org/drawingml/2006/main" xmlns:r="http://schemas.openxmlformats.org/officeDocument/2006/relationships" xmlns:p="http://schemas.openxmlformats.org/presentationml/2006/main">
   <p:cSld>
     <p:spTree>
@@ -9510,7 +9418,7 @@
 </p:sld>
 </file>
 
-<file path=ppt/slides/slide22.xml><?xml version="1.0" encoding="utf-8"?>
+<file path=ppt/slides/slide23.xml><?xml version="1.0" encoding="utf-8"?>
 <p:sld xmlns:a="http://schemas.openxmlformats.org/drawingml/2006/main" xmlns:r="http://schemas.openxmlformats.org/officeDocument/2006/relationships" xmlns:p="http://schemas.openxmlformats.org/presentationml/2006/main">
   <p:cSld>
     <p:spTree>
@@ -9605,163 +9513,6 @@
 </p:sld>
 </file>
 
-<file path=ppt/slides/slide23.xml><?xml version="1.0" encoding="utf-8"?>
-<p:sld xmlns:a="http://schemas.openxmlformats.org/drawingml/2006/main" xmlns:r="http://schemas.openxmlformats.org/officeDocument/2006/relationships" xmlns:p="http://schemas.openxmlformats.org/presentationml/2006/main">
-  <p:cSld>
-    <p:spTree>
-      <p:nvGrpSpPr>
-        <p:cNvPr id="1" name=""/>
-        <p:cNvGrpSpPr/>
-        <p:nvPr/>
-      </p:nvGrpSpPr>
-      <p:grpSpPr>
-        <a:xfrm>
-          <a:off x="0" y="0"/>
-          <a:ext cx="0" cy="0"/>
-          <a:chOff x="0" y="0"/>
-          <a:chExt cx="0" cy="0"/>
-        </a:xfrm>
-      </p:grpSpPr>
-      <p:sp>
-        <p:nvSpPr>
-          <p:cNvPr id="2" name="標題 1"/>
-          <p:cNvSpPr>
-            <a:spLocks noGrp="1"/>
-          </p:cNvSpPr>
-          <p:nvPr>
-            <p:ph type="title"/>
-          </p:nvPr>
-        </p:nvSpPr>
-        <p:spPr/>
-        <p:txBody>
-          <a:bodyPr/>
-          <a:lstStyle/>
-          <a:p>
-            <a:r>
-              <a:rPr lang="en-US" altLang="zh-TW" dirty="0" err="1" smtClean="0"/>
-              <a:t>isPostback</a:t>
-            </a:r>
-            <a:endParaRPr lang="zh-TW" altLang="en-US" dirty="0"/>
-          </a:p>
-        </p:txBody>
-      </p:sp>
-      <p:sp>
-        <p:nvSpPr>
-          <p:cNvPr id="3" name="內容版面配置區 2"/>
-          <p:cNvSpPr>
-            <a:spLocks noGrp="1"/>
-          </p:cNvSpPr>
-          <p:nvPr>
-            <p:ph idx="1"/>
-          </p:nvPr>
-        </p:nvSpPr>
-        <p:spPr/>
-        <p:txBody>
-          <a:bodyPr/>
-          <a:lstStyle/>
-          <a:p>
-            <a:r>
-              <a:rPr lang="en-US" altLang="zh-TW" dirty="0" err="1"/>
-              <a:t>Page.IsPostBack</a:t>
-            </a:r>
-            <a:r>
-              <a:rPr lang="en-US" altLang="zh-TW" dirty="0"/>
-              <a:t> </a:t>
-            </a:r>
-            <a:r>
-              <a:rPr lang="zh-TW" altLang="en-US" dirty="0" smtClean="0"/>
-              <a:t>屬性</a:t>
-            </a:r>
-            <a:r>
-              <a:rPr lang="en-US" altLang="zh-TW" dirty="0" smtClean="0"/>
-              <a:t>(bool)</a:t>
-            </a:r>
-          </a:p>
-          <a:p>
-            <a:r>
-              <a:rPr lang="zh-TW" altLang="en-US" dirty="0"/>
-              <a:t>取得值，這個值表示網頁為初次呈現，或是要回應回傳而載入</a:t>
-            </a:r>
-            <a:r>
-              <a:rPr lang="zh-TW" altLang="en-US" dirty="0" smtClean="0"/>
-              <a:t>。</a:t>
-            </a:r>
-            <a:endParaRPr lang="en-US" altLang="zh-TW" dirty="0" smtClean="0"/>
-          </a:p>
-          <a:p>
-            <a:endParaRPr lang="en-US" altLang="zh-TW" dirty="0" smtClean="0"/>
-          </a:p>
-          <a:p>
-            <a:r>
-              <a:rPr lang="en-US" altLang="zh-TW" dirty="0" err="1"/>
-              <a:t>IsPostBack</a:t>
-            </a:r>
-            <a:endParaRPr lang="en-US" altLang="zh-TW" dirty="0" smtClean="0"/>
-          </a:p>
-          <a:p>
-            <a:pPr lvl="1"/>
-            <a:r>
-              <a:rPr lang="zh-TW" altLang="en-US" dirty="0" smtClean="0"/>
-              <a:t>網頁</a:t>
-            </a:r>
-            <a:r>
-              <a:rPr lang="zh-TW" altLang="en-US" dirty="0"/>
-              <a:t>為初次</a:t>
-            </a:r>
-            <a:r>
-              <a:rPr lang="zh-TW" altLang="en-US" dirty="0" smtClean="0"/>
-              <a:t>呈現</a:t>
-            </a:r>
-            <a:r>
-              <a:rPr lang="en-US" altLang="zh-TW" dirty="0" smtClean="0"/>
-              <a:t>=false</a:t>
-            </a:r>
-          </a:p>
-          <a:p>
-            <a:pPr lvl="1"/>
-            <a:r>
-              <a:rPr lang="zh-TW" altLang="en-US" dirty="0"/>
-              <a:t>回應回傳而</a:t>
-            </a:r>
-            <a:r>
-              <a:rPr lang="zh-TW" altLang="en-US" dirty="0" smtClean="0"/>
-              <a:t>載入</a:t>
-            </a:r>
-            <a:r>
-              <a:rPr lang="en-US" altLang="zh-TW" dirty="0" smtClean="0"/>
-              <a:t>=true</a:t>
-            </a:r>
-          </a:p>
-          <a:p>
-            <a:endParaRPr lang="en-US" altLang="zh-TW" dirty="0"/>
-          </a:p>
-        </p:txBody>
-      </p:sp>
-    </p:spTree>
-    <p:extLst>
-      <p:ext uri="{BB962C8B-B14F-4D97-AF65-F5344CB8AC3E}">
-        <p14:creationId xmlns:p14="http://schemas.microsoft.com/office/powerpoint/2010/main" val="2986680851"/>
-      </p:ext>
-    </p:extLst>
-  </p:cSld>
-  <p:clrMapOvr>
-    <a:masterClrMapping/>
-  </p:clrMapOvr>
-  <mc:AlternateContent xmlns:mc="http://schemas.openxmlformats.org/markup-compatibility/2006" xmlns:p14="http://schemas.microsoft.com/office/powerpoint/2010/main">
-    <mc:Choice Requires="p14">
-      <p:transition spd="slow" p14:dur="1500">
-        <p:random/>
-      </p:transition>
-    </mc:Choice>
-    <mc:Fallback xmlns="">
-      <p:transition spd="slow">
-        <p:random/>
-      </p:transition>
-    </mc:Fallback>
-  </mc:AlternateContent>
-</p:sld>
-</file>
-
 <file path=ppt/slides/slide24.xml><?xml version="1.0" encoding="utf-8"?>
 <p:sld xmlns:a="http://schemas.openxmlformats.org/drawingml/2006/main" xmlns:r="http://schemas.openxmlformats.org/officeDocument/2006/relationships" xmlns:p="http://schemas.openxmlformats.org/presentationml/2006/main">
   <p:cSld>
@@ -9795,11 +9546,7 @@
           <a:lstStyle/>
           <a:p>
             <a:r>
-              <a:rPr lang="zh-TW" altLang="en-US" dirty="0" smtClean="0"/>
-              <a:t>練習使用</a:t>
-            </a:r>
-            <a:r>
-              <a:rPr lang="en-US" altLang="zh-TW" dirty="0" err="1"/>
+              <a:rPr lang="en-US" altLang="zh-TW" dirty="0" err="1" smtClean="0"/>
               <a:t>isPostback</a:t>
             </a:r>
             <a:endParaRPr lang="zh-TW" altLang="en-US" dirty="0"/>
@@ -9822,64 +9569,78 @@
           <a:lstStyle/>
           <a:p>
             <a:r>
+              <a:rPr lang="en-US" altLang="zh-TW" dirty="0" err="1"/>
+              <a:t>Page.IsPostBack</a:t>
+            </a:r>
+            <a:r>
+              <a:rPr lang="en-US" altLang="zh-TW" dirty="0"/>
+              <a:t> </a:t>
+            </a:r>
+            <a:r>
               <a:rPr lang="zh-TW" altLang="en-US" dirty="0" smtClean="0"/>
-              <a:t>每次</a:t>
-            </a:r>
+              <a:t>屬性</a:t>
+            </a:r>
+            <a:r>
+              <a:rPr lang="en-US" altLang="zh-TW" dirty="0" smtClean="0"/>
+              <a:t>(bool)</a:t>
+            </a:r>
+          </a:p>
+          <a:p>
+            <a:r>
+              <a:rPr lang="zh-TW" altLang="en-US" dirty="0"/>
+              <a:t>取得值，這個值表示網頁為初次呈現，或是要回應回傳而載入</a:t>
+            </a:r>
+            <a:r>
+              <a:rPr lang="zh-TW" altLang="en-US" dirty="0" smtClean="0"/>
+              <a:t>。</a:t>
+            </a:r>
+            <a:endParaRPr lang="en-US" altLang="zh-TW" dirty="0" smtClean="0"/>
+          </a:p>
+          <a:p>
+            <a:endParaRPr lang="en-US" altLang="zh-TW" dirty="0" smtClean="0"/>
+          </a:p>
+          <a:p>
             <a:r>
               <a:rPr lang="en-US" altLang="zh-TW" dirty="0" err="1"/>
-              <a:t>Postback</a:t>
-            </a:r>
+              <a:t>IsPostBack</a:t>
+            </a:r>
+            <a:endParaRPr lang="en-US" altLang="zh-TW" dirty="0" smtClean="0"/>
+          </a:p>
+          <a:p>
+            <a:pPr lvl="1"/>
             <a:r>
               <a:rPr lang="zh-TW" altLang="en-US" dirty="0" smtClean="0"/>
-              <a:t>設定</a:t>
-            </a:r>
-            <a:r>
-              <a:rPr lang="en-US" altLang="zh-TW" dirty="0" err="1" smtClean="0"/>
-              <a:t>lable</a:t>
-            </a:r>
-            <a:r>
-              <a:rPr lang="en-US" altLang="zh-TW" dirty="0" err="1"/>
-              <a:t>.</a:t>
-            </a:r>
-            <a:r>
-              <a:rPr lang="en-US" altLang="zh-TW" dirty="0" err="1" smtClean="0"/>
-              <a:t>text</a:t>
+              <a:t>網頁</a:t>
+            </a:r>
+            <a:r>
+              <a:rPr lang="zh-TW" altLang="en-US" dirty="0"/>
+              <a:t>為初次</a:t>
             </a:r>
             <a:r>
               <a:rPr lang="zh-TW" altLang="en-US" dirty="0" smtClean="0"/>
-              <a:t>為當下時間</a:t>
-            </a:r>
-            <a:endParaRPr lang="en-US" altLang="zh-TW" dirty="0" smtClean="0"/>
-          </a:p>
-          <a:p>
+              <a:t>呈現</a:t>
+            </a:r>
+            <a:r>
+              <a:rPr lang="en-US" altLang="zh-TW" dirty="0" smtClean="0"/>
+              <a:t>=false</a:t>
+            </a:r>
+          </a:p>
+          <a:p>
+            <a:pPr lvl="1"/>
             <a:r>
               <a:rPr lang="zh-TW" altLang="en-US" dirty="0"/>
-              <a:t>設定</a:t>
-            </a:r>
-            <a:r>
-              <a:rPr lang="en-US" altLang="zh-TW" dirty="0" err="1" smtClean="0"/>
-              <a:t>lable.text</a:t>
-            </a:r>
-            <a:r>
-              <a:rPr lang="zh-TW" altLang="en-US" dirty="0"/>
-              <a:t>為</a:t>
+              <a:t>回應回傳而</a:t>
             </a:r>
             <a:r>
               <a:rPr lang="zh-TW" altLang="en-US" dirty="0" smtClean="0"/>
-              <a:t>第一次</a:t>
-            </a:r>
-            <a:r>
-              <a:rPr lang="en-US" altLang="zh-TW" dirty="0" err="1" smtClean="0"/>
-              <a:t>Postback</a:t>
-            </a:r>
-            <a:r>
-              <a:rPr lang="zh-TW" altLang="en-US" dirty="0"/>
-              <a:t>當下</a:t>
-            </a:r>
-            <a:r>
-              <a:rPr lang="zh-TW" altLang="en-US" dirty="0" smtClean="0"/>
-              <a:t>時間</a:t>
-            </a:r>
+              <a:t>載入</a:t>
+            </a:r>
+            <a:r>
+              <a:rPr lang="en-US" altLang="zh-TW" dirty="0" smtClean="0"/>
+              <a:t>=true</a:t>
+            </a:r>
+          </a:p>
+          <a:p>
             <a:endParaRPr lang="en-US" altLang="zh-TW" dirty="0"/>
           </a:p>
         </p:txBody>
@@ -9887,7 +9648,7 @@
     </p:spTree>
     <p:extLst>
       <p:ext uri="{BB962C8B-B14F-4D97-AF65-F5344CB8AC3E}">
-        <p14:creationId xmlns:p14="http://schemas.microsoft.com/office/powerpoint/2010/main" val="749583964"/>
+        <p14:creationId xmlns:p14="http://schemas.microsoft.com/office/powerpoint/2010/main" val="2986680851"/>
       </p:ext>
     </p:extLst>
   </p:cSld>
@@ -9942,8 +9703,12 @@
           <a:lstStyle/>
           <a:p>
             <a:r>
-              <a:rPr lang="en-US" altLang="zh-TW" dirty="0"/>
-              <a:t>Master Page</a:t>
+              <a:rPr lang="zh-TW" altLang="en-US" dirty="0" smtClean="0"/>
+              <a:t>練習使用</a:t>
+            </a:r>
+            <a:r>
+              <a:rPr lang="en-US" altLang="zh-TW" dirty="0" err="1"/>
+              <a:t>isPostback</a:t>
             </a:r>
             <a:endParaRPr lang="zh-TW" altLang="en-US" dirty="0"/>
           </a:p>
@@ -9959,293 +9724,78 @@
             <p:ph idx="1"/>
           </p:nvPr>
         </p:nvSpPr>
-        <p:spPr>
-          <a:xfrm>
-            <a:off x="1223930" y="1666876"/>
-            <a:ext cx="9644095" cy="1612655"/>
-          </a:xfrm>
-        </p:spPr>
+        <p:spPr/>
         <p:txBody>
           <a:bodyPr/>
           <a:lstStyle/>
           <a:p>
             <a:r>
+              <a:rPr lang="zh-TW" altLang="en-US" dirty="0" smtClean="0"/>
+              <a:t>每次</a:t>
+            </a:r>
+            <a:r>
+              <a:rPr lang="en-US" altLang="zh-TW" dirty="0" err="1"/>
+              <a:t>Postback</a:t>
+            </a:r>
+            <a:r>
+              <a:rPr lang="zh-TW" altLang="en-US" dirty="0" smtClean="0"/>
+              <a:t>設定</a:t>
+            </a:r>
+            <a:r>
+              <a:rPr lang="en-US" altLang="zh-TW" dirty="0" err="1" smtClean="0"/>
+              <a:t>lable</a:t>
+            </a:r>
+            <a:r>
+              <a:rPr lang="en-US" altLang="zh-TW" dirty="0" err="1"/>
+              <a:t>.</a:t>
+            </a:r>
+            <a:r>
+              <a:rPr lang="en-US" altLang="zh-TW" dirty="0" err="1" smtClean="0"/>
+              <a:t>text</a:t>
+            </a:r>
+            <a:r>
+              <a:rPr lang="zh-TW" altLang="en-US" dirty="0" smtClean="0"/>
+              <a:t>為當下時間</a:t>
+            </a:r>
+            <a:endParaRPr lang="en-US" altLang="zh-TW" dirty="0" smtClean="0"/>
+          </a:p>
+          <a:p>
+            <a:r>
               <a:rPr lang="zh-TW" altLang="en-US" dirty="0"/>
-              <a:t>設計良好的網站的其中一個屬性是一致的全網站頁面</a:t>
+              <a:t>設定</a:t>
+            </a:r>
+            <a:r>
+              <a:rPr lang="en-US" altLang="zh-TW" dirty="0" err="1" smtClean="0"/>
+              <a:t>lable.text</a:t>
+            </a:r>
+            <a:r>
+              <a:rPr lang="zh-TW" altLang="en-US" dirty="0"/>
+              <a:t>為</a:t>
             </a:r>
             <a:r>
               <a:rPr lang="zh-TW" altLang="en-US" dirty="0" smtClean="0"/>
-              <a:t>配置</a:t>
-            </a:r>
-            <a:endParaRPr lang="en-US" altLang="zh-TW" dirty="0" smtClean="0"/>
-          </a:p>
-          <a:p>
+              <a:t>第一次</a:t>
+            </a:r>
+            <a:r>
+              <a:rPr lang="en-US" altLang="zh-TW" dirty="0" err="1" smtClean="0"/>
+              <a:t>Postback</a:t>
+            </a:r>
             <a:r>
               <a:rPr lang="zh-TW" altLang="en-US" dirty="0"/>
-              <a:t>設計良好的網站的另一個屬性，就是網站外觀可以變更的便利性</a:t>
-            </a:r>
-            <a:endParaRPr lang="en-US" altLang="zh-TW" dirty="0" smtClean="0"/>
-          </a:p>
-        </p:txBody>
-      </p:sp>
-      <p:sp>
-        <p:nvSpPr>
-          <p:cNvPr id="4" name="矩形 3"/>
-          <p:cNvSpPr/>
-          <p:nvPr/>
-        </p:nvSpPr>
-        <p:spPr>
-          <a:xfrm>
-            <a:off x="2532183" y="3216398"/>
-            <a:ext cx="6312877" cy="3175609"/>
-          </a:xfrm>
-          <a:prstGeom prst="rect">
-            <a:avLst/>
-          </a:prstGeom>
-          <a:solidFill>
-            <a:schemeClr val="accent2"/>
-          </a:solidFill>
-          <a:ln w="28575">
-            <a:solidFill>
-              <a:schemeClr val="tx1"/>
-            </a:solidFill>
-          </a:ln>
-        </p:spPr>
-        <p:style>
-          <a:lnRef idx="2">
-            <a:schemeClr val="accent1">
-              <a:shade val="50000"/>
-            </a:schemeClr>
-          </a:lnRef>
-          <a:fillRef idx="1">
-            <a:schemeClr val="accent1"/>
-          </a:fillRef>
-          <a:effectRef idx="0">
-            <a:schemeClr val="accent1"/>
-          </a:effectRef>
-          <a:fontRef idx="minor">
-            <a:schemeClr val="lt1"/>
-          </a:fontRef>
-        </p:style>
-        <p:txBody>
-          <a:bodyPr rtlCol="0" anchor="ctr"/>
-          <a:lstStyle/>
-          <a:p>
-            <a:pPr algn="ctr"/>
-            <a:endParaRPr lang="zh-TW" altLang="en-US"/>
-          </a:p>
-        </p:txBody>
-      </p:sp>
-      <p:sp>
-        <p:nvSpPr>
-          <p:cNvPr id="5" name="矩形 4"/>
-          <p:cNvSpPr/>
-          <p:nvPr/>
-        </p:nvSpPr>
-        <p:spPr>
-          <a:xfrm>
-            <a:off x="3282460" y="3612174"/>
-            <a:ext cx="4812322" cy="2464776"/>
-          </a:xfrm>
-          <a:prstGeom prst="rect">
-            <a:avLst/>
-          </a:prstGeom>
-          <a:solidFill>
-            <a:schemeClr val="accent6"/>
-          </a:solidFill>
-          <a:ln w="28575">
-            <a:solidFill>
-              <a:schemeClr val="tx1"/>
-            </a:solidFill>
-          </a:ln>
-        </p:spPr>
-        <p:style>
-          <a:lnRef idx="2">
-            <a:schemeClr val="accent1">
-              <a:shade val="50000"/>
-            </a:schemeClr>
-          </a:lnRef>
-          <a:fillRef idx="1">
-            <a:schemeClr val="accent1"/>
-          </a:fillRef>
-          <a:effectRef idx="0">
-            <a:schemeClr val="accent1"/>
-          </a:effectRef>
-          <a:fontRef idx="minor">
-            <a:schemeClr val="lt1"/>
-          </a:fontRef>
-        </p:style>
-        <p:txBody>
-          <a:bodyPr rtlCol="0" anchor="ctr"/>
-          <a:lstStyle/>
-          <a:p>
-            <a:pPr algn="ctr"/>
-            <a:endParaRPr lang="zh-TW" altLang="en-US"/>
-          </a:p>
-        </p:txBody>
-      </p:sp>
-      <p:sp>
-        <p:nvSpPr>
-          <p:cNvPr id="6" name="向右箭號 5"/>
-          <p:cNvSpPr/>
-          <p:nvPr/>
-        </p:nvSpPr>
-        <p:spPr>
-          <a:xfrm>
-            <a:off x="1951892" y="4985238"/>
-            <a:ext cx="955429" cy="465993"/>
-          </a:xfrm>
-          <a:prstGeom prst="rightArrow">
-            <a:avLst/>
-          </a:prstGeom>
-          <a:solidFill>
-            <a:schemeClr val="tx1"/>
-          </a:solidFill>
-          <a:ln>
-            <a:solidFill>
-              <a:schemeClr val="tx1"/>
-            </a:solidFill>
-          </a:ln>
-        </p:spPr>
-        <p:style>
-          <a:lnRef idx="2">
-            <a:schemeClr val="accent1">
-              <a:shade val="50000"/>
-            </a:schemeClr>
-          </a:lnRef>
-          <a:fillRef idx="1">
-            <a:schemeClr val="accent1"/>
-          </a:fillRef>
-          <a:effectRef idx="0">
-            <a:schemeClr val="accent1"/>
-          </a:effectRef>
-          <a:fontRef idx="minor">
-            <a:schemeClr val="lt1"/>
-          </a:fontRef>
-        </p:style>
-        <p:txBody>
-          <a:bodyPr rtlCol="0" anchor="ctr"/>
-          <a:lstStyle/>
-          <a:p>
-            <a:pPr algn="ctr"/>
-            <a:endParaRPr lang="zh-TW" altLang="en-US"/>
-          </a:p>
-        </p:txBody>
-      </p:sp>
-      <p:sp>
-        <p:nvSpPr>
-          <p:cNvPr id="7" name="矩形 6"/>
-          <p:cNvSpPr/>
-          <p:nvPr/>
-        </p:nvSpPr>
-        <p:spPr>
-          <a:xfrm>
-            <a:off x="459176" y="5062728"/>
-            <a:ext cx="1492716" cy="369332"/>
-          </a:xfrm>
-          <a:prstGeom prst="rect">
-            <a:avLst/>
-          </a:prstGeom>
-        </p:spPr>
-        <p:txBody>
-          <a:bodyPr wrap="none">
-            <a:spAutoFit/>
-          </a:bodyPr>
-          <a:lstStyle/>
-          <a:p>
-            <a:r>
-              <a:rPr lang="en-US" altLang="zh-TW" dirty="0"/>
-              <a:t>Master Page</a:t>
-            </a:r>
-            <a:endParaRPr lang="zh-TW" altLang="en-US" dirty="0"/>
-          </a:p>
-        </p:txBody>
-      </p:sp>
-      <p:sp>
-        <p:nvSpPr>
-          <p:cNvPr id="8" name="向右箭號 7"/>
-          <p:cNvSpPr/>
-          <p:nvPr/>
-        </p:nvSpPr>
-        <p:spPr>
-          <a:xfrm rot="10800000">
-            <a:off x="7781191" y="4611565"/>
-            <a:ext cx="1518871" cy="465993"/>
-          </a:xfrm>
-          <a:prstGeom prst="rightArrow">
-            <a:avLst/>
-          </a:prstGeom>
-          <a:solidFill>
-            <a:schemeClr val="tx1"/>
-          </a:solidFill>
-          <a:ln>
-            <a:solidFill>
-              <a:schemeClr val="tx1"/>
-            </a:solidFill>
-          </a:ln>
-        </p:spPr>
-        <p:style>
-          <a:lnRef idx="2">
-            <a:schemeClr val="accent1">
-              <a:shade val="50000"/>
-            </a:schemeClr>
-          </a:lnRef>
-          <a:fillRef idx="1">
-            <a:schemeClr val="accent1"/>
-          </a:fillRef>
-          <a:effectRef idx="0">
-            <a:schemeClr val="accent1"/>
-          </a:effectRef>
-          <a:fontRef idx="minor">
-            <a:schemeClr val="lt1"/>
-          </a:fontRef>
-        </p:style>
-        <p:txBody>
-          <a:bodyPr rtlCol="0" anchor="ctr"/>
-          <a:lstStyle/>
-          <a:p>
-            <a:pPr algn="ctr"/>
-            <a:endParaRPr lang="zh-TW" altLang="en-US"/>
-          </a:p>
-        </p:txBody>
-      </p:sp>
-      <p:sp>
-        <p:nvSpPr>
-          <p:cNvPr id="9" name="矩形 8"/>
-          <p:cNvSpPr/>
-          <p:nvPr/>
-        </p:nvSpPr>
-        <p:spPr>
-          <a:xfrm>
-            <a:off x="9406955" y="4651103"/>
-            <a:ext cx="1257717" cy="369332"/>
-          </a:xfrm>
-          <a:prstGeom prst="rect">
-            <a:avLst/>
-          </a:prstGeom>
-        </p:spPr>
-        <p:txBody>
-          <a:bodyPr wrap="none">
-            <a:spAutoFit/>
-          </a:bodyPr>
-          <a:lstStyle/>
-          <a:p>
-            <a:r>
-              <a:rPr lang="en-US" altLang="zh-TW" dirty="0" smtClean="0"/>
-              <a:t>Web </a:t>
-            </a:r>
-            <a:r>
-              <a:rPr lang="en-US" altLang="zh-TW" dirty="0"/>
-              <a:t>Page</a:t>
-            </a:r>
-            <a:endParaRPr lang="zh-TW" altLang="en-US" dirty="0"/>
+              <a:t>當下</a:t>
+            </a:r>
+            <a:r>
+              <a:rPr lang="zh-TW" altLang="en-US" dirty="0" smtClean="0"/>
+              <a:t>時間</a:t>
+            </a:r>
+            <a:endParaRPr lang="en-US" altLang="zh-TW" dirty="0"/>
           </a:p>
         </p:txBody>
       </p:sp>
     </p:spTree>
     <p:extLst>
       <p:ext uri="{BB962C8B-B14F-4D97-AF65-F5344CB8AC3E}">
-        <p14:creationId xmlns:p14="http://schemas.microsoft.com/office/powerpoint/2010/main" val="3042501071"/>
+        <p14:creationId xmlns:p14="http://schemas.microsoft.com/office/powerpoint/2010/main" val="749583964"/>
       </p:ext>
     </p:extLst>
   </p:cSld>
@@ -10317,6 +9867,364 @@
             <p:ph idx="1"/>
           </p:nvPr>
         </p:nvSpPr>
+        <p:spPr>
+          <a:xfrm>
+            <a:off x="1223930" y="1666876"/>
+            <a:ext cx="9644095" cy="1612655"/>
+          </a:xfrm>
+        </p:spPr>
+        <p:txBody>
+          <a:bodyPr/>
+          <a:lstStyle/>
+          <a:p>
+            <a:r>
+              <a:rPr lang="zh-TW" altLang="en-US" dirty="0"/>
+              <a:t>設計良好的網站的其中一個屬性是一致的全網站頁面</a:t>
+            </a:r>
+            <a:r>
+              <a:rPr lang="zh-TW" altLang="en-US" dirty="0" smtClean="0"/>
+              <a:t>配置</a:t>
+            </a:r>
+            <a:endParaRPr lang="en-US" altLang="zh-TW" dirty="0" smtClean="0"/>
+          </a:p>
+          <a:p>
+            <a:r>
+              <a:rPr lang="zh-TW" altLang="en-US" dirty="0"/>
+              <a:t>設計良好的網站的另一個屬性，就是網站外觀可以變更的便利性</a:t>
+            </a:r>
+            <a:endParaRPr lang="en-US" altLang="zh-TW" dirty="0" smtClean="0"/>
+          </a:p>
+        </p:txBody>
+      </p:sp>
+      <p:sp>
+        <p:nvSpPr>
+          <p:cNvPr id="4" name="矩形 3"/>
+          <p:cNvSpPr/>
+          <p:nvPr/>
+        </p:nvSpPr>
+        <p:spPr>
+          <a:xfrm>
+            <a:off x="2532183" y="3216398"/>
+            <a:ext cx="6312877" cy="3175609"/>
+          </a:xfrm>
+          <a:prstGeom prst="rect">
+            <a:avLst/>
+          </a:prstGeom>
+          <a:solidFill>
+            <a:schemeClr val="accent2"/>
+          </a:solidFill>
+          <a:ln w="28575">
+            <a:solidFill>
+              <a:schemeClr val="tx1"/>
+            </a:solidFill>
+          </a:ln>
+        </p:spPr>
+        <p:style>
+          <a:lnRef idx="2">
+            <a:schemeClr val="accent1">
+              <a:shade val="50000"/>
+            </a:schemeClr>
+          </a:lnRef>
+          <a:fillRef idx="1">
+            <a:schemeClr val="accent1"/>
+          </a:fillRef>
+          <a:effectRef idx="0">
+            <a:schemeClr val="accent1"/>
+          </a:effectRef>
+          <a:fontRef idx="minor">
+            <a:schemeClr val="lt1"/>
+          </a:fontRef>
+        </p:style>
+        <p:txBody>
+          <a:bodyPr rtlCol="0" anchor="ctr"/>
+          <a:lstStyle/>
+          <a:p>
+            <a:pPr algn="ctr"/>
+            <a:endParaRPr lang="zh-TW" altLang="en-US"/>
+          </a:p>
+        </p:txBody>
+      </p:sp>
+      <p:sp>
+        <p:nvSpPr>
+          <p:cNvPr id="5" name="矩形 4"/>
+          <p:cNvSpPr/>
+          <p:nvPr/>
+        </p:nvSpPr>
+        <p:spPr>
+          <a:xfrm>
+            <a:off x="3282460" y="3612174"/>
+            <a:ext cx="4812322" cy="2464776"/>
+          </a:xfrm>
+          <a:prstGeom prst="rect">
+            <a:avLst/>
+          </a:prstGeom>
+          <a:solidFill>
+            <a:schemeClr val="accent6"/>
+          </a:solidFill>
+          <a:ln w="28575">
+            <a:solidFill>
+              <a:schemeClr val="tx1"/>
+            </a:solidFill>
+          </a:ln>
+        </p:spPr>
+        <p:style>
+          <a:lnRef idx="2">
+            <a:schemeClr val="accent1">
+              <a:shade val="50000"/>
+            </a:schemeClr>
+          </a:lnRef>
+          <a:fillRef idx="1">
+            <a:schemeClr val="accent1"/>
+          </a:fillRef>
+          <a:effectRef idx="0">
+            <a:schemeClr val="accent1"/>
+          </a:effectRef>
+          <a:fontRef idx="minor">
+            <a:schemeClr val="lt1"/>
+          </a:fontRef>
+        </p:style>
+        <p:txBody>
+          <a:bodyPr rtlCol="0" anchor="ctr"/>
+          <a:lstStyle/>
+          <a:p>
+            <a:pPr algn="ctr"/>
+            <a:endParaRPr lang="zh-TW" altLang="en-US"/>
+          </a:p>
+        </p:txBody>
+      </p:sp>
+      <p:sp>
+        <p:nvSpPr>
+          <p:cNvPr id="6" name="向右箭號 5"/>
+          <p:cNvSpPr/>
+          <p:nvPr/>
+        </p:nvSpPr>
+        <p:spPr>
+          <a:xfrm>
+            <a:off x="1951892" y="4985238"/>
+            <a:ext cx="955429" cy="465993"/>
+          </a:xfrm>
+          <a:prstGeom prst="rightArrow">
+            <a:avLst/>
+          </a:prstGeom>
+          <a:solidFill>
+            <a:schemeClr val="tx1"/>
+          </a:solidFill>
+          <a:ln>
+            <a:solidFill>
+              <a:schemeClr val="tx1"/>
+            </a:solidFill>
+          </a:ln>
+        </p:spPr>
+        <p:style>
+          <a:lnRef idx="2">
+            <a:schemeClr val="accent1">
+              <a:shade val="50000"/>
+            </a:schemeClr>
+          </a:lnRef>
+          <a:fillRef idx="1">
+            <a:schemeClr val="accent1"/>
+          </a:fillRef>
+          <a:effectRef idx="0">
+            <a:schemeClr val="accent1"/>
+          </a:effectRef>
+          <a:fontRef idx="minor">
+            <a:schemeClr val="lt1"/>
+          </a:fontRef>
+        </p:style>
+        <p:txBody>
+          <a:bodyPr rtlCol="0" anchor="ctr"/>
+          <a:lstStyle/>
+          <a:p>
+            <a:pPr algn="ctr"/>
+            <a:endParaRPr lang="zh-TW" altLang="en-US"/>
+          </a:p>
+        </p:txBody>
+      </p:sp>
+      <p:sp>
+        <p:nvSpPr>
+          <p:cNvPr id="7" name="矩形 6"/>
+          <p:cNvSpPr/>
+          <p:nvPr/>
+        </p:nvSpPr>
+        <p:spPr>
+          <a:xfrm>
+            <a:off x="459176" y="5062728"/>
+            <a:ext cx="1492716" cy="369332"/>
+          </a:xfrm>
+          <a:prstGeom prst="rect">
+            <a:avLst/>
+          </a:prstGeom>
+        </p:spPr>
+        <p:txBody>
+          <a:bodyPr wrap="none">
+            <a:spAutoFit/>
+          </a:bodyPr>
+          <a:lstStyle/>
+          <a:p>
+            <a:r>
+              <a:rPr lang="en-US" altLang="zh-TW" dirty="0"/>
+              <a:t>Master Page</a:t>
+            </a:r>
+            <a:endParaRPr lang="zh-TW" altLang="en-US" dirty="0"/>
+          </a:p>
+        </p:txBody>
+      </p:sp>
+      <p:sp>
+        <p:nvSpPr>
+          <p:cNvPr id="8" name="向右箭號 7"/>
+          <p:cNvSpPr/>
+          <p:nvPr/>
+        </p:nvSpPr>
+        <p:spPr>
+          <a:xfrm rot="10800000">
+            <a:off x="7781191" y="4611565"/>
+            <a:ext cx="1518871" cy="465993"/>
+          </a:xfrm>
+          <a:prstGeom prst="rightArrow">
+            <a:avLst/>
+          </a:prstGeom>
+          <a:solidFill>
+            <a:schemeClr val="tx1"/>
+          </a:solidFill>
+          <a:ln>
+            <a:solidFill>
+              <a:schemeClr val="tx1"/>
+            </a:solidFill>
+          </a:ln>
+        </p:spPr>
+        <p:style>
+          <a:lnRef idx="2">
+            <a:schemeClr val="accent1">
+              <a:shade val="50000"/>
+            </a:schemeClr>
+          </a:lnRef>
+          <a:fillRef idx="1">
+            <a:schemeClr val="accent1"/>
+          </a:fillRef>
+          <a:effectRef idx="0">
+            <a:schemeClr val="accent1"/>
+          </a:effectRef>
+          <a:fontRef idx="minor">
+            <a:schemeClr val="lt1"/>
+          </a:fontRef>
+        </p:style>
+        <p:txBody>
+          <a:bodyPr rtlCol="0" anchor="ctr"/>
+          <a:lstStyle/>
+          <a:p>
+            <a:pPr algn="ctr"/>
+            <a:endParaRPr lang="zh-TW" altLang="en-US"/>
+          </a:p>
+        </p:txBody>
+      </p:sp>
+      <p:sp>
+        <p:nvSpPr>
+          <p:cNvPr id="9" name="矩形 8"/>
+          <p:cNvSpPr/>
+          <p:nvPr/>
+        </p:nvSpPr>
+        <p:spPr>
+          <a:xfrm>
+            <a:off x="9406955" y="4651103"/>
+            <a:ext cx="1257717" cy="369332"/>
+          </a:xfrm>
+          <a:prstGeom prst="rect">
+            <a:avLst/>
+          </a:prstGeom>
+        </p:spPr>
+        <p:txBody>
+          <a:bodyPr wrap="none">
+            <a:spAutoFit/>
+          </a:bodyPr>
+          <a:lstStyle/>
+          <a:p>
+            <a:r>
+              <a:rPr lang="en-US" altLang="zh-TW" dirty="0" smtClean="0"/>
+              <a:t>Web </a:t>
+            </a:r>
+            <a:r>
+              <a:rPr lang="en-US" altLang="zh-TW" dirty="0"/>
+              <a:t>Page</a:t>
+            </a:r>
+            <a:endParaRPr lang="zh-TW" altLang="en-US" dirty="0"/>
+          </a:p>
+        </p:txBody>
+      </p:sp>
+    </p:spTree>
+    <p:extLst>
+      <p:ext uri="{BB962C8B-B14F-4D97-AF65-F5344CB8AC3E}">
+        <p14:creationId xmlns:p14="http://schemas.microsoft.com/office/powerpoint/2010/main" val="3042501071"/>
+      </p:ext>
+    </p:extLst>
+  </p:cSld>
+  <p:clrMapOvr>
+    <a:masterClrMapping/>
+  </p:clrMapOvr>
+  <mc:AlternateContent xmlns:mc="http://schemas.openxmlformats.org/markup-compatibility/2006" xmlns:p14="http://schemas.microsoft.com/office/powerpoint/2010/main">
+    <mc:Choice Requires="p14">
+      <p:transition spd="slow" p14:dur="1500">
+        <p:random/>
+      </p:transition>
+    </mc:Choice>
+    <mc:Fallback xmlns="">
+      <p:transition spd="slow">
+        <p:random/>
+      </p:transition>
+    </mc:Fallback>
+  </mc:AlternateContent>
+</p:sld>
+</file>
+
+<file path=ppt/slides/slide27.xml><?xml version="1.0" encoding="utf-8"?>
+<p:sld xmlns:a="http://schemas.openxmlformats.org/drawingml/2006/main" xmlns:r="http://schemas.openxmlformats.org/officeDocument/2006/relationships" xmlns:p="http://schemas.openxmlformats.org/presentationml/2006/main">
+  <p:cSld>
+    <p:spTree>
+      <p:nvGrpSpPr>
+        <p:cNvPr id="1" name=""/>
+        <p:cNvGrpSpPr/>
+        <p:nvPr/>
+      </p:nvGrpSpPr>
+      <p:grpSpPr>
+        <a:xfrm>
+          <a:off x="0" y="0"/>
+          <a:ext cx="0" cy="0"/>
+          <a:chOff x="0" y="0"/>
+          <a:chExt cx="0" cy="0"/>
+        </a:xfrm>
+      </p:grpSpPr>
+      <p:sp>
+        <p:nvSpPr>
+          <p:cNvPr id="2" name="標題 1"/>
+          <p:cNvSpPr>
+            <a:spLocks noGrp="1"/>
+          </p:cNvSpPr>
+          <p:nvPr>
+            <p:ph type="title"/>
+          </p:nvPr>
+        </p:nvSpPr>
+        <p:spPr/>
+        <p:txBody>
+          <a:bodyPr/>
+          <a:lstStyle/>
+          <a:p>
+            <a:r>
+              <a:rPr lang="en-US" altLang="zh-TW" dirty="0"/>
+              <a:t>Master Page</a:t>
+            </a:r>
+            <a:endParaRPr lang="zh-TW" altLang="en-US" dirty="0"/>
+          </a:p>
+        </p:txBody>
+      </p:sp>
+      <p:sp>
+        <p:nvSpPr>
+          <p:cNvPr id="3" name="內容版面配置區 2"/>
+          <p:cNvSpPr>
+            <a:spLocks noGrp="1"/>
+          </p:cNvSpPr>
+          <p:nvPr>
+            <p:ph idx="1"/>
+          </p:nvPr>
+        </p:nvSpPr>
         <p:spPr/>
         <p:txBody>
           <a:bodyPr/>
@@ -10412,7 +10320,7 @@
 </p:sld>
 </file>
 
-<file path=ppt/slides/slide27.xml><?xml version="1.0" encoding="utf-8"?>
+<file path=ppt/slides/slide28.xml><?xml version="1.0" encoding="utf-8"?>
 <p:sld xmlns:a="http://schemas.openxmlformats.org/drawingml/2006/main" xmlns:r="http://schemas.openxmlformats.org/officeDocument/2006/relationships" xmlns:p="http://schemas.openxmlformats.org/presentationml/2006/main">
   <p:cSld>
     <p:spTree>
@@ -10781,7 +10689,7 @@
 </p:sld>
 </file>
 
-<file path=ppt/slides/slide28.xml><?xml version="1.0" encoding="utf-8"?>
+<file path=ppt/slides/slide29.xml><?xml version="1.0" encoding="utf-8"?>
 <p:sld xmlns:a="http://schemas.openxmlformats.org/drawingml/2006/main" xmlns:r="http://schemas.openxmlformats.org/officeDocument/2006/relationships" xmlns:p="http://schemas.openxmlformats.org/presentationml/2006/main">
   <p:cSld>
     <p:spTree>
@@ -11162,150 +11070,6 @@
     <p:extLst>
       <p:ext uri="{BB962C8B-B14F-4D97-AF65-F5344CB8AC3E}">
         <p14:creationId xmlns:p14="http://schemas.microsoft.com/office/powerpoint/2010/main" val="2144428633"/>
-      </p:ext>
-    </p:extLst>
-  </p:cSld>
-  <p:clrMapOvr>
-    <a:masterClrMapping/>
-  </p:clrMapOvr>
-  <mc:AlternateContent xmlns:mc="http://schemas.openxmlformats.org/markup-compatibility/2006" xmlns:p14="http://schemas.microsoft.com/office/powerpoint/2010/main">
-    <mc:Choice Requires="p14">
-      <p:transition spd="slow" p14:dur="1500">
-        <p:random/>
-      </p:transition>
-    </mc:Choice>
-    <mc:Fallback xmlns="">
-      <p:transition spd="slow">
-        <p:random/>
-      </p:transition>
-    </mc:Fallback>
-  </mc:AlternateContent>
-</p:sld>
-</file>
-
-<file path=ppt/slides/slide29.xml><?xml version="1.0" encoding="utf-8"?>
-<p:sld xmlns:a="http://schemas.openxmlformats.org/drawingml/2006/main" xmlns:r="http://schemas.openxmlformats.org/officeDocument/2006/relationships" xmlns:p="http://schemas.openxmlformats.org/presentationml/2006/main">
-  <p:cSld>
-    <p:spTree>
-      <p:nvGrpSpPr>
-        <p:cNvPr id="1" name=""/>
-        <p:cNvGrpSpPr/>
-        <p:nvPr/>
-      </p:nvGrpSpPr>
-      <p:grpSpPr>
-        <a:xfrm>
-          <a:off x="0" y="0"/>
-          <a:ext cx="0" cy="0"/>
-          <a:chOff x="0" y="0"/>
-          <a:chExt cx="0" cy="0"/>
-        </a:xfrm>
-      </p:grpSpPr>
-      <p:sp>
-        <p:nvSpPr>
-          <p:cNvPr id="2" name="標題 1"/>
-          <p:cNvSpPr>
-            <a:spLocks noGrp="1"/>
-          </p:cNvSpPr>
-          <p:nvPr>
-            <p:ph type="title"/>
-          </p:nvPr>
-        </p:nvSpPr>
-        <p:spPr/>
-        <p:txBody>
-          <a:bodyPr/>
-          <a:lstStyle/>
-          <a:p>
-            <a:r>
-              <a:rPr lang="zh-TW" altLang="en-US" dirty="0"/>
-              <a:t>練習</a:t>
-            </a:r>
-            <a:r>
-              <a:rPr lang="en-US" altLang="zh-TW" dirty="0"/>
-              <a:t>Master Page</a:t>
-            </a:r>
-            <a:endParaRPr lang="zh-TW" altLang="en-US" dirty="0"/>
-          </a:p>
-        </p:txBody>
-      </p:sp>
-      <p:pic>
-        <p:nvPicPr>
-          <p:cNvPr id="4" name="內容版面配置區 3" descr="畫面剪輯"/>
-          <p:cNvPicPr>
-            <a:picLocks noGrp="1" noChangeAspect="1"/>
-          </p:cNvPicPr>
-          <p:nvPr>
-            <p:ph idx="1"/>
-          </p:nvPr>
-        </p:nvPicPr>
-        <p:blipFill>
-          <a:blip r:embed="rId2">
-            <a:extLst>
-              <a:ext uri="{28A0092B-C50C-407E-A947-70E740481C1C}">
-                <a14:useLocalDpi xmlns:a14="http://schemas.microsoft.com/office/drawing/2010/main" val="0"/>
-              </a:ext>
-            </a:extLst>
-          </a:blip>
-          <a:stretch>
-            <a:fillRect/>
-          </a:stretch>
-        </p:blipFill>
-        <p:spPr>
-          <a:xfrm>
-            <a:off x="2864200" y="1892811"/>
-            <a:ext cx="6363588" cy="4058216"/>
-          </a:xfrm>
-        </p:spPr>
-      </p:pic>
-      <p:sp>
-        <p:nvSpPr>
-          <p:cNvPr id="5" name="矩形 4"/>
-          <p:cNvSpPr/>
-          <p:nvPr/>
-        </p:nvSpPr>
-        <p:spPr>
-          <a:xfrm>
-            <a:off x="3499338" y="2681654"/>
-            <a:ext cx="2664070" cy="896815"/>
-          </a:xfrm>
-          <a:prstGeom prst="rect">
-            <a:avLst/>
-          </a:prstGeom>
-          <a:noFill/>
-          <a:ln w="28575">
-            <a:solidFill>
-              <a:srgbClr val="FF0000"/>
-            </a:solidFill>
-          </a:ln>
-        </p:spPr>
-        <p:style>
-          <a:lnRef idx="2">
-            <a:schemeClr val="accent1">
-              <a:shade val="50000"/>
-            </a:schemeClr>
-          </a:lnRef>
-          <a:fillRef idx="1">
-            <a:schemeClr val="accent1"/>
-          </a:fillRef>
-          <a:effectRef idx="0">
-            <a:schemeClr val="accent1"/>
-          </a:effectRef>
-          <a:fontRef idx="minor">
-            <a:schemeClr val="lt1"/>
-          </a:fontRef>
-        </p:style>
-        <p:txBody>
-          <a:bodyPr rtlCol="0" anchor="ctr"/>
-          <a:lstStyle/>
-          <a:p>
-            <a:pPr algn="ctr"/>
-            <a:endParaRPr lang="zh-TW" altLang="en-US"/>
-          </a:p>
-        </p:txBody>
-      </p:sp>
-    </p:spTree>
-    <p:extLst>
-      <p:ext uri="{BB962C8B-B14F-4D97-AF65-F5344CB8AC3E}">
-        <p14:creationId xmlns:p14="http://schemas.microsoft.com/office/powerpoint/2010/main" val="2552860158"/>
       </p:ext>
     </p:extLst>
   </p:cSld>
@@ -11511,6 +11275,150 @@
 </file>
 
 <file path=ppt/slides/slide30.xml><?xml version="1.0" encoding="utf-8"?>
+<p:sld xmlns:a="http://schemas.openxmlformats.org/drawingml/2006/main" xmlns:r="http://schemas.openxmlformats.org/officeDocument/2006/relationships" xmlns:p="http://schemas.openxmlformats.org/presentationml/2006/main">
+  <p:cSld>
+    <p:spTree>
+      <p:nvGrpSpPr>
+        <p:cNvPr id="1" name=""/>
+        <p:cNvGrpSpPr/>
+        <p:nvPr/>
+      </p:nvGrpSpPr>
+      <p:grpSpPr>
+        <a:xfrm>
+          <a:off x="0" y="0"/>
+          <a:ext cx="0" cy="0"/>
+          <a:chOff x="0" y="0"/>
+          <a:chExt cx="0" cy="0"/>
+        </a:xfrm>
+      </p:grpSpPr>
+      <p:sp>
+        <p:nvSpPr>
+          <p:cNvPr id="2" name="標題 1"/>
+          <p:cNvSpPr>
+            <a:spLocks noGrp="1"/>
+          </p:cNvSpPr>
+          <p:nvPr>
+            <p:ph type="title"/>
+          </p:nvPr>
+        </p:nvSpPr>
+        <p:spPr/>
+        <p:txBody>
+          <a:bodyPr/>
+          <a:lstStyle/>
+          <a:p>
+            <a:r>
+              <a:rPr lang="zh-TW" altLang="en-US" dirty="0"/>
+              <a:t>練習</a:t>
+            </a:r>
+            <a:r>
+              <a:rPr lang="en-US" altLang="zh-TW" dirty="0"/>
+              <a:t>Master Page</a:t>
+            </a:r>
+            <a:endParaRPr lang="zh-TW" altLang="en-US" dirty="0"/>
+          </a:p>
+        </p:txBody>
+      </p:sp>
+      <p:pic>
+        <p:nvPicPr>
+          <p:cNvPr id="4" name="內容版面配置區 3" descr="畫面剪輯"/>
+          <p:cNvPicPr>
+            <a:picLocks noGrp="1" noChangeAspect="1"/>
+          </p:cNvPicPr>
+          <p:nvPr>
+            <p:ph idx="1"/>
+          </p:nvPr>
+        </p:nvPicPr>
+        <p:blipFill>
+          <a:blip r:embed="rId2">
+            <a:extLst>
+              <a:ext uri="{28A0092B-C50C-407E-A947-70E740481C1C}">
+                <a14:useLocalDpi xmlns:a14="http://schemas.microsoft.com/office/drawing/2010/main" val="0"/>
+              </a:ext>
+            </a:extLst>
+          </a:blip>
+          <a:stretch>
+            <a:fillRect/>
+          </a:stretch>
+        </p:blipFill>
+        <p:spPr>
+          <a:xfrm>
+            <a:off x="2864200" y="1892811"/>
+            <a:ext cx="6363588" cy="4058216"/>
+          </a:xfrm>
+        </p:spPr>
+      </p:pic>
+      <p:sp>
+        <p:nvSpPr>
+          <p:cNvPr id="5" name="矩形 4"/>
+          <p:cNvSpPr/>
+          <p:nvPr/>
+        </p:nvSpPr>
+        <p:spPr>
+          <a:xfrm>
+            <a:off x="3499338" y="2681654"/>
+            <a:ext cx="2664070" cy="896815"/>
+          </a:xfrm>
+          <a:prstGeom prst="rect">
+            <a:avLst/>
+          </a:prstGeom>
+          <a:noFill/>
+          <a:ln w="28575">
+            <a:solidFill>
+              <a:srgbClr val="FF0000"/>
+            </a:solidFill>
+          </a:ln>
+        </p:spPr>
+        <p:style>
+          <a:lnRef idx="2">
+            <a:schemeClr val="accent1">
+              <a:shade val="50000"/>
+            </a:schemeClr>
+          </a:lnRef>
+          <a:fillRef idx="1">
+            <a:schemeClr val="accent1"/>
+          </a:fillRef>
+          <a:effectRef idx="0">
+            <a:schemeClr val="accent1"/>
+          </a:effectRef>
+          <a:fontRef idx="minor">
+            <a:schemeClr val="lt1"/>
+          </a:fontRef>
+        </p:style>
+        <p:txBody>
+          <a:bodyPr rtlCol="0" anchor="ctr"/>
+          <a:lstStyle/>
+          <a:p>
+            <a:pPr algn="ctr"/>
+            <a:endParaRPr lang="zh-TW" altLang="en-US"/>
+          </a:p>
+        </p:txBody>
+      </p:sp>
+    </p:spTree>
+    <p:extLst>
+      <p:ext uri="{BB962C8B-B14F-4D97-AF65-F5344CB8AC3E}">
+        <p14:creationId xmlns:p14="http://schemas.microsoft.com/office/powerpoint/2010/main" val="2552860158"/>
+      </p:ext>
+    </p:extLst>
+  </p:cSld>
+  <p:clrMapOvr>
+    <a:masterClrMapping/>
+  </p:clrMapOvr>
+  <mc:AlternateContent xmlns:mc="http://schemas.openxmlformats.org/markup-compatibility/2006" xmlns:p14="http://schemas.microsoft.com/office/powerpoint/2010/main">
+    <mc:Choice Requires="p14">
+      <p:transition spd="slow" p14:dur="1500">
+        <p:random/>
+      </p:transition>
+    </mc:Choice>
+    <mc:Fallback xmlns="">
+      <p:transition spd="slow">
+        <p:random/>
+      </p:transition>
+    </mc:Fallback>
+  </mc:AlternateContent>
+</p:sld>
+</file>
+
+<file path=ppt/slides/slide31.xml><?xml version="1.0" encoding="utf-8"?>
 <p:sld xmlns:a="http://schemas.openxmlformats.org/drawingml/2006/main" xmlns:r="http://schemas.openxmlformats.org/officeDocument/2006/relationships" xmlns:p="http://schemas.openxmlformats.org/presentationml/2006/main">
   <p:cSld>
     <p:spTree>
@@ -11608,7 +11516,7 @@
 </p:sld>
 </file>
 
-<file path=ppt/slides/slide31.xml><?xml version="1.0" encoding="utf-8"?>
+<file path=ppt/slides/slide32.xml><?xml version="1.0" encoding="utf-8"?>
 <p:sld xmlns:a="http://schemas.openxmlformats.org/drawingml/2006/main" xmlns:r="http://schemas.openxmlformats.org/officeDocument/2006/relationships" xmlns:p="http://schemas.openxmlformats.org/presentationml/2006/main">
   <p:cSld>
     <p:spTree>
@@ -11703,7 +11611,7 @@
 </p:sld>
 </file>
 
-<file path=ppt/slides/slide32.xml><?xml version="1.0" encoding="utf-8"?>
+<file path=ppt/slides/slide33.xml><?xml version="1.0" encoding="utf-8"?>
 <p:sld xmlns:a="http://schemas.openxmlformats.org/drawingml/2006/main" xmlns:r="http://schemas.openxmlformats.org/officeDocument/2006/relationships" xmlns:p="http://schemas.openxmlformats.org/presentationml/2006/main">
   <p:cSld>
     <p:spTree>
@@ -11797,7 +11705,7 @@
 </p:sld>
 </file>
 
-<file path=ppt/slides/slide33.xml><?xml version="1.0" encoding="utf-8"?>
+<file path=ppt/slides/slide34.xml><?xml version="1.0" encoding="utf-8"?>
 <p:sld xmlns:a="http://schemas.openxmlformats.org/drawingml/2006/main" xmlns:r="http://schemas.openxmlformats.org/officeDocument/2006/relationships" xmlns:p="http://schemas.openxmlformats.org/presentationml/2006/main">
   <p:cSld>
     <p:spTree>
@@ -11937,7 +11845,7 @@
 </p:sld>
 </file>
 
-<file path=ppt/slides/slide34.xml><?xml version="1.0" encoding="utf-8"?>
+<file path=ppt/slides/slide35.xml><?xml version="1.0" encoding="utf-8"?>
 <p:sld xmlns:a="http://schemas.openxmlformats.org/drawingml/2006/main" xmlns:r="http://schemas.openxmlformats.org/officeDocument/2006/relationships" xmlns:p="http://schemas.openxmlformats.org/presentationml/2006/main">
   <p:cSld>
     <p:spTree>
@@ -12942,7 +12850,7 @@
 </p:sld>
 </file>
 
-<file path=ppt/slides/slide35.xml><?xml version="1.0" encoding="utf-8"?>
+<file path=ppt/slides/slide36.xml><?xml version="1.0" encoding="utf-8"?>
 <p:sld xmlns:a="http://schemas.openxmlformats.org/drawingml/2006/main" xmlns:r="http://schemas.openxmlformats.org/officeDocument/2006/relationships" xmlns:p="http://schemas.openxmlformats.org/presentationml/2006/main">
   <p:cSld>
     <p:spTree>
@@ -12999,7 +12907,7 @@
           <a:p>
             <a:r>
               <a:rPr lang="zh-TW" altLang="en-US" dirty="0" smtClean="0"/>
-              <a:t>特性</a:t>
+              <a:t>特點</a:t>
             </a:r>
             <a:endParaRPr lang="en-US" altLang="zh-TW" dirty="0" smtClean="0"/>
           </a:p>
@@ -13018,15 +12926,7 @@
             <a:pPr lvl="1"/>
             <a:r>
               <a:rPr lang="zh-TW" altLang="en-US" dirty="0" smtClean="0"/>
-              <a:t>資料</a:t>
-            </a:r>
-            <a:r>
-              <a:rPr lang="zh-TW" altLang="en-US" dirty="0" smtClean="0"/>
-              <a:t>是共用</a:t>
-            </a:r>
-            <a:r>
-              <a:rPr lang="zh-TW" altLang="en-US" dirty="0" smtClean="0"/>
-              <a:t>的</a:t>
+              <a:t>資料是共用的</a:t>
             </a:r>
             <a:endParaRPr lang="en-US" altLang="zh-TW" dirty="0" smtClean="0"/>
           </a:p>
@@ -13064,20 +12964,282 @@
             <a:pPr lvl="1"/>
             <a:r>
               <a:rPr lang="zh-TW" altLang="en-US" dirty="0" smtClean="0"/>
-              <a:t>取：</a:t>
+              <a:t>取</a:t>
+            </a:r>
+            <a:r>
+              <a:rPr lang="zh-TW" altLang="en-US" dirty="0" smtClean="0"/>
+              <a:t>：</a:t>
+            </a:r>
+            <a:r>
+              <a:rPr lang="en-US" altLang="zh-TW" dirty="0" err="1" smtClean="0"/>
+              <a:t>var</a:t>
+            </a:r>
+            <a:r>
+              <a:rPr lang="zh-TW" altLang="en-US" dirty="0" smtClean="0"/>
+              <a:t> 資料</a:t>
+            </a:r>
+            <a:r>
+              <a:rPr lang="en-US" altLang="zh-TW" dirty="0" smtClean="0"/>
+              <a:t>= </a:t>
+            </a:r>
+            <a:r>
+              <a:rPr lang="en-US" altLang="zh-TW" dirty="0" smtClean="0"/>
+              <a:t>Application</a:t>
             </a:r>
             <a:r>
               <a:rPr lang="en-US" altLang="zh-TW" dirty="0"/>
-              <a:t>Application[“key”] = </a:t>
-            </a:r>
-            <a:r>
-              <a:rPr lang="zh-TW" altLang="en-US" dirty="0"/>
-              <a:t>資料</a:t>
-            </a:r>
+              <a:t>[“key”] </a:t>
+            </a:r>
+            <a:endParaRPr lang="en-US" altLang="zh-TW" dirty="0" smtClean="0"/>
           </a:p>
           <a:p>
             <a:pPr lvl="1"/>
             <a:endParaRPr lang="zh-TW" altLang="en-US" dirty="0"/>
+          </a:p>
+          <a:p>
+            <a:pPr lvl="1"/>
+            <a:endParaRPr lang="zh-TW" altLang="en-US" dirty="0"/>
+          </a:p>
+        </p:txBody>
+      </p:sp>
+      <p:sp>
+        <p:nvSpPr>
+          <p:cNvPr id="4" name="矩形 3"/>
+          <p:cNvSpPr/>
+          <p:nvPr/>
+        </p:nvSpPr>
+        <p:spPr>
+          <a:xfrm>
+            <a:off x="3921369" y="4325814"/>
+            <a:ext cx="2444262" cy="413239"/>
+          </a:xfrm>
+          <a:prstGeom prst="rect">
+            <a:avLst/>
+          </a:prstGeom>
+          <a:noFill/>
+          <a:ln w="28575">
+            <a:solidFill>
+              <a:srgbClr val="FF0000"/>
+            </a:solidFill>
+          </a:ln>
+        </p:spPr>
+        <p:style>
+          <a:lnRef idx="2">
+            <a:schemeClr val="accent1">
+              <a:shade val="50000"/>
+            </a:schemeClr>
+          </a:lnRef>
+          <a:fillRef idx="1">
+            <a:schemeClr val="accent1"/>
+          </a:fillRef>
+          <a:effectRef idx="0">
+            <a:schemeClr val="accent1"/>
+          </a:effectRef>
+          <a:fontRef idx="minor">
+            <a:schemeClr val="lt1"/>
+          </a:fontRef>
+        </p:style>
+        <p:txBody>
+          <a:bodyPr rtlCol="0" anchor="ctr"/>
+          <a:lstStyle/>
+          <a:p>
+            <a:pPr algn="ctr"/>
+            <a:endParaRPr lang="zh-TW" altLang="en-US"/>
+          </a:p>
+        </p:txBody>
+      </p:sp>
+      <p:sp>
+        <p:nvSpPr>
+          <p:cNvPr id="5" name="向下箭號 4"/>
+          <p:cNvSpPr/>
+          <p:nvPr/>
+        </p:nvSpPr>
+        <p:spPr>
+          <a:xfrm rot="10800000">
+            <a:off x="4945673" y="4772208"/>
+            <a:ext cx="395654" cy="457200"/>
+          </a:xfrm>
+          <a:prstGeom prst="downArrow">
+            <a:avLst/>
+          </a:prstGeom>
+        </p:spPr>
+        <p:style>
+          <a:lnRef idx="2">
+            <a:schemeClr val="accent1">
+              <a:shade val="50000"/>
+            </a:schemeClr>
+          </a:lnRef>
+          <a:fillRef idx="1">
+            <a:schemeClr val="accent1"/>
+          </a:fillRef>
+          <a:effectRef idx="0">
+            <a:schemeClr val="accent1"/>
+          </a:effectRef>
+          <a:fontRef idx="minor">
+            <a:schemeClr val="lt1"/>
+          </a:fontRef>
+        </p:style>
+        <p:txBody>
+          <a:bodyPr rtlCol="0" anchor="ctr"/>
+          <a:lstStyle/>
+          <a:p>
+            <a:pPr algn="ctr"/>
+            <a:endParaRPr lang="zh-TW" altLang="en-US"/>
+          </a:p>
+        </p:txBody>
+      </p:sp>
+      <p:sp>
+        <p:nvSpPr>
+          <p:cNvPr id="6" name="矩形 5"/>
+          <p:cNvSpPr/>
+          <p:nvPr/>
+        </p:nvSpPr>
+        <p:spPr>
+          <a:xfrm>
+            <a:off x="4486909" y="5333854"/>
+            <a:ext cx="1313180" cy="369332"/>
+          </a:xfrm>
+          <a:prstGeom prst="rect">
+            <a:avLst/>
+          </a:prstGeom>
+        </p:spPr>
+        <p:txBody>
+          <a:bodyPr wrap="none">
+            <a:spAutoFit/>
+          </a:bodyPr>
+          <a:lstStyle/>
+          <a:p>
+            <a:r>
+              <a:rPr lang="en-US" altLang="zh-TW" dirty="0" smtClean="0"/>
+              <a:t>Object</a:t>
+            </a:r>
+            <a:r>
+              <a:rPr lang="zh-TW" altLang="en-US" dirty="0" smtClean="0"/>
+              <a:t>型別</a:t>
+            </a:r>
+            <a:endParaRPr lang="zh-TW" altLang="en-US" dirty="0"/>
+          </a:p>
+        </p:txBody>
+      </p:sp>
+      <p:sp>
+        <p:nvSpPr>
+          <p:cNvPr id="7" name="矩形 6"/>
+          <p:cNvSpPr/>
+          <p:nvPr/>
+        </p:nvSpPr>
+        <p:spPr>
+          <a:xfrm>
+            <a:off x="2558562" y="4325814"/>
+            <a:ext cx="545123" cy="413239"/>
+          </a:xfrm>
+          <a:prstGeom prst="rect">
+            <a:avLst/>
+          </a:prstGeom>
+          <a:noFill/>
+          <a:ln w="28575">
+            <a:solidFill>
+              <a:srgbClr val="FF0000"/>
+            </a:solidFill>
+          </a:ln>
+        </p:spPr>
+        <p:style>
+          <a:lnRef idx="2">
+            <a:schemeClr val="accent1">
+              <a:shade val="50000"/>
+            </a:schemeClr>
+          </a:lnRef>
+          <a:fillRef idx="1">
+            <a:schemeClr val="accent1"/>
+          </a:fillRef>
+          <a:effectRef idx="0">
+            <a:schemeClr val="accent1"/>
+          </a:effectRef>
+          <a:fontRef idx="minor">
+            <a:schemeClr val="lt1"/>
+          </a:fontRef>
+        </p:style>
+        <p:txBody>
+          <a:bodyPr rtlCol="0" anchor="ctr"/>
+          <a:lstStyle/>
+          <a:p>
+            <a:pPr algn="ctr"/>
+            <a:endParaRPr lang="zh-TW" altLang="en-US"/>
+          </a:p>
+        </p:txBody>
+      </p:sp>
+      <p:sp>
+        <p:nvSpPr>
+          <p:cNvPr id="8" name="矩形 7"/>
+          <p:cNvSpPr/>
+          <p:nvPr/>
+        </p:nvSpPr>
+        <p:spPr>
+          <a:xfrm>
+            <a:off x="2277125" y="5195354"/>
+            <a:ext cx="1107996" cy="646331"/>
+          </a:xfrm>
+          <a:prstGeom prst="rect">
+            <a:avLst/>
+          </a:prstGeom>
+        </p:spPr>
+        <p:txBody>
+          <a:bodyPr wrap="none">
+            <a:spAutoFit/>
+          </a:bodyPr>
+          <a:lstStyle/>
+          <a:p>
+            <a:r>
+              <a:rPr lang="zh-TW" altLang="en-US" dirty="0" smtClean="0"/>
+              <a:t>依照型別</a:t>
+            </a:r>
+            <a:endParaRPr lang="en-US" altLang="zh-TW" dirty="0" smtClean="0"/>
+          </a:p>
+          <a:p>
+            <a:r>
+              <a:rPr lang="zh-TW" altLang="en-US" dirty="0" smtClean="0"/>
+              <a:t>自行設定</a:t>
+            </a:r>
+            <a:endParaRPr lang="zh-TW" altLang="en-US" dirty="0"/>
+          </a:p>
+        </p:txBody>
+      </p:sp>
+      <p:sp>
+        <p:nvSpPr>
+          <p:cNvPr id="9" name="向下箭號 8"/>
+          <p:cNvSpPr/>
+          <p:nvPr/>
+        </p:nvSpPr>
+        <p:spPr>
+          <a:xfrm rot="10800000">
+            <a:off x="2633296" y="4772209"/>
+            <a:ext cx="395654" cy="457200"/>
+          </a:xfrm>
+          <a:prstGeom prst="downArrow">
+            <a:avLst/>
+          </a:prstGeom>
+        </p:spPr>
+        <p:style>
+          <a:lnRef idx="2">
+            <a:schemeClr val="accent1">
+              <a:shade val="50000"/>
+            </a:schemeClr>
+          </a:lnRef>
+          <a:fillRef idx="1">
+            <a:schemeClr val="accent1"/>
+          </a:fillRef>
+          <a:effectRef idx="0">
+            <a:schemeClr val="accent1"/>
+          </a:effectRef>
+          <a:fontRef idx="minor">
+            <a:schemeClr val="lt1"/>
+          </a:fontRef>
+        </p:style>
+        <p:txBody>
+          <a:bodyPr rtlCol="0" anchor="ctr"/>
+          <a:lstStyle/>
+          <a:p>
+            <a:pPr algn="ctr"/>
+            <a:endParaRPr lang="zh-TW" altLang="en-US"/>
           </a:p>
         </p:txBody>
       </p:sp>
@@ -13106,7 +13268,7 @@
 </p:sld>
 </file>
 
-<file path=ppt/slides/slide36.xml><?xml version="1.0" encoding="utf-8"?>
+<file path=ppt/slides/slide37.xml><?xml version="1.0" encoding="utf-8"?>
 <p:sld xmlns:a="http://schemas.openxmlformats.org/drawingml/2006/main" xmlns:r="http://schemas.openxmlformats.org/officeDocument/2006/relationships" xmlns:p="http://schemas.openxmlformats.org/presentationml/2006/main">
   <p:cSld>
     <p:spTree>
@@ -13205,7 +13367,7 @@
 </p:sld>
 </file>
 
-<file path=ppt/slides/slide37.xml><?xml version="1.0" encoding="utf-8"?>
+<file path=ppt/slides/slide38.xml><?xml version="1.0" encoding="utf-8"?>
 <p:sld xmlns:a="http://schemas.openxmlformats.org/drawingml/2006/main" xmlns:r="http://schemas.openxmlformats.org/officeDocument/2006/relationships" xmlns:p="http://schemas.openxmlformats.org/presentationml/2006/main">
   <p:cSld>
     <p:spTree>
@@ -13304,7 +13466,7 @@
 </p:sld>
 </file>
 
-<file path=ppt/slides/slide38.xml><?xml version="1.0" encoding="utf-8"?>
+<file path=ppt/slides/slide39.xml><?xml version="1.0" encoding="utf-8"?>
 <p:sld xmlns:a="http://schemas.openxmlformats.org/drawingml/2006/main" xmlns:r="http://schemas.openxmlformats.org/officeDocument/2006/relationships" xmlns:p="http://schemas.openxmlformats.org/presentationml/2006/main">
   <p:cSld>
     <p:spTree>
@@ -13361,18 +13523,22 @@
           <a:p>
             <a:r>
               <a:rPr lang="zh-TW" altLang="en-US" dirty="0"/>
-              <a:t>特性</a:t>
-            </a:r>
-            <a:endParaRPr lang="en-US" altLang="zh-TW" dirty="0"/>
+              <a:t>特</a:t>
+            </a:r>
+            <a:r>
+              <a:rPr lang="zh-TW" altLang="en-US" dirty="0" smtClean="0"/>
+              <a:t>點</a:t>
+            </a:r>
+            <a:endParaRPr lang="en-US" altLang="zh-TW" dirty="0" smtClean="0"/>
           </a:p>
           <a:p>
             <a:pPr lvl="1"/>
             <a:r>
-              <a:rPr lang="zh-TW" altLang="en-US" dirty="0"/>
+              <a:rPr lang="zh-TW" altLang="en-US" dirty="0" smtClean="0"/>
               <a:t>資料存在</a:t>
             </a:r>
             <a:r>
-              <a:rPr lang="en-US" altLang="zh-TW" dirty="0"/>
+              <a:rPr lang="en-US" altLang="zh-TW" dirty="0" smtClean="0"/>
               <a:t>Server</a:t>
             </a:r>
           </a:p>
@@ -13380,7 +13546,11 @@
             <a:pPr lvl="1"/>
             <a:r>
               <a:rPr lang="zh-TW" altLang="en-US" dirty="0" smtClean="0"/>
-              <a:t>資料依據</a:t>
+              <a:t>資料</a:t>
+            </a:r>
+            <a:r>
+              <a:rPr lang="zh-TW" altLang="en-US" dirty="0" smtClean="0"/>
+              <a:t>依據</a:t>
             </a:r>
             <a:r>
               <a:rPr lang="en-US" altLang="zh-TW" dirty="0" smtClean="0"/>
@@ -13445,20 +13615,271 @@
               <a:t>：</a:t>
             </a:r>
             <a:r>
-              <a:rPr lang="en-US" altLang="zh-TW" dirty="0" smtClean="0"/>
-              <a:t>Session[“</a:t>
-            </a:r>
-            <a:r>
-              <a:rPr lang="en-US" altLang="zh-TW" dirty="0"/>
-              <a:t>key”] = </a:t>
+              <a:rPr lang="en-US" altLang="zh-TW" dirty="0" err="1" smtClean="0"/>
+              <a:t>var</a:t>
+            </a:r>
+            <a:r>
+              <a:rPr lang="zh-TW" altLang="en-US" dirty="0" smtClean="0"/>
+              <a:t> </a:t>
             </a:r>
             <a:r>
               <a:rPr lang="zh-TW" altLang="en-US" dirty="0"/>
               <a:t>資料</a:t>
             </a:r>
-          </a:p>
-          <a:p>
+            <a:r>
+              <a:rPr lang="en-US" altLang="zh-TW" dirty="0"/>
+              <a:t>= Session</a:t>
+            </a:r>
+            <a:r>
+              <a:rPr lang="en-US" altLang="zh-TW" dirty="0" smtClean="0"/>
+              <a:t>[“</a:t>
+            </a:r>
+            <a:r>
+              <a:rPr lang="en-US" altLang="zh-TW" dirty="0"/>
+              <a:t>key”] </a:t>
+            </a:r>
             <a:endParaRPr lang="zh-TW" altLang="en-US" dirty="0"/>
+          </a:p>
+        </p:txBody>
+      </p:sp>
+      <p:sp>
+        <p:nvSpPr>
+          <p:cNvPr id="8" name="矩形 7"/>
+          <p:cNvSpPr/>
+          <p:nvPr/>
+        </p:nvSpPr>
+        <p:spPr>
+          <a:xfrm>
+            <a:off x="3921373" y="4334606"/>
+            <a:ext cx="2057400" cy="413239"/>
+          </a:xfrm>
+          <a:prstGeom prst="rect">
+            <a:avLst/>
+          </a:prstGeom>
+          <a:noFill/>
+          <a:ln w="28575">
+            <a:solidFill>
+              <a:srgbClr val="FF0000"/>
+            </a:solidFill>
+          </a:ln>
+        </p:spPr>
+        <p:style>
+          <a:lnRef idx="2">
+            <a:schemeClr val="accent1">
+              <a:shade val="50000"/>
+            </a:schemeClr>
+          </a:lnRef>
+          <a:fillRef idx="1">
+            <a:schemeClr val="accent1"/>
+          </a:fillRef>
+          <a:effectRef idx="0">
+            <a:schemeClr val="accent1"/>
+          </a:effectRef>
+          <a:fontRef idx="minor">
+            <a:schemeClr val="lt1"/>
+          </a:fontRef>
+        </p:style>
+        <p:txBody>
+          <a:bodyPr rtlCol="0" anchor="ctr"/>
+          <a:lstStyle/>
+          <a:p>
+            <a:pPr algn="ctr"/>
+            <a:endParaRPr lang="zh-TW" altLang="en-US"/>
+          </a:p>
+        </p:txBody>
+      </p:sp>
+      <p:sp>
+        <p:nvSpPr>
+          <p:cNvPr id="9" name="向下箭號 8"/>
+          <p:cNvSpPr/>
+          <p:nvPr/>
+        </p:nvSpPr>
+        <p:spPr>
+          <a:xfrm rot="10800000">
+            <a:off x="4945677" y="4781000"/>
+            <a:ext cx="395654" cy="457200"/>
+          </a:xfrm>
+          <a:prstGeom prst="downArrow">
+            <a:avLst/>
+          </a:prstGeom>
+        </p:spPr>
+        <p:style>
+          <a:lnRef idx="2">
+            <a:schemeClr val="accent1">
+              <a:shade val="50000"/>
+            </a:schemeClr>
+          </a:lnRef>
+          <a:fillRef idx="1">
+            <a:schemeClr val="accent1"/>
+          </a:fillRef>
+          <a:effectRef idx="0">
+            <a:schemeClr val="accent1"/>
+          </a:effectRef>
+          <a:fontRef idx="minor">
+            <a:schemeClr val="lt1"/>
+          </a:fontRef>
+        </p:style>
+        <p:txBody>
+          <a:bodyPr rtlCol="0" anchor="ctr"/>
+          <a:lstStyle/>
+          <a:p>
+            <a:pPr algn="ctr"/>
+            <a:endParaRPr lang="zh-TW" altLang="en-US"/>
+          </a:p>
+        </p:txBody>
+      </p:sp>
+      <p:sp>
+        <p:nvSpPr>
+          <p:cNvPr id="10" name="矩形 9"/>
+          <p:cNvSpPr/>
+          <p:nvPr/>
+        </p:nvSpPr>
+        <p:spPr>
+          <a:xfrm>
+            <a:off x="4486913" y="5342646"/>
+            <a:ext cx="1313180" cy="369332"/>
+          </a:xfrm>
+          <a:prstGeom prst="rect">
+            <a:avLst/>
+          </a:prstGeom>
+        </p:spPr>
+        <p:txBody>
+          <a:bodyPr wrap="none">
+            <a:spAutoFit/>
+          </a:bodyPr>
+          <a:lstStyle/>
+          <a:p>
+            <a:r>
+              <a:rPr lang="en-US" altLang="zh-TW" dirty="0" smtClean="0"/>
+              <a:t>Object</a:t>
+            </a:r>
+            <a:r>
+              <a:rPr lang="zh-TW" altLang="en-US" dirty="0" smtClean="0"/>
+              <a:t>型別</a:t>
+            </a:r>
+            <a:endParaRPr lang="zh-TW" altLang="en-US" dirty="0"/>
+          </a:p>
+        </p:txBody>
+      </p:sp>
+      <p:sp>
+        <p:nvSpPr>
+          <p:cNvPr id="11" name="矩形 10"/>
+          <p:cNvSpPr/>
+          <p:nvPr/>
+        </p:nvSpPr>
+        <p:spPr>
+          <a:xfrm>
+            <a:off x="2530109" y="4334606"/>
+            <a:ext cx="545123" cy="413239"/>
+          </a:xfrm>
+          <a:prstGeom prst="rect">
+            <a:avLst/>
+          </a:prstGeom>
+          <a:noFill/>
+          <a:ln w="28575">
+            <a:solidFill>
+              <a:srgbClr val="FF0000"/>
+            </a:solidFill>
+          </a:ln>
+        </p:spPr>
+        <p:style>
+          <a:lnRef idx="2">
+            <a:schemeClr val="accent1">
+              <a:shade val="50000"/>
+            </a:schemeClr>
+          </a:lnRef>
+          <a:fillRef idx="1">
+            <a:schemeClr val="accent1"/>
+          </a:fillRef>
+          <a:effectRef idx="0">
+            <a:schemeClr val="accent1"/>
+          </a:effectRef>
+          <a:fontRef idx="minor">
+            <a:schemeClr val="lt1"/>
+          </a:fontRef>
+        </p:style>
+        <p:txBody>
+          <a:bodyPr rtlCol="0" anchor="ctr"/>
+          <a:lstStyle/>
+          <a:p>
+            <a:pPr algn="ctr"/>
+            <a:endParaRPr lang="zh-TW" altLang="en-US"/>
+          </a:p>
+        </p:txBody>
+      </p:sp>
+      <p:sp>
+        <p:nvSpPr>
+          <p:cNvPr id="12" name="矩形 11"/>
+          <p:cNvSpPr/>
+          <p:nvPr/>
+        </p:nvSpPr>
+        <p:spPr>
+          <a:xfrm>
+            <a:off x="2248672" y="5204146"/>
+            <a:ext cx="1107996" cy="646331"/>
+          </a:xfrm>
+          <a:prstGeom prst="rect">
+            <a:avLst/>
+          </a:prstGeom>
+        </p:spPr>
+        <p:txBody>
+          <a:bodyPr wrap="none">
+            <a:spAutoFit/>
+          </a:bodyPr>
+          <a:lstStyle/>
+          <a:p>
+            <a:r>
+              <a:rPr lang="zh-TW" altLang="en-US" dirty="0" smtClean="0"/>
+              <a:t>依照型別</a:t>
+            </a:r>
+            <a:endParaRPr lang="en-US" altLang="zh-TW" dirty="0" smtClean="0"/>
+          </a:p>
+          <a:p>
+            <a:r>
+              <a:rPr lang="zh-TW" altLang="en-US" dirty="0" smtClean="0"/>
+              <a:t>自行設定</a:t>
+            </a:r>
+            <a:endParaRPr lang="zh-TW" altLang="en-US" dirty="0"/>
+          </a:p>
+        </p:txBody>
+      </p:sp>
+      <p:sp>
+        <p:nvSpPr>
+          <p:cNvPr id="13" name="向下箭號 12"/>
+          <p:cNvSpPr/>
+          <p:nvPr/>
+        </p:nvSpPr>
+        <p:spPr>
+          <a:xfrm rot="10800000">
+            <a:off x="2604843" y="4781001"/>
+            <a:ext cx="395654" cy="457200"/>
+          </a:xfrm>
+          <a:prstGeom prst="downArrow">
+            <a:avLst/>
+          </a:prstGeom>
+        </p:spPr>
+        <p:style>
+          <a:lnRef idx="2">
+            <a:schemeClr val="accent1">
+              <a:shade val="50000"/>
+            </a:schemeClr>
+          </a:lnRef>
+          <a:fillRef idx="1">
+            <a:schemeClr val="accent1"/>
+          </a:fillRef>
+          <a:effectRef idx="0">
+            <a:schemeClr val="accent1"/>
+          </a:effectRef>
+          <a:fontRef idx="minor">
+            <a:schemeClr val="lt1"/>
+          </a:fontRef>
+        </p:style>
+        <p:txBody>
+          <a:bodyPr rtlCol="0" anchor="ctr"/>
+          <a:lstStyle/>
+          <a:p>
+            <a:pPr algn="ctr"/>
+            <a:endParaRPr lang="zh-TW" altLang="en-US"/>
           </a:p>
         </p:txBody>
       </p:sp>
@@ -13487,7 +13908,216 @@
 </p:sld>
 </file>
 
-<file path=ppt/slides/slide39.xml><?xml version="1.0" encoding="utf-8"?>
+<file path=ppt/slides/slide4.xml><?xml version="1.0" encoding="utf-8"?>
+<p:sld xmlns:a="http://schemas.openxmlformats.org/drawingml/2006/main" xmlns:r="http://schemas.openxmlformats.org/officeDocument/2006/relationships" xmlns:p="http://schemas.openxmlformats.org/presentationml/2006/main">
+  <p:cSld>
+    <p:spTree>
+      <p:nvGrpSpPr>
+        <p:cNvPr id="1" name=""/>
+        <p:cNvGrpSpPr/>
+        <p:nvPr/>
+      </p:nvGrpSpPr>
+      <p:grpSpPr>
+        <a:xfrm>
+          <a:off x="0" y="0"/>
+          <a:ext cx="0" cy="0"/>
+          <a:chOff x="0" y="0"/>
+          <a:chExt cx="0" cy="0"/>
+        </a:xfrm>
+      </p:grpSpPr>
+      <p:sp>
+        <p:nvSpPr>
+          <p:cNvPr id="2" name="標題 1"/>
+          <p:cNvSpPr>
+            <a:spLocks noGrp="1"/>
+          </p:cNvSpPr>
+          <p:nvPr>
+            <p:ph type="title"/>
+          </p:nvPr>
+        </p:nvSpPr>
+        <p:spPr/>
+        <p:txBody>
+          <a:bodyPr/>
+          <a:lstStyle/>
+          <a:p>
+            <a:r>
+              <a:rPr lang="zh-TW" altLang="en-US" dirty="0"/>
+              <a:t>什麼是</a:t>
+            </a:r>
+            <a:r>
+              <a:rPr lang="en-US" altLang="zh-TW" dirty="0"/>
+              <a:t>Web</a:t>
+            </a:r>
+            <a:r>
+              <a:rPr lang="zh-TW" altLang="en-US" dirty="0"/>
+              <a:t> </a:t>
+            </a:r>
+            <a:r>
+              <a:rPr lang="en-US" altLang="zh-TW" dirty="0"/>
+              <a:t>Form</a:t>
+            </a:r>
+            <a:endParaRPr lang="zh-TW" altLang="en-US" dirty="0"/>
+          </a:p>
+        </p:txBody>
+      </p:sp>
+      <p:sp>
+        <p:nvSpPr>
+          <p:cNvPr id="3" name="內容版面配置區 2"/>
+          <p:cNvSpPr>
+            <a:spLocks noGrp="1"/>
+          </p:cNvSpPr>
+          <p:nvPr>
+            <p:ph idx="1"/>
+          </p:nvPr>
+        </p:nvSpPr>
+        <p:spPr/>
+        <p:txBody>
+          <a:bodyPr/>
+          <a:lstStyle/>
+          <a:p>
+            <a:r>
+              <a:rPr lang="en-US" altLang="zh-TW" dirty="0"/>
+              <a:t>Web </a:t>
+            </a:r>
+            <a:r>
+              <a:rPr lang="en-US" altLang="zh-TW" dirty="0" smtClean="0"/>
+              <a:t>Form </a:t>
+            </a:r>
+            <a:r>
+              <a:rPr lang="zh-TW" altLang="en-US" dirty="0"/>
+              <a:t>是您的使用者使用其瀏覽器要求的頁面。這些頁面可以使用 </a:t>
+            </a:r>
+            <a:r>
+              <a:rPr lang="en-US" altLang="zh-TW" dirty="0">
+                <a:solidFill>
+                  <a:srgbClr val="FF0000"/>
+                </a:solidFill>
+              </a:rPr>
+              <a:t>HTML</a:t>
+            </a:r>
+            <a:r>
+              <a:rPr lang="zh-TW" altLang="en-US" dirty="0"/>
+              <a:t>、</a:t>
+            </a:r>
+            <a:r>
+              <a:rPr lang="zh-TW" altLang="en-US" dirty="0">
+                <a:solidFill>
+                  <a:srgbClr val="FF0000"/>
+                </a:solidFill>
+              </a:rPr>
+              <a:t>用戶端腳本</a:t>
+            </a:r>
+            <a:r>
+              <a:rPr lang="zh-TW" altLang="en-US" dirty="0"/>
+              <a:t>、</a:t>
+            </a:r>
+            <a:r>
+              <a:rPr lang="zh-TW" altLang="en-US" dirty="0">
+                <a:solidFill>
+                  <a:srgbClr val="FF0000"/>
+                </a:solidFill>
+              </a:rPr>
+              <a:t>伺服器控制項</a:t>
+            </a:r>
+            <a:r>
+              <a:rPr lang="zh-TW" altLang="en-US" dirty="0"/>
+              <a:t>和</a:t>
+            </a:r>
+            <a:r>
+              <a:rPr lang="zh-TW" altLang="en-US" dirty="0">
+                <a:solidFill>
+                  <a:srgbClr val="FF0000"/>
+                </a:solidFill>
+              </a:rPr>
+              <a:t>伺服器程式碼</a:t>
+            </a:r>
+            <a:r>
+              <a:rPr lang="zh-TW" altLang="en-US" dirty="0"/>
+              <a:t>的組合來撰寫。 </a:t>
+            </a:r>
+            <a:endParaRPr lang="en-US" altLang="zh-TW" dirty="0"/>
+          </a:p>
+          <a:p>
+            <a:endParaRPr lang="en-US" altLang="zh-TW" dirty="0"/>
+          </a:p>
+          <a:p>
+            <a:r>
+              <a:rPr lang="zh-TW" altLang="en-US" dirty="0"/>
+              <a:t>當使用者要求頁面時，架構會在</a:t>
+            </a:r>
+            <a:r>
+              <a:rPr lang="zh-TW" altLang="en-US" dirty="0">
+                <a:solidFill>
+                  <a:srgbClr val="FF0000"/>
+                </a:solidFill>
+              </a:rPr>
+              <a:t>伺服器上進行編譯和執行</a:t>
+            </a:r>
+            <a:r>
+              <a:rPr lang="zh-TW" altLang="en-US" dirty="0"/>
+              <a:t>，然後架構會</a:t>
+            </a:r>
+            <a:r>
+              <a:rPr lang="zh-TW" altLang="en-US" dirty="0">
+                <a:solidFill>
+                  <a:srgbClr val="FF0000"/>
+                </a:solidFill>
+              </a:rPr>
+              <a:t>產生瀏覽器可以呈現的 </a:t>
+            </a:r>
+            <a:r>
+              <a:rPr lang="en-US" altLang="zh-TW" dirty="0">
+                <a:solidFill>
+                  <a:srgbClr val="FF0000"/>
+                </a:solidFill>
+              </a:rPr>
+              <a:t>HTML </a:t>
+            </a:r>
+            <a:r>
+              <a:rPr lang="zh-TW" altLang="en-US" dirty="0">
+                <a:solidFill>
+                  <a:srgbClr val="FF0000"/>
+                </a:solidFill>
+              </a:rPr>
+              <a:t>標籤</a:t>
+            </a:r>
+            <a:r>
+              <a:rPr lang="zh-TW" altLang="en-US" dirty="0"/>
+              <a:t>。 </a:t>
+            </a:r>
+            <a:endParaRPr lang="en-US" altLang="zh-TW" dirty="0"/>
+          </a:p>
+          <a:p>
+            <a:endParaRPr lang="zh-TW" altLang="en-US" dirty="0"/>
+          </a:p>
+        </p:txBody>
+      </p:sp>
+    </p:spTree>
+    <p:extLst>
+      <p:ext uri="{BB962C8B-B14F-4D97-AF65-F5344CB8AC3E}">
+        <p14:creationId xmlns:p14="http://schemas.microsoft.com/office/powerpoint/2010/main" val="926524916"/>
+      </p:ext>
+    </p:extLst>
+  </p:cSld>
+  <p:clrMapOvr>
+    <a:masterClrMapping/>
+  </p:clrMapOvr>
+  <mc:AlternateContent xmlns:mc="http://schemas.openxmlformats.org/markup-compatibility/2006" xmlns:p14="http://schemas.microsoft.com/office/powerpoint/2010/main">
+    <mc:Choice Requires="p14">
+      <p:transition spd="slow" p14:dur="1500">
+        <p:random/>
+      </p:transition>
+    </mc:Choice>
+    <mc:Fallback xmlns="">
+      <p:transition spd="slow">
+        <p:random/>
+      </p:transition>
+    </mc:Fallback>
+  </mc:AlternateContent>
+</p:sld>
+</file>
+
+<file path=ppt/slides/slide40.xml><?xml version="1.0" encoding="utf-8"?>
 <p:sld xmlns:a="http://schemas.openxmlformats.org/drawingml/2006/main" xmlns:r="http://schemas.openxmlformats.org/officeDocument/2006/relationships" xmlns:p="http://schemas.openxmlformats.org/presentationml/2006/main">
   <p:cSld>
     <p:spTree>
@@ -13586,216 +14216,7 @@
 </p:sld>
 </file>
 
-<file path=ppt/slides/slide4.xml><?xml version="1.0" encoding="utf-8"?>
-<p:sld xmlns:a="http://schemas.openxmlformats.org/drawingml/2006/main" xmlns:r="http://schemas.openxmlformats.org/officeDocument/2006/relationships" xmlns:p="http://schemas.openxmlformats.org/presentationml/2006/main">
-  <p:cSld>
-    <p:spTree>
-      <p:nvGrpSpPr>
-        <p:cNvPr id="1" name=""/>
-        <p:cNvGrpSpPr/>
-        <p:nvPr/>
-      </p:nvGrpSpPr>
-      <p:grpSpPr>
-        <a:xfrm>
-          <a:off x="0" y="0"/>
-          <a:ext cx="0" cy="0"/>
-          <a:chOff x="0" y="0"/>
-          <a:chExt cx="0" cy="0"/>
-        </a:xfrm>
-      </p:grpSpPr>
-      <p:sp>
-        <p:nvSpPr>
-          <p:cNvPr id="2" name="標題 1"/>
-          <p:cNvSpPr>
-            <a:spLocks noGrp="1"/>
-          </p:cNvSpPr>
-          <p:nvPr>
-            <p:ph type="title"/>
-          </p:nvPr>
-        </p:nvSpPr>
-        <p:spPr/>
-        <p:txBody>
-          <a:bodyPr/>
-          <a:lstStyle/>
-          <a:p>
-            <a:r>
-              <a:rPr lang="zh-TW" altLang="en-US" dirty="0"/>
-              <a:t>什麼是</a:t>
-            </a:r>
-            <a:r>
-              <a:rPr lang="en-US" altLang="zh-TW" dirty="0"/>
-              <a:t>Web</a:t>
-            </a:r>
-            <a:r>
-              <a:rPr lang="zh-TW" altLang="en-US" dirty="0"/>
-              <a:t> </a:t>
-            </a:r>
-            <a:r>
-              <a:rPr lang="en-US" altLang="zh-TW" dirty="0"/>
-              <a:t>Form</a:t>
-            </a:r>
-            <a:endParaRPr lang="zh-TW" altLang="en-US" dirty="0"/>
-          </a:p>
-        </p:txBody>
-      </p:sp>
-      <p:sp>
-        <p:nvSpPr>
-          <p:cNvPr id="3" name="內容版面配置區 2"/>
-          <p:cNvSpPr>
-            <a:spLocks noGrp="1"/>
-          </p:cNvSpPr>
-          <p:nvPr>
-            <p:ph idx="1"/>
-          </p:nvPr>
-        </p:nvSpPr>
-        <p:spPr/>
-        <p:txBody>
-          <a:bodyPr/>
-          <a:lstStyle/>
-          <a:p>
-            <a:r>
-              <a:rPr lang="en-US" altLang="zh-TW" dirty="0"/>
-              <a:t>Web </a:t>
-            </a:r>
-            <a:r>
-              <a:rPr lang="en-US" altLang="zh-TW" dirty="0" smtClean="0"/>
-              <a:t>Form </a:t>
-            </a:r>
-            <a:r>
-              <a:rPr lang="zh-TW" altLang="en-US" dirty="0"/>
-              <a:t>是您的使用者使用其瀏覽器要求的頁面。這些頁面可以使用 </a:t>
-            </a:r>
-            <a:r>
-              <a:rPr lang="en-US" altLang="zh-TW" dirty="0">
-                <a:solidFill>
-                  <a:srgbClr val="FF0000"/>
-                </a:solidFill>
-              </a:rPr>
-              <a:t>HTML</a:t>
-            </a:r>
-            <a:r>
-              <a:rPr lang="zh-TW" altLang="en-US" dirty="0"/>
-              <a:t>、</a:t>
-            </a:r>
-            <a:r>
-              <a:rPr lang="zh-TW" altLang="en-US" dirty="0">
-                <a:solidFill>
-                  <a:srgbClr val="FF0000"/>
-                </a:solidFill>
-              </a:rPr>
-              <a:t>用戶端腳本</a:t>
-            </a:r>
-            <a:r>
-              <a:rPr lang="zh-TW" altLang="en-US" dirty="0"/>
-              <a:t>、</a:t>
-            </a:r>
-            <a:r>
-              <a:rPr lang="zh-TW" altLang="en-US" dirty="0">
-                <a:solidFill>
-                  <a:srgbClr val="FF0000"/>
-                </a:solidFill>
-              </a:rPr>
-              <a:t>伺服器控制項</a:t>
-            </a:r>
-            <a:r>
-              <a:rPr lang="zh-TW" altLang="en-US" dirty="0"/>
-              <a:t>和</a:t>
-            </a:r>
-            <a:r>
-              <a:rPr lang="zh-TW" altLang="en-US" dirty="0">
-                <a:solidFill>
-                  <a:srgbClr val="FF0000"/>
-                </a:solidFill>
-              </a:rPr>
-              <a:t>伺服器程式碼</a:t>
-            </a:r>
-            <a:r>
-              <a:rPr lang="zh-TW" altLang="en-US" dirty="0"/>
-              <a:t>的組合來撰寫。 </a:t>
-            </a:r>
-            <a:endParaRPr lang="en-US" altLang="zh-TW" dirty="0"/>
-          </a:p>
-          <a:p>
-            <a:endParaRPr lang="en-US" altLang="zh-TW" dirty="0"/>
-          </a:p>
-          <a:p>
-            <a:r>
-              <a:rPr lang="zh-TW" altLang="en-US" dirty="0"/>
-              <a:t>當使用者要求頁面時，架構會在</a:t>
-            </a:r>
-            <a:r>
-              <a:rPr lang="zh-TW" altLang="en-US" dirty="0">
-                <a:solidFill>
-                  <a:srgbClr val="FF0000"/>
-                </a:solidFill>
-              </a:rPr>
-              <a:t>伺服器上進行編譯和執行</a:t>
-            </a:r>
-            <a:r>
-              <a:rPr lang="zh-TW" altLang="en-US" dirty="0"/>
-              <a:t>，然後架構會</a:t>
-            </a:r>
-            <a:r>
-              <a:rPr lang="zh-TW" altLang="en-US" dirty="0">
-                <a:solidFill>
-                  <a:srgbClr val="FF0000"/>
-                </a:solidFill>
-              </a:rPr>
-              <a:t>產生瀏覽器可以呈現的 </a:t>
-            </a:r>
-            <a:r>
-              <a:rPr lang="en-US" altLang="zh-TW" dirty="0">
-                <a:solidFill>
-                  <a:srgbClr val="FF0000"/>
-                </a:solidFill>
-              </a:rPr>
-              <a:t>HTML </a:t>
-            </a:r>
-            <a:r>
-              <a:rPr lang="zh-TW" altLang="en-US" dirty="0">
-                <a:solidFill>
-                  <a:srgbClr val="FF0000"/>
-                </a:solidFill>
-              </a:rPr>
-              <a:t>標籤</a:t>
-            </a:r>
-            <a:r>
-              <a:rPr lang="zh-TW" altLang="en-US" dirty="0"/>
-              <a:t>。 </a:t>
-            </a:r>
-            <a:endParaRPr lang="en-US" altLang="zh-TW" dirty="0"/>
-          </a:p>
-          <a:p>
-            <a:endParaRPr lang="zh-TW" altLang="en-US" dirty="0"/>
-          </a:p>
-        </p:txBody>
-      </p:sp>
-    </p:spTree>
-    <p:extLst>
-      <p:ext uri="{BB962C8B-B14F-4D97-AF65-F5344CB8AC3E}">
-        <p14:creationId xmlns:p14="http://schemas.microsoft.com/office/powerpoint/2010/main" val="926524916"/>
-      </p:ext>
-    </p:extLst>
-  </p:cSld>
-  <p:clrMapOvr>
-    <a:masterClrMapping/>
-  </p:clrMapOvr>
-  <mc:AlternateContent xmlns:mc="http://schemas.openxmlformats.org/markup-compatibility/2006" xmlns:p14="http://schemas.microsoft.com/office/powerpoint/2010/main">
-    <mc:Choice Requires="p14">
-      <p:transition spd="slow" p14:dur="1500">
-        <p:random/>
-      </p:transition>
-    </mc:Choice>
-    <mc:Fallback xmlns="">
-      <p:transition spd="slow">
-        <p:random/>
-      </p:transition>
-    </mc:Fallback>
-  </mc:AlternateContent>
-</p:sld>
-</file>
-
-<file path=ppt/slides/slide40.xml><?xml version="1.0" encoding="utf-8"?>
+<file path=ppt/slides/slide41.xml><?xml version="1.0" encoding="utf-8"?>
 <p:sld xmlns:a="http://schemas.openxmlformats.org/drawingml/2006/main" xmlns:r="http://schemas.openxmlformats.org/officeDocument/2006/relationships" xmlns:p="http://schemas.openxmlformats.org/presentationml/2006/main">
   <p:cSld>
     <p:spTree>
@@ -13861,7 +14282,7 @@
         </p:blipFill>
         <p:spPr>
           <a:xfrm>
-            <a:off x="3252981" y="1554161"/>
+            <a:off x="3083854" y="1554162"/>
             <a:ext cx="5924246" cy="4415815"/>
           </a:xfrm>
           <a:prstGeom prst="rect">
@@ -13873,94 +14294,6 @@
     <p:extLst>
       <p:ext uri="{BB962C8B-B14F-4D97-AF65-F5344CB8AC3E}">
         <p14:creationId xmlns:p14="http://schemas.microsoft.com/office/powerpoint/2010/main" val="1716739369"/>
-      </p:ext>
-    </p:extLst>
-  </p:cSld>
-  <p:clrMapOvr>
-    <a:masterClrMapping/>
-  </p:clrMapOvr>
-  <mc:AlternateContent xmlns:mc="http://schemas.openxmlformats.org/markup-compatibility/2006" xmlns:p14="http://schemas.microsoft.com/office/powerpoint/2010/main">
-    <mc:Choice Requires="p14">
-      <p:transition spd="slow" p14:dur="1500">
-        <p:random/>
-      </p:transition>
-    </mc:Choice>
-    <mc:Fallback xmlns="">
-      <p:transition spd="slow">
-        <p:random/>
-      </p:transition>
-    </mc:Fallback>
-  </mc:AlternateContent>
-</p:sld>
-</file>
-
-<file path=ppt/slides/slide41.xml><?xml version="1.0" encoding="utf-8"?>
-<p:sld xmlns:a="http://schemas.openxmlformats.org/drawingml/2006/main" xmlns:r="http://schemas.openxmlformats.org/officeDocument/2006/relationships" xmlns:p="http://schemas.openxmlformats.org/presentationml/2006/main">
-  <p:cSld>
-    <p:spTree>
-      <p:nvGrpSpPr>
-        <p:cNvPr id="1" name=""/>
-        <p:cNvGrpSpPr/>
-        <p:nvPr/>
-      </p:nvGrpSpPr>
-      <p:grpSpPr>
-        <a:xfrm>
-          <a:off x="0" y="0"/>
-          <a:ext cx="0" cy="0"/>
-          <a:chOff x="0" y="0"/>
-          <a:chExt cx="0" cy="0"/>
-        </a:xfrm>
-      </p:grpSpPr>
-      <p:sp>
-        <p:nvSpPr>
-          <p:cNvPr id="2" name="標題 1"/>
-          <p:cNvSpPr>
-            <a:spLocks noGrp="1"/>
-          </p:cNvSpPr>
-          <p:nvPr>
-            <p:ph type="title"/>
-          </p:nvPr>
-        </p:nvSpPr>
-        <p:spPr/>
-        <p:txBody>
-          <a:bodyPr/>
-          <a:lstStyle/>
-          <a:p>
-            <a:r>
-              <a:rPr lang="zh-TW" altLang="en-US" dirty="0" smtClean="0"/>
-              <a:t>數字</a:t>
-            </a:r>
-            <a:r>
-              <a:rPr lang="zh-TW" altLang="en-US" dirty="0" smtClean="0"/>
-              <a:t>累加</a:t>
-            </a:r>
-            <a:endParaRPr lang="zh-TW" altLang="en-US" dirty="0"/>
-          </a:p>
-        </p:txBody>
-      </p:sp>
-      <p:sp>
-        <p:nvSpPr>
-          <p:cNvPr id="3" name="內容版面配置區 2"/>
-          <p:cNvSpPr>
-            <a:spLocks noGrp="1"/>
-          </p:cNvSpPr>
-          <p:nvPr>
-            <p:ph idx="1"/>
-          </p:nvPr>
-        </p:nvSpPr>
-        <p:spPr/>
-        <p:txBody>
-          <a:bodyPr/>
-          <a:lstStyle/>
-          <a:p>
-            <a:endParaRPr lang="zh-TW" altLang="en-US"/>
-          </a:p>
-        </p:txBody>
-      </p:sp>
-    </p:spTree>
-    <p:extLst>
-      <p:ext uri="{BB962C8B-B14F-4D97-AF65-F5344CB8AC3E}">
-        <p14:creationId xmlns:p14="http://schemas.microsoft.com/office/powerpoint/2010/main" val="336750149"/>
       </p:ext>
     </p:extLst>
   </p:cSld>
@@ -14015,8 +14348,16 @@
           <a:lstStyle/>
           <a:p>
             <a:r>
-              <a:rPr lang="en-US" altLang="zh-TW" dirty="0" smtClean="0"/>
-              <a:t>Cookie</a:t>
+              <a:rPr lang="zh-TW" altLang="en-US" dirty="0"/>
+              <a:t>練習</a:t>
+            </a:r>
+            <a:r>
+              <a:rPr lang="zh-TW" altLang="en-US" dirty="0" smtClean="0"/>
+              <a:t>數字</a:t>
+            </a:r>
+            <a:r>
+              <a:rPr lang="zh-TW" altLang="en-US" dirty="0" smtClean="0"/>
+              <a:t>累加</a:t>
             </a:r>
             <a:endParaRPr lang="zh-TW" altLang="en-US" dirty="0"/>
           </a:p>
@@ -14039,22 +14380,40 @@
           <a:p>
             <a:r>
               <a:rPr lang="zh-TW" altLang="en-US" dirty="0" smtClean="0"/>
-              <a:t>少量</a:t>
+              <a:t>比較差異</a:t>
             </a:r>
             <a:endParaRPr lang="en-US" altLang="zh-TW" dirty="0" smtClean="0"/>
           </a:p>
           <a:p>
+            <a:pPr lvl="1"/>
+            <a:r>
+              <a:rPr lang="zh-TW" altLang="en-US" dirty="0" smtClean="0"/>
+              <a:t>資料存在介面</a:t>
+            </a:r>
+            <a:endParaRPr lang="en-US" altLang="zh-TW" dirty="0" smtClean="0"/>
+          </a:p>
+          <a:p>
+            <a:pPr lvl="1"/>
             <a:r>
               <a:rPr lang="zh-TW" altLang="en-US" dirty="0"/>
-              <a:t>安全性問題</a:t>
-            </a:r>
+              <a:t>資料</a:t>
+            </a:r>
+            <a:r>
+              <a:rPr lang="zh-TW" altLang="en-US" dirty="0" smtClean="0"/>
+              <a:t>存在</a:t>
+            </a:r>
+            <a:r>
+              <a:rPr lang="en-US" altLang="zh-TW" dirty="0" smtClean="0"/>
+              <a:t>session</a:t>
+            </a:r>
+            <a:endParaRPr lang="zh-TW" altLang="en-US" dirty="0"/>
           </a:p>
         </p:txBody>
       </p:sp>
     </p:spTree>
     <p:extLst>
       <p:ext uri="{BB962C8B-B14F-4D97-AF65-F5344CB8AC3E}">
-        <p14:creationId xmlns:p14="http://schemas.microsoft.com/office/powerpoint/2010/main" val="1630876037"/>
+        <p14:creationId xmlns:p14="http://schemas.microsoft.com/office/powerpoint/2010/main" val="336750149"/>
       </p:ext>
     </p:extLst>
   </p:cSld>
@@ -14109,12 +14468,8 @@
           <a:lstStyle/>
           <a:p>
             <a:r>
-              <a:rPr lang="zh-TW" altLang="en-US" dirty="0" smtClean="0"/>
-              <a:t>看</a:t>
-            </a:r>
-            <a:r>
               <a:rPr lang="en-US" altLang="zh-TW" dirty="0" smtClean="0"/>
-              <a:t>F12</a:t>
+              <a:t>Cookie</a:t>
             </a:r>
             <a:endParaRPr lang="zh-TW" altLang="en-US" dirty="0"/>
           </a:p>
@@ -14135,14 +14490,93 @@
           <a:bodyPr/>
           <a:lstStyle/>
           <a:p>
-            <a:endParaRPr lang="zh-TW" altLang="en-US"/>
+            <a:r>
+              <a:rPr lang="zh-TW" altLang="en-US" dirty="0" smtClean="0"/>
+              <a:t>特點</a:t>
+            </a:r>
+            <a:endParaRPr lang="en-US" altLang="zh-TW" dirty="0"/>
+          </a:p>
+          <a:p>
+            <a:pPr lvl="1"/>
+            <a:r>
+              <a:rPr lang="zh-TW" altLang="en-US" dirty="0" smtClean="0"/>
+              <a:t>存在</a:t>
+            </a:r>
+            <a:r>
+              <a:rPr lang="en-US" altLang="zh-TW" dirty="0" smtClean="0"/>
+              <a:t>Client</a:t>
+            </a:r>
+            <a:r>
+              <a:rPr lang="zh-TW" altLang="en-US" dirty="0" smtClean="0"/>
+              <a:t>端記憶體</a:t>
+            </a:r>
+            <a:endParaRPr lang="en-US" altLang="zh-TW" dirty="0" smtClean="0"/>
+          </a:p>
+          <a:p>
+            <a:pPr lvl="1"/>
+            <a:r>
+              <a:rPr lang="zh-TW" altLang="en-US" dirty="0" smtClean="0"/>
+              <a:t>設定存取範圍</a:t>
+            </a:r>
+            <a:endParaRPr lang="en-US" altLang="zh-TW" dirty="0" smtClean="0"/>
+          </a:p>
+          <a:p>
+            <a:pPr lvl="1"/>
+            <a:r>
+              <a:rPr lang="zh-TW" altLang="en-US" dirty="0" smtClean="0"/>
+              <a:t>資料大小限制</a:t>
+            </a:r>
+            <a:endParaRPr lang="en-US" altLang="zh-TW" dirty="0" smtClean="0"/>
+          </a:p>
+          <a:p>
+            <a:pPr lvl="1"/>
+            <a:endParaRPr lang="en-US" altLang="zh-TW" dirty="0" smtClean="0"/>
+          </a:p>
+          <a:p>
+            <a:r>
+              <a:rPr lang="zh-TW" altLang="en-US" dirty="0" smtClean="0"/>
+              <a:t>安全</a:t>
+            </a:r>
+            <a:r>
+              <a:rPr lang="zh-TW" altLang="en-US" dirty="0"/>
+              <a:t>性</a:t>
+            </a:r>
+            <a:r>
+              <a:rPr lang="zh-TW" altLang="en-US" dirty="0" smtClean="0"/>
+              <a:t>問題</a:t>
+            </a:r>
+            <a:endParaRPr lang="en-US" altLang="zh-TW" dirty="0" smtClean="0"/>
+          </a:p>
+          <a:p>
+            <a:pPr lvl="1"/>
+            <a:r>
+              <a:rPr lang="zh-TW" altLang="en-US" dirty="0"/>
+              <a:t>可能遭他人</a:t>
+            </a:r>
+            <a:r>
+              <a:rPr lang="zh-TW" altLang="en-US" dirty="0" smtClean="0"/>
+              <a:t>竄改</a:t>
+            </a:r>
+            <a:endParaRPr lang="en-US" altLang="zh-TW" dirty="0" smtClean="0"/>
+          </a:p>
+          <a:p>
+            <a:pPr lvl="1"/>
+            <a:r>
+              <a:rPr lang="zh-TW" altLang="en-US" dirty="0" smtClean="0"/>
+              <a:t>資料可能被監看</a:t>
+            </a:r>
+            <a:endParaRPr lang="en-US" altLang="zh-TW" dirty="0" smtClean="0"/>
+          </a:p>
+          <a:p>
+            <a:pPr lvl="1"/>
+            <a:endParaRPr lang="en-US" altLang="zh-TW" dirty="0"/>
           </a:p>
         </p:txBody>
       </p:sp>
     </p:spTree>
     <p:extLst>
       <p:ext uri="{BB962C8B-B14F-4D97-AF65-F5344CB8AC3E}">
-        <p14:creationId xmlns:p14="http://schemas.microsoft.com/office/powerpoint/2010/main" val="670170823"/>
+        <p14:creationId xmlns:p14="http://schemas.microsoft.com/office/powerpoint/2010/main" val="1630876037"/>
       </p:ext>
     </p:extLst>
   </p:cSld>
@@ -14197,8 +14631,8 @@
           <a:lstStyle/>
           <a:p>
             <a:r>
-              <a:rPr lang="en-US" altLang="zh-TW" dirty="0" err="1" smtClean="0"/>
-              <a:t>ViewState</a:t>
+              <a:rPr lang="en-US" altLang="zh-TW" dirty="0"/>
+              <a:t>Cookie</a:t>
             </a:r>
             <a:endParaRPr lang="zh-TW" altLang="en-US" dirty="0"/>
           </a:p>
@@ -14216,95 +14650,272 @@
         </p:nvSpPr>
         <p:spPr/>
         <p:txBody>
-          <a:bodyPr/>
-          <a:lstStyle/>
-          <a:p>
+          <a:bodyPr>
+            <a:normAutofit/>
+          </a:bodyPr>
+          <a:lstStyle/>
+          <a:p>
+            <a:r>
+              <a:rPr lang="zh-TW" altLang="en-US" dirty="0" smtClean="0"/>
+              <a:t>用法</a:t>
+            </a:r>
+            <a:endParaRPr lang="en-US" altLang="zh-TW" dirty="0" smtClean="0"/>
+          </a:p>
+          <a:p>
+            <a:pPr lvl="1"/>
+            <a:r>
+              <a:rPr lang="en-US" altLang="zh-TW" dirty="0"/>
+              <a:t>Response</a:t>
+            </a:r>
+            <a:endParaRPr lang="en-US" altLang="zh-TW" dirty="0" smtClean="0"/>
+          </a:p>
+          <a:p>
+            <a:pPr lvl="2"/>
+            <a:r>
+              <a:rPr lang="zh-TW" altLang="en-US" dirty="0" smtClean="0"/>
+              <a:t>存：</a:t>
+            </a:r>
+            <a:r>
+              <a:rPr lang="en-US" altLang="zh-TW" dirty="0" err="1"/>
+              <a:t>Response.Cookies</a:t>
+            </a:r>
+            <a:r>
+              <a:rPr lang="en-US" altLang="zh-TW" dirty="0" smtClean="0"/>
+              <a:t>[“key"].</a:t>
+            </a:r>
+            <a:r>
+              <a:rPr lang="en-US" altLang="zh-TW" dirty="0"/>
+              <a:t>Value</a:t>
+            </a:r>
+            <a:r>
+              <a:rPr lang="en-US" altLang="zh-TW" dirty="0" smtClean="0"/>
+              <a:t>= “</a:t>
+            </a:r>
+            <a:r>
+              <a:rPr lang="zh-TW" altLang="en-US" dirty="0" smtClean="0"/>
+              <a:t>資料</a:t>
+            </a:r>
+            <a:r>
+              <a:rPr lang="en-US" altLang="zh-TW" dirty="0" smtClean="0"/>
+              <a:t>”</a:t>
+            </a:r>
+            <a:endParaRPr lang="en-US" altLang="zh-TW" dirty="0"/>
+          </a:p>
+          <a:p>
+            <a:pPr lvl="2"/>
             <a:r>
               <a:rPr lang="zh-TW" altLang="en-US" dirty="0"/>
-              <a:t>特性</a:t>
-            </a:r>
-            <a:endParaRPr lang="en-US" altLang="zh-TW" dirty="0"/>
+              <a:t>取</a:t>
+            </a:r>
+            <a:r>
+              <a:rPr lang="zh-TW" altLang="en-US" dirty="0" smtClean="0"/>
+              <a:t>：</a:t>
+            </a:r>
+            <a:r>
+              <a:rPr lang="en-US" altLang="zh-TW" dirty="0" smtClean="0"/>
+              <a:t>string </a:t>
+            </a:r>
+            <a:r>
+              <a:rPr lang="zh-TW" altLang="en-US" dirty="0" smtClean="0"/>
+              <a:t>資料 </a:t>
+            </a:r>
+            <a:r>
+              <a:rPr lang="en-US" altLang="zh-TW" dirty="0" smtClean="0"/>
+              <a:t>=</a:t>
+            </a:r>
+            <a:r>
+              <a:rPr lang="en-US" altLang="zh-TW" dirty="0"/>
+              <a:t> </a:t>
+            </a:r>
+            <a:r>
+              <a:rPr lang="en-US" altLang="zh-TW" dirty="0" err="1"/>
+              <a:t>Response.Cookies</a:t>
+            </a:r>
+            <a:r>
+              <a:rPr lang="en-US" altLang="zh-TW" dirty="0"/>
+              <a:t>[“key"].</a:t>
+            </a:r>
+            <a:r>
+              <a:rPr lang="en-US" altLang="zh-TW" dirty="0" smtClean="0"/>
+              <a:t>Value</a:t>
+            </a:r>
           </a:p>
           <a:p>
             <a:pPr lvl="1"/>
+            <a:r>
+              <a:rPr lang="en-US" altLang="zh-TW" dirty="0" smtClean="0"/>
+              <a:t>Request</a:t>
+            </a:r>
+            <a:endParaRPr lang="zh-TW" altLang="en-US" dirty="0" smtClean="0"/>
+          </a:p>
+          <a:p>
+            <a:pPr lvl="2"/>
+            <a:r>
+              <a:rPr lang="zh-TW" altLang="en-US" dirty="0"/>
+              <a:t>存</a:t>
+            </a:r>
+            <a:r>
+              <a:rPr lang="zh-TW" altLang="en-US" dirty="0" smtClean="0"/>
+              <a:t>：</a:t>
+            </a:r>
+            <a:r>
+              <a:rPr lang="en-US" altLang="zh-TW" dirty="0" err="1" smtClean="0"/>
+              <a:t>Request.Cookies</a:t>
+            </a:r>
+            <a:r>
+              <a:rPr lang="en-US" altLang="zh-TW" dirty="0" smtClean="0"/>
+              <a:t>[“</a:t>
+            </a:r>
+            <a:r>
+              <a:rPr lang="en-US" altLang="zh-TW" dirty="0"/>
+              <a:t>key"].Value= “</a:t>
+            </a:r>
             <a:r>
               <a:rPr lang="zh-TW" altLang="en-US" dirty="0"/>
               <a:t>資料</a:t>
             </a:r>
             <a:r>
+              <a:rPr lang="en-US" altLang="zh-TW" dirty="0"/>
+              <a:t>”</a:t>
+            </a:r>
+          </a:p>
+          <a:p>
+            <a:pPr lvl="2"/>
+            <a:r>
+              <a:rPr lang="zh-TW" altLang="en-US" dirty="0"/>
+              <a:t>取：</a:t>
+            </a:r>
+            <a:r>
+              <a:rPr lang="en-US" altLang="zh-TW" dirty="0"/>
+              <a:t>string </a:t>
+            </a:r>
+            <a:r>
+              <a:rPr lang="zh-TW" altLang="en-US" dirty="0"/>
+              <a:t>資料 </a:t>
+            </a:r>
+            <a:r>
+              <a:rPr lang="en-US" altLang="zh-TW" dirty="0"/>
+              <a:t>= </a:t>
+            </a:r>
+            <a:r>
+              <a:rPr lang="en-US" altLang="zh-TW" dirty="0" err="1"/>
+              <a:t>Request</a:t>
+            </a:r>
+            <a:r>
+              <a:rPr lang="en-US" altLang="zh-TW" dirty="0" err="1" smtClean="0"/>
+              <a:t>.Cookies</a:t>
+            </a:r>
+            <a:r>
+              <a:rPr lang="en-US" altLang="zh-TW" dirty="0"/>
+              <a:t>[“key"].Value</a:t>
+            </a:r>
+          </a:p>
+          <a:p>
+            <a:pPr lvl="1"/>
+            <a:endParaRPr lang="en-US" altLang="zh-TW" dirty="0" smtClean="0"/>
+          </a:p>
+          <a:p>
+            <a:pPr lvl="1"/>
+            <a:r>
+              <a:rPr lang="zh-TW" altLang="en-US" dirty="0" smtClean="0">
+                <a:solidFill>
+                  <a:srgbClr val="FF0000"/>
+                </a:solidFill>
+              </a:rPr>
+              <a:t>注意中文編碼會有亂碼問題</a:t>
+            </a:r>
+            <a:endParaRPr lang="en-US" altLang="zh-TW" dirty="0" smtClean="0">
+              <a:solidFill>
+                <a:srgbClr val="FF0000"/>
+              </a:solidFill>
+            </a:endParaRPr>
+          </a:p>
+          <a:p>
+            <a:pPr lvl="2"/>
+            <a:r>
+              <a:rPr lang="zh-TW" altLang="en-US" dirty="0" smtClean="0">
+                <a:solidFill>
+                  <a:srgbClr val="FF0000"/>
+                </a:solidFill>
+              </a:rPr>
+              <a:t>編碼</a:t>
+            </a:r>
+            <a:r>
               <a:rPr lang="zh-TW" altLang="en-US" dirty="0" smtClean="0"/>
-              <a:t>存在網頁上</a:t>
-            </a:r>
-            <a:endParaRPr lang="en-US" altLang="zh-TW" dirty="0" smtClean="0"/>
-          </a:p>
-          <a:p>
-            <a:pPr lvl="1"/>
+              <a:t>：</a:t>
+            </a:r>
+            <a:r>
+              <a:rPr lang="en-US" altLang="zh-TW" dirty="0"/>
+              <a:t> </a:t>
+            </a:r>
+            <a:r>
+              <a:rPr lang="en-US" altLang="zh-TW" dirty="0" err="1"/>
+              <a:t>System.Web.</a:t>
+            </a:r>
+            <a:r>
+              <a:rPr lang="en-US" altLang="zh-TW" dirty="0" err="1" smtClean="0"/>
+              <a:t>HttpContext.Current.Server.UrlEncode</a:t>
+            </a:r>
+            <a:r>
+              <a:rPr lang="en-US" altLang="zh-TW" dirty="0" smtClean="0"/>
+              <a:t>(“</a:t>
+            </a:r>
+            <a:r>
+              <a:rPr lang="zh-TW" altLang="en-US" dirty="0"/>
+              <a:t>資料</a:t>
+            </a:r>
+            <a:r>
+              <a:rPr lang="en-US" altLang="zh-TW" dirty="0" smtClean="0"/>
+              <a:t>”)</a:t>
+            </a:r>
+            <a:endParaRPr lang="en-US" altLang="zh-TW" dirty="0" smtClean="0">
+              <a:solidFill>
+                <a:srgbClr val="FF0000"/>
+              </a:solidFill>
+            </a:endParaRPr>
+          </a:p>
+          <a:p>
+            <a:pPr lvl="2"/>
+            <a:r>
+              <a:rPr lang="zh-TW" altLang="en-US" dirty="0" smtClean="0">
+                <a:solidFill>
+                  <a:srgbClr val="FF0000"/>
+                </a:solidFill>
+              </a:rPr>
+              <a:t>解碼</a:t>
+            </a:r>
+            <a:r>
+              <a:rPr lang="zh-TW" altLang="en-US" dirty="0" smtClean="0"/>
+              <a:t>：</a:t>
+            </a:r>
+            <a:r>
+              <a:rPr lang="en-US" altLang="zh-TW" dirty="0"/>
+              <a:t> </a:t>
+            </a:r>
+            <a:r>
+              <a:rPr lang="en-US" altLang="zh-TW" dirty="0" err="1" smtClean="0"/>
+              <a:t>System.Web.HttpContext.Current.Server.UrlDecode</a:t>
+            </a:r>
+            <a:r>
+              <a:rPr lang="en-US" altLang="zh-TW" dirty="0" smtClean="0"/>
+              <a:t>(“</a:t>
+            </a:r>
             <a:r>
               <a:rPr lang="zh-TW" altLang="en-US" dirty="0" smtClean="0"/>
               <a:t>資料</a:t>
             </a:r>
             <a:r>
-              <a:rPr lang="zh-TW" altLang="en-US" dirty="0"/>
-              <a:t>依據</a:t>
-            </a:r>
-            <a:r>
-              <a:rPr lang="en-US" altLang="zh-TW" dirty="0"/>
-              <a:t>Session</a:t>
-            </a:r>
-            <a:r>
-              <a:rPr lang="zh-TW" altLang="en-US" dirty="0"/>
-              <a:t> </a:t>
-            </a:r>
-            <a:r>
-              <a:rPr lang="en-US" altLang="zh-TW" dirty="0"/>
-              <a:t>id </a:t>
-            </a:r>
-            <a:r>
-              <a:rPr lang="zh-TW" altLang="en-US" dirty="0"/>
-              <a:t>區分可使用的對象</a:t>
-            </a:r>
-            <a:endParaRPr lang="en-US" altLang="zh-TW" dirty="0"/>
-          </a:p>
-          <a:p>
-            <a:endParaRPr lang="en-US" altLang="zh-TW" dirty="0"/>
-          </a:p>
-          <a:p>
-            <a:r>
-              <a:rPr lang="zh-TW" altLang="en-US" dirty="0"/>
-              <a:t>用法</a:t>
-            </a:r>
-            <a:endParaRPr lang="en-US" altLang="zh-TW" dirty="0"/>
+              <a:rPr lang="en-US" altLang="zh-TW" dirty="0" smtClean="0"/>
+              <a:t>”)</a:t>
+            </a:r>
+            <a:endParaRPr lang="en-US" altLang="zh-TW" dirty="0" smtClean="0">
+              <a:solidFill>
+                <a:srgbClr val="FF0000"/>
+              </a:solidFill>
+            </a:endParaRPr>
           </a:p>
           <a:p>
             <a:pPr lvl="1"/>
-            <a:r>
-              <a:rPr lang="zh-TW" altLang="en-US" dirty="0"/>
-              <a:t>存：</a:t>
-            </a:r>
-            <a:r>
-              <a:rPr lang="en-US" altLang="zh-TW" dirty="0"/>
-              <a:t>Session[“key”] = </a:t>
-            </a:r>
-            <a:r>
-              <a:rPr lang="zh-TW" altLang="en-US" dirty="0"/>
-              <a:t>資料</a:t>
-            </a:r>
-            <a:endParaRPr lang="en-US" altLang="zh-TW" dirty="0"/>
-          </a:p>
-          <a:p>
-            <a:pPr lvl="1"/>
-            <a:r>
-              <a:rPr lang="zh-TW" altLang="en-US" dirty="0"/>
-              <a:t>取：</a:t>
-            </a:r>
-            <a:r>
-              <a:rPr lang="en-US" altLang="zh-TW" dirty="0"/>
-              <a:t>Session[“key”] = </a:t>
-            </a:r>
-            <a:r>
-              <a:rPr lang="zh-TW" altLang="en-US" dirty="0"/>
-              <a:t>資料</a:t>
-            </a:r>
             <a:endParaRPr lang="zh-TW" altLang="en-US" dirty="0"/>
           </a:p>
         </p:txBody>
@@ -14312,7 +14923,7 @@
     </p:spTree>
     <p:extLst>
       <p:ext uri="{BB962C8B-B14F-4D97-AF65-F5344CB8AC3E}">
-        <p14:creationId xmlns:p14="http://schemas.microsoft.com/office/powerpoint/2010/main" val="942337589"/>
+        <p14:creationId xmlns:p14="http://schemas.microsoft.com/office/powerpoint/2010/main" val="1150489112"/>
       </p:ext>
     </p:extLst>
   </p:cSld>
@@ -14367,16 +14978,208 @@
           <a:lstStyle/>
           <a:p>
             <a:r>
-              <a:rPr lang="zh-TW" altLang="en-US" dirty="0" smtClean="0"/>
-              <a:t>查看</a:t>
+              <a:rPr lang="zh-TW" altLang="en-US" dirty="0"/>
+              <a:t>測試</a:t>
             </a:r>
             <a:r>
               <a:rPr lang="en-US" altLang="zh-TW" dirty="0" smtClean="0"/>
-              <a:t>HTML</a:t>
-            </a:r>
-            <a:r>
-              <a:rPr lang="zh-TW" altLang="en-US" dirty="0" smtClean="0"/>
-              <a:t> 及加密</a:t>
+              <a:t>Cookie</a:t>
+            </a:r>
+            <a:endParaRPr lang="zh-TW" altLang="en-US" dirty="0"/>
+          </a:p>
+        </p:txBody>
+      </p:sp>
+      <p:pic>
+        <p:nvPicPr>
+          <p:cNvPr id="4" name="內容版面配置區 3" descr="畫面剪輯"/>
+          <p:cNvPicPr>
+            <a:picLocks noGrp="1" noChangeAspect="1"/>
+          </p:cNvPicPr>
+          <p:nvPr>
+            <p:ph idx="1"/>
+          </p:nvPr>
+        </p:nvPicPr>
+        <p:blipFill>
+          <a:blip r:embed="rId2">
+            <a:extLst>
+              <a:ext uri="{28A0092B-C50C-407E-A947-70E740481C1C}">
+                <a14:useLocalDpi xmlns:a14="http://schemas.microsoft.com/office/drawing/2010/main" val="0"/>
+              </a:ext>
+            </a:extLst>
+          </a:blip>
+          <a:stretch>
+            <a:fillRect/>
+          </a:stretch>
+        </p:blipFill>
+        <p:spPr>
+          <a:xfrm>
+            <a:off x="1535277" y="1697521"/>
+            <a:ext cx="9021434" cy="4448796"/>
+          </a:xfrm>
+        </p:spPr>
+      </p:pic>
+    </p:spTree>
+    <p:extLst>
+      <p:ext uri="{BB962C8B-B14F-4D97-AF65-F5344CB8AC3E}">
+        <p14:creationId xmlns:p14="http://schemas.microsoft.com/office/powerpoint/2010/main" val="1036535058"/>
+      </p:ext>
+    </p:extLst>
+  </p:cSld>
+  <p:clrMapOvr>
+    <a:masterClrMapping/>
+  </p:clrMapOvr>
+  <mc:AlternateContent xmlns:mc="http://schemas.openxmlformats.org/markup-compatibility/2006" xmlns:p14="http://schemas.microsoft.com/office/powerpoint/2010/main">
+    <mc:Choice Requires="p14">
+      <p:transition spd="slow" p14:dur="1500">
+        <p:random/>
+      </p:transition>
+    </mc:Choice>
+    <mc:Fallback xmlns="">
+      <p:transition spd="slow">
+        <p:random/>
+      </p:transition>
+    </mc:Fallback>
+  </mc:AlternateContent>
+</p:sld>
+</file>
+
+<file path=ppt/slides/slide46.xml><?xml version="1.0" encoding="utf-8"?>
+<p:sld xmlns:a="http://schemas.openxmlformats.org/drawingml/2006/main" xmlns:r="http://schemas.openxmlformats.org/officeDocument/2006/relationships" xmlns:p="http://schemas.openxmlformats.org/presentationml/2006/main">
+  <p:cSld>
+    <p:spTree>
+      <p:nvGrpSpPr>
+        <p:cNvPr id="1" name=""/>
+        <p:cNvGrpSpPr/>
+        <p:nvPr/>
+      </p:nvGrpSpPr>
+      <p:grpSpPr>
+        <a:xfrm>
+          <a:off x="0" y="0"/>
+          <a:ext cx="0" cy="0"/>
+          <a:chOff x="0" y="0"/>
+          <a:chExt cx="0" cy="0"/>
+        </a:xfrm>
+      </p:grpSpPr>
+      <p:sp>
+        <p:nvSpPr>
+          <p:cNvPr id="2" name="標題 1"/>
+          <p:cNvSpPr>
+            <a:spLocks noGrp="1"/>
+          </p:cNvSpPr>
+          <p:nvPr>
+            <p:ph type="title"/>
+          </p:nvPr>
+        </p:nvSpPr>
+        <p:spPr/>
+        <p:txBody>
+          <a:bodyPr/>
+          <a:lstStyle/>
+          <a:p>
+            <a:r>
+              <a:rPr lang="zh-TW" altLang="en-US" dirty="0"/>
+              <a:t>測試</a:t>
+            </a:r>
+            <a:r>
+              <a:rPr lang="en-US" altLang="zh-TW" dirty="0"/>
+              <a:t>Cookie</a:t>
+            </a:r>
+            <a:endParaRPr lang="zh-TW" altLang="en-US" dirty="0"/>
+          </a:p>
+        </p:txBody>
+      </p:sp>
+      <p:pic>
+        <p:nvPicPr>
+          <p:cNvPr id="4" name="內容版面配置區 3" descr="畫面剪輯"/>
+          <p:cNvPicPr>
+            <a:picLocks noGrp="1" noChangeAspect="1"/>
+          </p:cNvPicPr>
+          <p:nvPr>
+            <p:ph idx="1"/>
+          </p:nvPr>
+        </p:nvPicPr>
+        <p:blipFill>
+          <a:blip r:embed="rId2">
+            <a:extLst>
+              <a:ext uri="{28A0092B-C50C-407E-A947-70E740481C1C}">
+                <a14:useLocalDpi xmlns:a14="http://schemas.microsoft.com/office/drawing/2010/main" val="0"/>
+              </a:ext>
+            </a:extLst>
+          </a:blip>
+          <a:stretch>
+            <a:fillRect/>
+          </a:stretch>
+        </p:blipFill>
+        <p:spPr>
+          <a:xfrm>
+            <a:off x="2215873" y="1554162"/>
+            <a:ext cx="7265731" cy="4907177"/>
+          </a:xfrm>
+        </p:spPr>
+      </p:pic>
+    </p:spTree>
+    <p:extLst>
+      <p:ext uri="{BB962C8B-B14F-4D97-AF65-F5344CB8AC3E}">
+        <p14:creationId xmlns:p14="http://schemas.microsoft.com/office/powerpoint/2010/main" val="4165777864"/>
+      </p:ext>
+    </p:extLst>
+  </p:cSld>
+  <p:clrMapOvr>
+    <a:masterClrMapping/>
+  </p:clrMapOvr>
+  <mc:AlternateContent xmlns:mc="http://schemas.openxmlformats.org/markup-compatibility/2006" xmlns:p14="http://schemas.microsoft.com/office/powerpoint/2010/main">
+    <mc:Choice Requires="p14">
+      <p:transition spd="slow" p14:dur="1500">
+        <p:random/>
+      </p:transition>
+    </mc:Choice>
+    <mc:Fallback xmlns="">
+      <p:transition spd="slow">
+        <p:random/>
+      </p:transition>
+    </mc:Fallback>
+  </mc:AlternateContent>
+</p:sld>
+</file>
+
+<file path=ppt/slides/slide47.xml><?xml version="1.0" encoding="utf-8"?>
+<p:sld xmlns:a="http://schemas.openxmlformats.org/drawingml/2006/main" xmlns:r="http://schemas.openxmlformats.org/officeDocument/2006/relationships" xmlns:p="http://schemas.openxmlformats.org/presentationml/2006/main">
+  <p:cSld>
+    <p:spTree>
+      <p:nvGrpSpPr>
+        <p:cNvPr id="1" name=""/>
+        <p:cNvGrpSpPr/>
+        <p:nvPr/>
+      </p:nvGrpSpPr>
+      <p:grpSpPr>
+        <a:xfrm>
+          <a:off x="0" y="0"/>
+          <a:ext cx="0" cy="0"/>
+          <a:chOff x="0" y="0"/>
+          <a:chExt cx="0" cy="0"/>
+        </a:xfrm>
+      </p:grpSpPr>
+      <p:sp>
+        <p:nvSpPr>
+          <p:cNvPr id="2" name="標題 1"/>
+          <p:cNvSpPr>
+            <a:spLocks noGrp="1"/>
+          </p:cNvSpPr>
+          <p:nvPr>
+            <p:ph type="title"/>
+          </p:nvPr>
+        </p:nvSpPr>
+        <p:spPr/>
+        <p:txBody>
+          <a:bodyPr/>
+          <a:lstStyle/>
+          <a:p>
+            <a:r>
+              <a:rPr lang="zh-TW" altLang="en-US" dirty="0"/>
+              <a:t>測試</a:t>
+            </a:r>
+            <a:r>
+              <a:rPr lang="en-US" altLang="zh-TW" dirty="0"/>
+              <a:t>Cookie</a:t>
             </a:r>
             <a:endParaRPr lang="zh-TW" altLang="en-US" dirty="0"/>
           </a:p>
@@ -14397,14 +15200,704 @@
           <a:bodyPr/>
           <a:lstStyle/>
           <a:p>
-            <a:endParaRPr lang="zh-TW" altLang="en-US"/>
-          </a:p>
-        </p:txBody>
-      </p:sp>
+            <a:r>
+              <a:rPr lang="zh-TW" altLang="en-US" dirty="0" smtClean="0"/>
+              <a:t>設定到期日</a:t>
+            </a:r>
+            <a:endParaRPr lang="en-US" altLang="zh-TW" dirty="0" smtClean="0"/>
+          </a:p>
+          <a:p>
+            <a:pPr lvl="1"/>
+            <a:endParaRPr lang="en-US" altLang="zh-TW" dirty="0" smtClean="0"/>
+          </a:p>
+        </p:txBody>
+      </p:sp>
+      <p:pic>
+        <p:nvPicPr>
+          <p:cNvPr id="4" name="圖片 3" descr="畫面剪輯"/>
+          <p:cNvPicPr>
+            <a:picLocks noChangeAspect="1"/>
+          </p:cNvPicPr>
+          <p:nvPr/>
+        </p:nvPicPr>
+        <p:blipFill>
+          <a:blip r:embed="rId2">
+            <a:extLst>
+              <a:ext uri="{28A0092B-C50C-407E-A947-70E740481C1C}">
+                <a14:useLocalDpi xmlns:a14="http://schemas.microsoft.com/office/drawing/2010/main" val="0"/>
+              </a:ext>
+            </a:extLst>
+          </a:blip>
+          <a:stretch>
+            <a:fillRect/>
+          </a:stretch>
+        </p:blipFill>
+        <p:spPr>
+          <a:xfrm>
+            <a:off x="3587807" y="1221389"/>
+            <a:ext cx="7935432" cy="5382376"/>
+          </a:xfrm>
+          <a:prstGeom prst="rect">
+            <a:avLst/>
+          </a:prstGeom>
+        </p:spPr>
+      </p:pic>
+      <p:cxnSp>
+        <p:nvCxnSpPr>
+          <p:cNvPr id="6" name="直線接點 5"/>
+          <p:cNvCxnSpPr/>
+          <p:nvPr/>
+        </p:nvCxnSpPr>
+        <p:spPr>
+          <a:xfrm>
+            <a:off x="4220308" y="3508131"/>
+            <a:ext cx="4774223" cy="0"/>
+          </a:xfrm>
+          <a:prstGeom prst="line">
+            <a:avLst/>
+          </a:prstGeom>
+          <a:ln w="28575">
+            <a:solidFill>
+              <a:srgbClr val="FF0000"/>
+            </a:solidFill>
+          </a:ln>
+        </p:spPr>
+        <p:style>
+          <a:lnRef idx="1">
+            <a:schemeClr val="accent1"/>
+          </a:lnRef>
+          <a:fillRef idx="0">
+            <a:schemeClr val="accent1"/>
+          </a:fillRef>
+          <a:effectRef idx="0">
+            <a:schemeClr val="accent1"/>
+          </a:effectRef>
+          <a:fontRef idx="minor">
+            <a:schemeClr val="tx1"/>
+          </a:fontRef>
+        </p:style>
+      </p:cxnSp>
     </p:spTree>
     <p:extLst>
       <p:ext uri="{BB962C8B-B14F-4D97-AF65-F5344CB8AC3E}">
-        <p14:creationId xmlns:p14="http://schemas.microsoft.com/office/powerpoint/2010/main" val="313396103"/>
+        <p14:creationId xmlns:p14="http://schemas.microsoft.com/office/powerpoint/2010/main" val="2359144424"/>
+      </p:ext>
+    </p:extLst>
+  </p:cSld>
+  <p:clrMapOvr>
+    <a:masterClrMapping/>
+  </p:clrMapOvr>
+  <mc:AlternateContent xmlns:mc="http://schemas.openxmlformats.org/markup-compatibility/2006" xmlns:p14="http://schemas.microsoft.com/office/powerpoint/2010/main">
+    <mc:Choice Requires="p14">
+      <p:transition spd="slow" p14:dur="1500">
+        <p:random/>
+      </p:transition>
+    </mc:Choice>
+    <mc:Fallback xmlns="">
+      <p:transition spd="slow">
+        <p:random/>
+      </p:transition>
+    </mc:Fallback>
+  </mc:AlternateContent>
+</p:sld>
+</file>
+
+<file path=ppt/slides/slide48.xml><?xml version="1.0" encoding="utf-8"?>
+<p:sld xmlns:a="http://schemas.openxmlformats.org/drawingml/2006/main" xmlns:r="http://schemas.openxmlformats.org/officeDocument/2006/relationships" xmlns:p="http://schemas.openxmlformats.org/presentationml/2006/main">
+  <p:cSld>
+    <p:spTree>
+      <p:nvGrpSpPr>
+        <p:cNvPr id="1" name=""/>
+        <p:cNvGrpSpPr/>
+        <p:nvPr/>
+      </p:nvGrpSpPr>
+      <p:grpSpPr>
+        <a:xfrm>
+          <a:off x="0" y="0"/>
+          <a:ext cx="0" cy="0"/>
+          <a:chOff x="0" y="0"/>
+          <a:chExt cx="0" cy="0"/>
+        </a:xfrm>
+      </p:grpSpPr>
+      <p:sp>
+        <p:nvSpPr>
+          <p:cNvPr id="2" name="標題 1"/>
+          <p:cNvSpPr>
+            <a:spLocks noGrp="1"/>
+          </p:cNvSpPr>
+          <p:nvPr>
+            <p:ph type="title"/>
+          </p:nvPr>
+        </p:nvSpPr>
+        <p:spPr/>
+        <p:txBody>
+          <a:bodyPr/>
+          <a:lstStyle/>
+          <a:p>
+            <a:r>
+              <a:rPr lang="zh-TW" altLang="en-US" dirty="0"/>
+              <a:t>測試</a:t>
+            </a:r>
+            <a:r>
+              <a:rPr lang="en-US" altLang="zh-TW" dirty="0"/>
+              <a:t>Cookie</a:t>
+            </a:r>
+            <a:endParaRPr lang="zh-TW" altLang="en-US" dirty="0"/>
+          </a:p>
+        </p:txBody>
+      </p:sp>
+      <p:sp>
+        <p:nvSpPr>
+          <p:cNvPr id="3" name="內容版面配置區 2"/>
+          <p:cNvSpPr>
+            <a:spLocks noGrp="1"/>
+          </p:cNvSpPr>
+          <p:nvPr>
+            <p:ph idx="1"/>
+          </p:nvPr>
+        </p:nvSpPr>
+        <p:spPr/>
+        <p:txBody>
+          <a:bodyPr/>
+          <a:lstStyle/>
+          <a:p>
+            <a:r>
+              <a:rPr lang="zh-TW" altLang="en-US" dirty="0"/>
+              <a:t>設定使用範圍</a:t>
+            </a:r>
+          </a:p>
+          <a:p>
+            <a:endParaRPr lang="zh-TW" altLang="en-US" dirty="0"/>
+          </a:p>
+        </p:txBody>
+      </p:sp>
+      <p:pic>
+        <p:nvPicPr>
+          <p:cNvPr id="4" name="圖片 3" descr="畫面剪輯"/>
+          <p:cNvPicPr>
+            <a:picLocks noChangeAspect="1"/>
+          </p:cNvPicPr>
+          <p:nvPr/>
+        </p:nvPicPr>
+        <p:blipFill>
+          <a:blip r:embed="rId2">
+            <a:extLst>
+              <a:ext uri="{28A0092B-C50C-407E-A947-70E740481C1C}">
+                <a14:useLocalDpi xmlns:a14="http://schemas.microsoft.com/office/drawing/2010/main" val="0"/>
+              </a:ext>
+            </a:extLst>
+          </a:blip>
+          <a:stretch>
+            <a:fillRect/>
+          </a:stretch>
+        </p:blipFill>
+        <p:spPr>
+          <a:xfrm>
+            <a:off x="3846078" y="1085044"/>
+            <a:ext cx="7964011" cy="5772956"/>
+          </a:xfrm>
+          <a:prstGeom prst="rect">
+            <a:avLst/>
+          </a:prstGeom>
+        </p:spPr>
+      </p:pic>
+      <p:cxnSp>
+        <p:nvCxnSpPr>
+          <p:cNvPr id="5" name="直線接點 4"/>
+          <p:cNvCxnSpPr/>
+          <p:nvPr/>
+        </p:nvCxnSpPr>
+        <p:spPr>
+          <a:xfrm>
+            <a:off x="7077808" y="3587261"/>
+            <a:ext cx="2250831" cy="0"/>
+          </a:xfrm>
+          <a:prstGeom prst="line">
+            <a:avLst/>
+          </a:prstGeom>
+          <a:ln w="28575">
+            <a:solidFill>
+              <a:srgbClr val="FF0000"/>
+            </a:solidFill>
+          </a:ln>
+        </p:spPr>
+        <p:style>
+          <a:lnRef idx="1">
+            <a:schemeClr val="accent1"/>
+          </a:lnRef>
+          <a:fillRef idx="0">
+            <a:schemeClr val="accent1"/>
+          </a:fillRef>
+          <a:effectRef idx="0">
+            <a:schemeClr val="accent1"/>
+          </a:effectRef>
+          <a:fontRef idx="minor">
+            <a:schemeClr val="tx1"/>
+          </a:fontRef>
+        </p:style>
+      </p:cxnSp>
+      <p:cxnSp>
+        <p:nvCxnSpPr>
+          <p:cNvPr id="7" name="直線接點 6"/>
+          <p:cNvCxnSpPr/>
+          <p:nvPr/>
+        </p:nvCxnSpPr>
+        <p:spPr>
+          <a:xfrm flipV="1">
+            <a:off x="4513385" y="3771900"/>
+            <a:ext cx="2907323" cy="11722"/>
+          </a:xfrm>
+          <a:prstGeom prst="line">
+            <a:avLst/>
+          </a:prstGeom>
+          <a:ln w="28575">
+            <a:solidFill>
+              <a:srgbClr val="FF0000"/>
+            </a:solidFill>
+          </a:ln>
+        </p:spPr>
+        <p:style>
+          <a:lnRef idx="1">
+            <a:schemeClr val="accent1"/>
+          </a:lnRef>
+          <a:fillRef idx="0">
+            <a:schemeClr val="accent1"/>
+          </a:fillRef>
+          <a:effectRef idx="0">
+            <a:schemeClr val="accent1"/>
+          </a:effectRef>
+          <a:fontRef idx="minor">
+            <a:schemeClr val="tx1"/>
+          </a:fontRef>
+        </p:style>
+      </p:cxnSp>
+    </p:spTree>
+    <p:extLst>
+      <p:ext uri="{BB962C8B-B14F-4D97-AF65-F5344CB8AC3E}">
+        <p14:creationId xmlns:p14="http://schemas.microsoft.com/office/powerpoint/2010/main" val="4189541817"/>
+      </p:ext>
+    </p:extLst>
+  </p:cSld>
+  <p:clrMapOvr>
+    <a:masterClrMapping/>
+  </p:clrMapOvr>
+  <mc:AlternateContent xmlns:mc="http://schemas.openxmlformats.org/markup-compatibility/2006" xmlns:p14="http://schemas.microsoft.com/office/powerpoint/2010/main">
+    <mc:Choice Requires="p14">
+      <p:transition spd="slow" p14:dur="1500">
+        <p:random/>
+      </p:transition>
+    </mc:Choice>
+    <mc:Fallback xmlns="">
+      <p:transition spd="slow">
+        <p:random/>
+      </p:transition>
+    </mc:Fallback>
+  </mc:AlternateContent>
+</p:sld>
+</file>
+
+<file path=ppt/slides/slide49.xml><?xml version="1.0" encoding="utf-8"?>
+<p:sld xmlns:a="http://schemas.openxmlformats.org/drawingml/2006/main" xmlns:r="http://schemas.openxmlformats.org/officeDocument/2006/relationships" xmlns:p="http://schemas.openxmlformats.org/presentationml/2006/main">
+  <p:cSld>
+    <p:spTree>
+      <p:nvGrpSpPr>
+        <p:cNvPr id="1" name=""/>
+        <p:cNvGrpSpPr/>
+        <p:nvPr/>
+      </p:nvGrpSpPr>
+      <p:grpSpPr>
+        <a:xfrm>
+          <a:off x="0" y="0"/>
+          <a:ext cx="0" cy="0"/>
+          <a:chOff x="0" y="0"/>
+          <a:chExt cx="0" cy="0"/>
+        </a:xfrm>
+      </p:grpSpPr>
+      <p:sp>
+        <p:nvSpPr>
+          <p:cNvPr id="2" name="標題 1"/>
+          <p:cNvSpPr>
+            <a:spLocks noGrp="1"/>
+          </p:cNvSpPr>
+          <p:nvPr>
+            <p:ph type="title"/>
+          </p:nvPr>
+        </p:nvSpPr>
+        <p:spPr/>
+        <p:txBody>
+          <a:bodyPr/>
+          <a:lstStyle/>
+          <a:p>
+            <a:r>
+              <a:rPr lang="en-US" altLang="zh-TW" dirty="0" err="1" smtClean="0"/>
+              <a:t>ViewState</a:t>
+            </a:r>
+            <a:endParaRPr lang="zh-TW" altLang="en-US" dirty="0"/>
+          </a:p>
+        </p:txBody>
+      </p:sp>
+      <p:sp>
+        <p:nvSpPr>
+          <p:cNvPr id="3" name="內容版面配置區 2"/>
+          <p:cNvSpPr>
+            <a:spLocks noGrp="1"/>
+          </p:cNvSpPr>
+          <p:nvPr>
+            <p:ph idx="1"/>
+          </p:nvPr>
+        </p:nvSpPr>
+        <p:spPr/>
+        <p:txBody>
+          <a:bodyPr/>
+          <a:lstStyle/>
+          <a:p>
+            <a:r>
+              <a:rPr lang="zh-TW" altLang="en-US" dirty="0" smtClean="0"/>
+              <a:t>特點</a:t>
+            </a:r>
+            <a:endParaRPr lang="en-US" altLang="zh-TW" dirty="0"/>
+          </a:p>
+          <a:p>
+            <a:pPr lvl="1"/>
+            <a:r>
+              <a:rPr lang="zh-TW" altLang="en-US" dirty="0"/>
+              <a:t>資料</a:t>
+            </a:r>
+            <a:r>
+              <a:rPr lang="zh-TW" altLang="en-US" dirty="0" smtClean="0"/>
+              <a:t>存在同一個網頁</a:t>
+            </a:r>
+            <a:endParaRPr lang="en-US" altLang="zh-TW" dirty="0" smtClean="0"/>
+          </a:p>
+          <a:p>
+            <a:pPr lvl="1"/>
+            <a:r>
+              <a:rPr lang="zh-TW" altLang="en-US" dirty="0"/>
+              <a:t>分</a:t>
+            </a:r>
+            <a:r>
+              <a:rPr lang="zh-TW" altLang="en-US" dirty="0" smtClean="0"/>
+              <a:t>頁不會儲存</a:t>
+            </a:r>
+            <a:endParaRPr lang="en-US" altLang="zh-TW" dirty="0" smtClean="0"/>
+          </a:p>
+          <a:p>
+            <a:pPr lvl="1"/>
+            <a:endParaRPr lang="en-US" altLang="zh-TW" dirty="0"/>
+          </a:p>
+          <a:p>
+            <a:r>
+              <a:rPr lang="zh-TW" altLang="en-US" dirty="0"/>
+              <a:t>用法</a:t>
+            </a:r>
+            <a:endParaRPr lang="en-US" altLang="zh-TW" dirty="0"/>
+          </a:p>
+          <a:p>
+            <a:pPr lvl="1"/>
+            <a:r>
+              <a:rPr lang="zh-TW" altLang="en-US" dirty="0"/>
+              <a:t>存</a:t>
+            </a:r>
+            <a:r>
+              <a:rPr lang="zh-TW" altLang="en-US" dirty="0" smtClean="0"/>
+              <a:t>：</a:t>
+            </a:r>
+            <a:r>
+              <a:rPr lang="en-US" altLang="zh-TW" dirty="0" err="1" smtClean="0"/>
+              <a:t>ViewState</a:t>
+            </a:r>
+            <a:r>
+              <a:rPr lang="en-US" altLang="zh-TW" dirty="0" smtClean="0"/>
+              <a:t>[“</a:t>
+            </a:r>
+            <a:r>
+              <a:rPr lang="en-US" altLang="zh-TW" dirty="0"/>
+              <a:t>key”] = </a:t>
+            </a:r>
+            <a:r>
+              <a:rPr lang="zh-TW" altLang="en-US" dirty="0"/>
+              <a:t>資料</a:t>
+            </a:r>
+            <a:endParaRPr lang="en-US" altLang="zh-TW" dirty="0"/>
+          </a:p>
+          <a:p>
+            <a:pPr lvl="1"/>
+            <a:r>
+              <a:rPr lang="zh-TW" altLang="en-US" dirty="0"/>
+              <a:t>取：</a:t>
+            </a:r>
+            <a:r>
+              <a:rPr lang="en-US" altLang="zh-TW" dirty="0" err="1"/>
+              <a:t>var</a:t>
+            </a:r>
+            <a:r>
+              <a:rPr lang="zh-TW" altLang="en-US" dirty="0"/>
+              <a:t> 資料</a:t>
+            </a:r>
+            <a:r>
+              <a:rPr lang="en-US" altLang="zh-TW" dirty="0"/>
+              <a:t>= </a:t>
+            </a:r>
+            <a:r>
+              <a:rPr lang="en-US" altLang="zh-TW" dirty="0" err="1"/>
+              <a:t>ViewState</a:t>
+            </a:r>
+            <a:r>
+              <a:rPr lang="en-US" altLang="zh-TW" dirty="0" smtClean="0"/>
+              <a:t>[“</a:t>
+            </a:r>
+            <a:r>
+              <a:rPr lang="en-US" altLang="zh-TW" dirty="0"/>
+              <a:t>key”] </a:t>
+            </a:r>
+          </a:p>
+        </p:txBody>
+      </p:sp>
+      <p:sp>
+        <p:nvSpPr>
+          <p:cNvPr id="4" name="矩形 3"/>
+          <p:cNvSpPr/>
+          <p:nvPr/>
+        </p:nvSpPr>
+        <p:spPr>
+          <a:xfrm>
+            <a:off x="3947749" y="4220306"/>
+            <a:ext cx="2321165" cy="413239"/>
+          </a:xfrm>
+          <a:prstGeom prst="rect">
+            <a:avLst/>
+          </a:prstGeom>
+          <a:noFill/>
+          <a:ln w="28575">
+            <a:solidFill>
+              <a:srgbClr val="FF0000"/>
+            </a:solidFill>
+          </a:ln>
+        </p:spPr>
+        <p:style>
+          <a:lnRef idx="2">
+            <a:schemeClr val="accent1">
+              <a:shade val="50000"/>
+            </a:schemeClr>
+          </a:lnRef>
+          <a:fillRef idx="1">
+            <a:schemeClr val="accent1"/>
+          </a:fillRef>
+          <a:effectRef idx="0">
+            <a:schemeClr val="accent1"/>
+          </a:effectRef>
+          <a:fontRef idx="minor">
+            <a:schemeClr val="lt1"/>
+          </a:fontRef>
+        </p:style>
+        <p:txBody>
+          <a:bodyPr rtlCol="0" anchor="ctr"/>
+          <a:lstStyle/>
+          <a:p>
+            <a:pPr algn="ctr"/>
+            <a:endParaRPr lang="zh-TW" altLang="en-US"/>
+          </a:p>
+        </p:txBody>
+      </p:sp>
+      <p:sp>
+        <p:nvSpPr>
+          <p:cNvPr id="5" name="向下箭號 4"/>
+          <p:cNvSpPr/>
+          <p:nvPr/>
+        </p:nvSpPr>
+        <p:spPr>
+          <a:xfrm rot="10800000">
+            <a:off x="4972054" y="4666700"/>
+            <a:ext cx="395654" cy="457200"/>
+          </a:xfrm>
+          <a:prstGeom prst="downArrow">
+            <a:avLst/>
+          </a:prstGeom>
+        </p:spPr>
+        <p:style>
+          <a:lnRef idx="2">
+            <a:schemeClr val="accent1">
+              <a:shade val="50000"/>
+            </a:schemeClr>
+          </a:lnRef>
+          <a:fillRef idx="1">
+            <a:schemeClr val="accent1"/>
+          </a:fillRef>
+          <a:effectRef idx="0">
+            <a:schemeClr val="accent1"/>
+          </a:effectRef>
+          <a:fontRef idx="minor">
+            <a:schemeClr val="lt1"/>
+          </a:fontRef>
+        </p:style>
+        <p:txBody>
+          <a:bodyPr rtlCol="0" anchor="ctr"/>
+          <a:lstStyle/>
+          <a:p>
+            <a:pPr algn="ctr"/>
+            <a:endParaRPr lang="zh-TW" altLang="en-US"/>
+          </a:p>
+        </p:txBody>
+      </p:sp>
+      <p:sp>
+        <p:nvSpPr>
+          <p:cNvPr id="6" name="矩形 5"/>
+          <p:cNvSpPr/>
+          <p:nvPr/>
+        </p:nvSpPr>
+        <p:spPr>
+          <a:xfrm>
+            <a:off x="4513290" y="5228346"/>
+            <a:ext cx="1313180" cy="369332"/>
+          </a:xfrm>
+          <a:prstGeom prst="rect">
+            <a:avLst/>
+          </a:prstGeom>
+        </p:spPr>
+        <p:txBody>
+          <a:bodyPr wrap="none">
+            <a:spAutoFit/>
+          </a:bodyPr>
+          <a:lstStyle/>
+          <a:p>
+            <a:r>
+              <a:rPr lang="en-US" altLang="zh-TW" dirty="0" smtClean="0"/>
+              <a:t>Object</a:t>
+            </a:r>
+            <a:r>
+              <a:rPr lang="zh-TW" altLang="en-US" dirty="0" smtClean="0"/>
+              <a:t>型別</a:t>
+            </a:r>
+            <a:endParaRPr lang="zh-TW" altLang="en-US" dirty="0"/>
+          </a:p>
+        </p:txBody>
+      </p:sp>
+      <p:sp>
+        <p:nvSpPr>
+          <p:cNvPr id="7" name="矩形 6"/>
+          <p:cNvSpPr/>
+          <p:nvPr/>
+        </p:nvSpPr>
+        <p:spPr>
+          <a:xfrm>
+            <a:off x="2556486" y="4220306"/>
+            <a:ext cx="545123" cy="413239"/>
+          </a:xfrm>
+          <a:prstGeom prst="rect">
+            <a:avLst/>
+          </a:prstGeom>
+          <a:noFill/>
+          <a:ln w="28575">
+            <a:solidFill>
+              <a:srgbClr val="FF0000"/>
+            </a:solidFill>
+          </a:ln>
+        </p:spPr>
+        <p:style>
+          <a:lnRef idx="2">
+            <a:schemeClr val="accent1">
+              <a:shade val="50000"/>
+            </a:schemeClr>
+          </a:lnRef>
+          <a:fillRef idx="1">
+            <a:schemeClr val="accent1"/>
+          </a:fillRef>
+          <a:effectRef idx="0">
+            <a:schemeClr val="accent1"/>
+          </a:effectRef>
+          <a:fontRef idx="minor">
+            <a:schemeClr val="lt1"/>
+          </a:fontRef>
+        </p:style>
+        <p:txBody>
+          <a:bodyPr rtlCol="0" anchor="ctr"/>
+          <a:lstStyle/>
+          <a:p>
+            <a:pPr algn="ctr"/>
+            <a:endParaRPr lang="zh-TW" altLang="en-US"/>
+          </a:p>
+        </p:txBody>
+      </p:sp>
+      <p:sp>
+        <p:nvSpPr>
+          <p:cNvPr id="8" name="矩形 7"/>
+          <p:cNvSpPr/>
+          <p:nvPr/>
+        </p:nvSpPr>
+        <p:spPr>
+          <a:xfrm>
+            <a:off x="2275049" y="5089846"/>
+            <a:ext cx="1107996" cy="646331"/>
+          </a:xfrm>
+          <a:prstGeom prst="rect">
+            <a:avLst/>
+          </a:prstGeom>
+        </p:spPr>
+        <p:txBody>
+          <a:bodyPr wrap="none">
+            <a:spAutoFit/>
+          </a:bodyPr>
+          <a:lstStyle/>
+          <a:p>
+            <a:r>
+              <a:rPr lang="zh-TW" altLang="en-US" dirty="0" smtClean="0"/>
+              <a:t>依照型別</a:t>
+            </a:r>
+            <a:endParaRPr lang="en-US" altLang="zh-TW" dirty="0" smtClean="0"/>
+          </a:p>
+          <a:p>
+            <a:r>
+              <a:rPr lang="zh-TW" altLang="en-US" dirty="0" smtClean="0"/>
+              <a:t>自行設定</a:t>
+            </a:r>
+            <a:endParaRPr lang="zh-TW" altLang="en-US" dirty="0"/>
+          </a:p>
+        </p:txBody>
+      </p:sp>
+      <p:sp>
+        <p:nvSpPr>
+          <p:cNvPr id="9" name="向下箭號 8"/>
+          <p:cNvSpPr/>
+          <p:nvPr/>
+        </p:nvSpPr>
+        <p:spPr>
+          <a:xfrm rot="10800000">
+            <a:off x="2631220" y="4666701"/>
+            <a:ext cx="395654" cy="457200"/>
+          </a:xfrm>
+          <a:prstGeom prst="downArrow">
+            <a:avLst/>
+          </a:prstGeom>
+        </p:spPr>
+        <p:style>
+          <a:lnRef idx="2">
+            <a:schemeClr val="accent1">
+              <a:shade val="50000"/>
+            </a:schemeClr>
+          </a:lnRef>
+          <a:fillRef idx="1">
+            <a:schemeClr val="accent1"/>
+          </a:fillRef>
+          <a:effectRef idx="0">
+            <a:schemeClr val="accent1"/>
+          </a:effectRef>
+          <a:fontRef idx="minor">
+            <a:schemeClr val="lt1"/>
+          </a:fontRef>
+        </p:style>
+        <p:txBody>
+          <a:bodyPr rtlCol="0" anchor="ctr"/>
+          <a:lstStyle/>
+          <a:p>
+            <a:pPr algn="ctr"/>
+            <a:endParaRPr lang="zh-TW" altLang="en-US"/>
+          </a:p>
+        </p:txBody>
+      </p:sp>
+    </p:spTree>
+    <p:extLst>
+      <p:ext uri="{BB962C8B-B14F-4D97-AF65-F5344CB8AC3E}">
+        <p14:creationId xmlns:p14="http://schemas.microsoft.com/office/powerpoint/2010/main" val="942337589"/>
       </p:ext>
     </p:extLst>
   </p:cSld>
@@ -14600,6 +16093,413 @@
     <p:extLst>
       <p:ext uri="{BB962C8B-B14F-4D97-AF65-F5344CB8AC3E}">
         <p14:creationId xmlns:p14="http://schemas.microsoft.com/office/powerpoint/2010/main" val="117860637"/>
+      </p:ext>
+    </p:extLst>
+  </p:cSld>
+  <p:clrMapOvr>
+    <a:masterClrMapping/>
+  </p:clrMapOvr>
+  <mc:AlternateContent xmlns:mc="http://schemas.openxmlformats.org/markup-compatibility/2006" xmlns:p14="http://schemas.microsoft.com/office/powerpoint/2010/main">
+    <mc:Choice Requires="p14">
+      <p:transition spd="slow" p14:dur="1500">
+        <p:random/>
+      </p:transition>
+    </mc:Choice>
+    <mc:Fallback xmlns="">
+      <p:transition spd="slow">
+        <p:random/>
+      </p:transition>
+    </mc:Fallback>
+  </mc:AlternateContent>
+</p:sld>
+</file>
+
+<file path=ppt/slides/slide50.xml><?xml version="1.0" encoding="utf-8"?>
+<p:sld xmlns:a="http://schemas.openxmlformats.org/drawingml/2006/main" xmlns:r="http://schemas.openxmlformats.org/officeDocument/2006/relationships" xmlns:p="http://schemas.openxmlformats.org/presentationml/2006/main">
+  <p:cSld>
+    <p:spTree>
+      <p:nvGrpSpPr>
+        <p:cNvPr id="1" name=""/>
+        <p:cNvGrpSpPr/>
+        <p:nvPr/>
+      </p:nvGrpSpPr>
+      <p:grpSpPr>
+        <a:xfrm>
+          <a:off x="0" y="0"/>
+          <a:ext cx="0" cy="0"/>
+          <a:chOff x="0" y="0"/>
+          <a:chExt cx="0" cy="0"/>
+        </a:xfrm>
+      </p:grpSpPr>
+      <p:sp>
+        <p:nvSpPr>
+          <p:cNvPr id="2" name="標題 1"/>
+          <p:cNvSpPr>
+            <a:spLocks noGrp="1"/>
+          </p:cNvSpPr>
+          <p:nvPr>
+            <p:ph type="title"/>
+          </p:nvPr>
+        </p:nvSpPr>
+        <p:spPr/>
+        <p:txBody>
+          <a:bodyPr/>
+          <a:lstStyle/>
+          <a:p>
+            <a:r>
+              <a:rPr lang="zh-TW" altLang="en-US" dirty="0" smtClean="0"/>
+              <a:t>測試</a:t>
+            </a:r>
+            <a:r>
+              <a:rPr lang="en-US" altLang="zh-TW" dirty="0" err="1"/>
+              <a:t>ViewState</a:t>
+            </a:r>
+            <a:endParaRPr lang="zh-TW" altLang="en-US" dirty="0"/>
+          </a:p>
+        </p:txBody>
+      </p:sp>
+      <p:pic>
+        <p:nvPicPr>
+          <p:cNvPr id="4" name="內容版面配置區 3" descr="畫面剪輯"/>
+          <p:cNvPicPr>
+            <a:picLocks noGrp="1" noChangeAspect="1"/>
+          </p:cNvPicPr>
+          <p:nvPr>
+            <p:ph idx="1"/>
+          </p:nvPr>
+        </p:nvPicPr>
+        <p:blipFill>
+          <a:blip r:embed="rId2">
+            <a:extLst>
+              <a:ext uri="{28A0092B-C50C-407E-A947-70E740481C1C}">
+                <a14:useLocalDpi xmlns:a14="http://schemas.microsoft.com/office/drawing/2010/main" val="0"/>
+              </a:ext>
+            </a:extLst>
+          </a:blip>
+          <a:stretch>
+            <a:fillRect/>
+          </a:stretch>
+        </p:blipFill>
+        <p:spPr>
+          <a:xfrm>
+            <a:off x="1630540" y="1726100"/>
+            <a:ext cx="8830907" cy="4391638"/>
+          </a:xfrm>
+        </p:spPr>
+      </p:pic>
+    </p:spTree>
+    <p:extLst>
+      <p:ext uri="{BB962C8B-B14F-4D97-AF65-F5344CB8AC3E}">
+        <p14:creationId xmlns:p14="http://schemas.microsoft.com/office/powerpoint/2010/main" val="410840050"/>
+      </p:ext>
+    </p:extLst>
+  </p:cSld>
+  <p:clrMapOvr>
+    <a:masterClrMapping/>
+  </p:clrMapOvr>
+  <mc:AlternateContent xmlns:mc="http://schemas.openxmlformats.org/markup-compatibility/2006" xmlns:p14="http://schemas.microsoft.com/office/powerpoint/2010/main">
+    <mc:Choice Requires="p14">
+      <p:transition spd="slow" p14:dur="1500">
+        <p:random/>
+      </p:transition>
+    </mc:Choice>
+    <mc:Fallback xmlns="">
+      <p:transition spd="slow">
+        <p:random/>
+      </p:transition>
+    </mc:Fallback>
+  </mc:AlternateContent>
+</p:sld>
+</file>
+
+<file path=ppt/slides/slide51.xml><?xml version="1.0" encoding="utf-8"?>
+<p:sld xmlns:a="http://schemas.openxmlformats.org/drawingml/2006/main" xmlns:r="http://schemas.openxmlformats.org/officeDocument/2006/relationships" xmlns:p="http://schemas.openxmlformats.org/presentationml/2006/main">
+  <p:cSld>
+    <p:spTree>
+      <p:nvGrpSpPr>
+        <p:cNvPr id="1" name=""/>
+        <p:cNvGrpSpPr/>
+        <p:nvPr/>
+      </p:nvGrpSpPr>
+      <p:grpSpPr>
+        <a:xfrm>
+          <a:off x="0" y="0"/>
+          <a:ext cx="0" cy="0"/>
+          <a:chOff x="0" y="0"/>
+          <a:chExt cx="0" cy="0"/>
+        </a:xfrm>
+      </p:grpSpPr>
+      <p:sp>
+        <p:nvSpPr>
+          <p:cNvPr id="2" name="標題 1"/>
+          <p:cNvSpPr>
+            <a:spLocks noGrp="1"/>
+          </p:cNvSpPr>
+          <p:nvPr>
+            <p:ph type="title"/>
+          </p:nvPr>
+        </p:nvSpPr>
+        <p:spPr/>
+        <p:txBody>
+          <a:bodyPr/>
+          <a:lstStyle/>
+          <a:p>
+            <a:r>
+              <a:rPr lang="zh-TW" altLang="en-US" dirty="0" smtClean="0"/>
+              <a:t>測試</a:t>
+            </a:r>
+            <a:r>
+              <a:rPr lang="en-US" altLang="zh-TW" dirty="0" err="1"/>
+              <a:t>ViewState</a:t>
+            </a:r>
+            <a:endParaRPr lang="zh-TW" altLang="en-US" dirty="0"/>
+          </a:p>
+        </p:txBody>
+      </p:sp>
+      <p:pic>
+        <p:nvPicPr>
+          <p:cNvPr id="4" name="內容版面配置區 3" descr="畫面剪輯"/>
+          <p:cNvPicPr>
+            <a:picLocks noGrp="1" noChangeAspect="1"/>
+          </p:cNvPicPr>
+          <p:nvPr>
+            <p:ph idx="1"/>
+          </p:nvPr>
+        </p:nvPicPr>
+        <p:blipFill>
+          <a:blip r:embed="rId2">
+            <a:extLst>
+              <a:ext uri="{28A0092B-C50C-407E-A947-70E740481C1C}">
+                <a14:useLocalDpi xmlns:a14="http://schemas.microsoft.com/office/drawing/2010/main" val="0"/>
+              </a:ext>
+            </a:extLst>
+          </a:blip>
+          <a:stretch>
+            <a:fillRect/>
+          </a:stretch>
+        </p:blipFill>
+        <p:spPr>
+          <a:xfrm>
+            <a:off x="3903286" y="1666875"/>
+            <a:ext cx="4285415" cy="4510088"/>
+          </a:xfrm>
+        </p:spPr>
+      </p:pic>
+    </p:spTree>
+    <p:extLst>
+      <p:ext uri="{BB962C8B-B14F-4D97-AF65-F5344CB8AC3E}">
+        <p14:creationId xmlns:p14="http://schemas.microsoft.com/office/powerpoint/2010/main" val="1007712918"/>
+      </p:ext>
+    </p:extLst>
+  </p:cSld>
+  <p:clrMapOvr>
+    <a:masterClrMapping/>
+  </p:clrMapOvr>
+  <mc:AlternateContent xmlns:mc="http://schemas.openxmlformats.org/markup-compatibility/2006" xmlns:p14="http://schemas.microsoft.com/office/powerpoint/2010/main">
+    <mc:Choice Requires="p14">
+      <p:transition spd="slow" p14:dur="1500">
+        <p:random/>
+      </p:transition>
+    </mc:Choice>
+    <mc:Fallback xmlns="">
+      <p:transition spd="slow">
+        <p:random/>
+      </p:transition>
+    </mc:Fallback>
+  </mc:AlternateContent>
+</p:sld>
+</file>
+
+<file path=ppt/slides/slide52.xml><?xml version="1.0" encoding="utf-8"?>
+<p:sld xmlns:a="http://schemas.openxmlformats.org/drawingml/2006/main" xmlns:r="http://schemas.openxmlformats.org/officeDocument/2006/relationships" xmlns:p="http://schemas.openxmlformats.org/presentationml/2006/main">
+  <p:cSld>
+    <p:spTree>
+      <p:nvGrpSpPr>
+        <p:cNvPr id="1" name=""/>
+        <p:cNvGrpSpPr/>
+        <p:nvPr/>
+      </p:nvGrpSpPr>
+      <p:grpSpPr>
+        <a:xfrm>
+          <a:off x="0" y="0"/>
+          <a:ext cx="0" cy="0"/>
+          <a:chOff x="0" y="0"/>
+          <a:chExt cx="0" cy="0"/>
+        </a:xfrm>
+      </p:grpSpPr>
+      <p:sp>
+        <p:nvSpPr>
+          <p:cNvPr id="2" name="標題 1"/>
+          <p:cNvSpPr>
+            <a:spLocks noGrp="1"/>
+          </p:cNvSpPr>
+          <p:nvPr>
+            <p:ph type="title"/>
+          </p:nvPr>
+        </p:nvSpPr>
+        <p:spPr/>
+        <p:txBody>
+          <a:bodyPr/>
+          <a:lstStyle/>
+          <a:p>
+            <a:r>
+              <a:rPr lang="zh-TW" altLang="en-US" dirty="0"/>
+              <a:t>課後加分作業</a:t>
+            </a:r>
+            <a:endParaRPr lang="zh-TW" altLang="en-US" dirty="0"/>
+          </a:p>
+        </p:txBody>
+      </p:sp>
+      <p:sp>
+        <p:nvSpPr>
+          <p:cNvPr id="3" name="內容版面配置區 2"/>
+          <p:cNvSpPr>
+            <a:spLocks noGrp="1"/>
+          </p:cNvSpPr>
+          <p:nvPr>
+            <p:ph idx="1"/>
+          </p:nvPr>
+        </p:nvSpPr>
+        <p:spPr/>
+        <p:txBody>
+          <a:bodyPr/>
+          <a:lstStyle/>
+          <a:p>
+            <a:r>
+              <a:rPr lang="zh-TW" altLang="en-US" dirty="0" smtClean="0"/>
+              <a:t>兩數字計算</a:t>
+            </a:r>
+            <a:endParaRPr lang="en-US" altLang="zh-TW" dirty="0" smtClean="0"/>
+          </a:p>
+          <a:p>
+            <a:pPr lvl="1"/>
+            <a:endParaRPr lang="en-US" altLang="zh-TW" dirty="0" smtClean="0"/>
+          </a:p>
+        </p:txBody>
+      </p:sp>
+      <p:pic>
+        <p:nvPicPr>
+          <p:cNvPr id="4" name="圖片 3" descr="畫面剪輯"/>
+          <p:cNvPicPr>
+            <a:picLocks noChangeAspect="1"/>
+          </p:cNvPicPr>
+          <p:nvPr/>
+        </p:nvPicPr>
+        <p:blipFill>
+          <a:blip r:embed="rId2">
+            <a:extLst>
+              <a:ext uri="{28A0092B-C50C-407E-A947-70E740481C1C}">
+                <a14:useLocalDpi xmlns:a14="http://schemas.microsoft.com/office/drawing/2010/main" val="0"/>
+              </a:ext>
+            </a:extLst>
+          </a:blip>
+          <a:stretch>
+            <a:fillRect/>
+          </a:stretch>
+        </p:blipFill>
+        <p:spPr>
+          <a:xfrm>
+            <a:off x="1382644" y="2295478"/>
+            <a:ext cx="5194002" cy="775224"/>
+          </a:xfrm>
+          <a:prstGeom prst="rect">
+            <a:avLst/>
+          </a:prstGeom>
+        </p:spPr>
+      </p:pic>
+      <p:pic>
+        <p:nvPicPr>
+          <p:cNvPr id="5" name="圖片 4" descr="畫面剪輯"/>
+          <p:cNvPicPr>
+            <a:picLocks noChangeAspect="1"/>
+          </p:cNvPicPr>
+          <p:nvPr/>
+        </p:nvPicPr>
+        <p:blipFill>
+          <a:blip r:embed="rId3">
+            <a:extLst>
+              <a:ext uri="{28A0092B-C50C-407E-A947-70E740481C1C}">
+                <a14:useLocalDpi xmlns:a14="http://schemas.microsoft.com/office/drawing/2010/main" val="0"/>
+              </a:ext>
+            </a:extLst>
+          </a:blip>
+          <a:stretch>
+            <a:fillRect/>
+          </a:stretch>
+        </p:blipFill>
+        <p:spPr>
+          <a:xfrm>
+            <a:off x="1382644" y="3070702"/>
+            <a:ext cx="5026948" cy="784424"/>
+          </a:xfrm>
+          <a:prstGeom prst="rect">
+            <a:avLst/>
+          </a:prstGeom>
+        </p:spPr>
+      </p:pic>
+      <p:pic>
+        <p:nvPicPr>
+          <p:cNvPr id="6" name="圖片 5" descr="畫面剪輯"/>
+          <p:cNvPicPr>
+            <a:picLocks noChangeAspect="1"/>
+          </p:cNvPicPr>
+          <p:nvPr/>
+        </p:nvPicPr>
+        <p:blipFill rotWithShape="1">
+          <a:blip r:embed="rId4">
+            <a:extLst>
+              <a:ext uri="{28A0092B-C50C-407E-A947-70E740481C1C}">
+                <a14:useLocalDpi xmlns:a14="http://schemas.microsoft.com/office/drawing/2010/main" val="0"/>
+              </a:ext>
+            </a:extLst>
+          </a:blip>
+          <a:srcRect t="2831"/>
+          <a:stretch/>
+        </p:blipFill>
+        <p:spPr>
+          <a:xfrm>
+            <a:off x="1382644" y="3877408"/>
+            <a:ext cx="5255548" cy="764941"/>
+          </a:xfrm>
+          <a:prstGeom prst="rect">
+            <a:avLst/>
+          </a:prstGeom>
+        </p:spPr>
+      </p:pic>
+      <p:pic>
+        <p:nvPicPr>
+          <p:cNvPr id="7" name="圖片 6" descr="畫面剪輯"/>
+          <p:cNvPicPr>
+            <a:picLocks noChangeAspect="1"/>
+          </p:cNvPicPr>
+          <p:nvPr/>
+        </p:nvPicPr>
+        <p:blipFill>
+          <a:blip r:embed="rId5">
+            <a:extLst>
+              <a:ext uri="{28A0092B-C50C-407E-A947-70E740481C1C}">
+                <a14:useLocalDpi xmlns:a14="http://schemas.microsoft.com/office/drawing/2010/main" val="0"/>
+              </a:ext>
+            </a:extLst>
+          </a:blip>
+          <a:stretch>
+            <a:fillRect/>
+          </a:stretch>
+        </p:blipFill>
+        <p:spPr>
+          <a:xfrm>
+            <a:off x="1382644" y="4661832"/>
+            <a:ext cx="5528110" cy="789729"/>
+          </a:xfrm>
+          <a:prstGeom prst="rect">
+            <a:avLst/>
+          </a:prstGeom>
+        </p:spPr>
+      </p:pic>
+    </p:spTree>
+    <p:extLst>
+      <p:ext uri="{BB962C8B-B14F-4D97-AF65-F5344CB8AC3E}">
+        <p14:creationId xmlns:p14="http://schemas.microsoft.com/office/powerpoint/2010/main" val="3955144411"/>
       </p:ext>
     </p:extLst>
   </p:cSld>

--- a/投影片/2.asp.net webform 框架.pptx
+++ b/投影片/2.asp.net webform 框架.pptx
@@ -197,7 +197,7 @@
           <a:p>
             <a:fld id="{31CDE89B-FBD9-4E23-BEEB-B0C8819124B3}" type="datetimeFigureOut">
               <a:rPr lang="zh-TW" altLang="en-US" smtClean="0"/>
-              <a:t>2022/2/26</a:t>
+              <a:t>2022/4/17</a:t>
             </a:fld>
             <a:endParaRPr lang="zh-TW" altLang="en-US"/>
           </a:p>
@@ -3068,7 +3068,7 @@
           <a:p>
             <a:fld id="{31CDE89B-FBD9-4E23-BEEB-B0C8819124B3}" type="datetimeFigureOut">
               <a:rPr lang="zh-TW" altLang="en-US" smtClean="0"/>
-              <a:t>2022/2/26</a:t>
+              <a:t>2022/4/17</a:t>
             </a:fld>
             <a:endParaRPr lang="zh-TW" altLang="en-US"/>
           </a:p>
@@ -3260,7 +3260,7 @@
           <a:p>
             <a:fld id="{31CDE89B-FBD9-4E23-BEEB-B0C8819124B3}" type="datetimeFigureOut">
               <a:rPr lang="zh-TW" altLang="en-US" smtClean="0"/>
-              <a:t>2022/2/26</a:t>
+              <a:t>2022/4/17</a:t>
             </a:fld>
             <a:endParaRPr lang="zh-TW" altLang="en-US"/>
           </a:p>
@@ -3456,7 +3456,7 @@
           <a:p>
             <a:fld id="{31CDE89B-FBD9-4E23-BEEB-B0C8819124B3}" type="datetimeFigureOut">
               <a:rPr lang="zh-TW" altLang="en-US" smtClean="0"/>
-              <a:t>2022/2/26</a:t>
+              <a:t>2022/4/17</a:t>
             </a:fld>
             <a:endParaRPr lang="zh-TW" altLang="en-US"/>
           </a:p>
@@ -4552,7 +4552,7 @@
           <a:p>
             <a:fld id="{31CDE89B-FBD9-4E23-BEEB-B0C8819124B3}" type="datetimeFigureOut">
               <a:rPr lang="zh-TW" altLang="en-US" smtClean="0"/>
-              <a:t>2022/2/26</a:t>
+              <a:t>2022/4/17</a:t>
             </a:fld>
             <a:endParaRPr lang="zh-TW" altLang="en-US"/>
           </a:p>
@@ -4801,7 +4801,7 @@
           <a:p>
             <a:fld id="{31CDE89B-FBD9-4E23-BEEB-B0C8819124B3}" type="datetimeFigureOut">
               <a:rPr lang="zh-TW" altLang="en-US" smtClean="0"/>
-              <a:t>2022/2/26</a:t>
+              <a:t>2022/4/17</a:t>
             </a:fld>
             <a:endParaRPr lang="zh-TW" altLang="en-US"/>
           </a:p>
@@ -5180,7 +5180,7 @@
           <a:p>
             <a:fld id="{31CDE89B-FBD9-4E23-BEEB-B0C8819124B3}" type="datetimeFigureOut">
               <a:rPr lang="zh-TW" altLang="en-US" smtClean="0"/>
-              <a:t>2022/2/26</a:t>
+              <a:t>2022/4/17</a:t>
             </a:fld>
             <a:endParaRPr lang="zh-TW" altLang="en-US"/>
           </a:p>
@@ -5310,7 +5310,7 @@
           <a:p>
             <a:fld id="{31CDE89B-FBD9-4E23-BEEB-B0C8819124B3}" type="datetimeFigureOut">
               <a:rPr lang="zh-TW" altLang="en-US" smtClean="0"/>
-              <a:t>2022/2/26</a:t>
+              <a:t>2022/4/17</a:t>
             </a:fld>
             <a:endParaRPr lang="zh-TW" altLang="en-US"/>
           </a:p>
@@ -5417,7 +5417,7 @@
           <a:p>
             <a:fld id="{31CDE89B-FBD9-4E23-BEEB-B0C8819124B3}" type="datetimeFigureOut">
               <a:rPr lang="zh-TW" altLang="en-US" smtClean="0"/>
-              <a:t>2022/2/26</a:t>
+              <a:t>2022/4/17</a:t>
             </a:fld>
             <a:endParaRPr lang="zh-TW" altLang="en-US"/>
           </a:p>
@@ -5706,7 +5706,7 @@
           <a:p>
             <a:fld id="{31CDE89B-FBD9-4E23-BEEB-B0C8819124B3}" type="datetimeFigureOut">
               <a:rPr lang="zh-TW" altLang="en-US" smtClean="0"/>
-              <a:t>2022/2/26</a:t>
+              <a:t>2022/4/17</a:t>
             </a:fld>
             <a:endParaRPr lang="zh-TW" altLang="en-US"/>
           </a:p>
@@ -5971,7 +5971,7 @@
           <a:p>
             <a:fld id="{31CDE89B-FBD9-4E23-BEEB-B0C8819124B3}" type="datetimeFigureOut">
               <a:rPr lang="zh-TW" altLang="en-US" smtClean="0"/>
-              <a:t>2022/2/26</a:t>
+              <a:t>2022/4/17</a:t>
             </a:fld>
             <a:endParaRPr lang="zh-TW" altLang="en-US"/>
           </a:p>
@@ -6196,7 +6196,7 @@
           <a:p>
             <a:fld id="{31CDE89B-FBD9-4E23-BEEB-B0C8819124B3}" type="datetimeFigureOut">
               <a:rPr lang="zh-TW" altLang="en-US" smtClean="0"/>
-              <a:t>2022/2/26</a:t>
+              <a:t>2022/4/17</a:t>
             </a:fld>
             <a:endParaRPr lang="zh-TW" altLang="en-US"/>
           </a:p>
@@ -10706,36 +10706,9 @@
           <a:chExt cx="0" cy="0"/>
         </a:xfrm>
       </p:grpSpPr>
-      <p:sp>
-        <p:nvSpPr>
-          <p:cNvPr id="2" name="標題 1"/>
-          <p:cNvSpPr>
-            <a:spLocks noGrp="1"/>
-          </p:cNvSpPr>
-          <p:nvPr>
-            <p:ph type="title"/>
-          </p:nvPr>
-        </p:nvSpPr>
-        <p:spPr/>
-        <p:txBody>
-          <a:bodyPr/>
-          <a:lstStyle/>
-          <a:p>
-            <a:r>
-              <a:rPr lang="zh-TW" altLang="en-US" dirty="0"/>
-              <a:t>練習</a:t>
-            </a:r>
-            <a:r>
-              <a:rPr lang="en-US" altLang="zh-TW" dirty="0"/>
-              <a:t>Master Page</a:t>
-            </a:r>
-            <a:endParaRPr lang="zh-TW" altLang="en-US" dirty="0"/>
-          </a:p>
-        </p:txBody>
-      </p:sp>
       <p:pic>
         <p:nvPicPr>
-          <p:cNvPr id="4" name="圖片 3" descr="畫面剪輯"/>
+          <p:cNvPr id="13" name="圖片 12" descr="畫面剪輯"/>
           <p:cNvPicPr>
             <a:picLocks noChangeAspect="1"/>
           </p:cNvPicPr>
@@ -10755,14 +10728,101 @@
         </p:blipFill>
         <p:spPr>
           <a:xfrm>
-            <a:off x="645823" y="1469560"/>
-            <a:ext cx="5906324" cy="3162741"/>
+            <a:off x="683266" y="5857735"/>
+            <a:ext cx="5953956" cy="1000265"/>
           </a:xfrm>
           <a:prstGeom prst="rect">
             <a:avLst/>
           </a:prstGeom>
         </p:spPr>
       </p:pic>
+      <p:pic>
+        <p:nvPicPr>
+          <p:cNvPr id="12" name="圖片 11" descr="畫面剪輯"/>
+          <p:cNvPicPr>
+            <a:picLocks noChangeAspect="1"/>
+          </p:cNvPicPr>
+          <p:nvPr/>
+        </p:nvPicPr>
+        <p:blipFill>
+          <a:blip r:embed="rId3">
+            <a:extLst>
+              <a:ext uri="{28A0092B-C50C-407E-A947-70E740481C1C}">
+                <a14:useLocalDpi xmlns:a14="http://schemas.microsoft.com/office/drawing/2010/main" val="0"/>
+              </a:ext>
+            </a:extLst>
+          </a:blip>
+          <a:stretch>
+            <a:fillRect/>
+          </a:stretch>
+        </p:blipFill>
+        <p:spPr>
+          <a:xfrm>
+            <a:off x="683266" y="4812336"/>
+            <a:ext cx="5934903" cy="990738"/>
+          </a:xfrm>
+          <a:prstGeom prst="rect">
+            <a:avLst/>
+          </a:prstGeom>
+        </p:spPr>
+      </p:pic>
+      <p:pic>
+        <p:nvPicPr>
+          <p:cNvPr id="3" name="圖片 2" descr="畫面剪輯"/>
+          <p:cNvPicPr>
+            <a:picLocks noChangeAspect="1"/>
+          </p:cNvPicPr>
+          <p:nvPr/>
+        </p:nvPicPr>
+        <p:blipFill>
+          <a:blip r:embed="rId4">
+            <a:extLst>
+              <a:ext uri="{28A0092B-C50C-407E-A947-70E740481C1C}">
+                <a14:useLocalDpi xmlns:a14="http://schemas.microsoft.com/office/drawing/2010/main" val="0"/>
+              </a:ext>
+            </a:extLst>
+          </a:blip>
+          <a:stretch>
+            <a:fillRect/>
+          </a:stretch>
+        </p:blipFill>
+        <p:spPr>
+          <a:xfrm>
+            <a:off x="659011" y="1237191"/>
+            <a:ext cx="6211167" cy="3496163"/>
+          </a:xfrm>
+          <a:prstGeom prst="rect">
+            <a:avLst/>
+          </a:prstGeom>
+        </p:spPr>
+      </p:pic>
+      <p:sp>
+        <p:nvSpPr>
+          <p:cNvPr id="2" name="標題 1"/>
+          <p:cNvSpPr>
+            <a:spLocks noGrp="1"/>
+          </p:cNvSpPr>
+          <p:nvPr>
+            <p:ph type="title"/>
+          </p:nvPr>
+        </p:nvSpPr>
+        <p:spPr/>
+        <p:txBody>
+          <a:bodyPr/>
+          <a:lstStyle/>
+          <a:p>
+            <a:r>
+              <a:rPr lang="zh-TW" altLang="en-US" dirty="0"/>
+              <a:t>練習</a:t>
+            </a:r>
+            <a:r>
+              <a:rPr lang="en-US" altLang="zh-TW" dirty="0"/>
+              <a:t>Master Page</a:t>
+            </a:r>
+            <a:endParaRPr lang="zh-TW" altLang="en-US" dirty="0"/>
+          </a:p>
+        </p:txBody>
+      </p:sp>
       <p:sp>
         <p:nvSpPr>
           <p:cNvPr id="5" name="矩形 4"/>
@@ -10771,7 +10831,53 @@
         </p:nvSpPr>
         <p:spPr>
           <a:xfrm>
-            <a:off x="1477108" y="3297116"/>
+            <a:off x="1582617" y="3596055"/>
+            <a:ext cx="1960684" cy="175846"/>
+          </a:xfrm>
+          <a:prstGeom prst="rect">
+            <a:avLst/>
+          </a:prstGeom>
+          <a:noFill/>
+          <a:ln>
+            <a:solidFill>
+              <a:srgbClr val="FF0000"/>
+            </a:solidFill>
+          </a:ln>
+        </p:spPr>
+        <p:style>
+          <a:lnRef idx="2">
+            <a:schemeClr val="accent1">
+              <a:shade val="50000"/>
+            </a:schemeClr>
+          </a:lnRef>
+          <a:fillRef idx="1">
+            <a:schemeClr val="accent1"/>
+          </a:fillRef>
+          <a:effectRef idx="0">
+            <a:schemeClr val="accent1"/>
+          </a:effectRef>
+          <a:fontRef idx="minor">
+            <a:schemeClr val="lt1"/>
+          </a:fontRef>
+        </p:style>
+        <p:txBody>
+          <a:bodyPr rtlCol="0" anchor="ctr"/>
+          <a:lstStyle/>
+          <a:p>
+            <a:pPr algn="ctr"/>
+            <a:endParaRPr lang="zh-TW" altLang="en-US"/>
+          </a:p>
+        </p:txBody>
+      </p:sp>
+      <p:sp>
+        <p:nvSpPr>
+          <p:cNvPr id="7" name="矩形 6"/>
+          <p:cNvSpPr/>
+          <p:nvPr/>
+        </p:nvSpPr>
+        <p:spPr>
+          <a:xfrm>
+            <a:off x="1074572" y="5421325"/>
             <a:ext cx="2259623" cy="158261"/>
           </a:xfrm>
           <a:prstGeom prst="rect">
@@ -10809,45 +10915,15 @@
           </a:p>
         </p:txBody>
       </p:sp>
-      <p:pic>
-        <p:nvPicPr>
-          <p:cNvPr id="6" name="圖片 5" descr="畫面剪輯"/>
-          <p:cNvPicPr>
-            <a:picLocks noChangeAspect="1"/>
-          </p:cNvPicPr>
+      <p:sp>
+        <p:nvSpPr>
+          <p:cNvPr id="9" name="矩形 8"/>
+          <p:cNvSpPr/>
           <p:nvPr/>
-        </p:nvPicPr>
-        <p:blipFill>
-          <a:blip r:embed="rId3">
-            <a:extLst>
-              <a:ext uri="{28A0092B-C50C-407E-A947-70E740481C1C}">
-                <a14:useLocalDpi xmlns:a14="http://schemas.microsoft.com/office/drawing/2010/main" val="0"/>
-              </a:ext>
-            </a:extLst>
-          </a:blip>
-          <a:stretch>
-            <a:fillRect/>
-          </a:stretch>
-        </p:blipFill>
+        </p:nvSpPr>
         <p:spPr>
           <a:xfrm>
-            <a:off x="659011" y="4893488"/>
-            <a:ext cx="7020905" cy="609685"/>
-          </a:xfrm>
-          <a:prstGeom prst="rect">
-            <a:avLst/>
-          </a:prstGeom>
-        </p:spPr>
-      </p:pic>
-      <p:sp>
-        <p:nvSpPr>
-          <p:cNvPr id="7" name="矩形 6"/>
-          <p:cNvSpPr/>
-          <p:nvPr/>
-        </p:nvSpPr>
-        <p:spPr>
-          <a:xfrm>
-            <a:off x="1391095" y="5119199"/>
+            <a:off x="1030611" y="6491191"/>
             <a:ext cx="2259623" cy="158261"/>
           </a:xfrm>
           <a:prstGeom prst="rect">
@@ -10885,82 +10961,6 @@
           </a:p>
         </p:txBody>
       </p:sp>
-      <p:pic>
-        <p:nvPicPr>
-          <p:cNvPr id="8" name="圖片 7" descr="畫面剪輯"/>
-          <p:cNvPicPr>
-            <a:picLocks noChangeAspect="1"/>
-          </p:cNvPicPr>
-          <p:nvPr/>
-        </p:nvPicPr>
-        <p:blipFill>
-          <a:blip r:embed="rId4">
-            <a:extLst>
-              <a:ext uri="{28A0092B-C50C-407E-A947-70E740481C1C}">
-                <a14:useLocalDpi xmlns:a14="http://schemas.microsoft.com/office/drawing/2010/main" val="0"/>
-              </a:ext>
-            </a:extLst>
-          </a:blip>
-          <a:stretch>
-            <a:fillRect/>
-          </a:stretch>
-        </p:blipFill>
-        <p:spPr>
-          <a:xfrm>
-            <a:off x="659011" y="5636930"/>
-            <a:ext cx="7004704" cy="588024"/>
-          </a:xfrm>
-          <a:prstGeom prst="rect">
-            <a:avLst/>
-          </a:prstGeom>
-        </p:spPr>
-      </p:pic>
-      <p:sp>
-        <p:nvSpPr>
-          <p:cNvPr id="9" name="矩形 8"/>
-          <p:cNvSpPr/>
-          <p:nvPr/>
-        </p:nvSpPr>
-        <p:spPr>
-          <a:xfrm>
-            <a:off x="1052591" y="5851811"/>
-            <a:ext cx="2259623" cy="158261"/>
-          </a:xfrm>
-          <a:prstGeom prst="rect">
-            <a:avLst/>
-          </a:prstGeom>
-          <a:noFill/>
-          <a:ln>
-            <a:solidFill>
-              <a:srgbClr val="FF0000"/>
-            </a:solidFill>
-          </a:ln>
-        </p:spPr>
-        <p:style>
-          <a:lnRef idx="2">
-            <a:schemeClr val="accent1">
-              <a:shade val="50000"/>
-            </a:schemeClr>
-          </a:lnRef>
-          <a:fillRef idx="1">
-            <a:schemeClr val="accent1"/>
-          </a:fillRef>
-          <a:effectRef idx="0">
-            <a:schemeClr val="accent1"/>
-          </a:effectRef>
-          <a:fontRef idx="minor">
-            <a:schemeClr val="lt1"/>
-          </a:fontRef>
-        </p:style>
-        <p:txBody>
-          <a:bodyPr rtlCol="0" anchor="ctr"/>
-          <a:lstStyle/>
-          <a:p>
-            <a:pPr algn="ctr"/>
-            <a:endParaRPr lang="zh-TW" altLang="en-US"/>
-          </a:p>
-        </p:txBody>
-      </p:sp>
       <p:sp>
         <p:nvSpPr>
           <p:cNvPr id="10" name="矩形 9"/>
@@ -10969,8 +10969,8 @@
         </p:nvSpPr>
         <p:spPr>
           <a:xfrm>
-            <a:off x="7808140" y="5667145"/>
-            <a:ext cx="2031325" cy="369332"/>
+            <a:off x="7109170" y="5978037"/>
+            <a:ext cx="2146742" cy="369332"/>
           </a:xfrm>
           <a:prstGeom prst="rect">
             <a:avLst/>
@@ -10990,7 +10990,7 @@
                 <a:latin typeface="細明體" panose="02020509000000000000" pitchFamily="49" charset="-120"/>
                 <a:ea typeface="細明體" panose="02020509000000000000" pitchFamily="49" charset="-120"/>
               </a:rPr>
-              <a:t>useTryMarstPage2</a:t>
+              <a:t>useTryMasterPage2</a:t>
             </a:r>
             <a:endParaRPr lang="zh-TW" altLang="en-US" dirty="0"/>
           </a:p>
@@ -11004,8 +11004,8 @@
         </p:nvSpPr>
         <p:spPr>
           <a:xfrm>
-            <a:off x="7808140" y="5013663"/>
-            <a:ext cx="2031325" cy="369332"/>
+            <a:off x="7109170" y="5324555"/>
+            <a:ext cx="2146742" cy="369332"/>
           </a:xfrm>
           <a:prstGeom prst="rect">
             <a:avLst/>
@@ -11025,7 +11025,7 @@
                 <a:latin typeface="細明體" panose="02020509000000000000" pitchFamily="49" charset="-120"/>
                 <a:ea typeface="細明體" panose="02020509000000000000" pitchFamily="49" charset="-120"/>
               </a:rPr>
-              <a:t>useTryMarstPage1</a:t>
+              <a:t>useTryMasterPage1</a:t>
             </a:r>
             <a:endParaRPr lang="zh-TW" altLang="en-US" dirty="0"/>
           </a:p>
@@ -11039,7 +11039,7 @@
         </p:nvSpPr>
         <p:spPr>
           <a:xfrm>
-            <a:off x="6677815" y="2723899"/>
+            <a:off x="7170717" y="2729914"/>
             <a:ext cx="1685077" cy="369332"/>
           </a:xfrm>
           <a:prstGeom prst="rect">
@@ -11291,42 +11291,13 @@
           <a:chExt cx="0" cy="0"/>
         </a:xfrm>
       </p:grpSpPr>
-      <p:sp>
-        <p:nvSpPr>
-          <p:cNvPr id="2" name="標題 1"/>
-          <p:cNvSpPr>
-            <a:spLocks noGrp="1"/>
-          </p:cNvSpPr>
-          <p:nvPr>
-            <p:ph type="title"/>
-          </p:nvPr>
-        </p:nvSpPr>
-        <p:spPr/>
-        <p:txBody>
-          <a:bodyPr/>
-          <a:lstStyle/>
-          <a:p>
-            <a:r>
-              <a:rPr lang="zh-TW" altLang="en-US" dirty="0"/>
-              <a:t>練習</a:t>
-            </a:r>
-            <a:r>
-              <a:rPr lang="en-US" altLang="zh-TW" dirty="0"/>
-              <a:t>Master Page</a:t>
-            </a:r>
-            <a:endParaRPr lang="zh-TW" altLang="en-US" dirty="0"/>
-          </a:p>
-        </p:txBody>
-      </p:sp>
       <p:pic>
         <p:nvPicPr>
-          <p:cNvPr id="4" name="內容版面配置區 3" descr="畫面剪輯"/>
+          <p:cNvPr id="6" name="圖片 5" descr="畫面剪輯"/>
           <p:cNvPicPr>
-            <a:picLocks noGrp="1" noChangeAspect="1"/>
+            <a:picLocks noChangeAspect="1"/>
           </p:cNvPicPr>
-          <p:nvPr>
-            <p:ph idx="1"/>
-          </p:nvPr>
+          <p:nvPr/>
         </p:nvPicPr>
         <p:blipFill>
           <a:blip r:embed="rId2">
@@ -11342,11 +11313,41 @@
         </p:blipFill>
         <p:spPr>
           <a:xfrm>
-            <a:off x="2864200" y="1892811"/>
-            <a:ext cx="6363588" cy="4058216"/>
+            <a:off x="1775635" y="1650430"/>
+            <a:ext cx="7424042" cy="4178870"/>
           </a:xfrm>
+          <a:prstGeom prst="rect">
+            <a:avLst/>
+          </a:prstGeom>
         </p:spPr>
       </p:pic>
+      <p:sp>
+        <p:nvSpPr>
+          <p:cNvPr id="2" name="標題 1"/>
+          <p:cNvSpPr>
+            <a:spLocks noGrp="1"/>
+          </p:cNvSpPr>
+          <p:nvPr>
+            <p:ph type="title"/>
+          </p:nvPr>
+        </p:nvSpPr>
+        <p:spPr/>
+        <p:txBody>
+          <a:bodyPr/>
+          <a:lstStyle/>
+          <a:p>
+            <a:r>
+              <a:rPr lang="zh-TW" altLang="en-US" dirty="0"/>
+              <a:t>練習</a:t>
+            </a:r>
+            <a:r>
+              <a:rPr lang="en-US" altLang="zh-TW" dirty="0"/>
+              <a:t>Master Page</a:t>
+            </a:r>
+            <a:endParaRPr lang="zh-TW" altLang="en-US" dirty="0"/>
+          </a:p>
+        </p:txBody>
+      </p:sp>
       <p:sp>
         <p:nvSpPr>
           <p:cNvPr id="5" name="矩形 4"/>
@@ -11355,7 +11356,7 @@
         </p:nvSpPr>
         <p:spPr>
           <a:xfrm>
-            <a:off x="3499338" y="2681654"/>
+            <a:off x="2365130" y="2488223"/>
             <a:ext cx="2664070" cy="896815"/>
           </a:xfrm>
           <a:prstGeom prst="rect">
@@ -12964,11 +12965,7 @@
             <a:pPr lvl="1"/>
             <a:r>
               <a:rPr lang="zh-TW" altLang="en-US" dirty="0" smtClean="0"/>
-              <a:t>取</a:t>
-            </a:r>
-            <a:r>
-              <a:rPr lang="zh-TW" altLang="en-US" dirty="0" smtClean="0"/>
-              <a:t>：</a:t>
+              <a:t>取：</a:t>
             </a:r>
             <a:r>
               <a:rPr lang="en-US" altLang="zh-TW" dirty="0" err="1" smtClean="0"/>
@@ -12980,11 +12977,7 @@
             </a:r>
             <a:r>
               <a:rPr lang="en-US" altLang="zh-TW" dirty="0" smtClean="0"/>
-              <a:t>= </a:t>
-            </a:r>
-            <a:r>
-              <a:rPr lang="en-US" altLang="zh-TW" dirty="0" smtClean="0"/>
-              <a:t>Application</a:t>
+              <a:t>= Application</a:t>
             </a:r>
             <a:r>
               <a:rPr lang="en-US" altLang="zh-TW" dirty="0"/>
@@ -13546,11 +13539,7 @@
             <a:pPr lvl="1"/>
             <a:r>
               <a:rPr lang="zh-TW" altLang="en-US" dirty="0" smtClean="0"/>
-              <a:t>資料</a:t>
-            </a:r>
-            <a:r>
-              <a:rPr lang="zh-TW" altLang="en-US" dirty="0" smtClean="0"/>
-              <a:t>依據</a:t>
+              <a:t>資料依據</a:t>
             </a:r>
             <a:r>
               <a:rPr lang="en-US" altLang="zh-TW" dirty="0" smtClean="0"/>
@@ -14353,11 +14342,7 @@
             </a:r>
             <a:r>
               <a:rPr lang="zh-TW" altLang="en-US" dirty="0" smtClean="0"/>
-              <a:t>數字</a:t>
-            </a:r>
-            <a:r>
-              <a:rPr lang="zh-TW" altLang="en-US" dirty="0" smtClean="0"/>
-              <a:t>累加</a:t>
+              <a:t>數字累加</a:t>
             </a:r>
             <a:endParaRPr lang="zh-TW" altLang="en-US" dirty="0"/>
           </a:p>
@@ -16346,7 +16331,6 @@
               <a:rPr lang="zh-TW" altLang="en-US" dirty="0"/>
               <a:t>課後加分作業</a:t>
             </a:r>
-            <a:endParaRPr lang="zh-TW" altLang="en-US" dirty="0"/>
           </a:p>
         </p:txBody>
       </p:sp>
